--- a/dev/fluor/The AquaDucks/The AquaDucks Presentation.pptx
+++ b/dev/fluor/The AquaDucks/The AquaDucks Presentation.pptx
@@ -7,8 +7,15 @@
   <p:sldIdLst>
     <p:sldId id="256" r:id="rId2"/>
     <p:sldId id="257" r:id="rId3"/>
-    <p:sldId id="258" r:id="rId4"/>
-    <p:sldId id="259" r:id="rId5"/>
+    <p:sldId id="260" r:id="rId4"/>
+    <p:sldId id="261" r:id="rId5"/>
+    <p:sldId id="262" r:id="rId6"/>
+    <p:sldId id="263" r:id="rId7"/>
+    <p:sldId id="264" r:id="rId8"/>
+    <p:sldId id="266" r:id="rId9"/>
+    <p:sldId id="267" r:id="rId10"/>
+    <p:sldId id="265" r:id="rId11"/>
+    <p:sldId id="258" r:id="rId12"/>
   </p:sldIdLst>
   <p:sldSz cx="12192000" cy="6858000"/>
   <p:notesSz cx="6858000" cy="9144000"/>
@@ -107,6 +114,11 @@
       </a:defRPr>
     </a:lvl9pPr>
   </p:defaultTextStyle>
+  <p:extLst>
+    <p:ext uri="{EFAFB233-063F-42B5-8137-9DF3F51BA10A}">
+      <p15:sldGuideLst xmlns:p15="http://schemas.microsoft.com/office/powerpoint/2012/main"/>
+    </p:ext>
+  </p:extLst>
 </p:presentation>
 </file>
 
@@ -257,7 +269,7 @@
           <a:p>
             <a:fld id="{6A1BF488-617C-45ED-ACF4-41A8189FD430}" type="datetimeFigureOut">
               <a:rPr lang="en-US" smtClean="0"/>
-              <a:t>10/24/2019</a:t>
+              <a:t>10/25/19</a:t>
             </a:fld>
             <a:endParaRPr lang="en-US"/>
           </a:p>
@@ -455,7 +467,7 @@
           <a:p>
             <a:fld id="{6A1BF488-617C-45ED-ACF4-41A8189FD430}" type="datetimeFigureOut">
               <a:rPr lang="en-US" smtClean="0"/>
-              <a:t>10/24/2019</a:t>
+              <a:t>10/25/19</a:t>
             </a:fld>
             <a:endParaRPr lang="en-US"/>
           </a:p>
@@ -663,7 +675,7 @@
           <a:p>
             <a:fld id="{6A1BF488-617C-45ED-ACF4-41A8189FD430}" type="datetimeFigureOut">
               <a:rPr lang="en-US" smtClean="0"/>
-              <a:t>10/24/2019</a:t>
+              <a:t>10/25/19</a:t>
             </a:fld>
             <a:endParaRPr lang="en-US"/>
           </a:p>
@@ -861,7 +873,7 @@
           <a:p>
             <a:fld id="{6A1BF488-617C-45ED-ACF4-41A8189FD430}" type="datetimeFigureOut">
               <a:rPr lang="en-US" smtClean="0"/>
-              <a:t>10/24/2019</a:t>
+              <a:t>10/25/19</a:t>
             </a:fld>
             <a:endParaRPr lang="en-US"/>
           </a:p>
@@ -1136,7 +1148,7 @@
           <a:p>
             <a:fld id="{6A1BF488-617C-45ED-ACF4-41A8189FD430}" type="datetimeFigureOut">
               <a:rPr lang="en-US" smtClean="0"/>
-              <a:t>10/24/2019</a:t>
+              <a:t>10/25/19</a:t>
             </a:fld>
             <a:endParaRPr lang="en-US"/>
           </a:p>
@@ -1401,7 +1413,7 @@
           <a:p>
             <a:fld id="{6A1BF488-617C-45ED-ACF4-41A8189FD430}" type="datetimeFigureOut">
               <a:rPr lang="en-US" smtClean="0"/>
-              <a:t>10/24/2019</a:t>
+              <a:t>10/25/19</a:t>
             </a:fld>
             <a:endParaRPr lang="en-US"/>
           </a:p>
@@ -1813,7 +1825,7 @@
           <a:p>
             <a:fld id="{6A1BF488-617C-45ED-ACF4-41A8189FD430}" type="datetimeFigureOut">
               <a:rPr lang="en-US" smtClean="0"/>
-              <a:t>10/24/2019</a:t>
+              <a:t>10/25/19</a:t>
             </a:fld>
             <a:endParaRPr lang="en-US"/>
           </a:p>
@@ -1954,7 +1966,7 @@
           <a:p>
             <a:fld id="{6A1BF488-617C-45ED-ACF4-41A8189FD430}" type="datetimeFigureOut">
               <a:rPr lang="en-US" smtClean="0"/>
-              <a:t>10/24/2019</a:t>
+              <a:t>10/25/19</a:t>
             </a:fld>
             <a:endParaRPr lang="en-US"/>
           </a:p>
@@ -2067,7 +2079,7 @@
           <a:p>
             <a:fld id="{6A1BF488-617C-45ED-ACF4-41A8189FD430}" type="datetimeFigureOut">
               <a:rPr lang="en-US" smtClean="0"/>
-              <a:t>10/24/2019</a:t>
+              <a:t>10/25/19</a:t>
             </a:fld>
             <a:endParaRPr lang="en-US"/>
           </a:p>
@@ -2378,7 +2390,7 @@
           <a:p>
             <a:fld id="{6A1BF488-617C-45ED-ACF4-41A8189FD430}" type="datetimeFigureOut">
               <a:rPr lang="en-US" smtClean="0"/>
-              <a:t>10/24/2019</a:t>
+              <a:t>10/25/19</a:t>
             </a:fld>
             <a:endParaRPr lang="en-US"/>
           </a:p>
@@ -2666,7 +2678,7 @@
           <a:p>
             <a:fld id="{6A1BF488-617C-45ED-ACF4-41A8189FD430}" type="datetimeFigureOut">
               <a:rPr lang="en-US" smtClean="0"/>
-              <a:t>10/24/2019</a:t>
+              <a:t>10/25/19</a:t>
             </a:fld>
             <a:endParaRPr lang="en-US"/>
           </a:p>
@@ -2907,7 +2919,7 @@
           <a:p>
             <a:fld id="{6A1BF488-617C-45ED-ACF4-41A8189FD430}" type="datetimeFigureOut">
               <a:rPr lang="en-US" smtClean="0"/>
-              <a:t>10/24/2019</a:t>
+              <a:t>10/25/19</a:t>
             </a:fld>
             <a:endParaRPr lang="en-US"/>
           </a:p>
@@ -3342,7 +3354,7 @@
         </p:nvSpPr>
         <p:spPr>
           <a:xfrm>
-            <a:off x="1523999" y="300455"/>
+            <a:off x="1524000" y="1343809"/>
             <a:ext cx="9144000" cy="915265"/>
           </a:xfrm>
         </p:spPr>
@@ -3380,8 +3392,8 @@
         </p:nvSpPr>
         <p:spPr>
           <a:xfrm>
-            <a:off x="1025162" y="4915918"/>
-            <a:ext cx="6130647" cy="1655762"/>
+            <a:off x="1065420" y="3390351"/>
+            <a:ext cx="10278518" cy="1655762"/>
           </a:xfrm>
         </p:spPr>
         <p:txBody>
@@ -3438,10 +3450,270 @@
           </a:p>
         </p:txBody>
       </p:sp>
+      <p:pic>
+        <p:nvPicPr>
+          <p:cNvPr id="5" name="Picture 4">
+            <a:extLst>
+              <a:ext uri="{FF2B5EF4-FFF2-40B4-BE49-F238E27FC236}">
+                <a16:creationId xmlns:a16="http://schemas.microsoft.com/office/drawing/2014/main" id="{C7A66275-09A8-3C4D-991D-DED4B8FF59F9}"/>
+              </a:ext>
+            </a:extLst>
+          </p:cNvPr>
+          <p:cNvPicPr>
+            <a:picLocks noChangeAspect="1"/>
+          </p:cNvPicPr>
+          <p:nvPr/>
+        </p:nvPicPr>
+        <p:blipFill rotWithShape="1">
+          <a:blip r:embed="rId2">
+            <a:extLst>
+              <a:ext uri="{28A0092B-C50C-407E-A947-70E740481C1C}">
+                <a14:useLocalDpi xmlns:a14="http://schemas.microsoft.com/office/drawing/2010/main" val="0"/>
+              </a:ext>
+            </a:extLst>
+          </a:blip>
+          <a:srcRect l="22876" t="22340" r="18127" b="18129"/>
+          <a:stretch/>
+        </p:blipFill>
+        <p:spPr>
+          <a:xfrm>
+            <a:off x="203773" y="212532"/>
+            <a:ext cx="1723294" cy="1655762"/>
+          </a:xfrm>
+          <a:prstGeom prst="rect">
+            <a:avLst/>
+          </a:prstGeom>
+        </p:spPr>
+      </p:pic>
+      <p:pic>
+        <p:nvPicPr>
+          <p:cNvPr id="7" name="Picture 6">
+            <a:extLst>
+              <a:ext uri="{FF2B5EF4-FFF2-40B4-BE49-F238E27FC236}">
+                <a16:creationId xmlns:a16="http://schemas.microsoft.com/office/drawing/2014/main" id="{3BB71C58-F40B-6745-BA35-1E8800389644}"/>
+              </a:ext>
+            </a:extLst>
+          </p:cNvPr>
+          <p:cNvPicPr>
+            <a:picLocks noChangeAspect="1"/>
+          </p:cNvPicPr>
+          <p:nvPr/>
+        </p:nvPicPr>
+        <p:blipFill>
+          <a:blip r:embed="rId3">
+            <a:extLst>
+              <a:ext uri="{28A0092B-C50C-407E-A947-70E740481C1C}">
+                <a14:useLocalDpi xmlns:a14="http://schemas.microsoft.com/office/drawing/2010/main" val="0"/>
+              </a:ext>
+            </a:extLst>
+          </a:blip>
+          <a:stretch>
+            <a:fillRect/>
+          </a:stretch>
+        </p:blipFill>
+        <p:spPr>
+          <a:xfrm>
+            <a:off x="8784579" y="573999"/>
+            <a:ext cx="3180199" cy="769810"/>
+          </a:xfrm>
+          <a:prstGeom prst="rect">
+            <a:avLst/>
+          </a:prstGeom>
+        </p:spPr>
+      </p:pic>
     </p:spTree>
     <p:extLst>
       <p:ext uri="{BB962C8B-B14F-4D97-AF65-F5344CB8AC3E}">
         <p14:creationId xmlns:p14="http://schemas.microsoft.com/office/powerpoint/2010/main" val="2538659974"/>
+      </p:ext>
+    </p:extLst>
+  </p:cSld>
+  <p:clrMapOvr>
+    <a:masterClrMapping/>
+  </p:clrMapOvr>
+</p:sld>
+</file>
+
+<file path=ppt/slides/slide10.xml><?xml version="1.0" encoding="utf-8"?>
+<p:sld xmlns:a="http://schemas.openxmlformats.org/drawingml/2006/main" xmlns:r="http://schemas.openxmlformats.org/officeDocument/2006/relationships" xmlns:p="http://schemas.openxmlformats.org/presentationml/2006/main">
+  <p:cSld>
+    <p:spTree>
+      <p:nvGrpSpPr>
+        <p:cNvPr id="1" name=""/>
+        <p:cNvGrpSpPr/>
+        <p:nvPr/>
+      </p:nvGrpSpPr>
+      <p:grpSpPr>
+        <a:xfrm>
+          <a:off x="0" y="0"/>
+          <a:ext cx="0" cy="0"/>
+          <a:chOff x="0" y="0"/>
+          <a:chExt cx="0" cy="0"/>
+        </a:xfrm>
+      </p:grpSpPr>
+      <p:sp>
+        <p:nvSpPr>
+          <p:cNvPr id="2" name="Title 1">
+            <a:extLst>
+              <a:ext uri="{FF2B5EF4-FFF2-40B4-BE49-F238E27FC236}">
+                <a16:creationId xmlns:a16="http://schemas.microsoft.com/office/drawing/2014/main" id="{A6A8ED33-335E-F04F-8005-06EB5DEEB604}"/>
+              </a:ext>
+            </a:extLst>
+          </p:cNvPr>
+          <p:cNvSpPr>
+            <a:spLocks noGrp="1"/>
+          </p:cNvSpPr>
+          <p:nvPr>
+            <p:ph type="title"/>
+          </p:nvPr>
+        </p:nvSpPr>
+        <p:spPr/>
+        <p:txBody>
+          <a:bodyPr/>
+          <a:lstStyle/>
+          <a:p>
+            <a:pPr algn="ctr"/>
+            <a:r>
+              <a:rPr lang="en-US" dirty="0"/>
+              <a:t>Backup Slides</a:t>
+            </a:r>
+          </a:p>
+        </p:txBody>
+      </p:sp>
+    </p:spTree>
+    <p:extLst>
+      <p:ext uri="{BB962C8B-B14F-4D97-AF65-F5344CB8AC3E}">
+        <p14:creationId xmlns:p14="http://schemas.microsoft.com/office/powerpoint/2010/main" val="459446304"/>
+      </p:ext>
+    </p:extLst>
+  </p:cSld>
+  <p:clrMapOvr>
+    <a:masterClrMapping/>
+  </p:clrMapOvr>
+</p:sld>
+</file>
+
+<file path=ppt/slides/slide11.xml><?xml version="1.0" encoding="utf-8"?>
+<p:sld xmlns:a="http://schemas.openxmlformats.org/drawingml/2006/main" xmlns:r="http://schemas.openxmlformats.org/officeDocument/2006/relationships" xmlns:p="http://schemas.openxmlformats.org/presentationml/2006/main">
+  <p:cSld>
+    <p:spTree>
+      <p:nvGrpSpPr>
+        <p:cNvPr id="1" name=""/>
+        <p:cNvGrpSpPr/>
+        <p:nvPr/>
+      </p:nvGrpSpPr>
+      <p:grpSpPr>
+        <a:xfrm>
+          <a:off x="0" y="0"/>
+          <a:ext cx="0" cy="0"/>
+          <a:chOff x="0" y="0"/>
+          <a:chExt cx="0" cy="0"/>
+        </a:xfrm>
+      </p:grpSpPr>
+      <p:sp>
+        <p:nvSpPr>
+          <p:cNvPr id="2" name="Title 1">
+            <a:extLst>
+              <a:ext uri="{FF2B5EF4-FFF2-40B4-BE49-F238E27FC236}">
+                <a16:creationId xmlns:a16="http://schemas.microsoft.com/office/drawing/2014/main" id="{C0C2F9D2-FA0B-41FD-B348-22B3076934FE}"/>
+              </a:ext>
+            </a:extLst>
+          </p:cNvPr>
+          <p:cNvSpPr>
+            <a:spLocks noGrp="1"/>
+          </p:cNvSpPr>
+          <p:nvPr>
+            <p:ph type="title"/>
+          </p:nvPr>
+        </p:nvSpPr>
+        <p:spPr/>
+        <p:txBody>
+          <a:bodyPr/>
+          <a:lstStyle/>
+          <a:p>
+            <a:pPr algn="ctr"/>
+            <a:r>
+              <a:rPr lang="en-US" dirty="0"/>
+              <a:t>Our overall approach</a:t>
+            </a:r>
+          </a:p>
+        </p:txBody>
+      </p:sp>
+      <p:sp>
+        <p:nvSpPr>
+          <p:cNvPr id="3" name="Content Placeholder 2">
+            <a:extLst>
+              <a:ext uri="{FF2B5EF4-FFF2-40B4-BE49-F238E27FC236}">
+                <a16:creationId xmlns:a16="http://schemas.microsoft.com/office/drawing/2014/main" id="{46CEFD87-813E-49BC-AD6A-918D394F9FC2}"/>
+              </a:ext>
+            </a:extLst>
+          </p:cNvPr>
+          <p:cNvSpPr>
+            <a:spLocks noGrp="1"/>
+          </p:cNvSpPr>
+          <p:nvPr>
+            <p:ph idx="1"/>
+          </p:nvPr>
+        </p:nvSpPr>
+        <p:spPr/>
+        <p:txBody>
+          <a:bodyPr/>
+          <a:lstStyle/>
+          <a:p>
+            <a:r>
+              <a:rPr lang="en-US" dirty="0"/>
+              <a:t>Since none of us knew anything about pipelines prior to this project, we knew we would need some type of iterative method to test solutions</a:t>
+            </a:r>
+          </a:p>
+          <a:p>
+            <a:r>
+              <a:rPr lang="en-US" dirty="0"/>
+              <a:t>Iteration requires subgroups – created groups in order of priority:</a:t>
+            </a:r>
+          </a:p>
+          <a:p>
+            <a:pPr marL="914400" lvl="1" indent="-457200">
+              <a:buFont typeface="+mj-lt"/>
+              <a:buAutoNum type="arabicPeriod"/>
+            </a:pPr>
+            <a:r>
+              <a:rPr lang="en-US" dirty="0"/>
+              <a:t>Constancy – what things will not change between designs?</a:t>
+            </a:r>
+          </a:p>
+          <a:p>
+            <a:pPr marL="914400" lvl="1" indent="-457200">
+              <a:buFont typeface="+mj-lt"/>
+              <a:buAutoNum type="arabicPeriod"/>
+            </a:pPr>
+            <a:r>
+              <a:rPr lang="en-US" dirty="0"/>
+              <a:t>Group Size – which groups are smallest? Start with those.</a:t>
+            </a:r>
+          </a:p>
+          <a:p>
+            <a:pPr marL="914400" lvl="1" indent="-457200">
+              <a:buFont typeface="+mj-lt"/>
+              <a:buAutoNum type="arabicPeriod"/>
+            </a:pPr>
+            <a:r>
+              <a:rPr lang="en-US" dirty="0"/>
+              <a:t>Ease of solution – by completing the easiest pieces first, we can minimize the number of places at which to evaluate the difficult components</a:t>
+            </a:r>
+          </a:p>
+          <a:p>
+            <a:pPr marL="914400" lvl="1" indent="-457200">
+              <a:buFont typeface="+mj-lt"/>
+              <a:buAutoNum type="arabicPeriod"/>
+            </a:pPr>
+            <a:endParaRPr lang="en-US" dirty="0"/>
+          </a:p>
+        </p:txBody>
+      </p:sp>
+    </p:spTree>
+    <p:extLst>
+      <p:ext uri="{BB962C8B-B14F-4D97-AF65-F5344CB8AC3E}">
+        <p14:creationId xmlns:p14="http://schemas.microsoft.com/office/powerpoint/2010/main" val="3797191583"/>
       </p:ext>
     </p:extLst>
   </p:cSld>
@@ -3744,7 +4016,7 @@
           <p:cNvPr id="2" name="Title 1">
             <a:extLst>
               <a:ext uri="{FF2B5EF4-FFF2-40B4-BE49-F238E27FC236}">
-                <a16:creationId xmlns:a16="http://schemas.microsoft.com/office/drawing/2014/main" id="{C0C2F9D2-FA0B-41FD-B348-22B3076934FE}"/>
+                <a16:creationId xmlns:a16="http://schemas.microsoft.com/office/drawing/2014/main" id="{F3953578-AC2C-F246-8DAE-6FDE9D406DA9}"/>
               </a:ext>
             </a:extLst>
           </p:cNvPr>
@@ -3763,7 +4035,7 @@
             <a:pPr algn="ctr"/>
             <a:r>
               <a:rPr lang="en-US" dirty="0"/>
-              <a:t>Our overall approach</a:t>
+              <a:t>Time Management</a:t>
             </a:r>
           </a:p>
         </p:txBody>
@@ -3773,7 +4045,7 @@
           <p:cNvPr id="3" name="Content Placeholder 2">
             <a:extLst>
               <a:ext uri="{FF2B5EF4-FFF2-40B4-BE49-F238E27FC236}">
-                <a16:creationId xmlns:a16="http://schemas.microsoft.com/office/drawing/2014/main" id="{46CEFD87-813E-49BC-AD6A-918D394F9FC2}"/>
+                <a16:creationId xmlns:a16="http://schemas.microsoft.com/office/drawing/2014/main" id="{45383E73-4C00-2841-93F9-7B7719B23492}"/>
               </a:ext>
             </a:extLst>
           </p:cNvPr>
@@ -3791,58 +4063,21 @@
           <a:p>
             <a:r>
               <a:rPr lang="en-US" dirty="0"/>
-              <a:t>Since none of us knew anything about pipelines prior to this project, we knew we would need some type of iterative method to test solutions</a:t>
+              <a:t>How long did each section take?</a:t>
             </a:r>
           </a:p>
           <a:p>
             <a:r>
               <a:rPr lang="en-US" dirty="0"/>
-              <a:t>Iteration requires subgroups – created groups in order of priority:</a:t>
-            </a:r>
-          </a:p>
-          <a:p>
-            <a:pPr marL="914400" lvl="1" indent="-457200">
-              <a:buFont typeface="+mj-lt"/>
-              <a:buAutoNum type="arabicPeriod"/>
-            </a:pPr>
-            <a:r>
-              <a:rPr lang="en-US" dirty="0"/>
-              <a:t>Constancy – what things will not change between designs?</a:t>
-            </a:r>
-          </a:p>
-          <a:p>
-            <a:pPr marL="914400" lvl="1" indent="-457200">
-              <a:buFont typeface="+mj-lt"/>
-              <a:buAutoNum type="arabicPeriod"/>
-            </a:pPr>
-            <a:r>
-              <a:rPr lang="en-US" dirty="0"/>
-              <a:t>Group Size – which groups are smallest? Start with those.</a:t>
-            </a:r>
-          </a:p>
-          <a:p>
-            <a:pPr marL="914400" lvl="1" indent="-457200">
-              <a:buFont typeface="+mj-lt"/>
-              <a:buAutoNum type="arabicPeriod"/>
-            </a:pPr>
-            <a:r>
-              <a:rPr lang="en-US" dirty="0"/>
-              <a:t>Ease of solution – by completing the easiest pieces first, we can minimize the number of places at which to evaluate the difficult components</a:t>
-            </a:r>
-          </a:p>
-          <a:p>
-            <a:pPr marL="914400" lvl="1" indent="-457200">
-              <a:buFont typeface="+mj-lt"/>
-              <a:buAutoNum type="arabicPeriod"/>
-            </a:pPr>
-            <a:endParaRPr lang="en-US" dirty="0"/>
+              <a:t>What were the overall steps to solve the problem?</a:t>
+            </a:r>
           </a:p>
         </p:txBody>
       </p:sp>
     </p:spTree>
     <p:extLst>
       <p:ext uri="{BB962C8B-B14F-4D97-AF65-F5344CB8AC3E}">
-        <p14:creationId xmlns:p14="http://schemas.microsoft.com/office/powerpoint/2010/main" val="3797191583"/>
+        <p14:creationId xmlns:p14="http://schemas.microsoft.com/office/powerpoint/2010/main" val="406993690"/>
       </p:ext>
     </p:extLst>
   </p:cSld>
@@ -3871,10 +4106,39 @@
       </p:grpSpPr>
       <p:sp>
         <p:nvSpPr>
+          <p:cNvPr id="2" name="Title 1">
+            <a:extLst>
+              <a:ext uri="{FF2B5EF4-FFF2-40B4-BE49-F238E27FC236}">
+                <a16:creationId xmlns:a16="http://schemas.microsoft.com/office/drawing/2014/main" id="{564562A0-1726-074A-962A-BCD7FC1A442A}"/>
+              </a:ext>
+            </a:extLst>
+          </p:cNvPr>
+          <p:cNvSpPr>
+            <a:spLocks noGrp="1"/>
+          </p:cNvSpPr>
+          <p:nvPr>
+            <p:ph type="title"/>
+          </p:nvPr>
+        </p:nvSpPr>
+        <p:spPr/>
+        <p:txBody>
+          <a:bodyPr/>
+          <a:lstStyle/>
+          <a:p>
+            <a:pPr algn="ctr"/>
+            <a:r>
+              <a:rPr lang="en-US" dirty="0"/>
+              <a:t>Calculations</a:t>
+            </a:r>
+          </a:p>
+        </p:txBody>
+      </p:sp>
+      <p:sp>
+        <p:nvSpPr>
           <p:cNvPr id="3" name="Content Placeholder 2">
             <a:extLst>
               <a:ext uri="{FF2B5EF4-FFF2-40B4-BE49-F238E27FC236}">
-                <a16:creationId xmlns:a16="http://schemas.microsoft.com/office/drawing/2014/main" id="{E5184CDF-D760-4997-AD15-7EBCCA1912B9}"/>
+                <a16:creationId xmlns:a16="http://schemas.microsoft.com/office/drawing/2014/main" id="{23A484A1-8CB2-C44A-ABFF-8826CFB4A700}"/>
               </a:ext>
             </a:extLst>
           </p:cNvPr>
@@ -3885,24 +4149,14 @@
             <p:ph idx="1"/>
           </p:nvPr>
         </p:nvSpPr>
-        <p:spPr>
-          <a:xfrm>
-            <a:off x="2406067" y="2760487"/>
-            <a:ext cx="7379865" cy="1337025"/>
-          </a:xfrm>
-        </p:spPr>
-        <p:txBody>
-          <a:bodyPr>
-            <a:normAutofit/>
-          </a:bodyPr>
-          <a:lstStyle/>
-          <a:p>
-            <a:pPr marL="0" indent="0" algn="ctr">
-              <a:buNone/>
-            </a:pPr>
-            <a:r>
-              <a:rPr lang="en-US" sz="3600" dirty="0"/>
-              <a:t>That’s nice, but what does it mean?!</a:t>
+        <p:spPr/>
+        <p:txBody>
+          <a:bodyPr/>
+          <a:lstStyle/>
+          <a:p>
+            <a:r>
+              <a:rPr lang="en-US" dirty="0"/>
+              <a:t>Summarize results</a:t>
             </a:r>
           </a:p>
         </p:txBody>
@@ -3910,7 +4164,885 @@
     </p:spTree>
     <p:extLst>
       <p:ext uri="{BB962C8B-B14F-4D97-AF65-F5344CB8AC3E}">
-        <p14:creationId xmlns:p14="http://schemas.microsoft.com/office/powerpoint/2010/main" val="2245615265"/>
+        <p14:creationId xmlns:p14="http://schemas.microsoft.com/office/powerpoint/2010/main" val="689369372"/>
+      </p:ext>
+    </p:extLst>
+  </p:cSld>
+  <p:clrMapOvr>
+    <a:masterClrMapping/>
+  </p:clrMapOvr>
+</p:sld>
+</file>
+
+<file path=ppt/slides/slide5.xml><?xml version="1.0" encoding="utf-8"?>
+<p:sld xmlns:a="http://schemas.openxmlformats.org/drawingml/2006/main" xmlns:r="http://schemas.openxmlformats.org/officeDocument/2006/relationships" xmlns:p="http://schemas.openxmlformats.org/presentationml/2006/main">
+  <p:cSld>
+    <p:spTree>
+      <p:nvGrpSpPr>
+        <p:cNvPr id="1" name=""/>
+        <p:cNvGrpSpPr/>
+        <p:nvPr/>
+      </p:nvGrpSpPr>
+      <p:grpSpPr>
+        <a:xfrm>
+          <a:off x="0" y="0"/>
+          <a:ext cx="0" cy="0"/>
+          <a:chOff x="0" y="0"/>
+          <a:chExt cx="0" cy="0"/>
+        </a:xfrm>
+      </p:grpSpPr>
+      <p:sp>
+        <p:nvSpPr>
+          <p:cNvPr id="2" name="Title 1">
+            <a:extLst>
+              <a:ext uri="{FF2B5EF4-FFF2-40B4-BE49-F238E27FC236}">
+                <a16:creationId xmlns:a16="http://schemas.microsoft.com/office/drawing/2014/main" id="{681DED21-DF87-624A-9DFC-CF2538DE2303}"/>
+              </a:ext>
+            </a:extLst>
+          </p:cNvPr>
+          <p:cNvSpPr>
+            <a:spLocks noGrp="1"/>
+          </p:cNvSpPr>
+          <p:nvPr>
+            <p:ph type="title"/>
+          </p:nvPr>
+        </p:nvSpPr>
+        <p:spPr/>
+        <p:txBody>
+          <a:bodyPr/>
+          <a:lstStyle/>
+          <a:p>
+            <a:pPr algn="ctr"/>
+            <a:r>
+              <a:rPr lang="en-US" dirty="0"/>
+              <a:t>Constructability</a:t>
+            </a:r>
+          </a:p>
+        </p:txBody>
+      </p:sp>
+      <p:sp>
+        <p:nvSpPr>
+          <p:cNvPr id="3" name="Content Placeholder 2">
+            <a:extLst>
+              <a:ext uri="{FF2B5EF4-FFF2-40B4-BE49-F238E27FC236}">
+                <a16:creationId xmlns:a16="http://schemas.microsoft.com/office/drawing/2014/main" id="{1F502F02-AB89-9A4F-B1AB-87EAF524B755}"/>
+              </a:ext>
+            </a:extLst>
+          </p:cNvPr>
+          <p:cNvSpPr>
+            <a:spLocks noGrp="1"/>
+          </p:cNvSpPr>
+          <p:nvPr>
+            <p:ph idx="1"/>
+          </p:nvPr>
+        </p:nvSpPr>
+        <p:spPr/>
+        <p:txBody>
+          <a:bodyPr/>
+          <a:lstStyle/>
+          <a:p>
+            <a:r>
+              <a:rPr lang="en-US" dirty="0"/>
+              <a:t>Summary of process</a:t>
+            </a:r>
+          </a:p>
+        </p:txBody>
+      </p:sp>
+    </p:spTree>
+    <p:extLst>
+      <p:ext uri="{BB962C8B-B14F-4D97-AF65-F5344CB8AC3E}">
+        <p14:creationId xmlns:p14="http://schemas.microsoft.com/office/powerpoint/2010/main" val="1544625445"/>
+      </p:ext>
+    </p:extLst>
+  </p:cSld>
+  <p:clrMapOvr>
+    <a:masterClrMapping/>
+  </p:clrMapOvr>
+</p:sld>
+</file>
+
+<file path=ppt/slides/slide6.xml><?xml version="1.0" encoding="utf-8"?>
+<p:sld xmlns:a="http://schemas.openxmlformats.org/drawingml/2006/main" xmlns:r="http://schemas.openxmlformats.org/officeDocument/2006/relationships" xmlns:p="http://schemas.openxmlformats.org/presentationml/2006/main">
+  <p:cSld>
+    <p:spTree>
+      <p:nvGrpSpPr>
+        <p:cNvPr id="1" name=""/>
+        <p:cNvGrpSpPr/>
+        <p:nvPr/>
+      </p:nvGrpSpPr>
+      <p:grpSpPr>
+        <a:xfrm>
+          <a:off x="0" y="0"/>
+          <a:ext cx="0" cy="0"/>
+          <a:chOff x="0" y="0"/>
+          <a:chExt cx="0" cy="0"/>
+        </a:xfrm>
+      </p:grpSpPr>
+      <p:sp>
+        <p:nvSpPr>
+          <p:cNvPr id="2" name="Title 1">
+            <a:extLst>
+              <a:ext uri="{FF2B5EF4-FFF2-40B4-BE49-F238E27FC236}">
+                <a16:creationId xmlns:a16="http://schemas.microsoft.com/office/drawing/2014/main" id="{D06A9ED8-DD87-2140-BEC3-643896B25143}"/>
+              </a:ext>
+            </a:extLst>
+          </p:cNvPr>
+          <p:cNvSpPr>
+            <a:spLocks noGrp="1"/>
+          </p:cNvSpPr>
+          <p:nvPr>
+            <p:ph type="title"/>
+          </p:nvPr>
+        </p:nvSpPr>
+        <p:spPr/>
+        <p:txBody>
+          <a:bodyPr/>
+          <a:lstStyle/>
+          <a:p>
+            <a:pPr algn="ctr"/>
+            <a:r>
+              <a:rPr lang="en-US" dirty="0"/>
+              <a:t>Zero-Based Execution</a:t>
+            </a:r>
+          </a:p>
+        </p:txBody>
+      </p:sp>
+      <p:sp>
+        <p:nvSpPr>
+          <p:cNvPr id="3" name="Content Placeholder 2">
+            <a:extLst>
+              <a:ext uri="{FF2B5EF4-FFF2-40B4-BE49-F238E27FC236}">
+                <a16:creationId xmlns:a16="http://schemas.microsoft.com/office/drawing/2014/main" id="{2FE0C855-EBDC-FB4A-9CD4-96A5ADB6D8CF}"/>
+              </a:ext>
+            </a:extLst>
+          </p:cNvPr>
+          <p:cNvSpPr>
+            <a:spLocks noGrp="1"/>
+          </p:cNvSpPr>
+          <p:nvPr>
+            <p:ph idx="1"/>
+          </p:nvPr>
+        </p:nvSpPr>
+        <p:spPr/>
+        <p:txBody>
+          <a:bodyPr/>
+          <a:lstStyle/>
+          <a:p>
+            <a:r>
+              <a:rPr lang="en-US" dirty="0"/>
+              <a:t>Summary</a:t>
+            </a:r>
+          </a:p>
+        </p:txBody>
+      </p:sp>
+    </p:spTree>
+    <p:extLst>
+      <p:ext uri="{BB962C8B-B14F-4D97-AF65-F5344CB8AC3E}">
+        <p14:creationId xmlns:p14="http://schemas.microsoft.com/office/powerpoint/2010/main" val="2064180662"/>
+      </p:ext>
+    </p:extLst>
+  </p:cSld>
+  <p:clrMapOvr>
+    <a:masterClrMapping/>
+  </p:clrMapOvr>
+</p:sld>
+</file>
+
+<file path=ppt/slides/slide7.xml><?xml version="1.0" encoding="utf-8"?>
+<p:sld xmlns:a="http://schemas.openxmlformats.org/drawingml/2006/main" xmlns:r="http://schemas.openxmlformats.org/officeDocument/2006/relationships" xmlns:p="http://schemas.openxmlformats.org/presentationml/2006/main">
+  <p:cSld>
+    <p:spTree>
+      <p:nvGrpSpPr>
+        <p:cNvPr id="1" name=""/>
+        <p:cNvGrpSpPr/>
+        <p:nvPr/>
+      </p:nvGrpSpPr>
+      <p:grpSpPr>
+        <a:xfrm>
+          <a:off x="0" y="0"/>
+          <a:ext cx="0" cy="0"/>
+          <a:chOff x="0" y="0"/>
+          <a:chExt cx="0" cy="0"/>
+        </a:xfrm>
+      </p:grpSpPr>
+      <p:sp>
+        <p:nvSpPr>
+          <p:cNvPr id="2" name="Title 1">
+            <a:extLst>
+              <a:ext uri="{FF2B5EF4-FFF2-40B4-BE49-F238E27FC236}">
+                <a16:creationId xmlns:a16="http://schemas.microsoft.com/office/drawing/2014/main" id="{B5A84D1F-120D-1F44-8907-5AD5A4F0ED55}"/>
+              </a:ext>
+            </a:extLst>
+          </p:cNvPr>
+          <p:cNvSpPr>
+            <a:spLocks noGrp="1"/>
+          </p:cNvSpPr>
+          <p:nvPr>
+            <p:ph type="title"/>
+          </p:nvPr>
+        </p:nvSpPr>
+        <p:spPr/>
+        <p:txBody>
+          <a:bodyPr/>
+          <a:lstStyle/>
+          <a:p>
+            <a:pPr algn="ctr"/>
+            <a:r>
+              <a:rPr lang="en-US" dirty="0"/>
+              <a:t>Modularization and Risk Assessment</a:t>
+            </a:r>
+          </a:p>
+        </p:txBody>
+      </p:sp>
+      <p:sp>
+        <p:nvSpPr>
+          <p:cNvPr id="3" name="Content Placeholder 2">
+            <a:extLst>
+              <a:ext uri="{FF2B5EF4-FFF2-40B4-BE49-F238E27FC236}">
+                <a16:creationId xmlns:a16="http://schemas.microsoft.com/office/drawing/2014/main" id="{7CB5C8AD-2517-984B-82E9-785FA47419CF}"/>
+              </a:ext>
+            </a:extLst>
+          </p:cNvPr>
+          <p:cNvSpPr>
+            <a:spLocks noGrp="1"/>
+          </p:cNvSpPr>
+          <p:nvPr>
+            <p:ph idx="1"/>
+          </p:nvPr>
+        </p:nvSpPr>
+        <p:spPr/>
+        <p:txBody>
+          <a:bodyPr/>
+          <a:lstStyle/>
+          <a:p>
+            <a:r>
+              <a:rPr lang="en-US" dirty="0"/>
+              <a:t>Modularization seems to reduce costs at the expense of changing risks</a:t>
+            </a:r>
+          </a:p>
+          <a:p>
+            <a:r>
+              <a:rPr lang="en-US" dirty="0"/>
+              <a:t>Risks are decreased</a:t>
+            </a:r>
+          </a:p>
+        </p:txBody>
+      </p:sp>
+    </p:spTree>
+    <p:extLst>
+      <p:ext uri="{BB962C8B-B14F-4D97-AF65-F5344CB8AC3E}">
+        <p14:creationId xmlns:p14="http://schemas.microsoft.com/office/powerpoint/2010/main" val="488885204"/>
+      </p:ext>
+    </p:extLst>
+  </p:cSld>
+  <p:clrMapOvr>
+    <a:masterClrMapping/>
+  </p:clrMapOvr>
+</p:sld>
+</file>
+
+<file path=ppt/slides/slide8.xml><?xml version="1.0" encoding="utf-8"?>
+<p:sld xmlns:a="http://schemas.openxmlformats.org/drawingml/2006/main" xmlns:r="http://schemas.openxmlformats.org/officeDocument/2006/relationships" xmlns:p="http://schemas.openxmlformats.org/presentationml/2006/main">
+  <p:cSld>
+    <p:spTree>
+      <p:nvGrpSpPr>
+        <p:cNvPr id="1" name=""/>
+        <p:cNvGrpSpPr/>
+        <p:nvPr/>
+      </p:nvGrpSpPr>
+      <p:grpSpPr>
+        <a:xfrm>
+          <a:off x="0" y="0"/>
+          <a:ext cx="0" cy="0"/>
+          <a:chOff x="0" y="0"/>
+          <a:chExt cx="0" cy="0"/>
+        </a:xfrm>
+      </p:grpSpPr>
+      <p:sp>
+        <p:nvSpPr>
+          <p:cNvPr id="2" name="Title 1">
+            <a:extLst>
+              <a:ext uri="{FF2B5EF4-FFF2-40B4-BE49-F238E27FC236}">
+                <a16:creationId xmlns:a16="http://schemas.microsoft.com/office/drawing/2014/main" id="{4D18C295-152E-9144-850D-C09E6899CB86}"/>
+              </a:ext>
+            </a:extLst>
+          </p:cNvPr>
+          <p:cNvSpPr>
+            <a:spLocks noGrp="1"/>
+          </p:cNvSpPr>
+          <p:nvPr>
+            <p:ph type="title"/>
+          </p:nvPr>
+        </p:nvSpPr>
+        <p:spPr/>
+        <p:txBody>
+          <a:bodyPr/>
+          <a:lstStyle/>
+          <a:p>
+            <a:pPr algn="ctr"/>
+            <a:r>
+              <a:rPr lang="en-US" dirty="0"/>
+              <a:t>Proposed Innovation Concept</a:t>
+            </a:r>
+          </a:p>
+        </p:txBody>
+      </p:sp>
+      <p:sp>
+        <p:nvSpPr>
+          <p:cNvPr id="3" name="Content Placeholder 2">
+            <a:extLst>
+              <a:ext uri="{FF2B5EF4-FFF2-40B4-BE49-F238E27FC236}">
+                <a16:creationId xmlns:a16="http://schemas.microsoft.com/office/drawing/2014/main" id="{8640F600-B9D9-F246-8924-D74A8E739F38}"/>
+              </a:ext>
+            </a:extLst>
+          </p:cNvPr>
+          <p:cNvSpPr>
+            <a:spLocks noGrp="1"/>
+          </p:cNvSpPr>
+          <p:nvPr>
+            <p:ph idx="1"/>
+          </p:nvPr>
+        </p:nvSpPr>
+        <p:spPr/>
+        <p:txBody>
+          <a:bodyPr/>
+          <a:lstStyle/>
+          <a:p>
+            <a:r>
+              <a:rPr lang="en-US" dirty="0"/>
+              <a:t>One large pump creates a large pressure increase</a:t>
+            </a:r>
+          </a:p>
+          <a:p>
+            <a:pPr lvl="1"/>
+            <a:r>
+              <a:rPr lang="en-US" dirty="0"/>
+              <a:t>This corresponds to a requirement for thicker walls</a:t>
+            </a:r>
+          </a:p>
+        </p:txBody>
+      </p:sp>
+      <p:cxnSp>
+        <p:nvCxnSpPr>
+          <p:cNvPr id="5" name="Straight Connector 4">
+            <a:extLst>
+              <a:ext uri="{FF2B5EF4-FFF2-40B4-BE49-F238E27FC236}">
+                <a16:creationId xmlns:a16="http://schemas.microsoft.com/office/drawing/2014/main" id="{0CCDAD2F-BD99-5749-A7D4-18E863D4806F}"/>
+              </a:ext>
+            </a:extLst>
+          </p:cNvPr>
+          <p:cNvCxnSpPr/>
+          <p:nvPr/>
+        </p:nvCxnSpPr>
+        <p:spPr>
+          <a:xfrm>
+            <a:off x="1847461" y="3097861"/>
+            <a:ext cx="0" cy="3079102"/>
+          </a:xfrm>
+          <a:prstGeom prst="line">
+            <a:avLst/>
+          </a:prstGeom>
+          <a:ln>
+            <a:solidFill>
+              <a:schemeClr val="tx1"/>
+            </a:solidFill>
+          </a:ln>
+        </p:spPr>
+        <p:style>
+          <a:lnRef idx="1">
+            <a:schemeClr val="accent1"/>
+          </a:lnRef>
+          <a:fillRef idx="0">
+            <a:schemeClr val="accent1"/>
+          </a:fillRef>
+          <a:effectRef idx="0">
+            <a:schemeClr val="accent1"/>
+          </a:effectRef>
+          <a:fontRef idx="minor">
+            <a:schemeClr val="tx1"/>
+          </a:fontRef>
+        </p:style>
+      </p:cxnSp>
+      <p:cxnSp>
+        <p:nvCxnSpPr>
+          <p:cNvPr id="6" name="Straight Connector 5">
+            <a:extLst>
+              <a:ext uri="{FF2B5EF4-FFF2-40B4-BE49-F238E27FC236}">
+                <a16:creationId xmlns:a16="http://schemas.microsoft.com/office/drawing/2014/main" id="{2132654E-E379-E146-A510-BC00E07AB25B}"/>
+              </a:ext>
+            </a:extLst>
+          </p:cNvPr>
+          <p:cNvCxnSpPr>
+            <a:cxnSpLocks/>
+          </p:cNvCxnSpPr>
+          <p:nvPr/>
+        </p:nvCxnSpPr>
+        <p:spPr>
+          <a:xfrm flipH="1">
+            <a:off x="1847461" y="6176963"/>
+            <a:ext cx="7725747" cy="0"/>
+          </a:xfrm>
+          <a:prstGeom prst="line">
+            <a:avLst/>
+          </a:prstGeom>
+          <a:ln>
+            <a:solidFill>
+              <a:schemeClr val="tx1"/>
+            </a:solidFill>
+          </a:ln>
+        </p:spPr>
+        <p:style>
+          <a:lnRef idx="1">
+            <a:schemeClr val="accent1"/>
+          </a:lnRef>
+          <a:fillRef idx="0">
+            <a:schemeClr val="accent1"/>
+          </a:fillRef>
+          <a:effectRef idx="0">
+            <a:schemeClr val="accent1"/>
+          </a:effectRef>
+          <a:fontRef idx="minor">
+            <a:schemeClr val="tx1"/>
+          </a:fontRef>
+        </p:style>
+      </p:cxnSp>
+      <p:cxnSp>
+        <p:nvCxnSpPr>
+          <p:cNvPr id="9" name="Straight Connector 8">
+            <a:extLst>
+              <a:ext uri="{FF2B5EF4-FFF2-40B4-BE49-F238E27FC236}">
+                <a16:creationId xmlns:a16="http://schemas.microsoft.com/office/drawing/2014/main" id="{D1D94DF8-0C8B-AC43-A1DE-C9D87588A10B}"/>
+              </a:ext>
+            </a:extLst>
+          </p:cNvPr>
+          <p:cNvCxnSpPr>
+            <a:cxnSpLocks/>
+          </p:cNvCxnSpPr>
+          <p:nvPr/>
+        </p:nvCxnSpPr>
+        <p:spPr>
+          <a:xfrm flipH="1" flipV="1">
+            <a:off x="1852127" y="4900273"/>
+            <a:ext cx="1004596" cy="268886"/>
+          </a:xfrm>
+          <a:prstGeom prst="line">
+            <a:avLst/>
+          </a:prstGeom>
+          <a:ln w="38100"/>
+        </p:spPr>
+        <p:style>
+          <a:lnRef idx="1">
+            <a:schemeClr val="dk1"/>
+          </a:lnRef>
+          <a:fillRef idx="0">
+            <a:schemeClr val="dk1"/>
+          </a:fillRef>
+          <a:effectRef idx="0">
+            <a:schemeClr val="dk1"/>
+          </a:effectRef>
+          <a:fontRef idx="minor">
+            <a:schemeClr val="tx1"/>
+          </a:fontRef>
+        </p:style>
+      </p:cxnSp>
+      <p:cxnSp>
+        <p:nvCxnSpPr>
+          <p:cNvPr id="12" name="Straight Connector 11">
+            <a:extLst>
+              <a:ext uri="{FF2B5EF4-FFF2-40B4-BE49-F238E27FC236}">
+                <a16:creationId xmlns:a16="http://schemas.microsoft.com/office/drawing/2014/main" id="{AC51D2C7-FC24-1E41-AB8B-E868B08535D8}"/>
+              </a:ext>
+            </a:extLst>
+          </p:cNvPr>
+          <p:cNvCxnSpPr>
+            <a:cxnSpLocks/>
+          </p:cNvCxnSpPr>
+          <p:nvPr/>
+        </p:nvCxnSpPr>
+        <p:spPr>
+          <a:xfrm flipV="1">
+            <a:off x="2856723" y="3265714"/>
+            <a:ext cx="0" cy="1903445"/>
+          </a:xfrm>
+          <a:prstGeom prst="line">
+            <a:avLst/>
+          </a:prstGeom>
+          <a:ln w="38100"/>
+        </p:spPr>
+        <p:style>
+          <a:lnRef idx="1">
+            <a:schemeClr val="dk1"/>
+          </a:lnRef>
+          <a:fillRef idx="0">
+            <a:schemeClr val="dk1"/>
+          </a:fillRef>
+          <a:effectRef idx="0">
+            <a:schemeClr val="dk1"/>
+          </a:effectRef>
+          <a:fontRef idx="minor">
+            <a:schemeClr val="tx1"/>
+          </a:fontRef>
+        </p:style>
+      </p:cxnSp>
+      <p:cxnSp>
+        <p:nvCxnSpPr>
+          <p:cNvPr id="15" name="Straight Connector 14">
+            <a:extLst>
+              <a:ext uri="{FF2B5EF4-FFF2-40B4-BE49-F238E27FC236}">
+                <a16:creationId xmlns:a16="http://schemas.microsoft.com/office/drawing/2014/main" id="{56285797-C98B-9240-BCF5-74D39B5170D2}"/>
+              </a:ext>
+            </a:extLst>
+          </p:cNvPr>
+          <p:cNvCxnSpPr>
+            <a:cxnSpLocks/>
+          </p:cNvCxnSpPr>
+          <p:nvPr/>
+        </p:nvCxnSpPr>
+        <p:spPr>
+          <a:xfrm flipH="1" flipV="1">
+            <a:off x="2856723" y="3268841"/>
+            <a:ext cx="6100665" cy="1765875"/>
+          </a:xfrm>
+          <a:prstGeom prst="line">
+            <a:avLst/>
+          </a:prstGeom>
+          <a:ln w="38100"/>
+        </p:spPr>
+        <p:style>
+          <a:lnRef idx="1">
+            <a:schemeClr val="dk1"/>
+          </a:lnRef>
+          <a:fillRef idx="0">
+            <a:schemeClr val="dk1"/>
+          </a:fillRef>
+          <a:effectRef idx="0">
+            <a:schemeClr val="dk1"/>
+          </a:effectRef>
+          <a:fontRef idx="minor">
+            <a:schemeClr val="tx1"/>
+          </a:fontRef>
+        </p:style>
+      </p:cxnSp>
+      <p:cxnSp>
+        <p:nvCxnSpPr>
+          <p:cNvPr id="18" name="Straight Connector 17">
+            <a:extLst>
+              <a:ext uri="{FF2B5EF4-FFF2-40B4-BE49-F238E27FC236}">
+                <a16:creationId xmlns:a16="http://schemas.microsoft.com/office/drawing/2014/main" id="{A80D34C9-64DA-E84F-872A-6D1E32F97633}"/>
+              </a:ext>
+            </a:extLst>
+          </p:cNvPr>
+          <p:cNvCxnSpPr>
+            <a:cxnSpLocks/>
+          </p:cNvCxnSpPr>
+          <p:nvPr/>
+        </p:nvCxnSpPr>
+        <p:spPr>
+          <a:xfrm flipV="1">
+            <a:off x="2856723" y="2996829"/>
+            <a:ext cx="0" cy="3180134"/>
+          </a:xfrm>
+          <a:prstGeom prst="line">
+            <a:avLst/>
+          </a:prstGeom>
+          <a:ln w="19050">
+            <a:solidFill>
+              <a:srgbClr val="0070C0"/>
+            </a:solidFill>
+            <a:prstDash val="dash"/>
+          </a:ln>
+        </p:spPr>
+        <p:style>
+          <a:lnRef idx="1">
+            <a:schemeClr val="dk1"/>
+          </a:lnRef>
+          <a:fillRef idx="0">
+            <a:schemeClr val="dk1"/>
+          </a:fillRef>
+          <a:effectRef idx="0">
+            <a:schemeClr val="dk1"/>
+          </a:effectRef>
+          <a:fontRef idx="minor">
+            <a:schemeClr val="tx1"/>
+          </a:fontRef>
+        </p:style>
+      </p:cxnSp>
+      <p:cxnSp>
+        <p:nvCxnSpPr>
+          <p:cNvPr id="20" name="Straight Connector 19">
+            <a:extLst>
+              <a:ext uri="{FF2B5EF4-FFF2-40B4-BE49-F238E27FC236}">
+                <a16:creationId xmlns:a16="http://schemas.microsoft.com/office/drawing/2014/main" id="{067749D8-AC3F-994C-B5D5-6BE4C222FD2C}"/>
+              </a:ext>
+            </a:extLst>
+          </p:cNvPr>
+          <p:cNvCxnSpPr>
+            <a:cxnSpLocks/>
+          </p:cNvCxnSpPr>
+          <p:nvPr/>
+        </p:nvCxnSpPr>
+        <p:spPr>
+          <a:xfrm>
+            <a:off x="1847461" y="5034716"/>
+            <a:ext cx="7940351" cy="0"/>
+          </a:xfrm>
+          <a:prstGeom prst="line">
+            <a:avLst/>
+          </a:prstGeom>
+          <a:ln w="19050">
+            <a:solidFill>
+              <a:srgbClr val="FF0000"/>
+            </a:solidFill>
+            <a:prstDash val="dash"/>
+          </a:ln>
+        </p:spPr>
+        <p:style>
+          <a:lnRef idx="1">
+            <a:schemeClr val="dk1"/>
+          </a:lnRef>
+          <a:fillRef idx="0">
+            <a:schemeClr val="dk1"/>
+          </a:fillRef>
+          <a:effectRef idx="0">
+            <a:schemeClr val="dk1"/>
+          </a:effectRef>
+          <a:fontRef idx="minor">
+            <a:schemeClr val="tx1"/>
+          </a:fontRef>
+        </p:style>
+      </p:cxnSp>
+      <p:sp>
+        <p:nvSpPr>
+          <p:cNvPr id="24" name="TextBox 23">
+            <a:extLst>
+              <a:ext uri="{FF2B5EF4-FFF2-40B4-BE49-F238E27FC236}">
+                <a16:creationId xmlns:a16="http://schemas.microsoft.com/office/drawing/2014/main" id="{B9B85174-7840-734A-BEE8-DD70EF076005}"/>
+              </a:ext>
+            </a:extLst>
+          </p:cNvPr>
+          <p:cNvSpPr txBox="1"/>
+          <p:nvPr/>
+        </p:nvSpPr>
+        <p:spPr>
+          <a:xfrm rot="16200000">
+            <a:off x="836400" y="4317265"/>
+            <a:ext cx="1643463" cy="369332"/>
+          </a:xfrm>
+          <a:prstGeom prst="rect">
+            <a:avLst/>
+          </a:prstGeom>
+          <a:noFill/>
+        </p:spPr>
+        <p:txBody>
+          <a:bodyPr wrap="none" rtlCol="0">
+            <a:spAutoFit/>
+          </a:bodyPr>
+          <a:lstStyle/>
+          <a:p>
+            <a:r>
+              <a:rPr lang="en-US" dirty="0"/>
+              <a:t>Gauge Pressure</a:t>
+            </a:r>
+          </a:p>
+        </p:txBody>
+      </p:sp>
+      <p:sp>
+        <p:nvSpPr>
+          <p:cNvPr id="25" name="TextBox 24">
+            <a:extLst>
+              <a:ext uri="{FF2B5EF4-FFF2-40B4-BE49-F238E27FC236}">
+                <a16:creationId xmlns:a16="http://schemas.microsoft.com/office/drawing/2014/main" id="{6943D52C-C481-E940-9F60-78D5768FFD2C}"/>
+              </a:ext>
+            </a:extLst>
+          </p:cNvPr>
+          <p:cNvSpPr txBox="1"/>
+          <p:nvPr/>
+        </p:nvSpPr>
+        <p:spPr>
+          <a:xfrm>
+            <a:off x="5108806" y="6160678"/>
+            <a:ext cx="987193" cy="369332"/>
+          </a:xfrm>
+          <a:prstGeom prst="rect">
+            <a:avLst/>
+          </a:prstGeom>
+          <a:noFill/>
+        </p:spPr>
+        <p:txBody>
+          <a:bodyPr wrap="none" rtlCol="0">
+            <a:spAutoFit/>
+          </a:bodyPr>
+          <a:lstStyle/>
+          <a:p>
+            <a:r>
+              <a:rPr lang="en-US" dirty="0"/>
+              <a:t>Distance</a:t>
+            </a:r>
+          </a:p>
+        </p:txBody>
+      </p:sp>
+      <p:sp>
+        <p:nvSpPr>
+          <p:cNvPr id="26" name="TextBox 25">
+            <a:extLst>
+              <a:ext uri="{FF2B5EF4-FFF2-40B4-BE49-F238E27FC236}">
+                <a16:creationId xmlns:a16="http://schemas.microsoft.com/office/drawing/2014/main" id="{3D47ACEB-CCD5-2849-8BE6-A2B2580DC7C7}"/>
+              </a:ext>
+            </a:extLst>
+          </p:cNvPr>
+          <p:cNvSpPr txBox="1"/>
+          <p:nvPr/>
+        </p:nvSpPr>
+        <p:spPr>
+          <a:xfrm>
+            <a:off x="4788456" y="5026573"/>
+            <a:ext cx="3673442" cy="369332"/>
+          </a:xfrm>
+          <a:prstGeom prst="rect">
+            <a:avLst/>
+          </a:prstGeom>
+          <a:noFill/>
+        </p:spPr>
+        <p:txBody>
+          <a:bodyPr wrap="none" rtlCol="0">
+            <a:spAutoFit/>
+          </a:bodyPr>
+          <a:lstStyle/>
+          <a:p>
+            <a:r>
+              <a:rPr lang="en-US" dirty="0">
+                <a:solidFill>
+                  <a:srgbClr val="FF0000"/>
+                </a:solidFill>
+              </a:rPr>
+              <a:t>Minimum required pressure at outlet</a:t>
+            </a:r>
+          </a:p>
+        </p:txBody>
+      </p:sp>
+      <p:sp>
+        <p:nvSpPr>
+          <p:cNvPr id="27" name="TextBox 26">
+            <a:extLst>
+              <a:ext uri="{FF2B5EF4-FFF2-40B4-BE49-F238E27FC236}">
+                <a16:creationId xmlns:a16="http://schemas.microsoft.com/office/drawing/2014/main" id="{3C455EF3-1A89-4E41-819A-6B1CE604C87B}"/>
+              </a:ext>
+            </a:extLst>
+          </p:cNvPr>
+          <p:cNvSpPr txBox="1"/>
+          <p:nvPr/>
+        </p:nvSpPr>
+        <p:spPr>
+          <a:xfrm>
+            <a:off x="2856723" y="5639251"/>
+            <a:ext cx="1581651" cy="369332"/>
+          </a:xfrm>
+          <a:prstGeom prst="rect">
+            <a:avLst/>
+          </a:prstGeom>
+          <a:noFill/>
+        </p:spPr>
+        <p:txBody>
+          <a:bodyPr wrap="none" rtlCol="0">
+            <a:spAutoFit/>
+          </a:bodyPr>
+          <a:lstStyle/>
+          <a:p>
+            <a:r>
+              <a:rPr lang="en-US" dirty="0">
+                <a:solidFill>
+                  <a:srgbClr val="0070C0"/>
+                </a:solidFill>
+              </a:rPr>
+              <a:t>Pump Location</a:t>
+            </a:r>
+          </a:p>
+        </p:txBody>
+      </p:sp>
+    </p:spTree>
+    <p:extLst>
+      <p:ext uri="{BB962C8B-B14F-4D97-AF65-F5344CB8AC3E}">
+        <p14:creationId xmlns:p14="http://schemas.microsoft.com/office/powerpoint/2010/main" val="3482469565"/>
+      </p:ext>
+    </p:extLst>
+  </p:cSld>
+  <p:clrMapOvr>
+    <a:masterClrMapping/>
+  </p:clrMapOvr>
+</p:sld>
+</file>
+
+<file path=ppt/slides/slide9.xml><?xml version="1.0" encoding="utf-8"?>
+<p:sld xmlns:a="http://schemas.openxmlformats.org/drawingml/2006/main" xmlns:r="http://schemas.openxmlformats.org/officeDocument/2006/relationships" xmlns:p="http://schemas.openxmlformats.org/presentationml/2006/main">
+  <p:cSld>
+    <p:spTree>
+      <p:nvGrpSpPr>
+        <p:cNvPr id="1" name=""/>
+        <p:cNvGrpSpPr/>
+        <p:nvPr/>
+      </p:nvGrpSpPr>
+      <p:grpSpPr>
+        <a:xfrm>
+          <a:off x="0" y="0"/>
+          <a:ext cx="0" cy="0"/>
+          <a:chOff x="0" y="0"/>
+          <a:chExt cx="0" cy="0"/>
+        </a:xfrm>
+      </p:grpSpPr>
+      <p:sp>
+        <p:nvSpPr>
+          <p:cNvPr id="2" name="Title 1">
+            <a:extLst>
+              <a:ext uri="{FF2B5EF4-FFF2-40B4-BE49-F238E27FC236}">
+                <a16:creationId xmlns:a16="http://schemas.microsoft.com/office/drawing/2014/main" id="{EAE224F5-7B45-F145-9CC5-F38D9D49C32A}"/>
+              </a:ext>
+            </a:extLst>
+          </p:cNvPr>
+          <p:cNvSpPr>
+            <a:spLocks noGrp="1"/>
+          </p:cNvSpPr>
+          <p:nvPr>
+            <p:ph type="title"/>
+          </p:nvPr>
+        </p:nvSpPr>
+        <p:spPr/>
+        <p:txBody>
+          <a:bodyPr/>
+          <a:lstStyle/>
+          <a:p>
+            <a:endParaRPr lang="en-US"/>
+          </a:p>
+        </p:txBody>
+      </p:sp>
+      <p:sp>
+        <p:nvSpPr>
+          <p:cNvPr id="3" name="Content Placeholder 2">
+            <a:extLst>
+              <a:ext uri="{FF2B5EF4-FFF2-40B4-BE49-F238E27FC236}">
+                <a16:creationId xmlns:a16="http://schemas.microsoft.com/office/drawing/2014/main" id="{BCB64847-6D84-1E41-B7E2-C51F07969D1D}"/>
+              </a:ext>
+            </a:extLst>
+          </p:cNvPr>
+          <p:cNvSpPr>
+            <a:spLocks noGrp="1"/>
+          </p:cNvSpPr>
+          <p:nvPr>
+            <p:ph idx="1"/>
+          </p:nvPr>
+        </p:nvSpPr>
+        <p:spPr/>
+        <p:txBody>
+          <a:bodyPr/>
+          <a:lstStyle/>
+          <a:p>
+            <a:endParaRPr lang="en-US"/>
+          </a:p>
+        </p:txBody>
+      </p:sp>
+    </p:spTree>
+    <p:extLst>
+      <p:ext uri="{BB962C8B-B14F-4D97-AF65-F5344CB8AC3E}">
+        <p14:creationId xmlns:p14="http://schemas.microsoft.com/office/powerpoint/2010/main" val="2848671031"/>
       </p:ext>
     </p:extLst>
   </p:cSld>

--- a/dev/fluor/The AquaDucks/The AquaDucks Presentation.pptx
+++ b/dev/fluor/The AquaDucks/The AquaDucks Presentation.pptx
@@ -4,18 +4,29 @@
   <p:sldMasterIdLst>
     <p:sldMasterId id="2147483648" r:id="rId1"/>
   </p:sldMasterIdLst>
+  <p:notesMasterIdLst>
+    <p:notesMasterId r:id="rId21"/>
+  </p:notesMasterIdLst>
   <p:sldIdLst>
     <p:sldId id="256" r:id="rId2"/>
     <p:sldId id="257" r:id="rId3"/>
-    <p:sldId id="260" r:id="rId4"/>
-    <p:sldId id="261" r:id="rId5"/>
-    <p:sldId id="262" r:id="rId6"/>
-    <p:sldId id="263" r:id="rId7"/>
-    <p:sldId id="264" r:id="rId8"/>
-    <p:sldId id="266" r:id="rId9"/>
-    <p:sldId id="267" r:id="rId10"/>
-    <p:sldId id="265" r:id="rId11"/>
-    <p:sldId id="258" r:id="rId12"/>
+    <p:sldId id="269" r:id="rId4"/>
+    <p:sldId id="263" r:id="rId5"/>
+    <p:sldId id="271" r:id="rId6"/>
+    <p:sldId id="264" r:id="rId7"/>
+    <p:sldId id="266" r:id="rId8"/>
+    <p:sldId id="267" r:id="rId9"/>
+    <p:sldId id="265" r:id="rId10"/>
+    <p:sldId id="272" r:id="rId11"/>
+    <p:sldId id="273" r:id="rId12"/>
+    <p:sldId id="274" r:id="rId13"/>
+    <p:sldId id="275" r:id="rId14"/>
+    <p:sldId id="258" r:id="rId15"/>
+    <p:sldId id="260" r:id="rId16"/>
+    <p:sldId id="261" r:id="rId17"/>
+    <p:sldId id="270" r:id="rId18"/>
+    <p:sldId id="262" r:id="rId19"/>
+    <p:sldId id="268" r:id="rId20"/>
   </p:sldIdLst>
   <p:sldSz cx="12192000" cy="6858000"/>
   <p:notesSz cx="6858000" cy="9144000"/>
@@ -122,6 +133,747 @@
 </p:presentation>
 </file>
 
+<file path=ppt/notesMasters/notesMaster1.xml><?xml version="1.0" encoding="utf-8"?>
+<p:notesMaster xmlns:a="http://schemas.openxmlformats.org/drawingml/2006/main" xmlns:r="http://schemas.openxmlformats.org/officeDocument/2006/relationships" xmlns:p="http://schemas.openxmlformats.org/presentationml/2006/main">
+  <p:cSld>
+    <p:bg>
+      <p:bgRef idx="1001">
+        <a:schemeClr val="bg1"/>
+      </p:bgRef>
+    </p:bg>
+    <p:spTree>
+      <p:nvGrpSpPr>
+        <p:cNvPr id="1" name=""/>
+        <p:cNvGrpSpPr/>
+        <p:nvPr/>
+      </p:nvGrpSpPr>
+      <p:grpSpPr>
+        <a:xfrm>
+          <a:off x="0" y="0"/>
+          <a:ext cx="0" cy="0"/>
+          <a:chOff x="0" y="0"/>
+          <a:chExt cx="0" cy="0"/>
+        </a:xfrm>
+      </p:grpSpPr>
+      <p:sp>
+        <p:nvSpPr>
+          <p:cNvPr id="2" name="Header Placeholder 1"/>
+          <p:cNvSpPr>
+            <a:spLocks noGrp="1"/>
+          </p:cNvSpPr>
+          <p:nvPr>
+            <p:ph type="hdr" sz="quarter"/>
+          </p:nvPr>
+        </p:nvSpPr>
+        <p:spPr>
+          <a:xfrm>
+            <a:off x="0" y="0"/>
+            <a:ext cx="2971800" cy="458788"/>
+          </a:xfrm>
+          <a:prstGeom prst="rect">
+            <a:avLst/>
+          </a:prstGeom>
+        </p:spPr>
+        <p:txBody>
+          <a:bodyPr vert="horz" lIns="91440" tIns="45720" rIns="91440" bIns="45720" rtlCol="0"/>
+          <a:lstStyle>
+            <a:lvl1pPr algn="l">
+              <a:defRPr sz="1200"/>
+            </a:lvl1pPr>
+          </a:lstStyle>
+          <a:p>
+            <a:endParaRPr lang="en-US"/>
+          </a:p>
+        </p:txBody>
+      </p:sp>
+      <p:sp>
+        <p:nvSpPr>
+          <p:cNvPr id="3" name="Date Placeholder 2"/>
+          <p:cNvSpPr>
+            <a:spLocks noGrp="1"/>
+          </p:cNvSpPr>
+          <p:nvPr>
+            <p:ph type="dt" idx="1"/>
+          </p:nvPr>
+        </p:nvSpPr>
+        <p:spPr>
+          <a:xfrm>
+            <a:off x="3884613" y="0"/>
+            <a:ext cx="2971800" cy="458788"/>
+          </a:xfrm>
+          <a:prstGeom prst="rect">
+            <a:avLst/>
+          </a:prstGeom>
+        </p:spPr>
+        <p:txBody>
+          <a:bodyPr vert="horz" lIns="91440" tIns="45720" rIns="91440" bIns="45720" rtlCol="0"/>
+          <a:lstStyle>
+            <a:lvl1pPr algn="r">
+              <a:defRPr sz="1200"/>
+            </a:lvl1pPr>
+          </a:lstStyle>
+          <a:p>
+            <a:fld id="{573A1935-CFF3-4744-B5A7-358890B8B075}" type="datetimeFigureOut">
+              <a:rPr lang="en-US" smtClean="0"/>
+              <a:t>10/26/2019</a:t>
+            </a:fld>
+            <a:endParaRPr lang="en-US"/>
+          </a:p>
+        </p:txBody>
+      </p:sp>
+      <p:sp>
+        <p:nvSpPr>
+          <p:cNvPr id="4" name="Slide Image Placeholder 3"/>
+          <p:cNvSpPr>
+            <a:spLocks noGrp="1" noRot="1" noChangeAspect="1"/>
+          </p:cNvSpPr>
+          <p:nvPr>
+            <p:ph type="sldImg" idx="2"/>
+          </p:nvPr>
+        </p:nvSpPr>
+        <p:spPr>
+          <a:xfrm>
+            <a:off x="685800" y="1143000"/>
+            <a:ext cx="5486400" cy="3086100"/>
+          </a:xfrm>
+          <a:prstGeom prst="rect">
+            <a:avLst/>
+          </a:prstGeom>
+          <a:noFill/>
+          <a:ln w="12700">
+            <a:solidFill>
+              <a:prstClr val="black"/>
+            </a:solidFill>
+          </a:ln>
+        </p:spPr>
+        <p:txBody>
+          <a:bodyPr vert="horz" lIns="91440" tIns="45720" rIns="91440" bIns="45720" rtlCol="0" anchor="ctr"/>
+          <a:lstStyle/>
+          <a:p>
+            <a:endParaRPr lang="en-US"/>
+          </a:p>
+        </p:txBody>
+      </p:sp>
+      <p:sp>
+        <p:nvSpPr>
+          <p:cNvPr id="5" name="Notes Placeholder 4"/>
+          <p:cNvSpPr>
+            <a:spLocks noGrp="1"/>
+          </p:cNvSpPr>
+          <p:nvPr>
+            <p:ph type="body" sz="quarter" idx="3"/>
+          </p:nvPr>
+        </p:nvSpPr>
+        <p:spPr>
+          <a:xfrm>
+            <a:off x="685800" y="4400550"/>
+            <a:ext cx="5486400" cy="3600450"/>
+          </a:xfrm>
+          <a:prstGeom prst="rect">
+            <a:avLst/>
+          </a:prstGeom>
+        </p:spPr>
+        <p:txBody>
+          <a:bodyPr vert="horz" lIns="91440" tIns="45720" rIns="91440" bIns="45720" rtlCol="0"/>
+          <a:lstStyle/>
+          <a:p>
+            <a:pPr lvl="0"/>
+            <a:r>
+              <a:rPr lang="en-US"/>
+              <a:t>Click to edit Master text styles</a:t>
+            </a:r>
+          </a:p>
+          <a:p>
+            <a:pPr lvl="1"/>
+            <a:r>
+              <a:rPr lang="en-US"/>
+              <a:t>Second level</a:t>
+            </a:r>
+          </a:p>
+          <a:p>
+            <a:pPr lvl="2"/>
+            <a:r>
+              <a:rPr lang="en-US"/>
+              <a:t>Third level</a:t>
+            </a:r>
+          </a:p>
+          <a:p>
+            <a:pPr lvl="3"/>
+            <a:r>
+              <a:rPr lang="en-US"/>
+              <a:t>Fourth level</a:t>
+            </a:r>
+          </a:p>
+          <a:p>
+            <a:pPr lvl="4"/>
+            <a:r>
+              <a:rPr lang="en-US"/>
+              <a:t>Fifth level</a:t>
+            </a:r>
+          </a:p>
+        </p:txBody>
+      </p:sp>
+      <p:sp>
+        <p:nvSpPr>
+          <p:cNvPr id="6" name="Footer Placeholder 5"/>
+          <p:cNvSpPr>
+            <a:spLocks noGrp="1"/>
+          </p:cNvSpPr>
+          <p:nvPr>
+            <p:ph type="ftr" sz="quarter" idx="4"/>
+          </p:nvPr>
+        </p:nvSpPr>
+        <p:spPr>
+          <a:xfrm>
+            <a:off x="0" y="8685213"/>
+            <a:ext cx="2971800" cy="458787"/>
+          </a:xfrm>
+          <a:prstGeom prst="rect">
+            <a:avLst/>
+          </a:prstGeom>
+        </p:spPr>
+        <p:txBody>
+          <a:bodyPr vert="horz" lIns="91440" tIns="45720" rIns="91440" bIns="45720" rtlCol="0" anchor="b"/>
+          <a:lstStyle>
+            <a:lvl1pPr algn="l">
+              <a:defRPr sz="1200"/>
+            </a:lvl1pPr>
+          </a:lstStyle>
+          <a:p>
+            <a:endParaRPr lang="en-US"/>
+          </a:p>
+        </p:txBody>
+      </p:sp>
+      <p:sp>
+        <p:nvSpPr>
+          <p:cNvPr id="7" name="Slide Number Placeholder 6"/>
+          <p:cNvSpPr>
+            <a:spLocks noGrp="1"/>
+          </p:cNvSpPr>
+          <p:nvPr>
+            <p:ph type="sldNum" sz="quarter" idx="5"/>
+          </p:nvPr>
+        </p:nvSpPr>
+        <p:spPr>
+          <a:xfrm>
+            <a:off x="3884613" y="8685213"/>
+            <a:ext cx="2971800" cy="458787"/>
+          </a:xfrm>
+          <a:prstGeom prst="rect">
+            <a:avLst/>
+          </a:prstGeom>
+        </p:spPr>
+        <p:txBody>
+          <a:bodyPr vert="horz" lIns="91440" tIns="45720" rIns="91440" bIns="45720" rtlCol="0" anchor="b"/>
+          <a:lstStyle>
+            <a:lvl1pPr algn="r">
+              <a:defRPr sz="1200"/>
+            </a:lvl1pPr>
+          </a:lstStyle>
+          <a:p>
+            <a:fld id="{A7B072B7-FC31-4FD7-B929-F7282CCB0C55}" type="slidenum">
+              <a:rPr lang="en-US" smtClean="0"/>
+              <a:t>‹#›</a:t>
+            </a:fld>
+            <a:endParaRPr lang="en-US"/>
+          </a:p>
+        </p:txBody>
+      </p:sp>
+    </p:spTree>
+    <p:extLst>
+      <p:ext uri="{BB962C8B-B14F-4D97-AF65-F5344CB8AC3E}">
+        <p14:creationId xmlns:p14="http://schemas.microsoft.com/office/powerpoint/2010/main" val="129979026"/>
+      </p:ext>
+    </p:extLst>
+  </p:cSld>
+  <p:clrMap bg1="lt1" tx1="dk1" bg2="lt2" tx2="dk2" accent1="accent1" accent2="accent2" accent3="accent3" accent4="accent4" accent5="accent5" accent6="accent6" hlink="hlink" folHlink="folHlink"/>
+  <p:notesStyle>
+    <a:lvl1pPr marL="0" algn="l" defTabSz="914400" rtl="0" eaLnBrk="1" latinLnBrk="0" hangingPunct="1">
+      <a:defRPr sz="1200" kern="1200">
+        <a:solidFill>
+          <a:schemeClr val="tx1"/>
+        </a:solidFill>
+        <a:latin typeface="+mn-lt"/>
+        <a:ea typeface="+mn-ea"/>
+        <a:cs typeface="+mn-cs"/>
+      </a:defRPr>
+    </a:lvl1pPr>
+    <a:lvl2pPr marL="457200" algn="l" defTabSz="914400" rtl="0" eaLnBrk="1" latinLnBrk="0" hangingPunct="1">
+      <a:defRPr sz="1200" kern="1200">
+        <a:solidFill>
+          <a:schemeClr val="tx1"/>
+        </a:solidFill>
+        <a:latin typeface="+mn-lt"/>
+        <a:ea typeface="+mn-ea"/>
+        <a:cs typeface="+mn-cs"/>
+      </a:defRPr>
+    </a:lvl2pPr>
+    <a:lvl3pPr marL="914400" algn="l" defTabSz="914400" rtl="0" eaLnBrk="1" latinLnBrk="0" hangingPunct="1">
+      <a:defRPr sz="1200" kern="1200">
+        <a:solidFill>
+          <a:schemeClr val="tx1"/>
+        </a:solidFill>
+        <a:latin typeface="+mn-lt"/>
+        <a:ea typeface="+mn-ea"/>
+        <a:cs typeface="+mn-cs"/>
+      </a:defRPr>
+    </a:lvl3pPr>
+    <a:lvl4pPr marL="1371600" algn="l" defTabSz="914400" rtl="0" eaLnBrk="1" latinLnBrk="0" hangingPunct="1">
+      <a:defRPr sz="1200" kern="1200">
+        <a:solidFill>
+          <a:schemeClr val="tx1"/>
+        </a:solidFill>
+        <a:latin typeface="+mn-lt"/>
+        <a:ea typeface="+mn-ea"/>
+        <a:cs typeface="+mn-cs"/>
+      </a:defRPr>
+    </a:lvl4pPr>
+    <a:lvl5pPr marL="1828800" algn="l" defTabSz="914400" rtl="0" eaLnBrk="1" latinLnBrk="0" hangingPunct="1">
+      <a:defRPr sz="1200" kern="1200">
+        <a:solidFill>
+          <a:schemeClr val="tx1"/>
+        </a:solidFill>
+        <a:latin typeface="+mn-lt"/>
+        <a:ea typeface="+mn-ea"/>
+        <a:cs typeface="+mn-cs"/>
+      </a:defRPr>
+    </a:lvl5pPr>
+    <a:lvl6pPr marL="2286000" algn="l" defTabSz="914400" rtl="0" eaLnBrk="1" latinLnBrk="0" hangingPunct="1">
+      <a:defRPr sz="1200" kern="1200">
+        <a:solidFill>
+          <a:schemeClr val="tx1"/>
+        </a:solidFill>
+        <a:latin typeface="+mn-lt"/>
+        <a:ea typeface="+mn-ea"/>
+        <a:cs typeface="+mn-cs"/>
+      </a:defRPr>
+    </a:lvl6pPr>
+    <a:lvl7pPr marL="2743200" algn="l" defTabSz="914400" rtl="0" eaLnBrk="1" latinLnBrk="0" hangingPunct="1">
+      <a:defRPr sz="1200" kern="1200">
+        <a:solidFill>
+          <a:schemeClr val="tx1"/>
+        </a:solidFill>
+        <a:latin typeface="+mn-lt"/>
+        <a:ea typeface="+mn-ea"/>
+        <a:cs typeface="+mn-cs"/>
+      </a:defRPr>
+    </a:lvl7pPr>
+    <a:lvl8pPr marL="3200400" algn="l" defTabSz="914400" rtl="0" eaLnBrk="1" latinLnBrk="0" hangingPunct="1">
+      <a:defRPr sz="1200" kern="1200">
+        <a:solidFill>
+          <a:schemeClr val="tx1"/>
+        </a:solidFill>
+        <a:latin typeface="+mn-lt"/>
+        <a:ea typeface="+mn-ea"/>
+        <a:cs typeface="+mn-cs"/>
+      </a:defRPr>
+    </a:lvl8pPr>
+    <a:lvl9pPr marL="3657600" algn="l" defTabSz="914400" rtl="0" eaLnBrk="1" latinLnBrk="0" hangingPunct="1">
+      <a:defRPr sz="1200" kern="1200">
+        <a:solidFill>
+          <a:schemeClr val="tx1"/>
+        </a:solidFill>
+        <a:latin typeface="+mn-lt"/>
+        <a:ea typeface="+mn-ea"/>
+        <a:cs typeface="+mn-cs"/>
+      </a:defRPr>
+    </a:lvl9pPr>
+  </p:notesStyle>
+</p:notesMaster>
+</file>
+
+<file path=ppt/notesSlides/notesSlide1.xml><?xml version="1.0" encoding="utf-8"?>
+<p:notes xmlns:a="http://schemas.openxmlformats.org/drawingml/2006/main" xmlns:r="http://schemas.openxmlformats.org/officeDocument/2006/relationships" xmlns:p="http://schemas.openxmlformats.org/presentationml/2006/main">
+  <p:cSld>
+    <p:spTree>
+      <p:nvGrpSpPr>
+        <p:cNvPr id="1" name=""/>
+        <p:cNvGrpSpPr/>
+        <p:nvPr/>
+      </p:nvGrpSpPr>
+      <p:grpSpPr>
+        <a:xfrm>
+          <a:off x="0" y="0"/>
+          <a:ext cx="0" cy="0"/>
+          <a:chOff x="0" y="0"/>
+          <a:chExt cx="0" cy="0"/>
+        </a:xfrm>
+      </p:grpSpPr>
+      <p:sp>
+        <p:nvSpPr>
+          <p:cNvPr id="2" name="Slide Image Placeholder 1"/>
+          <p:cNvSpPr>
+            <a:spLocks noGrp="1" noRot="1" noChangeAspect="1"/>
+          </p:cNvSpPr>
+          <p:nvPr>
+            <p:ph type="sldImg"/>
+          </p:nvPr>
+        </p:nvSpPr>
+        <p:spPr/>
+      </p:sp>
+      <p:sp>
+        <p:nvSpPr>
+          <p:cNvPr id="3" name="Notes Placeholder 2"/>
+          <p:cNvSpPr>
+            <a:spLocks noGrp="1"/>
+          </p:cNvSpPr>
+          <p:nvPr>
+            <p:ph type="body" idx="1"/>
+          </p:nvPr>
+        </p:nvSpPr>
+        <p:spPr/>
+        <p:txBody>
+          <a:bodyPr/>
+          <a:lstStyle/>
+          <a:p>
+            <a:r>
+              <a:rPr lang="en-US" dirty="0"/>
+              <a:t>The name </a:t>
+            </a:r>
+            <a:r>
+              <a:rPr lang="en-US" dirty="0" err="1"/>
+              <a:t>AquaDucks</a:t>
+            </a:r>
+            <a:r>
+              <a:rPr lang="en-US" dirty="0"/>
+              <a:t> is a play on the Roman aqueducts. It actually seems to be the more prevalent pronunciation, so we figured, why not make our name something people already say when they refer to transporting water over long distances?</a:t>
+            </a:r>
+          </a:p>
+        </p:txBody>
+      </p:sp>
+      <p:sp>
+        <p:nvSpPr>
+          <p:cNvPr id="4" name="Slide Number Placeholder 3"/>
+          <p:cNvSpPr>
+            <a:spLocks noGrp="1"/>
+          </p:cNvSpPr>
+          <p:nvPr>
+            <p:ph type="sldNum" sz="quarter" idx="5"/>
+          </p:nvPr>
+        </p:nvSpPr>
+        <p:spPr/>
+        <p:txBody>
+          <a:bodyPr/>
+          <a:lstStyle/>
+          <a:p>
+            <a:fld id="{A7B072B7-FC31-4FD7-B929-F7282CCB0C55}" type="slidenum">
+              <a:rPr lang="en-US" smtClean="0"/>
+              <a:t>2</a:t>
+            </a:fld>
+            <a:endParaRPr lang="en-US"/>
+          </a:p>
+        </p:txBody>
+      </p:sp>
+    </p:spTree>
+    <p:extLst>
+      <p:ext uri="{BB962C8B-B14F-4D97-AF65-F5344CB8AC3E}">
+        <p14:creationId xmlns:p14="http://schemas.microsoft.com/office/powerpoint/2010/main" val="3141670181"/>
+      </p:ext>
+    </p:extLst>
+  </p:cSld>
+  <p:clrMapOvr>
+    <a:masterClrMapping/>
+  </p:clrMapOvr>
+</p:notes>
+</file>
+
+<file path=ppt/notesSlides/notesSlide2.xml><?xml version="1.0" encoding="utf-8"?>
+<p:notes xmlns:a="http://schemas.openxmlformats.org/drawingml/2006/main" xmlns:r="http://schemas.openxmlformats.org/officeDocument/2006/relationships" xmlns:p="http://schemas.openxmlformats.org/presentationml/2006/main">
+  <p:cSld>
+    <p:spTree>
+      <p:nvGrpSpPr>
+        <p:cNvPr id="1" name=""/>
+        <p:cNvGrpSpPr/>
+        <p:nvPr/>
+      </p:nvGrpSpPr>
+      <p:grpSpPr>
+        <a:xfrm>
+          <a:off x="0" y="0"/>
+          <a:ext cx="0" cy="0"/>
+          <a:chOff x="0" y="0"/>
+          <a:chExt cx="0" cy="0"/>
+        </a:xfrm>
+      </p:grpSpPr>
+      <p:sp>
+        <p:nvSpPr>
+          <p:cNvPr id="2" name="Slide Image Placeholder 1"/>
+          <p:cNvSpPr>
+            <a:spLocks noGrp="1" noRot="1" noChangeAspect="1"/>
+          </p:cNvSpPr>
+          <p:nvPr>
+            <p:ph type="sldImg"/>
+          </p:nvPr>
+        </p:nvSpPr>
+        <p:spPr/>
+      </p:sp>
+      <p:sp>
+        <p:nvSpPr>
+          <p:cNvPr id="3" name="Notes Placeholder 2"/>
+          <p:cNvSpPr>
+            <a:spLocks noGrp="1"/>
+          </p:cNvSpPr>
+          <p:nvPr>
+            <p:ph type="body" idx="1"/>
+          </p:nvPr>
+        </p:nvSpPr>
+        <p:spPr/>
+        <p:txBody>
+          <a:bodyPr/>
+          <a:lstStyle/>
+          <a:p>
+            <a:r>
+              <a:rPr lang="en-US" dirty="0"/>
+              <a:t>We wanted to spend the majority of our time on the initial solution. This portion of the project had many variables, but they were still finite, which led us to believe that there may be a single correct solution. Reaching this singular solution became the main goal, because we knew it would make the ZBE much easier. </a:t>
+            </a:r>
+          </a:p>
+          <a:p>
+            <a:endParaRPr lang="en-US" dirty="0"/>
+          </a:p>
+          <a:p>
+            <a:r>
+              <a:rPr lang="en-US" dirty="0"/>
+              <a:t>For the hydraulics portion, we used a method in combinatorics known as “n choose k,” which allows you to build all combinations of a certain size from a given set. This way, we were able to iteratively test every possible combination of 3 pipe thicknesses, with the program then rank-ordering them in order of cost. This automatically took care of the civil design aspect as well, because the pipe thicknesses were tested based on the Fathom software’s results for pump placement at every possible junction. </a:t>
+            </a:r>
+          </a:p>
+          <a:p>
+            <a:endParaRPr lang="en-US" dirty="0"/>
+          </a:p>
+          <a:p>
+            <a:r>
+              <a:rPr lang="en-US" dirty="0"/>
+              <a:t>Calculating equipment was then simply a matter of attempting to spread out the work over the available time period without creating significant overages. Trying to get 350 track hoes to complete the excavation in a single day isn’t feasible; it’s much better to give the crews room to maneuver to make them optimally efficient.</a:t>
+            </a:r>
+          </a:p>
+        </p:txBody>
+      </p:sp>
+      <p:sp>
+        <p:nvSpPr>
+          <p:cNvPr id="4" name="Slide Number Placeholder 3"/>
+          <p:cNvSpPr>
+            <a:spLocks noGrp="1"/>
+          </p:cNvSpPr>
+          <p:nvPr>
+            <p:ph type="sldNum" sz="quarter" idx="5"/>
+          </p:nvPr>
+        </p:nvSpPr>
+        <p:spPr/>
+        <p:txBody>
+          <a:bodyPr/>
+          <a:lstStyle/>
+          <a:p>
+            <a:fld id="{A7B072B7-FC31-4FD7-B929-F7282CCB0C55}" type="slidenum">
+              <a:rPr lang="en-US" smtClean="0"/>
+              <a:t>3</a:t>
+            </a:fld>
+            <a:endParaRPr lang="en-US"/>
+          </a:p>
+        </p:txBody>
+      </p:sp>
+    </p:spTree>
+    <p:extLst>
+      <p:ext uri="{BB962C8B-B14F-4D97-AF65-F5344CB8AC3E}">
+        <p14:creationId xmlns:p14="http://schemas.microsoft.com/office/powerpoint/2010/main" val="388222879"/>
+      </p:ext>
+    </p:extLst>
+  </p:cSld>
+  <p:clrMapOvr>
+    <a:masterClrMapping/>
+  </p:clrMapOvr>
+</p:notes>
+</file>
+
+<file path=ppt/notesSlides/notesSlide3.xml><?xml version="1.0" encoding="utf-8"?>
+<p:notes xmlns:a="http://schemas.openxmlformats.org/drawingml/2006/main" xmlns:r="http://schemas.openxmlformats.org/officeDocument/2006/relationships" xmlns:p="http://schemas.openxmlformats.org/presentationml/2006/main">
+  <p:cSld>
+    <p:spTree>
+      <p:nvGrpSpPr>
+        <p:cNvPr id="1" name=""/>
+        <p:cNvGrpSpPr/>
+        <p:nvPr/>
+      </p:nvGrpSpPr>
+      <p:grpSpPr>
+        <a:xfrm>
+          <a:off x="0" y="0"/>
+          <a:ext cx="0" cy="0"/>
+          <a:chOff x="0" y="0"/>
+          <a:chExt cx="0" cy="0"/>
+        </a:xfrm>
+      </p:grpSpPr>
+      <p:sp>
+        <p:nvSpPr>
+          <p:cNvPr id="2" name="Slide Image Placeholder 1"/>
+          <p:cNvSpPr>
+            <a:spLocks noGrp="1" noRot="1" noChangeAspect="1"/>
+          </p:cNvSpPr>
+          <p:nvPr>
+            <p:ph type="sldImg"/>
+          </p:nvPr>
+        </p:nvSpPr>
+        <p:spPr/>
+      </p:sp>
+      <p:sp>
+        <p:nvSpPr>
+          <p:cNvPr id="3" name="Notes Placeholder 2"/>
+          <p:cNvSpPr>
+            <a:spLocks noGrp="1"/>
+          </p:cNvSpPr>
+          <p:nvPr>
+            <p:ph type="body" idx="1"/>
+          </p:nvPr>
+        </p:nvSpPr>
+        <p:spPr/>
+        <p:txBody>
+          <a:bodyPr/>
+          <a:lstStyle/>
+          <a:p>
+            <a:endParaRPr lang="en-US" dirty="0"/>
+          </a:p>
+        </p:txBody>
+      </p:sp>
+      <p:sp>
+        <p:nvSpPr>
+          <p:cNvPr id="4" name="Slide Number Placeholder 3"/>
+          <p:cNvSpPr>
+            <a:spLocks noGrp="1"/>
+          </p:cNvSpPr>
+          <p:nvPr>
+            <p:ph type="sldNum" sz="quarter" idx="5"/>
+          </p:nvPr>
+        </p:nvSpPr>
+        <p:spPr/>
+        <p:txBody>
+          <a:bodyPr/>
+          <a:lstStyle/>
+          <a:p>
+            <a:fld id="{A7B072B7-FC31-4FD7-B929-F7282CCB0C55}" type="slidenum">
+              <a:rPr lang="en-US" smtClean="0"/>
+              <a:t>4</a:t>
+            </a:fld>
+            <a:endParaRPr lang="en-US"/>
+          </a:p>
+        </p:txBody>
+      </p:sp>
+    </p:spTree>
+    <p:extLst>
+      <p:ext uri="{BB962C8B-B14F-4D97-AF65-F5344CB8AC3E}">
+        <p14:creationId xmlns:p14="http://schemas.microsoft.com/office/powerpoint/2010/main" val="3539919833"/>
+      </p:ext>
+    </p:extLst>
+  </p:cSld>
+  <p:clrMapOvr>
+    <a:masterClrMapping/>
+  </p:clrMapOvr>
+</p:notes>
+</file>
+
+<file path=ppt/notesSlides/notesSlide4.xml><?xml version="1.0" encoding="utf-8"?>
+<p:notes xmlns:a="http://schemas.openxmlformats.org/drawingml/2006/main" xmlns:r="http://schemas.openxmlformats.org/officeDocument/2006/relationships" xmlns:p="http://schemas.openxmlformats.org/presentationml/2006/main">
+  <p:cSld>
+    <p:spTree>
+      <p:nvGrpSpPr>
+        <p:cNvPr id="1" name=""/>
+        <p:cNvGrpSpPr/>
+        <p:nvPr/>
+      </p:nvGrpSpPr>
+      <p:grpSpPr>
+        <a:xfrm>
+          <a:off x="0" y="0"/>
+          <a:ext cx="0" cy="0"/>
+          <a:chOff x="0" y="0"/>
+          <a:chExt cx="0" cy="0"/>
+        </a:xfrm>
+      </p:grpSpPr>
+      <p:sp>
+        <p:nvSpPr>
+          <p:cNvPr id="2" name="Slide Image Placeholder 1"/>
+          <p:cNvSpPr>
+            <a:spLocks noGrp="1" noRot="1" noChangeAspect="1"/>
+          </p:cNvSpPr>
+          <p:nvPr>
+            <p:ph type="sldImg"/>
+          </p:nvPr>
+        </p:nvSpPr>
+        <p:spPr/>
+      </p:sp>
+      <p:sp>
+        <p:nvSpPr>
+          <p:cNvPr id="3" name="Notes Placeholder 2"/>
+          <p:cNvSpPr>
+            <a:spLocks noGrp="1"/>
+          </p:cNvSpPr>
+          <p:nvPr>
+            <p:ph type="body" idx="1"/>
+          </p:nvPr>
+        </p:nvSpPr>
+        <p:spPr/>
+        <p:txBody>
+          <a:bodyPr/>
+          <a:lstStyle/>
+          <a:p>
+            <a:pPr marL="0" marR="0" lvl="0" indent="0" algn="l" defTabSz="914400" rtl="0" eaLnBrk="1" fontAlgn="auto" latinLnBrk="0" hangingPunct="1">
+              <a:lnSpc>
+                <a:spcPct val="100000"/>
+              </a:lnSpc>
+              <a:spcBef>
+                <a:spcPts val="0"/>
+              </a:spcBef>
+              <a:spcAft>
+                <a:spcPts val="0"/>
+              </a:spcAft>
+              <a:buClrTx/>
+              <a:buSzTx/>
+              <a:buFontTx/>
+              <a:buNone/>
+              <a:tabLst/>
+              <a:defRPr/>
+            </a:pPr>
+            <a:r>
+              <a:rPr lang="en-US" sz="1200" dirty="0"/>
+              <a:t>If an additional pump can be added to the system for less cost than the marginal savings caused by the system’s pressure drop, it should be added.</a:t>
+            </a:r>
+            <a:endParaRPr lang="en-US" sz="1100" dirty="0"/>
+          </a:p>
+          <a:p>
+            <a:endParaRPr lang="en-US" dirty="0"/>
+          </a:p>
+        </p:txBody>
+      </p:sp>
+      <p:sp>
+        <p:nvSpPr>
+          <p:cNvPr id="4" name="Slide Number Placeholder 3"/>
+          <p:cNvSpPr>
+            <a:spLocks noGrp="1"/>
+          </p:cNvSpPr>
+          <p:nvPr>
+            <p:ph type="sldNum" sz="quarter" idx="5"/>
+          </p:nvPr>
+        </p:nvSpPr>
+        <p:spPr/>
+        <p:txBody>
+          <a:bodyPr/>
+          <a:lstStyle/>
+          <a:p>
+            <a:fld id="{A7B072B7-FC31-4FD7-B929-F7282CCB0C55}" type="slidenum">
+              <a:rPr lang="en-US" smtClean="0"/>
+              <a:t>7</a:t>
+            </a:fld>
+            <a:endParaRPr lang="en-US"/>
+          </a:p>
+        </p:txBody>
+      </p:sp>
+    </p:spTree>
+    <p:extLst>
+      <p:ext uri="{BB962C8B-B14F-4D97-AF65-F5344CB8AC3E}">
+        <p14:creationId xmlns:p14="http://schemas.microsoft.com/office/powerpoint/2010/main" val="3711300533"/>
+      </p:ext>
+    </p:extLst>
+  </p:cSld>
+  <p:clrMapOvr>
+    <a:masterClrMapping/>
+  </p:clrMapOvr>
+</p:notes>
+</file>
+
 <file path=ppt/slideLayouts/slideLayout1.xml><?xml version="1.0" encoding="utf-8"?>
 <p:sldLayout xmlns:a="http://schemas.openxmlformats.org/drawingml/2006/main" xmlns:r="http://schemas.openxmlformats.org/officeDocument/2006/relationships" xmlns:p="http://schemas.openxmlformats.org/presentationml/2006/main" type="title" preserve="1">
   <p:cSld name="Title Slide">
@@ -269,7 +1021,7 @@
           <a:p>
             <a:fld id="{6A1BF488-617C-45ED-ACF4-41A8189FD430}" type="datetimeFigureOut">
               <a:rPr lang="en-US" smtClean="0"/>
-              <a:t>10/25/19</a:t>
+              <a:t>10/25/2019</a:t>
             </a:fld>
             <a:endParaRPr lang="en-US"/>
           </a:p>
@@ -467,7 +1219,7 @@
           <a:p>
             <a:fld id="{6A1BF488-617C-45ED-ACF4-41A8189FD430}" type="datetimeFigureOut">
               <a:rPr lang="en-US" smtClean="0"/>
-              <a:t>10/25/19</a:t>
+              <a:t>10/25/2019</a:t>
             </a:fld>
             <a:endParaRPr lang="en-US"/>
           </a:p>
@@ -675,7 +1427,7 @@
           <a:p>
             <a:fld id="{6A1BF488-617C-45ED-ACF4-41A8189FD430}" type="datetimeFigureOut">
               <a:rPr lang="en-US" smtClean="0"/>
-              <a:t>10/25/19</a:t>
+              <a:t>10/25/2019</a:t>
             </a:fld>
             <a:endParaRPr lang="en-US"/>
           </a:p>
@@ -873,7 +1625,7 @@
           <a:p>
             <a:fld id="{6A1BF488-617C-45ED-ACF4-41A8189FD430}" type="datetimeFigureOut">
               <a:rPr lang="en-US" smtClean="0"/>
-              <a:t>10/25/19</a:t>
+              <a:t>10/25/2019</a:t>
             </a:fld>
             <a:endParaRPr lang="en-US"/>
           </a:p>
@@ -1148,7 +1900,7 @@
           <a:p>
             <a:fld id="{6A1BF488-617C-45ED-ACF4-41A8189FD430}" type="datetimeFigureOut">
               <a:rPr lang="en-US" smtClean="0"/>
-              <a:t>10/25/19</a:t>
+              <a:t>10/25/2019</a:t>
             </a:fld>
             <a:endParaRPr lang="en-US"/>
           </a:p>
@@ -1413,7 +2165,7 @@
           <a:p>
             <a:fld id="{6A1BF488-617C-45ED-ACF4-41A8189FD430}" type="datetimeFigureOut">
               <a:rPr lang="en-US" smtClean="0"/>
-              <a:t>10/25/19</a:t>
+              <a:t>10/25/2019</a:t>
             </a:fld>
             <a:endParaRPr lang="en-US"/>
           </a:p>
@@ -1825,7 +2577,7 @@
           <a:p>
             <a:fld id="{6A1BF488-617C-45ED-ACF4-41A8189FD430}" type="datetimeFigureOut">
               <a:rPr lang="en-US" smtClean="0"/>
-              <a:t>10/25/19</a:t>
+              <a:t>10/25/2019</a:t>
             </a:fld>
             <a:endParaRPr lang="en-US"/>
           </a:p>
@@ -1966,7 +2718,7 @@
           <a:p>
             <a:fld id="{6A1BF488-617C-45ED-ACF4-41A8189FD430}" type="datetimeFigureOut">
               <a:rPr lang="en-US" smtClean="0"/>
-              <a:t>10/25/19</a:t>
+              <a:t>10/25/2019</a:t>
             </a:fld>
             <a:endParaRPr lang="en-US"/>
           </a:p>
@@ -2079,7 +2831,7 @@
           <a:p>
             <a:fld id="{6A1BF488-617C-45ED-ACF4-41A8189FD430}" type="datetimeFigureOut">
               <a:rPr lang="en-US" smtClean="0"/>
-              <a:t>10/25/19</a:t>
+              <a:t>10/25/2019</a:t>
             </a:fld>
             <a:endParaRPr lang="en-US"/>
           </a:p>
@@ -2390,7 +3142,7 @@
           <a:p>
             <a:fld id="{6A1BF488-617C-45ED-ACF4-41A8189FD430}" type="datetimeFigureOut">
               <a:rPr lang="en-US" smtClean="0"/>
-              <a:t>10/25/19</a:t>
+              <a:t>10/25/2019</a:t>
             </a:fld>
             <a:endParaRPr lang="en-US"/>
           </a:p>
@@ -2678,7 +3430,7 @@
           <a:p>
             <a:fld id="{6A1BF488-617C-45ED-ACF4-41A8189FD430}" type="datetimeFigureOut">
               <a:rPr lang="en-US" smtClean="0"/>
-              <a:t>10/25/19</a:t>
+              <a:t>10/25/2019</a:t>
             </a:fld>
             <a:endParaRPr lang="en-US"/>
           </a:p>
@@ -2919,7 +3671,7 @@
           <a:p>
             <a:fld id="{6A1BF488-617C-45ED-ACF4-41A8189FD430}" type="datetimeFigureOut">
               <a:rPr lang="en-US" smtClean="0"/>
-              <a:t>10/25/19</a:t>
+              <a:t>10/25/2019</a:t>
             </a:fld>
             <a:endParaRPr lang="en-US"/>
           </a:p>
@@ -3363,14 +4115,20 @@
           <a:lstStyle/>
           <a:p>
             <a:r>
-              <a:rPr lang="en-US" b="1" dirty="0"/>
+              <a:rPr lang="en-US" b="1" dirty="0">
+                <a:latin typeface="Rockwell" panose="02060603020205020403" pitchFamily="18" charset="0"/>
+              </a:rPr>
               <a:t>The </a:t>
             </a:r>
             <a:r>
-              <a:rPr lang="en-US" b="1" dirty="0" err="1"/>
+              <a:rPr lang="en-US" b="1" dirty="0" err="1">
+                <a:latin typeface="Rockwell" panose="02060603020205020403" pitchFamily="18" charset="0"/>
+              </a:rPr>
               <a:t>AquaDucks</a:t>
             </a:r>
-            <a:endParaRPr lang="en-US" b="1" dirty="0"/>
+            <a:endParaRPr lang="en-US" b="1" dirty="0">
+              <a:latin typeface="Rockwell" panose="02060603020205020403" pitchFamily="18" charset="0"/>
+            </a:endParaRPr>
           </a:p>
         </p:txBody>
       </p:sp>
@@ -3521,6 +4279,58 @@
           </a:prstGeom>
         </p:spPr>
       </p:pic>
+      <p:sp>
+        <p:nvSpPr>
+          <p:cNvPr id="6" name="TextBox 5">
+            <a:extLst>
+              <a:ext uri="{FF2B5EF4-FFF2-40B4-BE49-F238E27FC236}">
+                <a16:creationId xmlns:a16="http://schemas.microsoft.com/office/drawing/2014/main" id="{38DCFD49-3741-49CE-8AF9-0A9716402192}"/>
+              </a:ext>
+            </a:extLst>
+          </p:cNvPr>
+          <p:cNvSpPr txBox="1"/>
+          <p:nvPr/>
+        </p:nvSpPr>
+        <p:spPr>
+          <a:xfrm>
+            <a:off x="2124268" y="5066690"/>
+            <a:ext cx="2117696" cy="1200329"/>
+          </a:xfrm>
+          <a:prstGeom prst="rect">
+            <a:avLst/>
+          </a:prstGeom>
+          <a:noFill/>
+        </p:spPr>
+        <p:txBody>
+          <a:bodyPr wrap="none" rtlCol="0">
+            <a:spAutoFit/>
+          </a:bodyPr>
+          <a:lstStyle/>
+          <a:p>
+            <a:r>
+              <a:rPr lang="en-US" sz="2400" dirty="0"/>
+              <a:t>Joseph Amar</a:t>
+            </a:r>
+          </a:p>
+          <a:p>
+            <a:r>
+              <a:rPr lang="en-US" sz="2400" dirty="0"/>
+              <a:t>Zach McBurney</a:t>
+            </a:r>
+          </a:p>
+          <a:p>
+            <a:r>
+              <a:rPr lang="en-US" sz="2400" dirty="0"/>
+              <a:t>Saul </a:t>
+            </a:r>
+            <a:r>
+              <a:rPr lang="en-US" sz="2400" dirty="0" err="1"/>
+              <a:t>Pizano</a:t>
+            </a:r>
+            <a:endParaRPr lang="en-US" sz="2400" dirty="0"/>
+          </a:p>
+        </p:txBody>
+      </p:sp>
     </p:spTree>
     <p:extLst>
       <p:ext uri="{BB962C8B-B14F-4D97-AF65-F5344CB8AC3E}">
@@ -3551,31 +4361,75 @@
           <a:chExt cx="0" cy="0"/>
         </a:xfrm>
       </p:grpSpPr>
-      <p:sp>
-        <p:nvSpPr>
-          <p:cNvPr id="2" name="Title 1">
-            <a:extLst>
-              <a:ext uri="{FF2B5EF4-FFF2-40B4-BE49-F238E27FC236}">
-                <a16:creationId xmlns:a16="http://schemas.microsoft.com/office/drawing/2014/main" id="{A6A8ED33-335E-F04F-8005-06EB5DEEB604}"/>
-              </a:ext>
-            </a:extLst>
-          </p:cNvPr>
-          <p:cNvSpPr>
-            <a:spLocks noGrp="1"/>
-          </p:cNvSpPr>
+      <p:pic>
+        <p:nvPicPr>
+          <p:cNvPr id="5" name="Content Placeholder 4">
+            <a:extLst>
+              <a:ext uri="{FF2B5EF4-FFF2-40B4-BE49-F238E27FC236}">
+                <a16:creationId xmlns:a16="http://schemas.microsoft.com/office/drawing/2014/main" id="{DBB28017-099D-4984-8E96-35BE20699C1F}"/>
+              </a:ext>
+            </a:extLst>
+          </p:cNvPr>
+          <p:cNvPicPr>
+            <a:picLocks noGrp="1" noChangeAspect="1"/>
+          </p:cNvPicPr>
           <p:nvPr>
-            <p:ph type="title"/>
+            <p:ph idx="1"/>
           </p:nvPr>
-        </p:nvSpPr>
-        <p:spPr/>
-        <p:txBody>
-          <a:bodyPr/>
+        </p:nvPicPr>
+        <p:blipFill>
+          <a:blip r:embed="rId2">
+            <a:extLst>
+              <a:ext uri="{28A0092B-C50C-407E-A947-70E740481C1C}">
+                <a14:useLocalDpi xmlns:a14="http://schemas.microsoft.com/office/drawing/2010/main" val="0"/>
+              </a:ext>
+            </a:extLst>
+          </a:blip>
+          <a:stretch>
+            <a:fillRect/>
+          </a:stretch>
+        </p:blipFill>
+        <p:spPr>
+          <a:xfrm>
+            <a:off x="491847" y="0"/>
+            <a:ext cx="11208306" cy="6858000"/>
+          </a:xfrm>
+        </p:spPr>
+      </p:pic>
+      <p:sp>
+        <p:nvSpPr>
+          <p:cNvPr id="6" name="TextBox 5">
+            <a:extLst>
+              <a:ext uri="{FF2B5EF4-FFF2-40B4-BE49-F238E27FC236}">
+                <a16:creationId xmlns:a16="http://schemas.microsoft.com/office/drawing/2014/main" id="{C4A9336C-831B-4FEE-B9C9-7D5E2AD70A3E}"/>
+              </a:ext>
+            </a:extLst>
+          </p:cNvPr>
+          <p:cNvSpPr txBox="1"/>
+          <p:nvPr/>
+        </p:nvSpPr>
+        <p:spPr>
+          <a:xfrm>
+            <a:off x="6923314" y="5682343"/>
+            <a:ext cx="4258492" cy="646331"/>
+          </a:xfrm>
+          <a:prstGeom prst="rect">
+            <a:avLst/>
+          </a:prstGeom>
+          <a:solidFill>
+            <a:schemeClr val="bg1"/>
+          </a:solidFill>
+        </p:spPr>
+        <p:txBody>
+          <a:bodyPr wrap="square" rtlCol="0">
+            <a:spAutoFit/>
+          </a:bodyPr>
           <a:lstStyle/>
           <a:p>
             <a:pPr algn="ctr"/>
             <a:r>
-              <a:rPr lang="en-US" dirty="0"/>
-              <a:t>Backup Slides</a:t>
+              <a:rPr lang="en-US" sz="3600" dirty="0"/>
+              <a:t>Excavation Volumes</a:t>
             </a:r>
           </a:p>
         </p:txBody>
@@ -3583,7 +4437,7 @@
     </p:spTree>
     <p:extLst>
       <p:ext uri="{BB962C8B-B14F-4D97-AF65-F5344CB8AC3E}">
-        <p14:creationId xmlns:p14="http://schemas.microsoft.com/office/powerpoint/2010/main" val="459446304"/>
+        <p14:creationId xmlns:p14="http://schemas.microsoft.com/office/powerpoint/2010/main" val="1400174381"/>
       </p:ext>
     </p:extLst>
   </p:cSld>
@@ -3610,6 +4464,558 @@
           <a:chExt cx="0" cy="0"/>
         </a:xfrm>
       </p:grpSpPr>
+      <p:pic>
+        <p:nvPicPr>
+          <p:cNvPr id="5" name="Content Placeholder 4">
+            <a:extLst>
+              <a:ext uri="{FF2B5EF4-FFF2-40B4-BE49-F238E27FC236}">
+                <a16:creationId xmlns:a16="http://schemas.microsoft.com/office/drawing/2014/main" id="{C52A6993-5B13-4376-8FDB-5BF90FEAE378}"/>
+              </a:ext>
+            </a:extLst>
+          </p:cNvPr>
+          <p:cNvPicPr>
+            <a:picLocks noGrp="1" noChangeAspect="1"/>
+          </p:cNvPicPr>
+          <p:nvPr>
+            <p:ph idx="1"/>
+          </p:nvPr>
+        </p:nvPicPr>
+        <p:blipFill>
+          <a:blip r:embed="rId2">
+            <a:extLst>
+              <a:ext uri="{28A0092B-C50C-407E-A947-70E740481C1C}">
+                <a14:useLocalDpi xmlns:a14="http://schemas.microsoft.com/office/drawing/2010/main" val="0"/>
+              </a:ext>
+            </a:extLst>
+          </a:blip>
+          <a:stretch>
+            <a:fillRect/>
+          </a:stretch>
+        </p:blipFill>
+        <p:spPr>
+          <a:xfrm>
+            <a:off x="72731" y="0"/>
+            <a:ext cx="12046538" cy="6858000"/>
+          </a:xfrm>
+        </p:spPr>
+      </p:pic>
+      <p:sp>
+        <p:nvSpPr>
+          <p:cNvPr id="6" name="Rectangle 5">
+            <a:extLst>
+              <a:ext uri="{FF2B5EF4-FFF2-40B4-BE49-F238E27FC236}">
+                <a16:creationId xmlns:a16="http://schemas.microsoft.com/office/drawing/2014/main" id="{4FF2203E-1DDF-4892-A609-0DEB8AEFEE23}"/>
+              </a:ext>
+            </a:extLst>
+          </p:cNvPr>
+          <p:cNvSpPr/>
+          <p:nvPr/>
+        </p:nvSpPr>
+        <p:spPr>
+          <a:xfrm>
+            <a:off x="5264331" y="731520"/>
+            <a:ext cx="6152606" cy="1031966"/>
+          </a:xfrm>
+          <a:prstGeom prst="rect">
+            <a:avLst/>
+          </a:prstGeom>
+          <a:solidFill>
+            <a:schemeClr val="bg1"/>
+          </a:solidFill>
+        </p:spPr>
+        <p:style>
+          <a:lnRef idx="2">
+            <a:schemeClr val="accent1">
+              <a:shade val="50000"/>
+            </a:schemeClr>
+          </a:lnRef>
+          <a:fillRef idx="1">
+            <a:schemeClr val="accent1"/>
+          </a:fillRef>
+          <a:effectRef idx="0">
+            <a:schemeClr val="accent1"/>
+          </a:effectRef>
+          <a:fontRef idx="minor">
+            <a:schemeClr val="lt1"/>
+          </a:fontRef>
+        </p:style>
+        <p:txBody>
+          <a:bodyPr rtlCol="0" anchor="ctr"/>
+          <a:lstStyle/>
+          <a:p>
+            <a:pPr algn="ctr"/>
+            <a:r>
+              <a:rPr lang="en-US" sz="3600" dirty="0">
+                <a:solidFill>
+                  <a:schemeClr val="tx1"/>
+                </a:solidFill>
+              </a:rPr>
+              <a:t>Equipment Costs</a:t>
+            </a:r>
+          </a:p>
+        </p:txBody>
+      </p:sp>
+    </p:spTree>
+    <p:extLst>
+      <p:ext uri="{BB962C8B-B14F-4D97-AF65-F5344CB8AC3E}">
+        <p14:creationId xmlns:p14="http://schemas.microsoft.com/office/powerpoint/2010/main" val="1937689426"/>
+      </p:ext>
+    </p:extLst>
+  </p:cSld>
+  <p:clrMapOvr>
+    <a:masterClrMapping/>
+  </p:clrMapOvr>
+</p:sld>
+</file>
+
+<file path=ppt/slides/slide12.xml><?xml version="1.0" encoding="utf-8"?>
+<p:sld xmlns:a="http://schemas.openxmlformats.org/drawingml/2006/main" xmlns:r="http://schemas.openxmlformats.org/officeDocument/2006/relationships" xmlns:p="http://schemas.openxmlformats.org/presentationml/2006/main">
+  <p:cSld>
+    <p:spTree>
+      <p:nvGrpSpPr>
+        <p:cNvPr id="1" name=""/>
+        <p:cNvGrpSpPr/>
+        <p:nvPr/>
+      </p:nvGrpSpPr>
+      <p:grpSpPr>
+        <a:xfrm>
+          <a:off x="0" y="0"/>
+          <a:ext cx="0" cy="0"/>
+          <a:chOff x="0" y="0"/>
+          <a:chExt cx="0" cy="0"/>
+        </a:xfrm>
+      </p:grpSpPr>
+      <p:pic>
+        <p:nvPicPr>
+          <p:cNvPr id="5" name="Content Placeholder 4">
+            <a:extLst>
+              <a:ext uri="{FF2B5EF4-FFF2-40B4-BE49-F238E27FC236}">
+                <a16:creationId xmlns:a16="http://schemas.microsoft.com/office/drawing/2014/main" id="{BF8C68BF-EE88-434E-B962-9E75DBE30AA6}"/>
+              </a:ext>
+            </a:extLst>
+          </p:cNvPr>
+          <p:cNvPicPr>
+            <a:picLocks noGrp="1" noChangeAspect="1"/>
+          </p:cNvPicPr>
+          <p:nvPr>
+            <p:ph idx="1"/>
+          </p:nvPr>
+        </p:nvPicPr>
+        <p:blipFill>
+          <a:blip r:embed="rId2">
+            <a:extLst>
+              <a:ext uri="{28A0092B-C50C-407E-A947-70E740481C1C}">
+                <a14:useLocalDpi xmlns:a14="http://schemas.microsoft.com/office/drawing/2010/main" val="0"/>
+              </a:ext>
+            </a:extLst>
+          </a:blip>
+          <a:stretch>
+            <a:fillRect/>
+          </a:stretch>
+        </p:blipFill>
+        <p:spPr>
+          <a:xfrm>
+            <a:off x="6575553" y="4415246"/>
+            <a:ext cx="6050804" cy="1607959"/>
+          </a:xfrm>
+        </p:spPr>
+      </p:pic>
+      <p:pic>
+        <p:nvPicPr>
+          <p:cNvPr id="7" name="Picture 6">
+            <a:extLst>
+              <a:ext uri="{FF2B5EF4-FFF2-40B4-BE49-F238E27FC236}">
+                <a16:creationId xmlns:a16="http://schemas.microsoft.com/office/drawing/2014/main" id="{6FD9204E-0EC5-4AFB-BE85-ADD423E48402}"/>
+              </a:ext>
+            </a:extLst>
+          </p:cNvPr>
+          <p:cNvPicPr>
+            <a:picLocks noChangeAspect="1"/>
+          </p:cNvPicPr>
+          <p:nvPr/>
+        </p:nvPicPr>
+        <p:blipFill>
+          <a:blip r:embed="rId3">
+            <a:extLst>
+              <a:ext uri="{28A0092B-C50C-407E-A947-70E740481C1C}">
+                <a14:useLocalDpi xmlns:a14="http://schemas.microsoft.com/office/drawing/2010/main" val="0"/>
+              </a:ext>
+            </a:extLst>
+          </a:blip>
+          <a:stretch>
+            <a:fillRect/>
+          </a:stretch>
+        </p:blipFill>
+        <p:spPr>
+          <a:xfrm>
+            <a:off x="0" y="0"/>
+            <a:ext cx="6366548" cy="6858000"/>
+          </a:xfrm>
+          <a:prstGeom prst="rect">
+            <a:avLst/>
+          </a:prstGeom>
+        </p:spPr>
+      </p:pic>
+      <p:sp>
+        <p:nvSpPr>
+          <p:cNvPr id="8" name="TextBox 7">
+            <a:extLst>
+              <a:ext uri="{FF2B5EF4-FFF2-40B4-BE49-F238E27FC236}">
+                <a16:creationId xmlns:a16="http://schemas.microsoft.com/office/drawing/2014/main" id="{1ACDD1F7-FDE5-4422-8699-824D26FD923C}"/>
+              </a:ext>
+            </a:extLst>
+          </p:cNvPr>
+          <p:cNvSpPr txBox="1"/>
+          <p:nvPr/>
+        </p:nvSpPr>
+        <p:spPr>
+          <a:xfrm>
+            <a:off x="7328263" y="653143"/>
+            <a:ext cx="3185103" cy="461665"/>
+          </a:xfrm>
+          <a:prstGeom prst="rect">
+            <a:avLst/>
+          </a:prstGeom>
+          <a:noFill/>
+        </p:spPr>
+        <p:txBody>
+          <a:bodyPr wrap="none" rtlCol="0">
+            <a:spAutoFit/>
+          </a:bodyPr>
+          <a:lstStyle/>
+          <a:p>
+            <a:r>
+              <a:rPr lang="en-US" sz="2400" dirty="0"/>
+              <a:t>Foundation Calculations</a:t>
+            </a:r>
+          </a:p>
+        </p:txBody>
+      </p:sp>
+      <p:cxnSp>
+        <p:nvCxnSpPr>
+          <p:cNvPr id="10" name="Straight Arrow Connector 9">
+            <a:extLst>
+              <a:ext uri="{FF2B5EF4-FFF2-40B4-BE49-F238E27FC236}">
+                <a16:creationId xmlns:a16="http://schemas.microsoft.com/office/drawing/2014/main" id="{9CB1C0CD-3A13-4859-9777-045BEEFEF8CF}"/>
+              </a:ext>
+            </a:extLst>
+          </p:cNvPr>
+          <p:cNvCxnSpPr>
+            <a:cxnSpLocks/>
+          </p:cNvCxnSpPr>
+          <p:nvPr/>
+        </p:nvCxnSpPr>
+        <p:spPr>
+          <a:xfrm flipH="1">
+            <a:off x="6575553" y="883975"/>
+            <a:ext cx="752710" cy="0"/>
+          </a:xfrm>
+          <a:prstGeom prst="straightConnector1">
+            <a:avLst/>
+          </a:prstGeom>
+          <a:ln w="38100">
+            <a:solidFill>
+              <a:srgbClr val="FF0000"/>
+            </a:solidFill>
+            <a:tailEnd type="triangle"/>
+          </a:ln>
+        </p:spPr>
+        <p:style>
+          <a:lnRef idx="1">
+            <a:schemeClr val="accent1"/>
+          </a:lnRef>
+          <a:fillRef idx="0">
+            <a:schemeClr val="accent1"/>
+          </a:fillRef>
+          <a:effectRef idx="0">
+            <a:schemeClr val="accent1"/>
+          </a:effectRef>
+          <a:fontRef idx="minor">
+            <a:schemeClr val="tx1"/>
+          </a:fontRef>
+        </p:style>
+      </p:cxnSp>
+      <p:sp>
+        <p:nvSpPr>
+          <p:cNvPr id="13" name="TextBox 12">
+            <a:extLst>
+              <a:ext uri="{FF2B5EF4-FFF2-40B4-BE49-F238E27FC236}">
+                <a16:creationId xmlns:a16="http://schemas.microsoft.com/office/drawing/2014/main" id="{4BF4E68E-6313-43E9-9863-55EF20F7BF25}"/>
+              </a:ext>
+            </a:extLst>
+          </p:cNvPr>
+          <p:cNvSpPr txBox="1"/>
+          <p:nvPr/>
+        </p:nvSpPr>
+        <p:spPr>
+          <a:xfrm>
+            <a:off x="7889966" y="2403566"/>
+            <a:ext cx="2989601" cy="461665"/>
+          </a:xfrm>
+          <a:prstGeom prst="rect">
+            <a:avLst/>
+          </a:prstGeom>
+          <a:noFill/>
+        </p:spPr>
+        <p:txBody>
+          <a:bodyPr wrap="none" rtlCol="0">
+            <a:spAutoFit/>
+          </a:bodyPr>
+          <a:lstStyle/>
+          <a:p>
+            <a:r>
+              <a:rPr lang="en-US" sz="2400" dirty="0"/>
+              <a:t>Pump viability checker</a:t>
+            </a:r>
+          </a:p>
+        </p:txBody>
+      </p:sp>
+      <p:cxnSp>
+        <p:nvCxnSpPr>
+          <p:cNvPr id="14" name="Straight Arrow Connector 13">
+            <a:extLst>
+              <a:ext uri="{FF2B5EF4-FFF2-40B4-BE49-F238E27FC236}">
+                <a16:creationId xmlns:a16="http://schemas.microsoft.com/office/drawing/2014/main" id="{6A0BED45-A457-420B-8149-F3974DBAE25E}"/>
+              </a:ext>
+            </a:extLst>
+          </p:cNvPr>
+          <p:cNvCxnSpPr>
+            <a:cxnSpLocks/>
+          </p:cNvCxnSpPr>
+          <p:nvPr/>
+        </p:nvCxnSpPr>
+        <p:spPr>
+          <a:xfrm>
+            <a:off x="9297169" y="2873829"/>
+            <a:ext cx="0" cy="1449977"/>
+          </a:xfrm>
+          <a:prstGeom prst="straightConnector1">
+            <a:avLst/>
+          </a:prstGeom>
+          <a:ln w="38100">
+            <a:solidFill>
+              <a:srgbClr val="FF0000"/>
+            </a:solidFill>
+            <a:tailEnd type="triangle"/>
+          </a:ln>
+        </p:spPr>
+        <p:style>
+          <a:lnRef idx="1">
+            <a:schemeClr val="accent1"/>
+          </a:lnRef>
+          <a:fillRef idx="0">
+            <a:schemeClr val="accent1"/>
+          </a:fillRef>
+          <a:effectRef idx="0">
+            <a:schemeClr val="accent1"/>
+          </a:effectRef>
+          <a:fontRef idx="minor">
+            <a:schemeClr val="tx1"/>
+          </a:fontRef>
+        </p:style>
+      </p:cxnSp>
+    </p:spTree>
+    <p:extLst>
+      <p:ext uri="{BB962C8B-B14F-4D97-AF65-F5344CB8AC3E}">
+        <p14:creationId xmlns:p14="http://schemas.microsoft.com/office/powerpoint/2010/main" val="2835180805"/>
+      </p:ext>
+    </p:extLst>
+  </p:cSld>
+  <p:clrMapOvr>
+    <a:masterClrMapping/>
+  </p:clrMapOvr>
+</p:sld>
+</file>
+
+<file path=ppt/slides/slide13.xml><?xml version="1.0" encoding="utf-8"?>
+<p:sld xmlns:a="http://schemas.openxmlformats.org/drawingml/2006/main" xmlns:r="http://schemas.openxmlformats.org/officeDocument/2006/relationships" xmlns:p="http://schemas.openxmlformats.org/presentationml/2006/main">
+  <p:cSld>
+    <p:spTree>
+      <p:nvGrpSpPr>
+        <p:cNvPr id="1" name=""/>
+        <p:cNvGrpSpPr/>
+        <p:nvPr/>
+      </p:nvGrpSpPr>
+      <p:grpSpPr>
+        <a:xfrm>
+          <a:off x="0" y="0"/>
+          <a:ext cx="0" cy="0"/>
+          <a:chOff x="0" y="0"/>
+          <a:chExt cx="0" cy="0"/>
+        </a:xfrm>
+      </p:grpSpPr>
+      <p:pic>
+        <p:nvPicPr>
+          <p:cNvPr id="5" name="Content Placeholder 4">
+            <a:extLst>
+              <a:ext uri="{FF2B5EF4-FFF2-40B4-BE49-F238E27FC236}">
+                <a16:creationId xmlns:a16="http://schemas.microsoft.com/office/drawing/2014/main" id="{1D2D5476-BA11-404D-A029-3FEB2ACE80AD}"/>
+              </a:ext>
+            </a:extLst>
+          </p:cNvPr>
+          <p:cNvPicPr>
+            <a:picLocks noGrp="1" noChangeAspect="1"/>
+          </p:cNvPicPr>
+          <p:nvPr>
+            <p:ph idx="1"/>
+          </p:nvPr>
+        </p:nvPicPr>
+        <p:blipFill>
+          <a:blip r:embed="rId2">
+            <a:extLst>
+              <a:ext uri="{28A0092B-C50C-407E-A947-70E740481C1C}">
+                <a14:useLocalDpi xmlns:a14="http://schemas.microsoft.com/office/drawing/2010/main" val="0"/>
+              </a:ext>
+            </a:extLst>
+          </a:blip>
+          <a:stretch>
+            <a:fillRect/>
+          </a:stretch>
+        </p:blipFill>
+        <p:spPr>
+          <a:xfrm>
+            <a:off x="106680" y="2602439"/>
+            <a:ext cx="5143946" cy="3292125"/>
+          </a:xfrm>
+        </p:spPr>
+      </p:pic>
+      <p:pic>
+        <p:nvPicPr>
+          <p:cNvPr id="7" name="Picture 6">
+            <a:extLst>
+              <a:ext uri="{FF2B5EF4-FFF2-40B4-BE49-F238E27FC236}">
+                <a16:creationId xmlns:a16="http://schemas.microsoft.com/office/drawing/2014/main" id="{1950351E-8AF8-484B-848C-DDCCB09F6009}"/>
+              </a:ext>
+            </a:extLst>
+          </p:cNvPr>
+          <p:cNvPicPr>
+            <a:picLocks noChangeAspect="1"/>
+          </p:cNvPicPr>
+          <p:nvPr/>
+        </p:nvPicPr>
+        <p:blipFill>
+          <a:blip r:embed="rId3">
+            <a:extLst>
+              <a:ext uri="{28A0092B-C50C-407E-A947-70E740481C1C}">
+                <a14:useLocalDpi xmlns:a14="http://schemas.microsoft.com/office/drawing/2010/main" val="0"/>
+              </a:ext>
+            </a:extLst>
+          </a:blip>
+          <a:stretch>
+            <a:fillRect/>
+          </a:stretch>
+        </p:blipFill>
+        <p:spPr>
+          <a:xfrm>
+            <a:off x="5935446" y="4248502"/>
+            <a:ext cx="5547841" cy="2217612"/>
+          </a:xfrm>
+          <a:prstGeom prst="rect">
+            <a:avLst/>
+          </a:prstGeom>
+        </p:spPr>
+      </p:pic>
+      <p:sp>
+        <p:nvSpPr>
+          <p:cNvPr id="8" name="TextBox 7">
+            <a:extLst>
+              <a:ext uri="{FF2B5EF4-FFF2-40B4-BE49-F238E27FC236}">
+                <a16:creationId xmlns:a16="http://schemas.microsoft.com/office/drawing/2014/main" id="{AFB58606-DFA7-4AA7-A4F7-93075ACF0F75}"/>
+              </a:ext>
+            </a:extLst>
+          </p:cNvPr>
+          <p:cNvSpPr txBox="1"/>
+          <p:nvPr/>
+        </p:nvSpPr>
+        <p:spPr>
+          <a:xfrm>
+            <a:off x="3569293" y="391886"/>
+            <a:ext cx="5281126" cy="646331"/>
+          </a:xfrm>
+          <a:prstGeom prst="rect">
+            <a:avLst/>
+          </a:prstGeom>
+          <a:noFill/>
+        </p:spPr>
+        <p:txBody>
+          <a:bodyPr wrap="none" rtlCol="0">
+            <a:spAutoFit/>
+          </a:bodyPr>
+          <a:lstStyle/>
+          <a:p>
+            <a:r>
+              <a:rPr lang="en-US" sz="3600" dirty="0"/>
+              <a:t>Pipe Thickness Calculations</a:t>
+            </a:r>
+          </a:p>
+        </p:txBody>
+      </p:sp>
+      <p:pic>
+        <p:nvPicPr>
+          <p:cNvPr id="10" name="Picture 9">
+            <a:extLst>
+              <a:ext uri="{FF2B5EF4-FFF2-40B4-BE49-F238E27FC236}">
+                <a16:creationId xmlns:a16="http://schemas.microsoft.com/office/drawing/2014/main" id="{D49865AA-288F-4843-9B82-6CE1C5CD503E}"/>
+              </a:ext>
+            </a:extLst>
+          </p:cNvPr>
+          <p:cNvPicPr>
+            <a:picLocks noChangeAspect="1"/>
+          </p:cNvPicPr>
+          <p:nvPr/>
+        </p:nvPicPr>
+        <p:blipFill>
+          <a:blip r:embed="rId4">
+            <a:extLst>
+              <a:ext uri="{28A0092B-C50C-407E-A947-70E740481C1C}">
+                <a14:useLocalDpi xmlns:a14="http://schemas.microsoft.com/office/drawing/2010/main" val="0"/>
+              </a:ext>
+            </a:extLst>
+          </a:blip>
+          <a:stretch>
+            <a:fillRect/>
+          </a:stretch>
+        </p:blipFill>
+        <p:spPr>
+          <a:xfrm>
+            <a:off x="5333415" y="1469291"/>
+            <a:ext cx="6751905" cy="2629128"/>
+          </a:xfrm>
+          <a:prstGeom prst="rect">
+            <a:avLst/>
+          </a:prstGeom>
+        </p:spPr>
+      </p:pic>
+    </p:spTree>
+    <p:extLst>
+      <p:ext uri="{BB962C8B-B14F-4D97-AF65-F5344CB8AC3E}">
+        <p14:creationId xmlns:p14="http://schemas.microsoft.com/office/powerpoint/2010/main" val="66255904"/>
+      </p:ext>
+    </p:extLst>
+  </p:cSld>
+  <p:clrMapOvr>
+    <a:masterClrMapping/>
+  </p:clrMapOvr>
+</p:sld>
+</file>
+
+<file path=ppt/slides/slide14.xml><?xml version="1.0" encoding="utf-8"?>
+<p:sld xmlns:a="http://schemas.openxmlformats.org/drawingml/2006/main" xmlns:r="http://schemas.openxmlformats.org/officeDocument/2006/relationships" xmlns:p="http://schemas.openxmlformats.org/presentationml/2006/main">
+  <p:cSld>
+    <p:spTree>
+      <p:nvGrpSpPr>
+        <p:cNvPr id="1" name=""/>
+        <p:cNvGrpSpPr/>
+        <p:nvPr/>
+      </p:nvGrpSpPr>
+      <p:grpSpPr>
+        <a:xfrm>
+          <a:off x="0" y="0"/>
+          <a:ext cx="0" cy="0"/>
+          <a:chOff x="0" y="0"/>
+          <a:chExt cx="0" cy="0"/>
+        </a:xfrm>
+      </p:grpSpPr>
       <p:sp>
         <p:nvSpPr>
           <p:cNvPr id="2" name="Title 1">
@@ -3714,6 +5120,1385 @@
     <p:extLst>
       <p:ext uri="{BB962C8B-B14F-4D97-AF65-F5344CB8AC3E}">
         <p14:creationId xmlns:p14="http://schemas.microsoft.com/office/powerpoint/2010/main" val="3797191583"/>
+      </p:ext>
+    </p:extLst>
+  </p:cSld>
+  <p:clrMapOvr>
+    <a:masterClrMapping/>
+  </p:clrMapOvr>
+</p:sld>
+</file>
+
+<file path=ppt/slides/slide15.xml><?xml version="1.0" encoding="utf-8"?>
+<p:sld xmlns:a="http://schemas.openxmlformats.org/drawingml/2006/main" xmlns:r="http://schemas.openxmlformats.org/officeDocument/2006/relationships" xmlns:p="http://schemas.openxmlformats.org/presentationml/2006/main">
+  <p:cSld>
+    <p:spTree>
+      <p:nvGrpSpPr>
+        <p:cNvPr id="1" name=""/>
+        <p:cNvGrpSpPr/>
+        <p:nvPr/>
+      </p:nvGrpSpPr>
+      <p:grpSpPr>
+        <a:xfrm>
+          <a:off x="0" y="0"/>
+          <a:ext cx="0" cy="0"/>
+          <a:chOff x="0" y="0"/>
+          <a:chExt cx="0" cy="0"/>
+        </a:xfrm>
+      </p:grpSpPr>
+      <p:sp>
+        <p:nvSpPr>
+          <p:cNvPr id="2" name="Title 1">
+            <a:extLst>
+              <a:ext uri="{FF2B5EF4-FFF2-40B4-BE49-F238E27FC236}">
+                <a16:creationId xmlns:a16="http://schemas.microsoft.com/office/drawing/2014/main" id="{F3953578-AC2C-F246-8DAE-6FDE9D406DA9}"/>
+              </a:ext>
+            </a:extLst>
+          </p:cNvPr>
+          <p:cNvSpPr>
+            <a:spLocks noGrp="1"/>
+          </p:cNvSpPr>
+          <p:nvPr>
+            <p:ph type="title"/>
+          </p:nvPr>
+        </p:nvSpPr>
+        <p:spPr>
+          <a:xfrm>
+            <a:off x="838200" y="151002"/>
+            <a:ext cx="10515600" cy="809844"/>
+          </a:xfrm>
+        </p:spPr>
+        <p:txBody>
+          <a:bodyPr/>
+          <a:lstStyle/>
+          <a:p>
+            <a:pPr algn="ctr"/>
+            <a:r>
+              <a:rPr lang="en-US" dirty="0"/>
+              <a:t>Time Management</a:t>
+            </a:r>
+          </a:p>
+        </p:txBody>
+      </p:sp>
+      <p:graphicFrame>
+        <p:nvGraphicFramePr>
+          <p:cNvPr id="4" name="Table 4">
+            <a:extLst>
+              <a:ext uri="{FF2B5EF4-FFF2-40B4-BE49-F238E27FC236}">
+                <a16:creationId xmlns:a16="http://schemas.microsoft.com/office/drawing/2014/main" id="{84127B4C-95A1-402F-B225-F9A281E41056}"/>
+              </a:ext>
+            </a:extLst>
+          </p:cNvPr>
+          <p:cNvGraphicFramePr>
+            <a:graphicFrameLocks noGrp="1"/>
+          </p:cNvGraphicFramePr>
+          <p:nvPr>
+            <p:ph idx="1"/>
+            <p:extLst>
+              <p:ext uri="{D42A27DB-BD31-4B8C-83A1-F6EECF244321}">
+                <p14:modId xmlns:p14="http://schemas.microsoft.com/office/powerpoint/2010/main" val="2081729375"/>
+              </p:ext>
+            </p:extLst>
+          </p:nvPr>
+        </p:nvGraphicFramePr>
+        <p:xfrm>
+          <a:off x="838200" y="991226"/>
+          <a:ext cx="5369653" cy="4726735"/>
+        </p:xfrm>
+        <a:graphic>
+          <a:graphicData uri="http://schemas.openxmlformats.org/drawingml/2006/table">
+            <a:tbl>
+              <a:tblPr firstRow="1" bandRow="1">
+                <a:tableStyleId>{5C22544A-7EE6-4342-B048-85BDC9FD1C3A}</a:tableStyleId>
+              </a:tblPr>
+              <a:tblGrid>
+                <a:gridCol w="4234423">
+                  <a:extLst>
+                    <a:ext uri="{9D8B030D-6E8A-4147-A177-3AD203B41FA5}">
+                      <a16:colId xmlns:a16="http://schemas.microsoft.com/office/drawing/2014/main" val="2790580346"/>
+                    </a:ext>
+                  </a:extLst>
+                </a:gridCol>
+                <a:gridCol w="1135230">
+                  <a:extLst>
+                    <a:ext uri="{9D8B030D-6E8A-4147-A177-3AD203B41FA5}">
+                      <a16:colId xmlns:a16="http://schemas.microsoft.com/office/drawing/2014/main" val="2253769360"/>
+                    </a:ext>
+                  </a:extLst>
+                </a:gridCol>
+              </a:tblGrid>
+              <a:tr h="551560">
+                <a:tc>
+                  <a:txBody>
+                    <a:bodyPr/>
+                    <a:lstStyle/>
+                    <a:p>
+                      <a:pPr algn="ctr">
+                        <a:lnSpc>
+                          <a:spcPct val="250000"/>
+                        </a:lnSpc>
+                      </a:pPr>
+                      <a:r>
+                        <a:rPr lang="en-US" dirty="0"/>
+                        <a:t>(Sub)Steps to Complete</a:t>
+                      </a:r>
+                    </a:p>
+                  </a:txBody>
+                  <a:tcPr/>
+                </a:tc>
+                <a:tc>
+                  <a:txBody>
+                    <a:bodyPr/>
+                    <a:lstStyle/>
+                    <a:p>
+                      <a:pPr algn="ctr"/>
+                      <a:r>
+                        <a:rPr lang="en-US" dirty="0"/>
+                        <a:t>Time Taken (man-hours)</a:t>
+                      </a:r>
+                    </a:p>
+                  </a:txBody>
+                  <a:tcPr/>
+                </a:tc>
+                <a:extLst>
+                  <a:ext uri="{0D108BD9-81ED-4DB2-BD59-A6C34878D82A}">
+                    <a16:rowId xmlns:a16="http://schemas.microsoft.com/office/drawing/2014/main" val="1563734732"/>
+                  </a:ext>
+                </a:extLst>
+              </a:tr>
+              <a:tr h="633154">
+                <a:tc>
+                  <a:txBody>
+                    <a:bodyPr/>
+                    <a:lstStyle/>
+                    <a:p>
+                      <a:pPr marL="0" indent="0">
+                        <a:buNone/>
+                      </a:pPr>
+                      <a:r>
+                        <a:rPr lang="en-US" dirty="0"/>
+                        <a:t>1) Game Plan—responsibilities shouldn’t encroach on each other, but should allow for collaboration</a:t>
+                      </a:r>
+                    </a:p>
+                  </a:txBody>
+                  <a:tcPr/>
+                </a:tc>
+                <a:tc>
+                  <a:txBody>
+                    <a:bodyPr/>
+                    <a:lstStyle/>
+                    <a:p>
+                      <a:pPr algn="r">
+                        <a:lnSpc>
+                          <a:spcPct val="200000"/>
+                        </a:lnSpc>
+                      </a:pPr>
+                      <a:r>
+                        <a:rPr lang="en-US" dirty="0"/>
+                        <a:t>4.5</a:t>
+                      </a:r>
+                    </a:p>
+                  </a:txBody>
+                  <a:tcPr/>
+                </a:tc>
+                <a:extLst>
+                  <a:ext uri="{0D108BD9-81ED-4DB2-BD59-A6C34878D82A}">
+                    <a16:rowId xmlns:a16="http://schemas.microsoft.com/office/drawing/2014/main" val="2938075191"/>
+                  </a:ext>
+                </a:extLst>
+              </a:tr>
+              <a:tr h="396707">
+                <a:tc>
+                  <a:txBody>
+                    <a:bodyPr/>
+                    <a:lstStyle/>
+                    <a:p>
+                      <a:r>
+                        <a:rPr lang="en-US" dirty="0"/>
+                        <a:t>2) Two-dimensional plotting</a:t>
+                      </a:r>
+                    </a:p>
+                  </a:txBody>
+                  <a:tcPr/>
+                </a:tc>
+                <a:tc>
+                  <a:txBody>
+                    <a:bodyPr/>
+                    <a:lstStyle/>
+                    <a:p>
+                      <a:pPr algn="r">
+                        <a:lnSpc>
+                          <a:spcPct val="100000"/>
+                        </a:lnSpc>
+                      </a:pPr>
+                      <a:r>
+                        <a:rPr lang="en-US" dirty="0"/>
+                        <a:t>.5</a:t>
+                      </a:r>
+                    </a:p>
+                  </a:txBody>
+                  <a:tcPr/>
+                </a:tc>
+                <a:extLst>
+                  <a:ext uri="{0D108BD9-81ED-4DB2-BD59-A6C34878D82A}">
+                    <a16:rowId xmlns:a16="http://schemas.microsoft.com/office/drawing/2014/main" val="128075615"/>
+                  </a:ext>
+                </a:extLst>
+              </a:tr>
+              <a:tr h="396707">
+                <a:tc>
+                  <a:txBody>
+                    <a:bodyPr/>
+                    <a:lstStyle/>
+                    <a:p>
+                      <a:r>
+                        <a:rPr lang="en-US" dirty="0"/>
+                        <a:t>3) Excavation derivation</a:t>
+                      </a:r>
+                    </a:p>
+                  </a:txBody>
+                  <a:tcPr/>
+                </a:tc>
+                <a:tc>
+                  <a:txBody>
+                    <a:bodyPr/>
+                    <a:lstStyle/>
+                    <a:p>
+                      <a:pPr algn="r">
+                        <a:lnSpc>
+                          <a:spcPct val="100000"/>
+                        </a:lnSpc>
+                      </a:pPr>
+                      <a:r>
+                        <a:rPr lang="en-US" dirty="0"/>
+                        <a:t>3</a:t>
+                      </a:r>
+                    </a:p>
+                  </a:txBody>
+                  <a:tcPr/>
+                </a:tc>
+                <a:extLst>
+                  <a:ext uri="{0D108BD9-81ED-4DB2-BD59-A6C34878D82A}">
+                    <a16:rowId xmlns:a16="http://schemas.microsoft.com/office/drawing/2014/main" val="741964851"/>
+                  </a:ext>
+                </a:extLst>
+              </a:tr>
+              <a:tr h="396707">
+                <a:tc>
+                  <a:txBody>
+                    <a:bodyPr/>
+                    <a:lstStyle/>
+                    <a:p>
+                      <a:r>
+                        <a:rPr lang="en-US" dirty="0"/>
+                        <a:t>4) AFT Fathom familiarization</a:t>
+                      </a:r>
+                    </a:p>
+                  </a:txBody>
+                  <a:tcPr/>
+                </a:tc>
+                <a:tc>
+                  <a:txBody>
+                    <a:bodyPr/>
+                    <a:lstStyle/>
+                    <a:p>
+                      <a:pPr algn="r">
+                        <a:lnSpc>
+                          <a:spcPct val="100000"/>
+                        </a:lnSpc>
+                      </a:pPr>
+                      <a:r>
+                        <a:rPr lang="en-US" dirty="0"/>
+                        <a:t>2</a:t>
+                      </a:r>
+                    </a:p>
+                  </a:txBody>
+                  <a:tcPr/>
+                </a:tc>
+                <a:extLst>
+                  <a:ext uri="{0D108BD9-81ED-4DB2-BD59-A6C34878D82A}">
+                    <a16:rowId xmlns:a16="http://schemas.microsoft.com/office/drawing/2014/main" val="1330393504"/>
+                  </a:ext>
+                </a:extLst>
+              </a:tr>
+              <a:tr h="396707">
+                <a:tc>
+                  <a:txBody>
+                    <a:bodyPr/>
+                    <a:lstStyle/>
+                    <a:p>
+                      <a:r>
+                        <a:rPr lang="en-US" dirty="0"/>
+                        <a:t>5) Foundation derivation</a:t>
+                      </a:r>
+                    </a:p>
+                  </a:txBody>
+                  <a:tcPr/>
+                </a:tc>
+                <a:tc>
+                  <a:txBody>
+                    <a:bodyPr/>
+                    <a:lstStyle/>
+                    <a:p>
+                      <a:pPr algn="r">
+                        <a:lnSpc>
+                          <a:spcPct val="100000"/>
+                        </a:lnSpc>
+                      </a:pPr>
+                      <a:r>
+                        <a:rPr lang="en-US" dirty="0"/>
+                        <a:t>4</a:t>
+                      </a:r>
+                    </a:p>
+                  </a:txBody>
+                  <a:tcPr/>
+                </a:tc>
+                <a:extLst>
+                  <a:ext uri="{0D108BD9-81ED-4DB2-BD59-A6C34878D82A}">
+                    <a16:rowId xmlns:a16="http://schemas.microsoft.com/office/drawing/2014/main" val="4041393402"/>
+                  </a:ext>
+                </a:extLst>
+              </a:tr>
+              <a:tr h="396707">
+                <a:tc>
+                  <a:txBody>
+                    <a:bodyPr/>
+                    <a:lstStyle/>
+                    <a:p>
+                      <a:r>
+                        <a:rPr lang="en-US" dirty="0"/>
+                        <a:t>6) Initial code—pipeline plot, excavation volumes</a:t>
+                      </a:r>
+                    </a:p>
+                  </a:txBody>
+                  <a:tcPr/>
+                </a:tc>
+                <a:tc>
+                  <a:txBody>
+                    <a:bodyPr/>
+                    <a:lstStyle/>
+                    <a:p>
+                      <a:pPr algn="r">
+                        <a:lnSpc>
+                          <a:spcPct val="100000"/>
+                        </a:lnSpc>
+                      </a:pPr>
+                      <a:r>
+                        <a:rPr lang="en-US" dirty="0"/>
+                        <a:t>3</a:t>
+                      </a:r>
+                    </a:p>
+                  </a:txBody>
+                  <a:tcPr/>
+                </a:tc>
+                <a:extLst>
+                  <a:ext uri="{0D108BD9-81ED-4DB2-BD59-A6C34878D82A}">
+                    <a16:rowId xmlns:a16="http://schemas.microsoft.com/office/drawing/2014/main" val="4238190615"/>
+                  </a:ext>
+                </a:extLst>
+              </a:tr>
+              <a:tr h="396707">
+                <a:tc>
+                  <a:txBody>
+                    <a:bodyPr/>
+                    <a:lstStyle/>
+                    <a:p>
+                      <a:r>
+                        <a:rPr lang="en-US" dirty="0"/>
+                        <a:t>7) AFT Fathom simulation, junctions 4 - 12</a:t>
+                      </a:r>
+                    </a:p>
+                  </a:txBody>
+                  <a:tcPr/>
+                </a:tc>
+                <a:tc>
+                  <a:txBody>
+                    <a:bodyPr/>
+                    <a:lstStyle/>
+                    <a:p>
+                      <a:pPr algn="r">
+                        <a:lnSpc>
+                          <a:spcPct val="100000"/>
+                        </a:lnSpc>
+                      </a:pPr>
+                      <a:r>
+                        <a:rPr lang="en-US" dirty="0"/>
+                        <a:t>1.5</a:t>
+                      </a:r>
+                    </a:p>
+                  </a:txBody>
+                  <a:tcPr/>
+                </a:tc>
+                <a:extLst>
+                  <a:ext uri="{0D108BD9-81ED-4DB2-BD59-A6C34878D82A}">
+                    <a16:rowId xmlns:a16="http://schemas.microsoft.com/office/drawing/2014/main" val="1054368810"/>
+                  </a:ext>
+                </a:extLst>
+              </a:tr>
+            </a:tbl>
+          </a:graphicData>
+        </a:graphic>
+      </p:graphicFrame>
+      <p:graphicFrame>
+        <p:nvGraphicFramePr>
+          <p:cNvPr id="6" name="Table 4">
+            <a:extLst>
+              <a:ext uri="{FF2B5EF4-FFF2-40B4-BE49-F238E27FC236}">
+                <a16:creationId xmlns:a16="http://schemas.microsoft.com/office/drawing/2014/main" id="{8AEA5516-8C3C-4517-80F9-73B4EEE09F72}"/>
+              </a:ext>
+            </a:extLst>
+          </p:cNvPr>
+          <p:cNvGraphicFramePr>
+            <a:graphicFrameLocks/>
+          </p:cNvGraphicFramePr>
+          <p:nvPr>
+            <p:extLst>
+              <p:ext uri="{D42A27DB-BD31-4B8C-83A1-F6EECF244321}">
+                <p14:modId xmlns:p14="http://schemas.microsoft.com/office/powerpoint/2010/main" val="2484278851"/>
+              </p:ext>
+            </p:extLst>
+          </p:nvPr>
+        </p:nvGraphicFramePr>
+        <p:xfrm>
+          <a:off x="6207853" y="991226"/>
+          <a:ext cx="5369653" cy="4726735"/>
+        </p:xfrm>
+        <a:graphic>
+          <a:graphicData uri="http://schemas.openxmlformats.org/drawingml/2006/table">
+            <a:tbl>
+              <a:tblPr firstRow="1" bandRow="1">
+                <a:tableStyleId>{5C22544A-7EE6-4342-B048-85BDC9FD1C3A}</a:tableStyleId>
+              </a:tblPr>
+              <a:tblGrid>
+                <a:gridCol w="4234423">
+                  <a:extLst>
+                    <a:ext uri="{9D8B030D-6E8A-4147-A177-3AD203B41FA5}">
+                      <a16:colId xmlns:a16="http://schemas.microsoft.com/office/drawing/2014/main" val="2790580346"/>
+                    </a:ext>
+                  </a:extLst>
+                </a:gridCol>
+                <a:gridCol w="1135230">
+                  <a:extLst>
+                    <a:ext uri="{9D8B030D-6E8A-4147-A177-3AD203B41FA5}">
+                      <a16:colId xmlns:a16="http://schemas.microsoft.com/office/drawing/2014/main" val="2253769360"/>
+                    </a:ext>
+                  </a:extLst>
+                </a:gridCol>
+              </a:tblGrid>
+              <a:tr h="551560">
+                <a:tc>
+                  <a:txBody>
+                    <a:bodyPr/>
+                    <a:lstStyle/>
+                    <a:p>
+                      <a:pPr algn="ctr">
+                        <a:lnSpc>
+                          <a:spcPct val="250000"/>
+                        </a:lnSpc>
+                      </a:pPr>
+                      <a:r>
+                        <a:rPr lang="en-US" dirty="0"/>
+                        <a:t>(Sub)Steps to Complete</a:t>
+                      </a:r>
+                    </a:p>
+                  </a:txBody>
+                  <a:tcPr/>
+                </a:tc>
+                <a:tc>
+                  <a:txBody>
+                    <a:bodyPr/>
+                    <a:lstStyle/>
+                    <a:p>
+                      <a:pPr algn="ctr"/>
+                      <a:r>
+                        <a:rPr lang="en-US" dirty="0"/>
+                        <a:t>Time Taken (man-hours)</a:t>
+                      </a:r>
+                    </a:p>
+                  </a:txBody>
+                  <a:tcPr/>
+                </a:tc>
+                <a:extLst>
+                  <a:ext uri="{0D108BD9-81ED-4DB2-BD59-A6C34878D82A}">
+                    <a16:rowId xmlns:a16="http://schemas.microsoft.com/office/drawing/2014/main" val="1563734732"/>
+                  </a:ext>
+                </a:extLst>
+              </a:tr>
+              <a:tr h="633154">
+                <a:tc>
+                  <a:txBody>
+                    <a:bodyPr/>
+                    <a:lstStyle/>
+                    <a:p>
+                      <a:pPr marL="0" indent="0">
+                        <a:buNone/>
+                      </a:pPr>
+                      <a:r>
+                        <a:rPr lang="en-US" dirty="0"/>
+                        <a:t>8) Appending code with maximum pressures for each pipe section based on pump location</a:t>
+                      </a:r>
+                    </a:p>
+                  </a:txBody>
+                  <a:tcPr/>
+                </a:tc>
+                <a:tc>
+                  <a:txBody>
+                    <a:bodyPr/>
+                    <a:lstStyle/>
+                    <a:p>
+                      <a:pPr algn="r">
+                        <a:lnSpc>
+                          <a:spcPct val="200000"/>
+                        </a:lnSpc>
+                      </a:pPr>
+                      <a:r>
+                        <a:rPr lang="en-US" dirty="0"/>
+                        <a:t>1</a:t>
+                      </a:r>
+                    </a:p>
+                  </a:txBody>
+                  <a:tcPr/>
+                </a:tc>
+                <a:extLst>
+                  <a:ext uri="{0D108BD9-81ED-4DB2-BD59-A6C34878D82A}">
+                    <a16:rowId xmlns:a16="http://schemas.microsoft.com/office/drawing/2014/main" val="2938075191"/>
+                  </a:ext>
+                </a:extLst>
+              </a:tr>
+              <a:tr h="396707">
+                <a:tc>
+                  <a:txBody>
+                    <a:bodyPr/>
+                    <a:lstStyle/>
+                    <a:p>
+                      <a:r>
+                        <a:rPr lang="en-US" dirty="0"/>
+                        <a:t>9) Iterative foundation calculations</a:t>
+                      </a:r>
+                    </a:p>
+                  </a:txBody>
+                  <a:tcPr/>
+                </a:tc>
+                <a:tc>
+                  <a:txBody>
+                    <a:bodyPr/>
+                    <a:lstStyle/>
+                    <a:p>
+                      <a:pPr algn="r">
+                        <a:lnSpc>
+                          <a:spcPct val="100000"/>
+                        </a:lnSpc>
+                      </a:pPr>
+                      <a:r>
+                        <a:rPr lang="en-US" dirty="0"/>
+                        <a:t>3.5</a:t>
+                      </a:r>
+                    </a:p>
+                  </a:txBody>
+                  <a:tcPr/>
+                </a:tc>
+                <a:extLst>
+                  <a:ext uri="{0D108BD9-81ED-4DB2-BD59-A6C34878D82A}">
+                    <a16:rowId xmlns:a16="http://schemas.microsoft.com/office/drawing/2014/main" val="128075615"/>
+                  </a:ext>
+                </a:extLst>
+              </a:tr>
+              <a:tr h="396707">
+                <a:tc>
+                  <a:txBody>
+                    <a:bodyPr/>
+                    <a:lstStyle/>
+                    <a:p>
+                      <a:r>
+                        <a:rPr lang="en-US" dirty="0"/>
+                        <a:t>10) Pipeline pressure checks (and code)</a:t>
+                      </a:r>
+                    </a:p>
+                  </a:txBody>
+                  <a:tcPr/>
+                </a:tc>
+                <a:tc>
+                  <a:txBody>
+                    <a:bodyPr/>
+                    <a:lstStyle/>
+                    <a:p>
+                      <a:pPr algn="r">
+                        <a:lnSpc>
+                          <a:spcPct val="100000"/>
+                        </a:lnSpc>
+                      </a:pPr>
+                      <a:r>
+                        <a:rPr lang="en-US" dirty="0"/>
+                        <a:t>6</a:t>
+                      </a:r>
+                    </a:p>
+                  </a:txBody>
+                  <a:tcPr/>
+                </a:tc>
+                <a:extLst>
+                  <a:ext uri="{0D108BD9-81ED-4DB2-BD59-A6C34878D82A}">
+                    <a16:rowId xmlns:a16="http://schemas.microsoft.com/office/drawing/2014/main" val="741964851"/>
+                  </a:ext>
+                </a:extLst>
+              </a:tr>
+              <a:tr h="396707">
+                <a:tc>
+                  <a:txBody>
+                    <a:bodyPr/>
+                    <a:lstStyle/>
+                    <a:p>
+                      <a:r>
+                        <a:rPr lang="en-US" dirty="0"/>
+                        <a:t>11) Final Calculations/verifications</a:t>
+                      </a:r>
+                    </a:p>
+                  </a:txBody>
+                  <a:tcPr/>
+                </a:tc>
+                <a:tc>
+                  <a:txBody>
+                    <a:bodyPr/>
+                    <a:lstStyle/>
+                    <a:p>
+                      <a:pPr algn="r">
+                        <a:lnSpc>
+                          <a:spcPct val="100000"/>
+                        </a:lnSpc>
+                      </a:pPr>
+                      <a:r>
+                        <a:rPr lang="en-US" dirty="0"/>
+                        <a:t>10</a:t>
+                      </a:r>
+                    </a:p>
+                  </a:txBody>
+                  <a:tcPr/>
+                </a:tc>
+                <a:extLst>
+                  <a:ext uri="{0D108BD9-81ED-4DB2-BD59-A6C34878D82A}">
+                    <a16:rowId xmlns:a16="http://schemas.microsoft.com/office/drawing/2014/main" val="1330393504"/>
+                  </a:ext>
+                </a:extLst>
+              </a:tr>
+              <a:tr h="396707">
+                <a:tc>
+                  <a:txBody>
+                    <a:bodyPr/>
+                    <a:lstStyle/>
+                    <a:p>
+                      <a:r>
+                        <a:rPr lang="en-US" dirty="0"/>
+                        <a:t>12) ZBE Adaptation/Risks/Modularization</a:t>
+                      </a:r>
+                    </a:p>
+                  </a:txBody>
+                  <a:tcPr/>
+                </a:tc>
+                <a:tc>
+                  <a:txBody>
+                    <a:bodyPr/>
+                    <a:lstStyle/>
+                    <a:p>
+                      <a:pPr algn="r">
+                        <a:lnSpc>
+                          <a:spcPct val="100000"/>
+                        </a:lnSpc>
+                      </a:pPr>
+                      <a:r>
+                        <a:rPr lang="en-US" dirty="0"/>
+                        <a:t>12</a:t>
+                      </a:r>
+                    </a:p>
+                  </a:txBody>
+                  <a:tcPr/>
+                </a:tc>
+                <a:extLst>
+                  <a:ext uri="{0D108BD9-81ED-4DB2-BD59-A6C34878D82A}">
+                    <a16:rowId xmlns:a16="http://schemas.microsoft.com/office/drawing/2014/main" val="4041393402"/>
+                  </a:ext>
+                </a:extLst>
+              </a:tr>
+              <a:tr h="396707">
+                <a:tc>
+                  <a:txBody>
+                    <a:bodyPr/>
+                    <a:lstStyle/>
+                    <a:p>
+                      <a:r>
+                        <a:rPr lang="en-US" dirty="0"/>
+                        <a:t>13) Innovation concept—brainstorm and discussion</a:t>
+                      </a:r>
+                    </a:p>
+                  </a:txBody>
+                  <a:tcPr/>
+                </a:tc>
+                <a:tc>
+                  <a:txBody>
+                    <a:bodyPr/>
+                    <a:lstStyle/>
+                    <a:p>
+                      <a:pPr algn="r">
+                        <a:lnSpc>
+                          <a:spcPct val="100000"/>
+                        </a:lnSpc>
+                      </a:pPr>
+                      <a:r>
+                        <a:rPr lang="en-US" dirty="0"/>
+                        <a:t>3</a:t>
+                      </a:r>
+                    </a:p>
+                  </a:txBody>
+                  <a:tcPr/>
+                </a:tc>
+                <a:extLst>
+                  <a:ext uri="{0D108BD9-81ED-4DB2-BD59-A6C34878D82A}">
+                    <a16:rowId xmlns:a16="http://schemas.microsoft.com/office/drawing/2014/main" val="4238190615"/>
+                  </a:ext>
+                </a:extLst>
+              </a:tr>
+              <a:tr h="396707">
+                <a:tc>
+                  <a:txBody>
+                    <a:bodyPr/>
+                    <a:lstStyle/>
+                    <a:p>
+                      <a:r>
+                        <a:rPr lang="en-US" dirty="0"/>
+                        <a:t>14) Narrative drafts and finalization</a:t>
+                      </a:r>
+                    </a:p>
+                  </a:txBody>
+                  <a:tcPr/>
+                </a:tc>
+                <a:tc>
+                  <a:txBody>
+                    <a:bodyPr/>
+                    <a:lstStyle/>
+                    <a:p>
+                      <a:pPr algn="r">
+                        <a:lnSpc>
+                          <a:spcPct val="100000"/>
+                        </a:lnSpc>
+                      </a:pPr>
+                      <a:r>
+                        <a:rPr lang="en-US" dirty="0"/>
+                        <a:t>9</a:t>
+                      </a:r>
+                    </a:p>
+                  </a:txBody>
+                  <a:tcPr/>
+                </a:tc>
+                <a:extLst>
+                  <a:ext uri="{0D108BD9-81ED-4DB2-BD59-A6C34878D82A}">
+                    <a16:rowId xmlns:a16="http://schemas.microsoft.com/office/drawing/2014/main" val="1054368810"/>
+                  </a:ext>
+                </a:extLst>
+              </a:tr>
+            </a:tbl>
+          </a:graphicData>
+        </a:graphic>
+      </p:graphicFrame>
+      <p:sp>
+        <p:nvSpPr>
+          <p:cNvPr id="7" name="TextBox 6">
+            <a:extLst>
+              <a:ext uri="{FF2B5EF4-FFF2-40B4-BE49-F238E27FC236}">
+                <a16:creationId xmlns:a16="http://schemas.microsoft.com/office/drawing/2014/main" id="{A4F86111-C7E0-46EF-9324-34C8BEE5EA50}"/>
+              </a:ext>
+            </a:extLst>
+          </p:cNvPr>
+          <p:cNvSpPr txBox="1"/>
+          <p:nvPr/>
+        </p:nvSpPr>
+        <p:spPr>
+          <a:xfrm>
+            <a:off x="4883804" y="5866774"/>
+            <a:ext cx="2760692" cy="584775"/>
+          </a:xfrm>
+          <a:prstGeom prst="rect">
+            <a:avLst/>
+          </a:prstGeom>
+          <a:noFill/>
+          <a:ln w="19050">
+            <a:solidFill>
+              <a:srgbClr val="FF0000"/>
+            </a:solidFill>
+          </a:ln>
+        </p:spPr>
+        <p:txBody>
+          <a:bodyPr wrap="none" rtlCol="0">
+            <a:spAutoFit/>
+          </a:bodyPr>
+          <a:lstStyle/>
+          <a:p>
+            <a:r>
+              <a:rPr lang="en-US" sz="3200" dirty="0"/>
+              <a:t>Total: </a:t>
+            </a:r>
+            <a:r>
+              <a:rPr lang="en-US" sz="3200" b="1" dirty="0"/>
+              <a:t>63 hours</a:t>
+            </a:r>
+          </a:p>
+        </p:txBody>
+      </p:sp>
+    </p:spTree>
+    <p:extLst>
+      <p:ext uri="{BB962C8B-B14F-4D97-AF65-F5344CB8AC3E}">
+        <p14:creationId xmlns:p14="http://schemas.microsoft.com/office/powerpoint/2010/main" val="406993690"/>
+      </p:ext>
+    </p:extLst>
+  </p:cSld>
+  <p:clrMapOvr>
+    <a:masterClrMapping/>
+  </p:clrMapOvr>
+</p:sld>
+</file>
+
+<file path=ppt/slides/slide16.xml><?xml version="1.0" encoding="utf-8"?>
+<p:sld xmlns:a="http://schemas.openxmlformats.org/drawingml/2006/main" xmlns:r="http://schemas.openxmlformats.org/officeDocument/2006/relationships" xmlns:p="http://schemas.openxmlformats.org/presentationml/2006/main">
+  <p:cSld>
+    <p:spTree>
+      <p:nvGrpSpPr>
+        <p:cNvPr id="1" name=""/>
+        <p:cNvGrpSpPr/>
+        <p:nvPr/>
+      </p:nvGrpSpPr>
+      <p:grpSpPr>
+        <a:xfrm>
+          <a:off x="0" y="0"/>
+          <a:ext cx="0" cy="0"/>
+          <a:chOff x="0" y="0"/>
+          <a:chExt cx="0" cy="0"/>
+        </a:xfrm>
+      </p:grpSpPr>
+      <p:sp>
+        <p:nvSpPr>
+          <p:cNvPr id="2" name="Title 1">
+            <a:extLst>
+              <a:ext uri="{FF2B5EF4-FFF2-40B4-BE49-F238E27FC236}">
+                <a16:creationId xmlns:a16="http://schemas.microsoft.com/office/drawing/2014/main" id="{564562A0-1726-074A-962A-BCD7FC1A442A}"/>
+              </a:ext>
+            </a:extLst>
+          </p:cNvPr>
+          <p:cNvSpPr>
+            <a:spLocks noGrp="1"/>
+          </p:cNvSpPr>
+          <p:nvPr>
+            <p:ph type="title"/>
+          </p:nvPr>
+        </p:nvSpPr>
+        <p:spPr/>
+        <p:txBody>
+          <a:bodyPr/>
+          <a:lstStyle/>
+          <a:p>
+            <a:pPr algn="ctr"/>
+            <a:r>
+              <a:rPr lang="en-US" dirty="0"/>
+              <a:t>Calculations</a:t>
+            </a:r>
+          </a:p>
+        </p:txBody>
+      </p:sp>
+      <p:pic>
+        <p:nvPicPr>
+          <p:cNvPr id="9" name="Picture 8">
+            <a:extLst>
+              <a:ext uri="{FF2B5EF4-FFF2-40B4-BE49-F238E27FC236}">
+                <a16:creationId xmlns:a16="http://schemas.microsoft.com/office/drawing/2014/main" id="{6AA93FB2-32FA-4B46-AB0F-7B335AA222AF}"/>
+              </a:ext>
+            </a:extLst>
+          </p:cNvPr>
+          <p:cNvPicPr>
+            <a:picLocks noChangeAspect="1"/>
+          </p:cNvPicPr>
+          <p:nvPr/>
+        </p:nvPicPr>
+        <p:blipFill>
+          <a:blip r:embed="rId2">
+            <a:extLst>
+              <a:ext uri="{28A0092B-C50C-407E-A947-70E740481C1C}">
+                <a14:useLocalDpi xmlns:a14="http://schemas.microsoft.com/office/drawing/2010/main" val="0"/>
+              </a:ext>
+            </a:extLst>
+          </a:blip>
+          <a:stretch>
+            <a:fillRect/>
+          </a:stretch>
+        </p:blipFill>
+        <p:spPr>
+          <a:xfrm>
+            <a:off x="5611863" y="1257442"/>
+            <a:ext cx="5941436" cy="2249503"/>
+          </a:xfrm>
+          <a:prstGeom prst="rect">
+            <a:avLst/>
+          </a:prstGeom>
+        </p:spPr>
+      </p:pic>
+      <p:pic>
+        <p:nvPicPr>
+          <p:cNvPr id="13" name="Picture 12">
+            <a:extLst>
+              <a:ext uri="{FF2B5EF4-FFF2-40B4-BE49-F238E27FC236}">
+                <a16:creationId xmlns:a16="http://schemas.microsoft.com/office/drawing/2014/main" id="{B54FA688-BD4A-450E-B405-4222BAF91E58}"/>
+              </a:ext>
+            </a:extLst>
+          </p:cNvPr>
+          <p:cNvPicPr>
+            <a:picLocks noChangeAspect="1"/>
+          </p:cNvPicPr>
+          <p:nvPr/>
+        </p:nvPicPr>
+        <p:blipFill>
+          <a:blip r:embed="rId3">
+            <a:extLst>
+              <a:ext uri="{28A0092B-C50C-407E-A947-70E740481C1C}">
+                <a14:useLocalDpi xmlns:a14="http://schemas.microsoft.com/office/drawing/2010/main" val="0"/>
+              </a:ext>
+            </a:extLst>
+          </a:blip>
+          <a:stretch>
+            <a:fillRect/>
+          </a:stretch>
+        </p:blipFill>
+        <p:spPr>
+          <a:xfrm>
+            <a:off x="352337" y="3907376"/>
+            <a:ext cx="6487705" cy="2324493"/>
+          </a:xfrm>
+          <a:prstGeom prst="rect">
+            <a:avLst/>
+          </a:prstGeom>
+        </p:spPr>
+      </p:pic>
+      <p:pic>
+        <p:nvPicPr>
+          <p:cNvPr id="15" name="Picture 14">
+            <a:extLst>
+              <a:ext uri="{FF2B5EF4-FFF2-40B4-BE49-F238E27FC236}">
+                <a16:creationId xmlns:a16="http://schemas.microsoft.com/office/drawing/2014/main" id="{9F7F8456-59A6-413F-9E8B-9A7EE5AD0FDC}"/>
+              </a:ext>
+            </a:extLst>
+          </p:cNvPr>
+          <p:cNvPicPr>
+            <a:picLocks noChangeAspect="1"/>
+          </p:cNvPicPr>
+          <p:nvPr/>
+        </p:nvPicPr>
+        <p:blipFill>
+          <a:blip r:embed="rId4">
+            <a:extLst>
+              <a:ext uri="{28A0092B-C50C-407E-A947-70E740481C1C}">
+                <a14:useLocalDpi xmlns:a14="http://schemas.microsoft.com/office/drawing/2010/main" val="0"/>
+              </a:ext>
+            </a:extLst>
+          </a:blip>
+          <a:stretch>
+            <a:fillRect/>
+          </a:stretch>
+        </p:blipFill>
+        <p:spPr>
+          <a:xfrm>
+            <a:off x="6840042" y="3747236"/>
+            <a:ext cx="4338247" cy="2484633"/>
+          </a:xfrm>
+          <a:prstGeom prst="rect">
+            <a:avLst/>
+          </a:prstGeom>
+        </p:spPr>
+      </p:pic>
+      <p:pic>
+        <p:nvPicPr>
+          <p:cNvPr id="19" name="Picture 18">
+            <a:extLst>
+              <a:ext uri="{FF2B5EF4-FFF2-40B4-BE49-F238E27FC236}">
+                <a16:creationId xmlns:a16="http://schemas.microsoft.com/office/drawing/2014/main" id="{A3859470-571E-4C64-800B-0140E89CF0CD}"/>
+              </a:ext>
+            </a:extLst>
+          </p:cNvPr>
+          <p:cNvPicPr>
+            <a:picLocks noChangeAspect="1"/>
+          </p:cNvPicPr>
+          <p:nvPr/>
+        </p:nvPicPr>
+        <p:blipFill>
+          <a:blip r:embed="rId5">
+            <a:extLst>
+              <a:ext uri="{28A0092B-C50C-407E-A947-70E740481C1C}">
+                <a14:useLocalDpi xmlns:a14="http://schemas.microsoft.com/office/drawing/2010/main" val="0"/>
+              </a:ext>
+            </a:extLst>
+          </a:blip>
+          <a:stretch>
+            <a:fillRect/>
+          </a:stretch>
+        </p:blipFill>
+        <p:spPr>
+          <a:xfrm>
+            <a:off x="1290286" y="851686"/>
+            <a:ext cx="4122078" cy="2784595"/>
+          </a:xfrm>
+          <a:prstGeom prst="rect">
+            <a:avLst/>
+          </a:prstGeom>
+        </p:spPr>
+      </p:pic>
+    </p:spTree>
+    <p:extLst>
+      <p:ext uri="{BB962C8B-B14F-4D97-AF65-F5344CB8AC3E}">
+        <p14:creationId xmlns:p14="http://schemas.microsoft.com/office/powerpoint/2010/main" val="689369372"/>
+      </p:ext>
+    </p:extLst>
+  </p:cSld>
+  <p:clrMapOvr>
+    <a:masterClrMapping/>
+  </p:clrMapOvr>
+</p:sld>
+</file>
+
+<file path=ppt/slides/slide17.xml><?xml version="1.0" encoding="utf-8"?>
+<p:sld xmlns:a="http://schemas.openxmlformats.org/drawingml/2006/main" xmlns:r="http://schemas.openxmlformats.org/officeDocument/2006/relationships" xmlns:p="http://schemas.openxmlformats.org/presentationml/2006/main">
+  <p:cSld>
+    <p:spTree>
+      <p:nvGrpSpPr>
+        <p:cNvPr id="1" name=""/>
+        <p:cNvGrpSpPr/>
+        <p:nvPr/>
+      </p:nvGrpSpPr>
+      <p:grpSpPr>
+        <a:xfrm>
+          <a:off x="0" y="0"/>
+          <a:ext cx="0" cy="0"/>
+          <a:chOff x="0" y="0"/>
+          <a:chExt cx="0" cy="0"/>
+        </a:xfrm>
+      </p:grpSpPr>
+      <p:sp>
+        <p:nvSpPr>
+          <p:cNvPr id="2" name="Title 1">
+            <a:extLst>
+              <a:ext uri="{FF2B5EF4-FFF2-40B4-BE49-F238E27FC236}">
+                <a16:creationId xmlns:a16="http://schemas.microsoft.com/office/drawing/2014/main" id="{D06A9ED8-DD87-2140-BEC3-643896B25143}"/>
+              </a:ext>
+            </a:extLst>
+          </p:cNvPr>
+          <p:cNvSpPr>
+            <a:spLocks noGrp="1"/>
+          </p:cNvSpPr>
+          <p:nvPr>
+            <p:ph type="title"/>
+          </p:nvPr>
+        </p:nvSpPr>
+        <p:spPr/>
+        <p:txBody>
+          <a:bodyPr/>
+          <a:lstStyle/>
+          <a:p>
+            <a:pPr algn="ctr"/>
+            <a:r>
+              <a:rPr lang="en-US" dirty="0"/>
+              <a:t>Zero-Based Execution</a:t>
+            </a:r>
+          </a:p>
+        </p:txBody>
+      </p:sp>
+      <p:pic>
+        <p:nvPicPr>
+          <p:cNvPr id="6" name="Picture 5">
+            <a:extLst>
+              <a:ext uri="{FF2B5EF4-FFF2-40B4-BE49-F238E27FC236}">
+                <a16:creationId xmlns:a16="http://schemas.microsoft.com/office/drawing/2014/main" id="{089BB6C8-7134-4777-BA60-359C97A8BDF1}"/>
+              </a:ext>
+            </a:extLst>
+          </p:cNvPr>
+          <p:cNvPicPr>
+            <a:picLocks noChangeAspect="1"/>
+          </p:cNvPicPr>
+          <p:nvPr/>
+        </p:nvPicPr>
+        <p:blipFill>
+          <a:blip r:embed="rId2">
+            <a:extLst>
+              <a:ext uri="{28A0092B-C50C-407E-A947-70E740481C1C}">
+                <a14:useLocalDpi xmlns:a14="http://schemas.microsoft.com/office/drawing/2010/main" val="0"/>
+              </a:ext>
+            </a:extLst>
+          </a:blip>
+          <a:stretch>
+            <a:fillRect/>
+          </a:stretch>
+        </p:blipFill>
+        <p:spPr>
+          <a:xfrm>
+            <a:off x="6916169" y="3609061"/>
+            <a:ext cx="4180440" cy="2883814"/>
+          </a:xfrm>
+          <a:prstGeom prst="rect">
+            <a:avLst/>
+          </a:prstGeom>
+        </p:spPr>
+      </p:pic>
+      <p:pic>
+        <p:nvPicPr>
+          <p:cNvPr id="7" name="Picture 6">
+            <a:extLst>
+              <a:ext uri="{FF2B5EF4-FFF2-40B4-BE49-F238E27FC236}">
+                <a16:creationId xmlns:a16="http://schemas.microsoft.com/office/drawing/2014/main" id="{5B7FDE87-0F94-4F91-AFA4-DAA7709B068B}"/>
+              </a:ext>
+            </a:extLst>
+          </p:cNvPr>
+          <p:cNvPicPr>
+            <a:picLocks noChangeAspect="1"/>
+          </p:cNvPicPr>
+          <p:nvPr/>
+        </p:nvPicPr>
+        <p:blipFill>
+          <a:blip r:embed="rId3">
+            <a:extLst>
+              <a:ext uri="{28A0092B-C50C-407E-A947-70E740481C1C}">
+                <a14:useLocalDpi xmlns:a14="http://schemas.microsoft.com/office/drawing/2010/main" val="0"/>
+              </a:ext>
+            </a:extLst>
+          </a:blip>
+          <a:stretch>
+            <a:fillRect/>
+          </a:stretch>
+        </p:blipFill>
+        <p:spPr>
+          <a:xfrm>
+            <a:off x="707650" y="4551130"/>
+            <a:ext cx="4749886" cy="1941745"/>
+          </a:xfrm>
+          <a:prstGeom prst="rect">
+            <a:avLst/>
+          </a:prstGeom>
+        </p:spPr>
+      </p:pic>
+      <p:pic>
+        <p:nvPicPr>
+          <p:cNvPr id="8" name="Picture 7">
+            <a:extLst>
+              <a:ext uri="{FF2B5EF4-FFF2-40B4-BE49-F238E27FC236}">
+                <a16:creationId xmlns:a16="http://schemas.microsoft.com/office/drawing/2014/main" id="{417E6C1D-EA7C-4714-9657-8E0E0B141F0C}"/>
+              </a:ext>
+            </a:extLst>
+          </p:cNvPr>
+          <p:cNvPicPr>
+            <a:picLocks noChangeAspect="1"/>
+          </p:cNvPicPr>
+          <p:nvPr/>
+        </p:nvPicPr>
+        <p:blipFill>
+          <a:blip r:embed="rId4">
+            <a:extLst>
+              <a:ext uri="{28A0092B-C50C-407E-A947-70E740481C1C}">
+                <a14:useLocalDpi xmlns:a14="http://schemas.microsoft.com/office/drawing/2010/main" val="0"/>
+              </a:ext>
+            </a:extLst>
+          </a:blip>
+          <a:stretch>
+            <a:fillRect/>
+          </a:stretch>
+        </p:blipFill>
+        <p:spPr>
+          <a:xfrm>
+            <a:off x="707650" y="1371854"/>
+            <a:ext cx="8114950" cy="3090965"/>
+          </a:xfrm>
+          <a:prstGeom prst="rect">
+            <a:avLst/>
+          </a:prstGeom>
+        </p:spPr>
+      </p:pic>
+    </p:spTree>
+    <p:extLst>
+      <p:ext uri="{BB962C8B-B14F-4D97-AF65-F5344CB8AC3E}">
+        <p14:creationId xmlns:p14="http://schemas.microsoft.com/office/powerpoint/2010/main" val="2246614268"/>
+      </p:ext>
+    </p:extLst>
+  </p:cSld>
+  <p:clrMapOvr>
+    <a:masterClrMapping/>
+  </p:clrMapOvr>
+</p:sld>
+</file>
+
+<file path=ppt/slides/slide18.xml><?xml version="1.0" encoding="utf-8"?>
+<p:sld xmlns:a="http://schemas.openxmlformats.org/drawingml/2006/main" xmlns:r="http://schemas.openxmlformats.org/officeDocument/2006/relationships" xmlns:p="http://schemas.openxmlformats.org/presentationml/2006/main">
+  <p:cSld>
+    <p:spTree>
+      <p:nvGrpSpPr>
+        <p:cNvPr id="1" name=""/>
+        <p:cNvGrpSpPr/>
+        <p:nvPr/>
+      </p:nvGrpSpPr>
+      <p:grpSpPr>
+        <a:xfrm>
+          <a:off x="0" y="0"/>
+          <a:ext cx="0" cy="0"/>
+          <a:chOff x="0" y="0"/>
+          <a:chExt cx="0" cy="0"/>
+        </a:xfrm>
+      </p:grpSpPr>
+      <p:sp>
+        <p:nvSpPr>
+          <p:cNvPr id="2" name="Title 1">
+            <a:extLst>
+              <a:ext uri="{FF2B5EF4-FFF2-40B4-BE49-F238E27FC236}">
+                <a16:creationId xmlns:a16="http://schemas.microsoft.com/office/drawing/2014/main" id="{681DED21-DF87-624A-9DFC-CF2538DE2303}"/>
+              </a:ext>
+            </a:extLst>
+          </p:cNvPr>
+          <p:cNvSpPr>
+            <a:spLocks noGrp="1"/>
+          </p:cNvSpPr>
+          <p:nvPr>
+            <p:ph type="title"/>
+          </p:nvPr>
+        </p:nvSpPr>
+        <p:spPr/>
+        <p:txBody>
+          <a:bodyPr/>
+          <a:lstStyle/>
+          <a:p>
+            <a:pPr algn="ctr"/>
+            <a:r>
+              <a:rPr lang="en-US" dirty="0"/>
+              <a:t>Constructability</a:t>
+            </a:r>
+          </a:p>
+        </p:txBody>
+      </p:sp>
+      <p:pic>
+        <p:nvPicPr>
+          <p:cNvPr id="7" name="Picture 6">
+            <a:extLst>
+              <a:ext uri="{FF2B5EF4-FFF2-40B4-BE49-F238E27FC236}">
+                <a16:creationId xmlns:a16="http://schemas.microsoft.com/office/drawing/2014/main" id="{8B3D23B4-512A-4022-919A-3AD8994A7E52}"/>
+              </a:ext>
+            </a:extLst>
+          </p:cNvPr>
+          <p:cNvPicPr>
+            <a:picLocks noChangeAspect="1"/>
+          </p:cNvPicPr>
+          <p:nvPr/>
+        </p:nvPicPr>
+        <p:blipFill>
+          <a:blip r:embed="rId2">
+            <a:extLst>
+              <a:ext uri="{28A0092B-C50C-407E-A947-70E740481C1C}">
+                <a14:useLocalDpi xmlns:a14="http://schemas.microsoft.com/office/drawing/2010/main" val="0"/>
+              </a:ext>
+            </a:extLst>
+          </a:blip>
+          <a:stretch>
+            <a:fillRect/>
+          </a:stretch>
+        </p:blipFill>
+        <p:spPr>
+          <a:xfrm>
+            <a:off x="1542063" y="1690688"/>
+            <a:ext cx="9107873" cy="4844979"/>
+          </a:xfrm>
+          <a:prstGeom prst="rect">
+            <a:avLst/>
+          </a:prstGeom>
+        </p:spPr>
+      </p:pic>
+    </p:spTree>
+    <p:extLst>
+      <p:ext uri="{BB962C8B-B14F-4D97-AF65-F5344CB8AC3E}">
+        <p14:creationId xmlns:p14="http://schemas.microsoft.com/office/powerpoint/2010/main" val="1544625445"/>
+      </p:ext>
+    </p:extLst>
+  </p:cSld>
+  <p:clrMapOvr>
+    <a:masterClrMapping/>
+  </p:clrMapOvr>
+</p:sld>
+</file>
+
+<file path=ppt/slides/slide19.xml><?xml version="1.0" encoding="utf-8"?>
+<p:sld xmlns:a="http://schemas.openxmlformats.org/drawingml/2006/main" xmlns:r="http://schemas.openxmlformats.org/officeDocument/2006/relationships" xmlns:p="http://schemas.openxmlformats.org/presentationml/2006/main">
+  <p:cSld>
+    <p:spTree>
+      <p:nvGrpSpPr>
+        <p:cNvPr id="1" name=""/>
+        <p:cNvGrpSpPr/>
+        <p:nvPr/>
+      </p:nvGrpSpPr>
+      <p:grpSpPr>
+        <a:xfrm>
+          <a:off x="0" y="0"/>
+          <a:ext cx="0" cy="0"/>
+          <a:chOff x="0" y="0"/>
+          <a:chExt cx="0" cy="0"/>
+        </a:xfrm>
+      </p:grpSpPr>
+      <p:sp>
+        <p:nvSpPr>
+          <p:cNvPr id="2" name="Title 1">
+            <a:extLst>
+              <a:ext uri="{FF2B5EF4-FFF2-40B4-BE49-F238E27FC236}">
+                <a16:creationId xmlns:a16="http://schemas.microsoft.com/office/drawing/2014/main" id="{049EC63C-A197-4252-85E7-993DB794C757}"/>
+              </a:ext>
+            </a:extLst>
+          </p:cNvPr>
+          <p:cNvSpPr>
+            <a:spLocks noGrp="1"/>
+          </p:cNvSpPr>
+          <p:nvPr>
+            <p:ph type="title"/>
+          </p:nvPr>
+        </p:nvSpPr>
+        <p:spPr>
+          <a:xfrm>
+            <a:off x="838200" y="365125"/>
+            <a:ext cx="10515600" cy="978645"/>
+          </a:xfrm>
+        </p:spPr>
+        <p:txBody>
+          <a:bodyPr/>
+          <a:lstStyle/>
+          <a:p>
+            <a:pPr algn="ctr"/>
+            <a:r>
+              <a:rPr lang="en-US" dirty="0"/>
+              <a:t>Innovation Concept (continued)</a:t>
+            </a:r>
+          </a:p>
+        </p:txBody>
+      </p:sp>
+      <p:sp>
+        <p:nvSpPr>
+          <p:cNvPr id="3" name="Content Placeholder 2">
+            <a:extLst>
+              <a:ext uri="{FF2B5EF4-FFF2-40B4-BE49-F238E27FC236}">
+                <a16:creationId xmlns:a16="http://schemas.microsoft.com/office/drawing/2014/main" id="{7F6AA9CD-BC5B-4207-B49F-254E11F34AA5}"/>
+              </a:ext>
+            </a:extLst>
+          </p:cNvPr>
+          <p:cNvSpPr>
+            <a:spLocks noGrp="1"/>
+          </p:cNvSpPr>
+          <p:nvPr>
+            <p:ph idx="1"/>
+          </p:nvPr>
+        </p:nvSpPr>
+        <p:spPr/>
+        <p:txBody>
+          <a:bodyPr/>
+          <a:lstStyle/>
+          <a:p>
+            <a:endParaRPr lang="en-US"/>
+          </a:p>
+        </p:txBody>
+      </p:sp>
+    </p:spTree>
+    <p:extLst>
+      <p:ext uri="{BB962C8B-B14F-4D97-AF65-F5344CB8AC3E}">
+        <p14:creationId xmlns:p14="http://schemas.microsoft.com/office/powerpoint/2010/main" val="3831560297"/>
       </p:ext>
     </p:extLst>
   </p:cSld>
@@ -3742,245 +6527,543 @@
       </p:grpSpPr>
       <p:sp>
         <p:nvSpPr>
-          <p:cNvPr id="3" name="Content Placeholder 2">
-            <a:extLst>
-              <a:ext uri="{FF2B5EF4-FFF2-40B4-BE49-F238E27FC236}">
-                <a16:creationId xmlns:a16="http://schemas.microsoft.com/office/drawing/2014/main" id="{11787CC8-2585-40C7-AC4D-290A0B819DD1}"/>
-              </a:ext>
-            </a:extLst>
-          </p:cNvPr>
-          <p:cNvSpPr>
-            <a:spLocks noGrp="1"/>
-          </p:cNvSpPr>
-          <p:nvPr>
-            <p:ph idx="1"/>
-          </p:nvPr>
+          <p:cNvPr id="5" name="Rectangle 4">
+            <a:extLst>
+              <a:ext uri="{FF2B5EF4-FFF2-40B4-BE49-F238E27FC236}">
+                <a16:creationId xmlns:a16="http://schemas.microsoft.com/office/drawing/2014/main" id="{E218C399-3BF4-479C-9CD2-4CD4949402D4}"/>
+              </a:ext>
+            </a:extLst>
+          </p:cNvPr>
+          <p:cNvSpPr/>
+          <p:nvPr/>
         </p:nvSpPr>
         <p:spPr>
           <a:xfrm>
-            <a:off x="838198" y="4358183"/>
-            <a:ext cx="10515600" cy="1891411"/>
+            <a:off x="2506761" y="300569"/>
+            <a:ext cx="7473194" cy="2386494"/>
           </a:xfrm>
+          <a:prstGeom prst="rect">
+            <a:avLst/>
+          </a:prstGeom>
+          <a:solidFill>
+            <a:schemeClr val="bg1"/>
+          </a:solidFill>
         </p:spPr>
-        <p:txBody>
-          <a:bodyPr/>
+        <p:style>
+          <a:lnRef idx="2">
+            <a:schemeClr val="accent1">
+              <a:shade val="50000"/>
+            </a:schemeClr>
+          </a:lnRef>
+          <a:fillRef idx="1">
+            <a:schemeClr val="accent1"/>
+          </a:fillRef>
+          <a:effectRef idx="0">
+            <a:schemeClr val="accent1"/>
+          </a:effectRef>
+          <a:fontRef idx="minor">
+            <a:schemeClr val="lt1"/>
+          </a:fontRef>
+        </p:style>
+        <p:txBody>
+          <a:bodyPr rtlCol="0" anchor="ctr"/>
           <a:lstStyle/>
           <a:p>
-            <a:r>
-              <a:rPr lang="en-US" dirty="0"/>
-              <a:t>Should cover each of our major contributions</a:t>
-            </a:r>
-          </a:p>
-          <a:p>
-            <a:pPr lvl="1"/>
-            <a:r>
-              <a:rPr lang="en-US" dirty="0"/>
-              <a:t>Joe – design lead, “architect”</a:t>
-            </a:r>
-          </a:p>
-          <a:p>
-            <a:pPr lvl="1"/>
-            <a:r>
-              <a:rPr lang="en-US" dirty="0"/>
-              <a:t>Zach – Innovation concept, risk management, work checking</a:t>
-            </a:r>
-          </a:p>
-          <a:p>
-            <a:pPr lvl="1"/>
-            <a:r>
-              <a:rPr lang="en-US" dirty="0"/>
-              <a:t>Saul – presentation chief, project comprehensibility, work checking</a:t>
-            </a:r>
-          </a:p>
-        </p:txBody>
-      </p:sp>
-      <p:grpSp>
-        <p:nvGrpSpPr>
-          <p:cNvPr id="4" name="Group 3">
-            <a:extLst>
-              <a:ext uri="{FF2B5EF4-FFF2-40B4-BE49-F238E27FC236}">
-                <a16:creationId xmlns:a16="http://schemas.microsoft.com/office/drawing/2014/main" id="{A92231F1-3EB2-43CE-9F73-383B919C1FAB}"/>
-              </a:ext>
-            </a:extLst>
-          </p:cNvPr>
-          <p:cNvGrpSpPr/>
+            <a:pPr algn="ctr"/>
+            <a:r>
+              <a:rPr lang="en-US" dirty="0">
+                <a:solidFill>
+                  <a:schemeClr val="tx1"/>
+                </a:solidFill>
+              </a:rPr>
+              <a:t>This area should be a picture of the three of us</a:t>
+            </a:r>
+          </a:p>
+        </p:txBody>
+      </p:sp>
+      <p:sp>
+        <p:nvSpPr>
+          <p:cNvPr id="6" name="TextBox 5">
+            <a:extLst>
+              <a:ext uri="{FF2B5EF4-FFF2-40B4-BE49-F238E27FC236}">
+                <a16:creationId xmlns:a16="http://schemas.microsoft.com/office/drawing/2014/main" id="{87EFFF2F-ED12-436F-AF74-02E7E2FD6F6D}"/>
+              </a:ext>
+            </a:extLst>
+          </p:cNvPr>
+          <p:cNvSpPr txBox="1"/>
           <p:nvPr/>
-        </p:nvGrpSpPr>
-        <p:grpSpPr>
+        </p:nvSpPr>
+        <p:spPr>
           <a:xfrm>
-            <a:off x="1671536" y="365125"/>
-            <a:ext cx="8848927" cy="3554323"/>
-            <a:chOff x="1671535" y="327172"/>
-            <a:chExt cx="8848927" cy="3554323"/>
+            <a:off x="2897203" y="2687063"/>
+            <a:ext cx="1313443" cy="297966"/>
           </a:xfrm>
-        </p:grpSpPr>
-        <p:sp>
-          <p:nvSpPr>
-            <p:cNvPr id="5" name="Rectangle 4">
-              <a:extLst>
-                <a:ext uri="{FF2B5EF4-FFF2-40B4-BE49-F238E27FC236}">
-                  <a16:creationId xmlns:a16="http://schemas.microsoft.com/office/drawing/2014/main" id="{E218C399-3BF4-479C-9CD2-4CD4949402D4}"/>
-                </a:ext>
-              </a:extLst>
-            </p:cNvPr>
-            <p:cNvSpPr/>
-            <p:nvPr/>
-          </p:nvSpPr>
-          <p:spPr>
-            <a:xfrm>
-              <a:off x="1671535" y="327172"/>
-              <a:ext cx="8848927" cy="3204594"/>
-            </a:xfrm>
-            <a:prstGeom prst="rect">
-              <a:avLst/>
-            </a:prstGeom>
+          <a:prstGeom prst="rect">
+            <a:avLst/>
+          </a:prstGeom>
+          <a:noFill/>
+        </p:spPr>
+        <p:txBody>
+          <a:bodyPr wrap="none" rtlCol="0">
+            <a:spAutoFit/>
+          </a:bodyPr>
+          <a:lstStyle/>
+          <a:p>
+            <a:r>
+              <a:rPr lang="en-US" sz="2000" b="1" dirty="0"/>
+              <a:t>Joseph Amar</a:t>
+            </a:r>
+          </a:p>
+        </p:txBody>
+      </p:sp>
+      <p:sp>
+        <p:nvSpPr>
+          <p:cNvPr id="7" name="TextBox 6">
+            <a:extLst>
+              <a:ext uri="{FF2B5EF4-FFF2-40B4-BE49-F238E27FC236}">
+                <a16:creationId xmlns:a16="http://schemas.microsoft.com/office/drawing/2014/main" id="{19A29660-1AB3-41B3-9DCC-9FDE83D8BC8E}"/>
+              </a:ext>
+            </a:extLst>
+          </p:cNvPr>
+          <p:cNvSpPr txBox="1"/>
+          <p:nvPr/>
+        </p:nvSpPr>
+        <p:spPr>
+          <a:xfrm>
+            <a:off x="8004221" y="2689336"/>
+            <a:ext cx="1175303" cy="297966"/>
+          </a:xfrm>
+          <a:prstGeom prst="rect">
+            <a:avLst/>
+          </a:prstGeom>
+          <a:noFill/>
+        </p:spPr>
+        <p:txBody>
+          <a:bodyPr wrap="none" rtlCol="0">
+            <a:spAutoFit/>
+          </a:bodyPr>
+          <a:lstStyle/>
+          <a:p>
+            <a:r>
+              <a:rPr lang="en-US" sz="2000" b="1" dirty="0"/>
+              <a:t>Saul </a:t>
+            </a:r>
+            <a:r>
+              <a:rPr lang="en-US" sz="2000" b="1" dirty="0" err="1"/>
+              <a:t>Pizano</a:t>
+            </a:r>
+            <a:endParaRPr lang="en-US" sz="2000" b="1" dirty="0"/>
+          </a:p>
+        </p:txBody>
+      </p:sp>
+      <p:sp>
+        <p:nvSpPr>
+          <p:cNvPr id="8" name="TextBox 7">
+            <a:extLst>
+              <a:ext uri="{FF2B5EF4-FFF2-40B4-BE49-F238E27FC236}">
+                <a16:creationId xmlns:a16="http://schemas.microsoft.com/office/drawing/2014/main" id="{2B230817-E74B-4378-B3FE-08F88D75AB15}"/>
+              </a:ext>
+            </a:extLst>
+          </p:cNvPr>
+          <p:cNvSpPr txBox="1"/>
+          <p:nvPr/>
+        </p:nvSpPr>
+        <p:spPr>
+          <a:xfrm>
+            <a:off x="5335830" y="2687063"/>
+            <a:ext cx="1543207" cy="297966"/>
+          </a:xfrm>
+          <a:prstGeom prst="rect">
+            <a:avLst/>
+          </a:prstGeom>
+          <a:noFill/>
+        </p:spPr>
+        <p:txBody>
+          <a:bodyPr wrap="none" rtlCol="0">
+            <a:spAutoFit/>
+          </a:bodyPr>
+          <a:lstStyle/>
+          <a:p>
+            <a:r>
+              <a:rPr lang="en-US" sz="2000" b="1" dirty="0"/>
+              <a:t>Zach McBurney</a:t>
+            </a:r>
+          </a:p>
+        </p:txBody>
+      </p:sp>
+      <p:cxnSp>
+        <p:nvCxnSpPr>
+          <p:cNvPr id="9" name="Straight Connector 8">
+            <a:extLst>
+              <a:ext uri="{FF2B5EF4-FFF2-40B4-BE49-F238E27FC236}">
+                <a16:creationId xmlns:a16="http://schemas.microsoft.com/office/drawing/2014/main" id="{0F270120-AB40-42CD-AA84-7E9F0E0B1C3F}"/>
+              </a:ext>
+            </a:extLst>
+          </p:cNvPr>
+          <p:cNvCxnSpPr/>
+          <p:nvPr/>
+        </p:nvCxnSpPr>
+        <p:spPr>
+          <a:xfrm>
+            <a:off x="7555537" y="2824146"/>
+            <a:ext cx="0" cy="2684477"/>
+          </a:xfrm>
+          <a:prstGeom prst="line">
+            <a:avLst/>
+          </a:prstGeom>
+          <a:ln w="28575">
             <a:solidFill>
-              <a:schemeClr val="bg1"/>
+              <a:schemeClr val="tx1"/>
             </a:solidFill>
-          </p:spPr>
-          <p:style>
-            <a:lnRef idx="2">
-              <a:schemeClr val="accent1">
-                <a:shade val="50000"/>
-              </a:schemeClr>
-            </a:lnRef>
-            <a:fillRef idx="1">
-              <a:schemeClr val="accent1"/>
-            </a:fillRef>
-            <a:effectRef idx="0">
-              <a:schemeClr val="accent1"/>
-            </a:effectRef>
-            <a:fontRef idx="minor">
-              <a:schemeClr val="lt1"/>
-            </a:fontRef>
-          </p:style>
-          <p:txBody>
-            <a:bodyPr rtlCol="0" anchor="ctr"/>
-            <a:lstStyle/>
-            <a:p>
-              <a:pPr algn="ctr"/>
-              <a:r>
-                <a:rPr lang="en-US" dirty="0">
-                  <a:solidFill>
-                    <a:schemeClr val="tx1"/>
-                  </a:solidFill>
-                </a:rPr>
-                <a:t>This area should be a picture of the three of us</a:t>
-              </a:r>
-            </a:p>
-          </p:txBody>
-        </p:sp>
-        <p:sp>
-          <p:nvSpPr>
-            <p:cNvPr id="6" name="TextBox 5">
-              <a:extLst>
-                <a:ext uri="{FF2B5EF4-FFF2-40B4-BE49-F238E27FC236}">
-                  <a16:creationId xmlns:a16="http://schemas.microsoft.com/office/drawing/2014/main" id="{87EFFF2F-ED12-436F-AF74-02E7E2FD6F6D}"/>
-                </a:ext>
-              </a:extLst>
-            </p:cNvPr>
-            <p:cNvSpPr txBox="1"/>
-            <p:nvPr/>
-          </p:nvSpPr>
-          <p:spPr>
-            <a:xfrm>
-              <a:off x="2632587" y="3512163"/>
-              <a:ext cx="1390124" cy="369332"/>
-            </a:xfrm>
-            <a:prstGeom prst="rect">
-              <a:avLst/>
-            </a:prstGeom>
-            <a:noFill/>
-          </p:spPr>
-          <p:txBody>
-            <a:bodyPr wrap="none" rtlCol="0">
-              <a:spAutoFit/>
-            </a:bodyPr>
-            <a:lstStyle/>
-            <a:p>
-              <a:r>
-                <a:rPr lang="en-US" dirty="0"/>
-                <a:t>Joseph Amar</a:t>
-              </a:r>
-            </a:p>
-          </p:txBody>
-        </p:sp>
-        <p:sp>
-          <p:nvSpPr>
-            <p:cNvPr id="7" name="TextBox 6">
-              <a:extLst>
-                <a:ext uri="{FF2B5EF4-FFF2-40B4-BE49-F238E27FC236}">
-                  <a16:creationId xmlns:a16="http://schemas.microsoft.com/office/drawing/2014/main" id="{19A29660-1AB3-41B3-9DCC-9FDE83D8BC8E}"/>
-                </a:ext>
-              </a:extLst>
-            </p:cNvPr>
-            <p:cNvSpPr txBox="1"/>
-            <p:nvPr/>
-          </p:nvSpPr>
-          <p:spPr>
-            <a:xfrm>
-              <a:off x="8034467" y="3512163"/>
-              <a:ext cx="1242007" cy="369332"/>
-            </a:xfrm>
-            <a:prstGeom prst="rect">
-              <a:avLst/>
-            </a:prstGeom>
-            <a:noFill/>
-          </p:spPr>
-          <p:txBody>
-            <a:bodyPr wrap="none" rtlCol="0">
-              <a:spAutoFit/>
-            </a:bodyPr>
-            <a:lstStyle/>
-            <a:p>
-              <a:r>
-                <a:rPr lang="en-US" dirty="0"/>
-                <a:t>Saul </a:t>
-              </a:r>
-              <a:r>
-                <a:rPr lang="en-US" dirty="0" err="1"/>
-                <a:t>Pizano</a:t>
-              </a:r>
-              <a:endParaRPr lang="en-US" dirty="0"/>
-            </a:p>
-          </p:txBody>
-        </p:sp>
-        <p:sp>
-          <p:nvSpPr>
-            <p:cNvPr id="8" name="TextBox 7">
-              <a:extLst>
-                <a:ext uri="{FF2B5EF4-FFF2-40B4-BE49-F238E27FC236}">
-                  <a16:creationId xmlns:a16="http://schemas.microsoft.com/office/drawing/2014/main" id="{2B230817-E74B-4378-B3FE-08F88D75AB15}"/>
-                </a:ext>
-              </a:extLst>
-            </p:cNvPr>
-            <p:cNvSpPr txBox="1"/>
-            <p:nvPr/>
-          </p:nvSpPr>
-          <p:spPr>
-            <a:xfrm>
-              <a:off x="5278017" y="3512163"/>
-              <a:ext cx="1635961" cy="369332"/>
-            </a:xfrm>
-            <a:prstGeom prst="rect">
-              <a:avLst/>
-            </a:prstGeom>
-            <a:noFill/>
-          </p:spPr>
-          <p:txBody>
-            <a:bodyPr wrap="none" rtlCol="0">
-              <a:spAutoFit/>
-            </a:bodyPr>
-            <a:lstStyle/>
-            <a:p>
-              <a:r>
-                <a:rPr lang="en-US" dirty="0"/>
-                <a:t>Zach McBurney</a:t>
-              </a:r>
-            </a:p>
-          </p:txBody>
-        </p:sp>
-      </p:grpSp>
+          </a:ln>
+        </p:spPr>
+        <p:style>
+          <a:lnRef idx="1">
+            <a:schemeClr val="accent1"/>
+          </a:lnRef>
+          <a:fillRef idx="0">
+            <a:schemeClr val="accent1"/>
+          </a:fillRef>
+          <a:effectRef idx="0">
+            <a:schemeClr val="accent1"/>
+          </a:effectRef>
+          <a:fontRef idx="minor">
+            <a:schemeClr val="tx1"/>
+          </a:fontRef>
+        </p:style>
+      </p:cxnSp>
+      <p:cxnSp>
+        <p:nvCxnSpPr>
+          <p:cNvPr id="10" name="Straight Connector 9">
+            <a:extLst>
+              <a:ext uri="{FF2B5EF4-FFF2-40B4-BE49-F238E27FC236}">
+                <a16:creationId xmlns:a16="http://schemas.microsoft.com/office/drawing/2014/main" id="{F4D1E86F-0D67-4217-A75A-75A480F88AB5}"/>
+              </a:ext>
+            </a:extLst>
+          </p:cNvPr>
+          <p:cNvCxnSpPr/>
+          <p:nvPr/>
+        </p:nvCxnSpPr>
+        <p:spPr>
+          <a:xfrm>
+            <a:off x="4637566" y="2824145"/>
+            <a:ext cx="0" cy="2684477"/>
+          </a:xfrm>
+          <a:prstGeom prst="line">
+            <a:avLst/>
+          </a:prstGeom>
+          <a:ln w="28575">
+            <a:solidFill>
+              <a:schemeClr val="tx1"/>
+            </a:solidFill>
+          </a:ln>
+        </p:spPr>
+        <p:style>
+          <a:lnRef idx="1">
+            <a:schemeClr val="accent1"/>
+          </a:lnRef>
+          <a:fillRef idx="0">
+            <a:schemeClr val="accent1"/>
+          </a:fillRef>
+          <a:effectRef idx="0">
+            <a:schemeClr val="accent1"/>
+          </a:effectRef>
+          <a:fontRef idx="minor">
+            <a:schemeClr val="tx1"/>
+          </a:fontRef>
+        </p:style>
+      </p:cxnSp>
+      <p:cxnSp>
+        <p:nvCxnSpPr>
+          <p:cNvPr id="12" name="Straight Connector 11">
+            <a:extLst>
+              <a:ext uri="{FF2B5EF4-FFF2-40B4-BE49-F238E27FC236}">
+                <a16:creationId xmlns:a16="http://schemas.microsoft.com/office/drawing/2014/main" id="{59883EFB-1777-45CB-9A57-3686C61B702F}"/>
+              </a:ext>
+            </a:extLst>
+          </p:cNvPr>
+          <p:cNvCxnSpPr>
+            <a:cxnSpLocks/>
+          </p:cNvCxnSpPr>
+          <p:nvPr/>
+        </p:nvCxnSpPr>
+        <p:spPr>
+          <a:xfrm>
+            <a:off x="2506762" y="3152713"/>
+            <a:ext cx="7473193" cy="0"/>
+          </a:xfrm>
+          <a:prstGeom prst="line">
+            <a:avLst/>
+          </a:prstGeom>
+          <a:ln w="28575">
+            <a:solidFill>
+              <a:schemeClr val="tx1"/>
+            </a:solidFill>
+          </a:ln>
+        </p:spPr>
+        <p:style>
+          <a:lnRef idx="1">
+            <a:schemeClr val="accent1"/>
+          </a:lnRef>
+          <a:fillRef idx="0">
+            <a:schemeClr val="accent1"/>
+          </a:fillRef>
+          <a:effectRef idx="0">
+            <a:schemeClr val="accent1"/>
+          </a:effectRef>
+          <a:fontRef idx="minor">
+            <a:schemeClr val="tx1"/>
+          </a:fontRef>
+        </p:style>
+      </p:cxnSp>
+      <p:sp>
+        <p:nvSpPr>
+          <p:cNvPr id="14" name="TextBox 13">
+            <a:extLst>
+              <a:ext uri="{FF2B5EF4-FFF2-40B4-BE49-F238E27FC236}">
+                <a16:creationId xmlns:a16="http://schemas.microsoft.com/office/drawing/2014/main" id="{FC6FEB7F-B45E-4931-A248-BE74EDF20CBD}"/>
+              </a:ext>
+            </a:extLst>
+          </p:cNvPr>
+          <p:cNvSpPr txBox="1"/>
+          <p:nvPr/>
+        </p:nvSpPr>
+        <p:spPr>
+          <a:xfrm>
+            <a:off x="2259193" y="3262774"/>
+            <a:ext cx="2123787" cy="1938992"/>
+          </a:xfrm>
+          <a:prstGeom prst="rect">
+            <a:avLst/>
+          </a:prstGeom>
+          <a:noFill/>
+        </p:spPr>
+        <p:txBody>
+          <a:bodyPr wrap="square" rtlCol="0">
+            <a:spAutoFit/>
+          </a:bodyPr>
+          <a:lstStyle/>
+          <a:p>
+            <a:pPr marL="285750" indent="-285750">
+              <a:buFont typeface="Arial" panose="020B0604020202020204" pitchFamily="34" charset="0"/>
+              <a:buChar char="•"/>
+            </a:pPr>
+            <a:r>
+              <a:rPr lang="en-US" sz="2000" dirty="0"/>
+              <a:t>Design Lead</a:t>
+            </a:r>
+          </a:p>
+          <a:p>
+            <a:endParaRPr lang="en-US" sz="2000" dirty="0"/>
+          </a:p>
+          <a:p>
+            <a:pPr marL="285750" indent="-285750">
+              <a:buFont typeface="Arial" panose="020B0604020202020204" pitchFamily="34" charset="0"/>
+              <a:buChar char="•"/>
+            </a:pPr>
+            <a:r>
+              <a:rPr lang="en-US" sz="2000" dirty="0"/>
+              <a:t>Programmer (at least he tries)</a:t>
+            </a:r>
+          </a:p>
+          <a:p>
+            <a:endParaRPr lang="en-US" sz="2000" dirty="0"/>
+          </a:p>
+          <a:p>
+            <a:pPr marL="285750" indent="-285750">
+              <a:buFont typeface="Arial" panose="020B0604020202020204" pitchFamily="34" charset="0"/>
+              <a:buChar char="•"/>
+            </a:pPr>
+            <a:r>
+              <a:rPr lang="en-US" sz="2000" dirty="0"/>
+              <a:t>Innovation</a:t>
+            </a:r>
+          </a:p>
+        </p:txBody>
+      </p:sp>
+      <p:sp>
+        <p:nvSpPr>
+          <p:cNvPr id="15" name="TextBox 14">
+            <a:extLst>
+              <a:ext uri="{FF2B5EF4-FFF2-40B4-BE49-F238E27FC236}">
+                <a16:creationId xmlns:a16="http://schemas.microsoft.com/office/drawing/2014/main" id="{65156264-7BE4-4F9C-AC12-66FD11EDF5A7}"/>
+              </a:ext>
+            </a:extLst>
+          </p:cNvPr>
+          <p:cNvSpPr txBox="1"/>
+          <p:nvPr/>
+        </p:nvSpPr>
+        <p:spPr>
+          <a:xfrm>
+            <a:off x="4941156" y="3262774"/>
+            <a:ext cx="2438022" cy="2246769"/>
+          </a:xfrm>
+          <a:prstGeom prst="rect">
+            <a:avLst/>
+          </a:prstGeom>
+          <a:noFill/>
+        </p:spPr>
+        <p:txBody>
+          <a:bodyPr wrap="square" rtlCol="0">
+            <a:spAutoFit/>
+          </a:bodyPr>
+          <a:lstStyle/>
+          <a:p>
+            <a:pPr marL="285750" indent="-285750">
+              <a:buFont typeface="Arial" panose="020B0604020202020204" pitchFamily="34" charset="0"/>
+              <a:buChar char="•"/>
+            </a:pPr>
+            <a:r>
+              <a:rPr lang="en-US" sz="2000" dirty="0"/>
+              <a:t>Quality Assurance Lead</a:t>
+            </a:r>
+          </a:p>
+          <a:p>
+            <a:endParaRPr lang="en-US" sz="2000" dirty="0"/>
+          </a:p>
+          <a:p>
+            <a:pPr marL="285750" indent="-285750">
+              <a:buFont typeface="Arial" panose="020B0604020202020204" pitchFamily="34" charset="0"/>
+              <a:buChar char="•"/>
+            </a:pPr>
+            <a:r>
+              <a:rPr lang="en-US" sz="2000" dirty="0"/>
+              <a:t>Risk Management</a:t>
+            </a:r>
+          </a:p>
+          <a:p>
+            <a:pPr marL="285750" indent="-285750">
+              <a:buFont typeface="Arial" panose="020B0604020202020204" pitchFamily="34" charset="0"/>
+              <a:buChar char="•"/>
+            </a:pPr>
+            <a:endParaRPr lang="en-US" sz="2000" dirty="0"/>
+          </a:p>
+          <a:p>
+            <a:pPr marL="285750" indent="-285750">
+              <a:buFont typeface="Arial" panose="020B0604020202020204" pitchFamily="34" charset="0"/>
+              <a:buChar char="•"/>
+            </a:pPr>
+            <a:r>
+              <a:rPr lang="en-US" sz="2000" dirty="0"/>
+              <a:t>Innovation</a:t>
+            </a:r>
+          </a:p>
+          <a:p>
+            <a:r>
+              <a:rPr lang="en-US" sz="2000" dirty="0"/>
+              <a:t> </a:t>
+            </a:r>
+          </a:p>
+        </p:txBody>
+      </p:sp>
+      <p:sp>
+        <p:nvSpPr>
+          <p:cNvPr id="16" name="TextBox 15">
+            <a:extLst>
+              <a:ext uri="{FF2B5EF4-FFF2-40B4-BE49-F238E27FC236}">
+                <a16:creationId xmlns:a16="http://schemas.microsoft.com/office/drawing/2014/main" id="{F3040C67-CE8B-4371-9EC9-F24D050F5532}"/>
+              </a:ext>
+            </a:extLst>
+          </p:cNvPr>
+          <p:cNvSpPr txBox="1"/>
+          <p:nvPr/>
+        </p:nvSpPr>
+        <p:spPr>
+          <a:xfrm>
+            <a:off x="7810124" y="3262774"/>
+            <a:ext cx="2663363" cy="1938992"/>
+          </a:xfrm>
+          <a:prstGeom prst="rect">
+            <a:avLst/>
+          </a:prstGeom>
+          <a:noFill/>
+        </p:spPr>
+        <p:txBody>
+          <a:bodyPr wrap="square" rtlCol="0">
+            <a:spAutoFit/>
+          </a:bodyPr>
+          <a:lstStyle/>
+          <a:p>
+            <a:pPr marL="285750" indent="-285750">
+              <a:buFont typeface="Arial" panose="020B0604020202020204" pitchFamily="34" charset="0"/>
+              <a:buChar char="•"/>
+            </a:pPr>
+            <a:r>
+              <a:rPr lang="en-US" sz="2000" dirty="0"/>
+              <a:t>Presentation Chief</a:t>
+            </a:r>
+          </a:p>
+          <a:p>
+            <a:pPr marL="285750" indent="-285750">
+              <a:buFont typeface="Arial" panose="020B0604020202020204" pitchFamily="34" charset="0"/>
+              <a:buChar char="•"/>
+            </a:pPr>
+            <a:endParaRPr lang="en-US" sz="2000" dirty="0"/>
+          </a:p>
+          <a:p>
+            <a:pPr marL="285750" indent="-285750">
+              <a:buFont typeface="Arial" panose="020B0604020202020204" pitchFamily="34" charset="0"/>
+              <a:buChar char="•"/>
+            </a:pPr>
+            <a:r>
+              <a:rPr lang="en-US" sz="2000" dirty="0"/>
+              <a:t>Quality Assurance</a:t>
+            </a:r>
+          </a:p>
+          <a:p>
+            <a:pPr marL="285750" indent="-285750">
+              <a:buFont typeface="Arial" panose="020B0604020202020204" pitchFamily="34" charset="0"/>
+              <a:buChar char="•"/>
+            </a:pPr>
+            <a:endParaRPr lang="en-US" sz="2000" dirty="0"/>
+          </a:p>
+          <a:p>
+            <a:pPr marL="285750" indent="-285750">
+              <a:buFont typeface="Arial" panose="020B0604020202020204" pitchFamily="34" charset="0"/>
+              <a:buChar char="•"/>
+            </a:pPr>
+            <a:r>
+              <a:rPr lang="en-US" sz="2000" dirty="0"/>
+              <a:t>Ensures solutions are comprehensible</a:t>
+            </a:r>
+          </a:p>
+        </p:txBody>
+      </p:sp>
+      <p:sp>
+        <p:nvSpPr>
+          <p:cNvPr id="21" name="TextBox 20">
+            <a:extLst>
+              <a:ext uri="{FF2B5EF4-FFF2-40B4-BE49-F238E27FC236}">
+                <a16:creationId xmlns:a16="http://schemas.microsoft.com/office/drawing/2014/main" id="{5614FDEE-BF87-4D67-9338-4E61AA866227}"/>
+              </a:ext>
+            </a:extLst>
+          </p:cNvPr>
+          <p:cNvSpPr txBox="1"/>
+          <p:nvPr/>
+        </p:nvSpPr>
+        <p:spPr>
+          <a:xfrm>
+            <a:off x="1345968" y="5935328"/>
+            <a:ext cx="9488560" cy="461665"/>
+          </a:xfrm>
+          <a:prstGeom prst="rect">
+            <a:avLst/>
+          </a:prstGeom>
+          <a:noFill/>
+        </p:spPr>
+        <p:txBody>
+          <a:bodyPr wrap="none" rtlCol="0">
+            <a:spAutoFit/>
+          </a:bodyPr>
+          <a:lstStyle/>
+          <a:p>
+            <a:r>
+              <a:rPr lang="en-US" sz="2400" b="1" dirty="0"/>
+              <a:t>Time Management was easy: we spent every free minute on this project!</a:t>
+            </a:r>
+          </a:p>
+        </p:txBody>
+      </p:sp>
     </p:spTree>
     <p:extLst>
       <p:ext uri="{BB962C8B-B14F-4D97-AF65-F5344CB8AC3E}">
@@ -4016,7 +7099,7 @@
           <p:cNvPr id="2" name="Title 1">
             <a:extLst>
               <a:ext uri="{FF2B5EF4-FFF2-40B4-BE49-F238E27FC236}">
-                <a16:creationId xmlns:a16="http://schemas.microsoft.com/office/drawing/2014/main" id="{F3953578-AC2C-F246-8DAE-6FDE9D406DA9}"/>
+                <a16:creationId xmlns:a16="http://schemas.microsoft.com/office/drawing/2014/main" id="{069F70E1-D90E-4198-A5BF-72A507481FC3}"/>
               </a:ext>
             </a:extLst>
           </p:cNvPr>
@@ -4027,7 +7110,12 @@
             <p:ph type="title"/>
           </p:nvPr>
         </p:nvSpPr>
-        <p:spPr/>
+        <p:spPr>
+          <a:xfrm>
+            <a:off x="838200" y="269557"/>
+            <a:ext cx="10515600" cy="822960"/>
+          </a:xfrm>
+        </p:spPr>
         <p:txBody>
           <a:bodyPr/>
           <a:lstStyle/>
@@ -4035,49 +7123,443 @@
             <a:pPr algn="ctr"/>
             <a:r>
               <a:rPr lang="en-US" dirty="0"/>
-              <a:t>Time Management</a:t>
-            </a:r>
-          </a:p>
-        </p:txBody>
-      </p:sp>
-      <p:sp>
-        <p:nvSpPr>
-          <p:cNvPr id="3" name="Content Placeholder 2">
-            <a:extLst>
-              <a:ext uri="{FF2B5EF4-FFF2-40B4-BE49-F238E27FC236}">
-                <a16:creationId xmlns:a16="http://schemas.microsoft.com/office/drawing/2014/main" id="{45383E73-4C00-2841-93F9-7B7719B23492}"/>
-              </a:ext>
-            </a:extLst>
-          </p:cNvPr>
-          <p:cNvSpPr>
-            <a:spLocks noGrp="1"/>
-          </p:cNvSpPr>
+              <a:t>The Initial Solution</a:t>
+            </a:r>
+          </a:p>
+        </p:txBody>
+      </p:sp>
+      <p:graphicFrame>
+        <p:nvGraphicFramePr>
+          <p:cNvPr id="7" name="Table 7">
+            <a:extLst>
+              <a:ext uri="{FF2B5EF4-FFF2-40B4-BE49-F238E27FC236}">
+                <a16:creationId xmlns:a16="http://schemas.microsoft.com/office/drawing/2014/main" id="{A6FA5922-AC87-43D2-894A-C148653352FE}"/>
+              </a:ext>
+            </a:extLst>
+          </p:cNvPr>
+          <p:cNvGraphicFramePr>
+            <a:graphicFrameLocks noGrp="1"/>
+          </p:cNvGraphicFramePr>
           <p:nvPr>
-            <p:ph idx="1"/>
+            <p:extLst>
+              <p:ext uri="{D42A27DB-BD31-4B8C-83A1-F6EECF244321}">
+                <p14:modId xmlns:p14="http://schemas.microsoft.com/office/powerpoint/2010/main" val="1826306665"/>
+              </p:ext>
+            </p:extLst>
           </p:nvPr>
-        </p:nvSpPr>
-        <p:spPr/>
-        <p:txBody>
-          <a:bodyPr/>
-          <a:lstStyle/>
-          <a:p>
-            <a:r>
-              <a:rPr lang="en-US" dirty="0"/>
-              <a:t>How long did each section take?</a:t>
-            </a:r>
-          </a:p>
-          <a:p>
-            <a:r>
-              <a:rPr lang="en-US" dirty="0"/>
-              <a:t>What were the overall steps to solve the problem?</a:t>
-            </a:r>
-          </a:p>
-        </p:txBody>
-      </p:sp>
+        </p:nvGraphicFramePr>
+        <p:xfrm>
+          <a:off x="168366" y="1627505"/>
+          <a:ext cx="6402251" cy="3602990"/>
+        </p:xfrm>
+        <a:graphic>
+          <a:graphicData uri="http://schemas.openxmlformats.org/drawingml/2006/table">
+            <a:tbl>
+              <a:tblPr firstRow="1" bandRow="1">
+                <a:tableStyleId>{5C22544A-7EE6-4342-B048-85BDC9FD1C3A}</a:tableStyleId>
+              </a:tblPr>
+              <a:tblGrid>
+                <a:gridCol w="1216297">
+                  <a:extLst>
+                    <a:ext uri="{9D8B030D-6E8A-4147-A177-3AD203B41FA5}">
+                      <a16:colId xmlns:a16="http://schemas.microsoft.com/office/drawing/2014/main" val="1944432691"/>
+                    </a:ext>
+                  </a:extLst>
+                </a:gridCol>
+                <a:gridCol w="3553097">
+                  <a:extLst>
+                    <a:ext uri="{9D8B030D-6E8A-4147-A177-3AD203B41FA5}">
+                      <a16:colId xmlns:a16="http://schemas.microsoft.com/office/drawing/2014/main" val="1661844142"/>
+                    </a:ext>
+                  </a:extLst>
+                </a:gridCol>
+                <a:gridCol w="1632857">
+                  <a:extLst>
+                    <a:ext uri="{9D8B030D-6E8A-4147-A177-3AD203B41FA5}">
+                      <a16:colId xmlns:a16="http://schemas.microsoft.com/office/drawing/2014/main" val="1607563751"/>
+                    </a:ext>
+                  </a:extLst>
+                </a:gridCol>
+              </a:tblGrid>
+              <a:tr h="327831">
+                <a:tc>
+                  <a:txBody>
+                    <a:bodyPr/>
+                    <a:lstStyle/>
+                    <a:p>
+                      <a:endParaRPr lang="en-US" dirty="0"/>
+                    </a:p>
+                  </a:txBody>
+                  <a:tcPr/>
+                </a:tc>
+                <a:tc>
+                  <a:txBody>
+                    <a:bodyPr/>
+                    <a:lstStyle/>
+                    <a:p>
+                      <a:pPr algn="ctr">
+                        <a:lnSpc>
+                          <a:spcPct val="150000"/>
+                        </a:lnSpc>
+                      </a:pPr>
+                      <a:r>
+                        <a:rPr lang="en-US" dirty="0"/>
+                        <a:t>Solution</a:t>
+                      </a:r>
+                    </a:p>
+                  </a:txBody>
+                  <a:tcPr/>
+                </a:tc>
+                <a:tc>
+                  <a:txBody>
+                    <a:bodyPr/>
+                    <a:lstStyle/>
+                    <a:p>
+                      <a:pPr algn="r">
+                        <a:lnSpc>
+                          <a:spcPct val="150000"/>
+                        </a:lnSpc>
+                      </a:pPr>
+                      <a:r>
+                        <a:rPr lang="en-US" dirty="0"/>
+                        <a:t>Cost</a:t>
+                      </a:r>
+                    </a:p>
+                  </a:txBody>
+                  <a:tcPr/>
+                </a:tc>
+                <a:extLst>
+                  <a:ext uri="{0D108BD9-81ED-4DB2-BD59-A6C34878D82A}">
+                    <a16:rowId xmlns:a16="http://schemas.microsoft.com/office/drawing/2014/main" val="2769426632"/>
+                  </a:ext>
+                </a:extLst>
+              </a:tr>
+              <a:tr h="913857">
+                <a:tc>
+                  <a:txBody>
+                    <a:bodyPr/>
+                    <a:lstStyle/>
+                    <a:p>
+                      <a:pPr>
+                        <a:lnSpc>
+                          <a:spcPct val="150000"/>
+                        </a:lnSpc>
+                      </a:pPr>
+                      <a:r>
+                        <a:rPr lang="en-US" b="1" dirty="0"/>
+                        <a:t>Hydraulics &amp; Civil Design</a:t>
+                      </a:r>
+                    </a:p>
+                  </a:txBody>
+                  <a:tcPr/>
+                </a:tc>
+                <a:tc>
+                  <a:txBody>
+                    <a:bodyPr/>
+                    <a:lstStyle/>
+                    <a:p>
+                      <a:pPr marL="285750" indent="-285750">
+                        <a:lnSpc>
+                          <a:spcPct val="150000"/>
+                        </a:lnSpc>
+                        <a:buFont typeface="Arial" panose="020B0604020202020204" pitchFamily="34" charset="0"/>
+                        <a:buChar char="•"/>
+                      </a:pPr>
+                      <a:r>
+                        <a:rPr lang="en-US" dirty="0"/>
+                        <a:t>.25”, .312”, and .5” schedules</a:t>
+                      </a:r>
+                    </a:p>
+                    <a:p>
+                      <a:pPr marL="285750" indent="-285750">
+                        <a:lnSpc>
+                          <a:spcPct val="150000"/>
+                        </a:lnSpc>
+                        <a:buFont typeface="Arial" panose="020B0604020202020204" pitchFamily="34" charset="0"/>
+                        <a:buChar char="•"/>
+                      </a:pPr>
+                      <a:r>
+                        <a:rPr lang="en-US" dirty="0"/>
+                        <a:t>Pump E</a:t>
+                      </a:r>
+                    </a:p>
+                    <a:p>
+                      <a:pPr marL="285750" indent="-285750">
+                        <a:lnSpc>
+                          <a:spcPct val="150000"/>
+                        </a:lnSpc>
+                        <a:buFont typeface="Arial" panose="020B0604020202020204" pitchFamily="34" charset="0"/>
+                        <a:buChar char="•"/>
+                      </a:pPr>
+                      <a:r>
+                        <a:rPr lang="en-US" dirty="0"/>
+                        <a:t>Junction 10 pump location</a:t>
+                      </a:r>
+                    </a:p>
+                  </a:txBody>
+                  <a:tcPr/>
+                </a:tc>
+                <a:tc>
+                  <a:txBody>
+                    <a:bodyPr/>
+                    <a:lstStyle/>
+                    <a:p>
+                      <a:pPr algn="r">
+                        <a:lnSpc>
+                          <a:spcPct val="200000"/>
+                        </a:lnSpc>
+                      </a:pPr>
+                      <a:endParaRPr lang="en-US" b="1" dirty="0"/>
+                    </a:p>
+                    <a:p>
+                      <a:pPr algn="r">
+                        <a:lnSpc>
+                          <a:spcPct val="250000"/>
+                        </a:lnSpc>
+                      </a:pPr>
+                      <a:r>
+                        <a:rPr lang="en-US" b="1" dirty="0"/>
+                        <a:t>$69,476,812</a:t>
+                      </a:r>
+                    </a:p>
+                  </a:txBody>
+                  <a:tcPr/>
+                </a:tc>
+                <a:extLst>
+                  <a:ext uri="{0D108BD9-81ED-4DB2-BD59-A6C34878D82A}">
+                    <a16:rowId xmlns:a16="http://schemas.microsoft.com/office/drawing/2014/main" val="1276461503"/>
+                  </a:ext>
+                </a:extLst>
+              </a:tr>
+              <a:tr h="846482">
+                <a:tc>
+                  <a:txBody>
+                    <a:bodyPr/>
+                    <a:lstStyle/>
+                    <a:p>
+                      <a:pPr>
+                        <a:lnSpc>
+                          <a:spcPct val="150000"/>
+                        </a:lnSpc>
+                      </a:pPr>
+                      <a:r>
+                        <a:rPr lang="en-US" b="1" dirty="0"/>
+                        <a:t>Equipment</a:t>
+                      </a:r>
+                    </a:p>
+                  </a:txBody>
+                  <a:tcPr/>
+                </a:tc>
+                <a:tc>
+                  <a:txBody>
+                    <a:bodyPr/>
+                    <a:lstStyle/>
+                    <a:p>
+                      <a:pPr marL="285750" indent="-285750">
+                        <a:buFont typeface="Arial" panose="020B0604020202020204" pitchFamily="34" charset="0"/>
+                        <a:buChar char="•"/>
+                      </a:pPr>
+                      <a:r>
+                        <a:rPr lang="en-US" dirty="0"/>
+                        <a:t>350 track-hoe-days</a:t>
+                      </a:r>
+                    </a:p>
+                    <a:p>
+                      <a:pPr marL="285750" indent="-285750">
+                        <a:buFont typeface="Arial" panose="020B0604020202020204" pitchFamily="34" charset="0"/>
+                        <a:buChar char="•"/>
+                      </a:pPr>
+                      <a:r>
+                        <a:rPr lang="en-US" dirty="0"/>
+                        <a:t>1160 dump-truck-days</a:t>
+                      </a:r>
+                    </a:p>
+                    <a:p>
+                      <a:pPr marL="285750" indent="-285750">
+                        <a:buFont typeface="Arial" panose="020B0604020202020204" pitchFamily="34" charset="0"/>
+                        <a:buChar char="•"/>
+                      </a:pPr>
+                      <a:r>
+                        <a:rPr lang="en-US" dirty="0"/>
+                        <a:t>1 crane-day</a:t>
+                      </a:r>
+                    </a:p>
+                    <a:p>
+                      <a:pPr marL="285750" indent="-285750">
+                        <a:buFont typeface="Arial" panose="020B0604020202020204" pitchFamily="34" charset="0"/>
+                        <a:buChar char="•"/>
+                      </a:pPr>
+                      <a:r>
+                        <a:rPr lang="en-US" dirty="0"/>
+                        <a:t>5 concrete-truck-days</a:t>
+                      </a:r>
+                    </a:p>
+                  </a:txBody>
+                  <a:tcPr/>
+                </a:tc>
+                <a:tc>
+                  <a:txBody>
+                    <a:bodyPr/>
+                    <a:lstStyle/>
+                    <a:p>
+                      <a:pPr algn="r"/>
+                      <a:endParaRPr lang="en-US" dirty="0"/>
+                    </a:p>
+                    <a:p>
+                      <a:pPr algn="r"/>
+                      <a:endParaRPr lang="en-US" dirty="0"/>
+                    </a:p>
+                    <a:p>
+                      <a:pPr algn="r"/>
+                      <a:endParaRPr lang="en-US" dirty="0"/>
+                    </a:p>
+                    <a:p>
+                      <a:pPr algn="r"/>
+                      <a:r>
+                        <a:rPr lang="en-US" b="1" dirty="0"/>
+                        <a:t>$3,035,000</a:t>
+                      </a:r>
+                    </a:p>
+                  </a:txBody>
+                  <a:tcPr/>
+                </a:tc>
+                <a:extLst>
+                  <a:ext uri="{0D108BD9-81ED-4DB2-BD59-A6C34878D82A}">
+                    <a16:rowId xmlns:a16="http://schemas.microsoft.com/office/drawing/2014/main" val="348258760"/>
+                  </a:ext>
+                </a:extLst>
+              </a:tr>
+              <a:tr h="477503">
+                <a:tc>
+                  <a:txBody>
+                    <a:bodyPr/>
+                    <a:lstStyle/>
+                    <a:p>
+                      <a:pPr>
+                        <a:lnSpc>
+                          <a:spcPct val="150000"/>
+                        </a:lnSpc>
+                      </a:pPr>
+                      <a:r>
+                        <a:rPr lang="en-US" b="1" dirty="0"/>
+                        <a:t>Total</a:t>
+                      </a:r>
+                    </a:p>
+                  </a:txBody>
+                  <a:tcPr/>
+                </a:tc>
+                <a:tc>
+                  <a:txBody>
+                    <a:bodyPr/>
+                    <a:lstStyle/>
+                    <a:p>
+                      <a:endParaRPr lang="en-US" dirty="0"/>
+                    </a:p>
+                  </a:txBody>
+                  <a:tcPr/>
+                </a:tc>
+                <a:tc>
+                  <a:txBody>
+                    <a:bodyPr/>
+                    <a:lstStyle/>
+                    <a:p>
+                      <a:endParaRPr lang="en-US" dirty="0"/>
+                    </a:p>
+                    <a:p>
+                      <a:pPr algn="r"/>
+                      <a:r>
+                        <a:rPr lang="en-US" sz="2000" b="1" u="sng" dirty="0"/>
+                        <a:t>$72,511,812</a:t>
+                      </a:r>
+                    </a:p>
+                  </a:txBody>
+                  <a:tcPr/>
+                </a:tc>
+                <a:extLst>
+                  <a:ext uri="{0D108BD9-81ED-4DB2-BD59-A6C34878D82A}">
+                    <a16:rowId xmlns:a16="http://schemas.microsoft.com/office/drawing/2014/main" val="333270449"/>
+                  </a:ext>
+                </a:extLst>
+              </a:tr>
+            </a:tbl>
+          </a:graphicData>
+        </a:graphic>
+      </p:graphicFrame>
+      <p:pic>
+        <p:nvPicPr>
+          <p:cNvPr id="9" name="Picture 8">
+            <a:extLst>
+              <a:ext uri="{FF2B5EF4-FFF2-40B4-BE49-F238E27FC236}">
+                <a16:creationId xmlns:a16="http://schemas.microsoft.com/office/drawing/2014/main" id="{0C14285A-876F-4B62-9270-362186C19EA6}"/>
+              </a:ext>
+            </a:extLst>
+          </p:cNvPr>
+          <p:cNvPicPr>
+            <a:picLocks noChangeAspect="1"/>
+          </p:cNvPicPr>
+          <p:nvPr/>
+        </p:nvPicPr>
+        <p:blipFill rotWithShape="1">
+          <a:blip r:embed="rId3">
+            <a:extLst>
+              <a:ext uri="{28A0092B-C50C-407E-A947-70E740481C1C}">
+                <a14:useLocalDpi xmlns:a14="http://schemas.microsoft.com/office/drawing/2010/main" val="0"/>
+              </a:ext>
+            </a:extLst>
+          </a:blip>
+          <a:srcRect r="6760"/>
+          <a:stretch/>
+        </p:blipFill>
+        <p:spPr>
+          <a:xfrm>
+            <a:off x="6570617" y="1092517"/>
+            <a:ext cx="5621383" cy="2160134"/>
+          </a:xfrm>
+          <a:prstGeom prst="rect">
+            <a:avLst/>
+          </a:prstGeom>
+        </p:spPr>
+      </p:pic>
+      <p:pic>
+        <p:nvPicPr>
+          <p:cNvPr id="10" name="Picture 9">
+            <a:extLst>
+              <a:ext uri="{FF2B5EF4-FFF2-40B4-BE49-F238E27FC236}">
+                <a16:creationId xmlns:a16="http://schemas.microsoft.com/office/drawing/2014/main" id="{0CFBABE7-26EE-4180-B458-E6217CD6EECA}"/>
+              </a:ext>
+            </a:extLst>
+          </p:cNvPr>
+          <p:cNvPicPr>
+            <a:picLocks noChangeAspect="1"/>
+          </p:cNvPicPr>
+          <p:nvPr/>
+        </p:nvPicPr>
+        <p:blipFill>
+          <a:blip r:embed="rId4">
+            <a:extLst>
+              <a:ext uri="{28A0092B-C50C-407E-A947-70E740481C1C}">
+                <a14:useLocalDpi xmlns:a14="http://schemas.microsoft.com/office/drawing/2010/main" val="0"/>
+              </a:ext>
+            </a:extLst>
+          </a:blip>
+          <a:stretch>
+            <a:fillRect/>
+          </a:stretch>
+        </p:blipFill>
+        <p:spPr>
+          <a:xfrm>
+            <a:off x="7153550" y="3605350"/>
+            <a:ext cx="4338247" cy="2484633"/>
+          </a:xfrm>
+          <a:prstGeom prst="rect">
+            <a:avLst/>
+          </a:prstGeom>
+        </p:spPr>
+      </p:pic>
     </p:spTree>
     <p:extLst>
       <p:ext uri="{BB962C8B-B14F-4D97-AF65-F5344CB8AC3E}">
-        <p14:creationId xmlns:p14="http://schemas.microsoft.com/office/powerpoint/2010/main" val="406993690"/>
+        <p14:creationId xmlns:p14="http://schemas.microsoft.com/office/powerpoint/2010/main" val="2140881363"/>
       </p:ext>
     </p:extLst>
   </p:cSld>
@@ -4109,7 +7591,7 @@
           <p:cNvPr id="2" name="Title 1">
             <a:extLst>
               <a:ext uri="{FF2B5EF4-FFF2-40B4-BE49-F238E27FC236}">
-                <a16:creationId xmlns:a16="http://schemas.microsoft.com/office/drawing/2014/main" id="{564562A0-1726-074A-962A-BCD7FC1A442A}"/>
+                <a16:creationId xmlns:a16="http://schemas.microsoft.com/office/drawing/2014/main" id="{D06A9ED8-DD87-2140-BEC3-643896B25143}"/>
               </a:ext>
             </a:extLst>
           </p:cNvPr>
@@ -4120,7 +7602,12 @@
             <p:ph type="title"/>
           </p:nvPr>
         </p:nvSpPr>
-        <p:spPr/>
+        <p:spPr>
+          <a:xfrm>
+            <a:off x="838200" y="299812"/>
+            <a:ext cx="10515600" cy="719092"/>
+          </a:xfrm>
+        </p:spPr>
         <p:txBody>
           <a:bodyPr/>
           <a:lstStyle/>
@@ -4128,416 +7615,490 @@
             <a:pPr algn="ctr"/>
             <a:r>
               <a:rPr lang="en-US" dirty="0"/>
-              <a:t>Calculations</a:t>
-            </a:r>
-          </a:p>
-        </p:txBody>
-      </p:sp>
-      <p:sp>
-        <p:nvSpPr>
-          <p:cNvPr id="3" name="Content Placeholder 2">
-            <a:extLst>
-              <a:ext uri="{FF2B5EF4-FFF2-40B4-BE49-F238E27FC236}">
-                <a16:creationId xmlns:a16="http://schemas.microsoft.com/office/drawing/2014/main" id="{23A484A1-8CB2-C44A-ABFF-8826CFB4A700}"/>
-              </a:ext>
-            </a:extLst>
-          </p:cNvPr>
-          <p:cNvSpPr>
-            <a:spLocks noGrp="1"/>
-          </p:cNvSpPr>
+              <a:t>Zero-Based Execution</a:t>
+            </a:r>
+          </a:p>
+        </p:txBody>
+      </p:sp>
+      <p:graphicFrame>
+        <p:nvGraphicFramePr>
+          <p:cNvPr id="9" name="Table 7">
+            <a:extLst>
+              <a:ext uri="{FF2B5EF4-FFF2-40B4-BE49-F238E27FC236}">
+                <a16:creationId xmlns:a16="http://schemas.microsoft.com/office/drawing/2014/main" id="{24196320-75C8-4576-88BB-D3CDD69A793D}"/>
+              </a:ext>
+            </a:extLst>
+          </p:cNvPr>
+          <p:cNvGraphicFramePr>
+            <a:graphicFrameLocks noGrp="1"/>
+          </p:cNvGraphicFramePr>
           <p:nvPr>
-            <p:ph idx="1"/>
+            <p:extLst>
+              <p:ext uri="{D42A27DB-BD31-4B8C-83A1-F6EECF244321}">
+                <p14:modId xmlns:p14="http://schemas.microsoft.com/office/powerpoint/2010/main" val="3664197031"/>
+              </p:ext>
+            </p:extLst>
           </p:nvPr>
-        </p:nvSpPr>
-        <p:spPr/>
-        <p:txBody>
-          <a:bodyPr/>
+        </p:nvGraphicFramePr>
+        <p:xfrm>
+          <a:off x="149497" y="1606883"/>
+          <a:ext cx="6564812" cy="3644234"/>
+        </p:xfrm>
+        <a:graphic>
+          <a:graphicData uri="http://schemas.openxmlformats.org/drawingml/2006/table">
+            <a:tbl>
+              <a:tblPr firstRow="1" bandRow="1">
+                <a:tableStyleId>{5C22544A-7EE6-4342-B048-85BDC9FD1C3A}</a:tableStyleId>
+              </a:tblPr>
+              <a:tblGrid>
+                <a:gridCol w="1307303">
+                  <a:extLst>
+                    <a:ext uri="{9D8B030D-6E8A-4147-A177-3AD203B41FA5}">
+                      <a16:colId xmlns:a16="http://schemas.microsoft.com/office/drawing/2014/main" val="1944432691"/>
+                    </a:ext>
+                  </a:extLst>
+                </a:gridCol>
+                <a:gridCol w="3716092">
+                  <a:extLst>
+                    <a:ext uri="{9D8B030D-6E8A-4147-A177-3AD203B41FA5}">
+                      <a16:colId xmlns:a16="http://schemas.microsoft.com/office/drawing/2014/main" val="1661844142"/>
+                    </a:ext>
+                  </a:extLst>
+                </a:gridCol>
+                <a:gridCol w="1541417">
+                  <a:extLst>
+                    <a:ext uri="{9D8B030D-6E8A-4147-A177-3AD203B41FA5}">
+                      <a16:colId xmlns:a16="http://schemas.microsoft.com/office/drawing/2014/main" val="1607563751"/>
+                    </a:ext>
+                  </a:extLst>
+                </a:gridCol>
+              </a:tblGrid>
+              <a:tr h="353945">
+                <a:tc>
+                  <a:txBody>
+                    <a:bodyPr/>
+                    <a:lstStyle/>
+                    <a:p>
+                      <a:endParaRPr lang="en-US" dirty="0"/>
+                    </a:p>
+                  </a:txBody>
+                  <a:tcPr/>
+                </a:tc>
+                <a:tc>
+                  <a:txBody>
+                    <a:bodyPr/>
+                    <a:lstStyle/>
+                    <a:p>
+                      <a:pPr algn="ctr">
+                        <a:lnSpc>
+                          <a:spcPct val="150000"/>
+                        </a:lnSpc>
+                      </a:pPr>
+                      <a:r>
+                        <a:rPr lang="en-US" dirty="0"/>
+                        <a:t>Solution</a:t>
+                      </a:r>
+                    </a:p>
+                  </a:txBody>
+                  <a:tcPr/>
+                </a:tc>
+                <a:tc>
+                  <a:txBody>
+                    <a:bodyPr/>
+                    <a:lstStyle/>
+                    <a:p>
+                      <a:pPr algn="r">
+                        <a:lnSpc>
+                          <a:spcPct val="150000"/>
+                        </a:lnSpc>
+                      </a:pPr>
+                      <a:r>
+                        <a:rPr lang="en-US" dirty="0"/>
+                        <a:t>Cost</a:t>
+                      </a:r>
+                    </a:p>
+                  </a:txBody>
+                  <a:tcPr/>
+                </a:tc>
+                <a:extLst>
+                  <a:ext uri="{0D108BD9-81ED-4DB2-BD59-A6C34878D82A}">
+                    <a16:rowId xmlns:a16="http://schemas.microsoft.com/office/drawing/2014/main" val="2769426632"/>
+                  </a:ext>
+                </a:extLst>
+              </a:tr>
+              <a:tr h="986652">
+                <a:tc>
+                  <a:txBody>
+                    <a:bodyPr/>
+                    <a:lstStyle/>
+                    <a:p>
+                      <a:pPr>
+                        <a:lnSpc>
+                          <a:spcPct val="150000"/>
+                        </a:lnSpc>
+                      </a:pPr>
+                      <a:r>
+                        <a:rPr lang="en-US" b="1" dirty="0"/>
+                        <a:t>Hydraulics &amp; Civil Design</a:t>
+                      </a:r>
+                    </a:p>
+                  </a:txBody>
+                  <a:tcPr/>
+                </a:tc>
+                <a:tc>
+                  <a:txBody>
+                    <a:bodyPr/>
+                    <a:lstStyle/>
+                    <a:p>
+                      <a:pPr marL="285750" indent="-285750">
+                        <a:lnSpc>
+                          <a:spcPct val="150000"/>
+                        </a:lnSpc>
+                        <a:buFont typeface="Arial" panose="020B0604020202020204" pitchFamily="34" charset="0"/>
+                        <a:buChar char="•"/>
+                      </a:pPr>
+                      <a:r>
+                        <a:rPr lang="en-US" dirty="0"/>
+                        <a:t>.25”, .375”, and .5” schedules</a:t>
+                      </a:r>
+                    </a:p>
+                    <a:p>
+                      <a:pPr marL="285750" indent="-285750">
+                        <a:lnSpc>
+                          <a:spcPct val="150000"/>
+                        </a:lnSpc>
+                        <a:buFont typeface="Arial" panose="020B0604020202020204" pitchFamily="34" charset="0"/>
+                        <a:buChar char="•"/>
+                      </a:pPr>
+                      <a:r>
+                        <a:rPr lang="en-US" dirty="0"/>
+                        <a:t>Pump F x 2</a:t>
+                      </a:r>
+                    </a:p>
+                    <a:p>
+                      <a:pPr marL="285750" indent="-285750">
+                        <a:lnSpc>
+                          <a:spcPct val="150000"/>
+                        </a:lnSpc>
+                        <a:buFont typeface="Arial" panose="020B0604020202020204" pitchFamily="34" charset="0"/>
+                        <a:buChar char="•"/>
+                      </a:pPr>
+                      <a:r>
+                        <a:rPr lang="en-US" dirty="0"/>
+                        <a:t>Junctions 9 and 11 pump locations</a:t>
+                      </a:r>
+                    </a:p>
+                  </a:txBody>
+                  <a:tcPr/>
+                </a:tc>
+                <a:tc>
+                  <a:txBody>
+                    <a:bodyPr/>
+                    <a:lstStyle/>
+                    <a:p>
+                      <a:pPr algn="r">
+                        <a:lnSpc>
+                          <a:spcPct val="200000"/>
+                        </a:lnSpc>
+                      </a:pPr>
+                      <a:endParaRPr lang="en-US" b="1" dirty="0"/>
+                    </a:p>
+                    <a:p>
+                      <a:pPr algn="r">
+                        <a:lnSpc>
+                          <a:spcPct val="250000"/>
+                        </a:lnSpc>
+                      </a:pPr>
+                      <a:r>
+                        <a:rPr lang="en-US" b="1" dirty="0"/>
+                        <a:t>$33,166,245</a:t>
+                      </a:r>
+                    </a:p>
+                  </a:txBody>
+                  <a:tcPr/>
+                </a:tc>
+                <a:extLst>
+                  <a:ext uri="{0D108BD9-81ED-4DB2-BD59-A6C34878D82A}">
+                    <a16:rowId xmlns:a16="http://schemas.microsoft.com/office/drawing/2014/main" val="1276461503"/>
+                  </a:ext>
+                </a:extLst>
+              </a:tr>
+              <a:tr h="913910">
+                <a:tc>
+                  <a:txBody>
+                    <a:bodyPr/>
+                    <a:lstStyle/>
+                    <a:p>
+                      <a:pPr>
+                        <a:lnSpc>
+                          <a:spcPct val="150000"/>
+                        </a:lnSpc>
+                      </a:pPr>
+                      <a:r>
+                        <a:rPr lang="en-US" b="1" dirty="0"/>
+                        <a:t>Equipment</a:t>
+                      </a:r>
+                    </a:p>
+                  </a:txBody>
+                  <a:tcPr/>
+                </a:tc>
+                <a:tc>
+                  <a:txBody>
+                    <a:bodyPr/>
+                    <a:lstStyle/>
+                    <a:p>
+                      <a:pPr marL="285750" indent="-285750">
+                        <a:buFont typeface="Arial" panose="020B0604020202020204" pitchFamily="34" charset="0"/>
+                        <a:buChar char="•"/>
+                      </a:pPr>
+                      <a:r>
+                        <a:rPr lang="en-US" dirty="0"/>
+                        <a:t>12 track-hoe-days</a:t>
+                      </a:r>
+                    </a:p>
+                    <a:p>
+                      <a:pPr marL="285750" indent="-285750">
+                        <a:buFont typeface="Arial" panose="020B0604020202020204" pitchFamily="34" charset="0"/>
+                        <a:buChar char="•"/>
+                      </a:pPr>
+                      <a:r>
+                        <a:rPr lang="en-US" dirty="0"/>
+                        <a:t>6 dump-truck-days</a:t>
+                      </a:r>
+                    </a:p>
+                    <a:p>
+                      <a:pPr marL="285750" indent="-285750">
+                        <a:buFont typeface="Arial" panose="020B0604020202020204" pitchFamily="34" charset="0"/>
+                        <a:buChar char="•"/>
+                      </a:pPr>
+                      <a:r>
+                        <a:rPr lang="en-US" dirty="0"/>
+                        <a:t>1 crane-day</a:t>
+                      </a:r>
+                    </a:p>
+                    <a:p>
+                      <a:pPr marL="285750" indent="-285750">
+                        <a:buFont typeface="Arial" panose="020B0604020202020204" pitchFamily="34" charset="0"/>
+                        <a:buChar char="•"/>
+                      </a:pPr>
+                      <a:r>
+                        <a:rPr lang="en-US" dirty="0"/>
+                        <a:t>4 concrete-truck-days</a:t>
+                      </a:r>
+                    </a:p>
+                  </a:txBody>
+                  <a:tcPr/>
+                </a:tc>
+                <a:tc>
+                  <a:txBody>
+                    <a:bodyPr/>
+                    <a:lstStyle/>
+                    <a:p>
+                      <a:pPr algn="r"/>
+                      <a:endParaRPr lang="en-US" dirty="0"/>
+                    </a:p>
+                    <a:p>
+                      <a:pPr algn="r"/>
+                      <a:endParaRPr lang="en-US" dirty="0"/>
+                    </a:p>
+                    <a:p>
+                      <a:pPr algn="r"/>
+                      <a:endParaRPr lang="en-US" dirty="0"/>
+                    </a:p>
+                    <a:p>
+                      <a:pPr algn="r"/>
+                      <a:r>
+                        <a:rPr lang="en-US" b="1" dirty="0"/>
+                        <a:t>$176,000</a:t>
+                      </a:r>
+                    </a:p>
+                  </a:txBody>
+                  <a:tcPr/>
+                </a:tc>
+                <a:extLst>
+                  <a:ext uri="{0D108BD9-81ED-4DB2-BD59-A6C34878D82A}">
+                    <a16:rowId xmlns:a16="http://schemas.microsoft.com/office/drawing/2014/main" val="348258760"/>
+                  </a:ext>
+                </a:extLst>
+              </a:tr>
+              <a:tr h="711804">
+                <a:tc>
+                  <a:txBody>
+                    <a:bodyPr/>
+                    <a:lstStyle/>
+                    <a:p>
+                      <a:pPr>
+                        <a:lnSpc>
+                          <a:spcPct val="150000"/>
+                        </a:lnSpc>
+                      </a:pPr>
+                      <a:r>
+                        <a:rPr lang="en-US" b="1" dirty="0"/>
+                        <a:t>Total</a:t>
+                      </a:r>
+                    </a:p>
+                  </a:txBody>
+                  <a:tcPr/>
+                </a:tc>
+                <a:tc>
+                  <a:txBody>
+                    <a:bodyPr/>
+                    <a:lstStyle/>
+                    <a:p>
+                      <a:endParaRPr lang="en-US" dirty="0"/>
+                    </a:p>
+                  </a:txBody>
+                  <a:tcPr/>
+                </a:tc>
+                <a:tc>
+                  <a:txBody>
+                    <a:bodyPr/>
+                    <a:lstStyle/>
+                    <a:p>
+                      <a:endParaRPr lang="en-US" dirty="0"/>
+                    </a:p>
+                    <a:p>
+                      <a:pPr algn="r"/>
+                      <a:r>
+                        <a:rPr lang="en-US" sz="2000" b="1" u="sng" dirty="0"/>
+                        <a:t>$33,342,244</a:t>
+                      </a:r>
+                    </a:p>
+                  </a:txBody>
+                  <a:tcPr/>
+                </a:tc>
+                <a:extLst>
+                  <a:ext uri="{0D108BD9-81ED-4DB2-BD59-A6C34878D82A}">
+                    <a16:rowId xmlns:a16="http://schemas.microsoft.com/office/drawing/2014/main" val="333270449"/>
+                  </a:ext>
+                </a:extLst>
+              </a:tr>
+            </a:tbl>
+          </a:graphicData>
+        </a:graphic>
+      </p:graphicFrame>
+      <p:sp>
+        <p:nvSpPr>
+          <p:cNvPr id="10" name="Oval 9">
+            <a:extLst>
+              <a:ext uri="{FF2B5EF4-FFF2-40B4-BE49-F238E27FC236}">
+                <a16:creationId xmlns:a16="http://schemas.microsoft.com/office/drawing/2014/main" id="{0FA39828-BF15-470C-991C-CF7D74E7631F}"/>
+              </a:ext>
+            </a:extLst>
+          </p:cNvPr>
+          <p:cNvSpPr/>
+          <p:nvPr/>
+        </p:nvSpPr>
+        <p:spPr>
+          <a:xfrm>
+            <a:off x="9562012" y="2142308"/>
+            <a:ext cx="627017" cy="953589"/>
+          </a:xfrm>
+          <a:prstGeom prst="ellipse">
+            <a:avLst/>
+          </a:prstGeom>
+          <a:noFill/>
+          <a:ln>
+            <a:solidFill>
+              <a:schemeClr val="tx1"/>
+            </a:solidFill>
+          </a:ln>
+        </p:spPr>
+        <p:style>
+          <a:lnRef idx="2">
+            <a:schemeClr val="accent1">
+              <a:shade val="50000"/>
+            </a:schemeClr>
+          </a:lnRef>
+          <a:fillRef idx="1">
+            <a:schemeClr val="accent1"/>
+          </a:fillRef>
+          <a:effectRef idx="0">
+            <a:schemeClr val="accent1"/>
+          </a:effectRef>
+          <a:fontRef idx="minor">
+            <a:schemeClr val="lt1"/>
+          </a:fontRef>
+        </p:style>
+        <p:txBody>
+          <a:bodyPr rtlCol="0" anchor="ctr"/>
           <a:lstStyle/>
           <a:p>
-            <a:r>
-              <a:rPr lang="en-US" dirty="0"/>
-              <a:t>Summarize results</a:t>
-            </a:r>
-          </a:p>
-        </p:txBody>
-      </p:sp>
-    </p:spTree>
-    <p:extLst>
-      <p:ext uri="{BB962C8B-B14F-4D97-AF65-F5344CB8AC3E}">
-        <p14:creationId xmlns:p14="http://schemas.microsoft.com/office/powerpoint/2010/main" val="689369372"/>
-      </p:ext>
-    </p:extLst>
-  </p:cSld>
-  <p:clrMapOvr>
-    <a:masterClrMapping/>
-  </p:clrMapOvr>
-</p:sld>
-</file>
-
-<file path=ppt/slides/slide5.xml><?xml version="1.0" encoding="utf-8"?>
-<p:sld xmlns:a="http://schemas.openxmlformats.org/drawingml/2006/main" xmlns:r="http://schemas.openxmlformats.org/officeDocument/2006/relationships" xmlns:p="http://schemas.openxmlformats.org/presentationml/2006/main">
-  <p:cSld>
-    <p:spTree>
-      <p:nvGrpSpPr>
-        <p:cNvPr id="1" name=""/>
-        <p:cNvGrpSpPr/>
-        <p:nvPr/>
-      </p:nvGrpSpPr>
-      <p:grpSpPr>
-        <a:xfrm>
-          <a:off x="0" y="0"/>
-          <a:ext cx="0" cy="0"/>
-          <a:chOff x="0" y="0"/>
-          <a:chExt cx="0" cy="0"/>
-        </a:xfrm>
-      </p:grpSpPr>
-      <p:sp>
-        <p:nvSpPr>
-          <p:cNvPr id="2" name="Title 1">
-            <a:extLst>
-              <a:ext uri="{FF2B5EF4-FFF2-40B4-BE49-F238E27FC236}">
-                <a16:creationId xmlns:a16="http://schemas.microsoft.com/office/drawing/2014/main" id="{681DED21-DF87-624A-9DFC-CF2538DE2303}"/>
-              </a:ext>
-            </a:extLst>
-          </p:cNvPr>
-          <p:cNvSpPr>
-            <a:spLocks noGrp="1"/>
-          </p:cNvSpPr>
-          <p:nvPr>
-            <p:ph type="title"/>
-          </p:nvPr>
-        </p:nvSpPr>
-        <p:spPr/>
-        <p:txBody>
-          <a:bodyPr/>
+            <a:pPr algn="ctr"/>
+            <a:endParaRPr lang="en-US"/>
+          </a:p>
+        </p:txBody>
+      </p:sp>
+      <p:sp>
+        <p:nvSpPr>
+          <p:cNvPr id="11" name="Oval 10">
+            <a:extLst>
+              <a:ext uri="{FF2B5EF4-FFF2-40B4-BE49-F238E27FC236}">
+                <a16:creationId xmlns:a16="http://schemas.microsoft.com/office/drawing/2014/main" id="{55ED2BCF-7CD1-4CDA-A1CA-6392A31D0741}"/>
+              </a:ext>
+            </a:extLst>
+          </p:cNvPr>
+          <p:cNvSpPr/>
+          <p:nvPr/>
+        </p:nvSpPr>
+        <p:spPr>
+          <a:xfrm>
+            <a:off x="9418320" y="1972491"/>
+            <a:ext cx="923109" cy="1275806"/>
+          </a:xfrm>
+          <a:prstGeom prst="ellipse">
+            <a:avLst/>
+          </a:prstGeom>
+          <a:noFill/>
+          <a:ln>
+            <a:solidFill>
+              <a:schemeClr val="tx1"/>
+            </a:solidFill>
+          </a:ln>
+        </p:spPr>
+        <p:style>
+          <a:lnRef idx="2">
+            <a:schemeClr val="accent1">
+              <a:shade val="50000"/>
+            </a:schemeClr>
+          </a:lnRef>
+          <a:fillRef idx="1">
+            <a:schemeClr val="accent1"/>
+          </a:fillRef>
+          <a:effectRef idx="0">
+            <a:schemeClr val="accent1"/>
+          </a:effectRef>
+          <a:fontRef idx="minor">
+            <a:schemeClr val="lt1"/>
+          </a:fontRef>
+        </p:style>
+        <p:txBody>
+          <a:bodyPr rtlCol="0" anchor="ctr"/>
           <a:lstStyle/>
           <a:p>
             <a:pPr algn="ctr"/>
-            <a:r>
-              <a:rPr lang="en-US" dirty="0"/>
-              <a:t>Constructability</a:t>
-            </a:r>
-          </a:p>
-        </p:txBody>
-      </p:sp>
-      <p:sp>
-        <p:nvSpPr>
-          <p:cNvPr id="3" name="Content Placeholder 2">
-            <a:extLst>
-              <a:ext uri="{FF2B5EF4-FFF2-40B4-BE49-F238E27FC236}">
-                <a16:creationId xmlns:a16="http://schemas.microsoft.com/office/drawing/2014/main" id="{1F502F02-AB89-9A4F-B1AB-87EAF524B755}"/>
-              </a:ext>
-            </a:extLst>
-          </p:cNvPr>
-          <p:cNvSpPr>
-            <a:spLocks noGrp="1"/>
-          </p:cNvSpPr>
-          <p:nvPr>
-            <p:ph idx="1"/>
-          </p:nvPr>
-        </p:nvSpPr>
-        <p:spPr/>
-        <p:txBody>
-          <a:bodyPr/>
-          <a:lstStyle/>
-          <a:p>
-            <a:r>
-              <a:rPr lang="en-US" dirty="0"/>
-              <a:t>Summary of process</a:t>
-            </a:r>
-          </a:p>
-        </p:txBody>
-      </p:sp>
-    </p:spTree>
-    <p:extLst>
-      <p:ext uri="{BB962C8B-B14F-4D97-AF65-F5344CB8AC3E}">
-        <p14:creationId xmlns:p14="http://schemas.microsoft.com/office/powerpoint/2010/main" val="1544625445"/>
-      </p:ext>
-    </p:extLst>
-  </p:cSld>
-  <p:clrMapOvr>
-    <a:masterClrMapping/>
-  </p:clrMapOvr>
-</p:sld>
-</file>
-
-<file path=ppt/slides/slide6.xml><?xml version="1.0" encoding="utf-8"?>
-<p:sld xmlns:a="http://schemas.openxmlformats.org/drawingml/2006/main" xmlns:r="http://schemas.openxmlformats.org/officeDocument/2006/relationships" xmlns:p="http://schemas.openxmlformats.org/presentationml/2006/main">
-  <p:cSld>
-    <p:spTree>
-      <p:nvGrpSpPr>
-        <p:cNvPr id="1" name=""/>
-        <p:cNvGrpSpPr/>
-        <p:nvPr/>
-      </p:nvGrpSpPr>
-      <p:grpSpPr>
-        <a:xfrm>
-          <a:off x="0" y="0"/>
-          <a:ext cx="0" cy="0"/>
-          <a:chOff x="0" y="0"/>
-          <a:chExt cx="0" cy="0"/>
-        </a:xfrm>
-      </p:grpSpPr>
-      <p:sp>
-        <p:nvSpPr>
-          <p:cNvPr id="2" name="Title 1">
-            <a:extLst>
-              <a:ext uri="{FF2B5EF4-FFF2-40B4-BE49-F238E27FC236}">
-                <a16:creationId xmlns:a16="http://schemas.microsoft.com/office/drawing/2014/main" id="{D06A9ED8-DD87-2140-BEC3-643896B25143}"/>
-              </a:ext>
-            </a:extLst>
-          </p:cNvPr>
-          <p:cNvSpPr>
-            <a:spLocks noGrp="1"/>
-          </p:cNvSpPr>
-          <p:nvPr>
-            <p:ph type="title"/>
-          </p:nvPr>
-        </p:nvSpPr>
-        <p:spPr/>
-        <p:txBody>
-          <a:bodyPr/>
-          <a:lstStyle/>
-          <a:p>
-            <a:pPr algn="ctr"/>
-            <a:r>
-              <a:rPr lang="en-US" dirty="0"/>
-              <a:t>Zero-Based Execution</a:t>
-            </a:r>
-          </a:p>
-        </p:txBody>
-      </p:sp>
-      <p:sp>
-        <p:nvSpPr>
-          <p:cNvPr id="3" name="Content Placeholder 2">
-            <a:extLst>
-              <a:ext uri="{FF2B5EF4-FFF2-40B4-BE49-F238E27FC236}">
-                <a16:creationId xmlns:a16="http://schemas.microsoft.com/office/drawing/2014/main" id="{2FE0C855-EBDC-FB4A-9CD4-96A5ADB6D8CF}"/>
-              </a:ext>
-            </a:extLst>
-          </p:cNvPr>
-          <p:cNvSpPr>
-            <a:spLocks noGrp="1"/>
-          </p:cNvSpPr>
-          <p:nvPr>
-            <p:ph idx="1"/>
-          </p:nvPr>
-        </p:nvSpPr>
-        <p:spPr/>
-        <p:txBody>
-          <a:bodyPr/>
-          <a:lstStyle/>
-          <a:p>
-            <a:r>
-              <a:rPr lang="en-US" dirty="0"/>
-              <a:t>Summary</a:t>
-            </a:r>
-          </a:p>
-        </p:txBody>
-      </p:sp>
-    </p:spTree>
-    <p:extLst>
-      <p:ext uri="{BB962C8B-B14F-4D97-AF65-F5344CB8AC3E}">
-        <p14:creationId xmlns:p14="http://schemas.microsoft.com/office/powerpoint/2010/main" val="2064180662"/>
-      </p:ext>
-    </p:extLst>
-  </p:cSld>
-  <p:clrMapOvr>
-    <a:masterClrMapping/>
-  </p:clrMapOvr>
-</p:sld>
-</file>
-
-<file path=ppt/slides/slide7.xml><?xml version="1.0" encoding="utf-8"?>
-<p:sld xmlns:a="http://schemas.openxmlformats.org/drawingml/2006/main" xmlns:r="http://schemas.openxmlformats.org/officeDocument/2006/relationships" xmlns:p="http://schemas.openxmlformats.org/presentationml/2006/main">
-  <p:cSld>
-    <p:spTree>
-      <p:nvGrpSpPr>
-        <p:cNvPr id="1" name=""/>
-        <p:cNvGrpSpPr/>
-        <p:nvPr/>
-      </p:nvGrpSpPr>
-      <p:grpSpPr>
-        <a:xfrm>
-          <a:off x="0" y="0"/>
-          <a:ext cx="0" cy="0"/>
-          <a:chOff x="0" y="0"/>
-          <a:chExt cx="0" cy="0"/>
-        </a:xfrm>
-      </p:grpSpPr>
-      <p:sp>
-        <p:nvSpPr>
-          <p:cNvPr id="2" name="Title 1">
-            <a:extLst>
-              <a:ext uri="{FF2B5EF4-FFF2-40B4-BE49-F238E27FC236}">
-                <a16:creationId xmlns:a16="http://schemas.microsoft.com/office/drawing/2014/main" id="{B5A84D1F-120D-1F44-8907-5AD5A4F0ED55}"/>
-              </a:ext>
-            </a:extLst>
-          </p:cNvPr>
-          <p:cNvSpPr>
-            <a:spLocks noGrp="1"/>
-          </p:cNvSpPr>
-          <p:nvPr>
-            <p:ph type="title"/>
-          </p:nvPr>
-        </p:nvSpPr>
-        <p:spPr/>
-        <p:txBody>
-          <a:bodyPr/>
-          <a:lstStyle/>
-          <a:p>
-            <a:pPr algn="ctr"/>
-            <a:r>
-              <a:rPr lang="en-US" dirty="0"/>
-              <a:t>Modularization and Risk Assessment</a:t>
-            </a:r>
-          </a:p>
-        </p:txBody>
-      </p:sp>
-      <p:sp>
-        <p:nvSpPr>
-          <p:cNvPr id="3" name="Content Placeholder 2">
-            <a:extLst>
-              <a:ext uri="{FF2B5EF4-FFF2-40B4-BE49-F238E27FC236}">
-                <a16:creationId xmlns:a16="http://schemas.microsoft.com/office/drawing/2014/main" id="{7CB5C8AD-2517-984B-82E9-785FA47419CF}"/>
-              </a:ext>
-            </a:extLst>
-          </p:cNvPr>
-          <p:cNvSpPr>
-            <a:spLocks noGrp="1"/>
-          </p:cNvSpPr>
-          <p:nvPr>
-            <p:ph idx="1"/>
-          </p:nvPr>
-        </p:nvSpPr>
-        <p:spPr/>
-        <p:txBody>
-          <a:bodyPr/>
-          <a:lstStyle/>
-          <a:p>
-            <a:r>
-              <a:rPr lang="en-US" dirty="0"/>
-              <a:t>Modularization seems to reduce costs at the expense of changing risks</a:t>
-            </a:r>
-          </a:p>
-          <a:p>
-            <a:r>
-              <a:rPr lang="en-US" dirty="0"/>
-              <a:t>Risks are decreased</a:t>
-            </a:r>
-          </a:p>
-        </p:txBody>
-      </p:sp>
-    </p:spTree>
-    <p:extLst>
-      <p:ext uri="{BB962C8B-B14F-4D97-AF65-F5344CB8AC3E}">
-        <p14:creationId xmlns:p14="http://schemas.microsoft.com/office/powerpoint/2010/main" val="488885204"/>
-      </p:ext>
-    </p:extLst>
-  </p:cSld>
-  <p:clrMapOvr>
-    <a:masterClrMapping/>
-  </p:clrMapOvr>
-</p:sld>
-</file>
-
-<file path=ppt/slides/slide8.xml><?xml version="1.0" encoding="utf-8"?>
-<p:sld xmlns:a="http://schemas.openxmlformats.org/drawingml/2006/main" xmlns:r="http://schemas.openxmlformats.org/officeDocument/2006/relationships" xmlns:p="http://schemas.openxmlformats.org/presentationml/2006/main">
-  <p:cSld>
-    <p:spTree>
-      <p:nvGrpSpPr>
-        <p:cNvPr id="1" name=""/>
-        <p:cNvGrpSpPr/>
-        <p:nvPr/>
-      </p:nvGrpSpPr>
-      <p:grpSpPr>
-        <a:xfrm>
-          <a:off x="0" y="0"/>
-          <a:ext cx="0" cy="0"/>
-          <a:chOff x="0" y="0"/>
-          <a:chExt cx="0" cy="0"/>
-        </a:xfrm>
-      </p:grpSpPr>
-      <p:sp>
-        <p:nvSpPr>
-          <p:cNvPr id="2" name="Title 1">
-            <a:extLst>
-              <a:ext uri="{FF2B5EF4-FFF2-40B4-BE49-F238E27FC236}">
-                <a16:creationId xmlns:a16="http://schemas.microsoft.com/office/drawing/2014/main" id="{4D18C295-152E-9144-850D-C09E6899CB86}"/>
-              </a:ext>
-            </a:extLst>
-          </p:cNvPr>
-          <p:cNvSpPr>
-            <a:spLocks noGrp="1"/>
-          </p:cNvSpPr>
-          <p:nvPr>
-            <p:ph type="title"/>
-          </p:nvPr>
-        </p:nvSpPr>
-        <p:spPr/>
-        <p:txBody>
-          <a:bodyPr/>
-          <a:lstStyle/>
-          <a:p>
-            <a:pPr algn="ctr"/>
-            <a:r>
-              <a:rPr lang="en-US" dirty="0"/>
-              <a:t>Proposed Innovation Concept</a:t>
-            </a:r>
-          </a:p>
-        </p:txBody>
-      </p:sp>
-      <p:sp>
-        <p:nvSpPr>
-          <p:cNvPr id="3" name="Content Placeholder 2">
-            <a:extLst>
-              <a:ext uri="{FF2B5EF4-FFF2-40B4-BE49-F238E27FC236}">
-                <a16:creationId xmlns:a16="http://schemas.microsoft.com/office/drawing/2014/main" id="{8640F600-B9D9-F246-8924-D74A8E739F38}"/>
-              </a:ext>
-            </a:extLst>
-          </p:cNvPr>
-          <p:cNvSpPr>
-            <a:spLocks noGrp="1"/>
-          </p:cNvSpPr>
-          <p:nvPr>
-            <p:ph idx="1"/>
-          </p:nvPr>
-        </p:nvSpPr>
-        <p:spPr/>
-        <p:txBody>
-          <a:bodyPr/>
-          <a:lstStyle/>
-          <a:p>
-            <a:r>
-              <a:rPr lang="en-US" dirty="0"/>
-              <a:t>One large pump creates a large pressure increase</a:t>
-            </a:r>
-          </a:p>
-          <a:p>
-            <a:pPr lvl="1"/>
-            <a:r>
-              <a:rPr lang="en-US" dirty="0"/>
-              <a:t>This corresponds to a requirement for thicker walls</a:t>
-            </a:r>
+            <a:endParaRPr lang="en-US"/>
           </a:p>
         </p:txBody>
       </p:sp>
       <p:cxnSp>
         <p:nvCxnSpPr>
-          <p:cNvPr id="5" name="Straight Connector 4">
-            <a:extLst>
-              <a:ext uri="{FF2B5EF4-FFF2-40B4-BE49-F238E27FC236}">
-                <a16:creationId xmlns:a16="http://schemas.microsoft.com/office/drawing/2014/main" id="{0CCDAD2F-BD99-5749-A7D4-18E863D4806F}"/>
-              </a:ext>
-            </a:extLst>
-          </p:cNvPr>
-          <p:cNvCxnSpPr/>
+          <p:cNvPr id="13" name="Straight Connector 12">
+            <a:extLst>
+              <a:ext uri="{FF2B5EF4-FFF2-40B4-BE49-F238E27FC236}">
+                <a16:creationId xmlns:a16="http://schemas.microsoft.com/office/drawing/2014/main" id="{71B7DB92-0E58-4740-B20B-96DC4505F9D6}"/>
+              </a:ext>
+            </a:extLst>
+          </p:cNvPr>
+          <p:cNvCxnSpPr>
+            <a:stCxn id="11" idx="0"/>
+          </p:cNvCxnSpPr>
           <p:nvPr/>
         </p:nvCxnSpPr>
         <p:spPr>
-          <a:xfrm>
-            <a:off x="1847461" y="3097861"/>
-            <a:ext cx="0" cy="3079102"/>
+          <a:xfrm flipH="1" flipV="1">
+            <a:off x="8112034" y="1606883"/>
+            <a:ext cx="1767841" cy="365608"/>
           </a:xfrm>
           <a:prstGeom prst="line">
             <a:avLst/>
@@ -4565,22 +8126,20 @@
       </p:cxnSp>
       <p:cxnSp>
         <p:nvCxnSpPr>
-          <p:cNvPr id="6" name="Straight Connector 5">
-            <a:extLst>
-              <a:ext uri="{FF2B5EF4-FFF2-40B4-BE49-F238E27FC236}">
-                <a16:creationId xmlns:a16="http://schemas.microsoft.com/office/drawing/2014/main" id="{2132654E-E379-E146-A510-BC00E07AB25B}"/>
-              </a:ext>
-            </a:extLst>
-          </p:cNvPr>
-          <p:cNvCxnSpPr>
-            <a:cxnSpLocks/>
-          </p:cNvCxnSpPr>
+          <p:cNvPr id="14" name="Straight Connector 13">
+            <a:extLst>
+              <a:ext uri="{FF2B5EF4-FFF2-40B4-BE49-F238E27FC236}">
+                <a16:creationId xmlns:a16="http://schemas.microsoft.com/office/drawing/2014/main" id="{C0E3E0ED-5154-49C5-8844-14518C396B6C}"/>
+              </a:ext>
+            </a:extLst>
+          </p:cNvPr>
+          <p:cNvCxnSpPr/>
           <p:nvPr/>
         </p:nvCxnSpPr>
         <p:spPr>
-          <a:xfrm flipH="1">
-            <a:off x="1847461" y="6176963"/>
-            <a:ext cx="7725747" cy="0"/>
+          <a:xfrm flipH="1" flipV="1">
+            <a:off x="8020595" y="2882689"/>
+            <a:ext cx="1767841" cy="365608"/>
           </a:xfrm>
           <a:prstGeom prst="line">
             <a:avLst/>
@@ -4608,10 +8167,197 @@
       </p:cxnSp>
       <p:cxnSp>
         <p:nvCxnSpPr>
-          <p:cNvPr id="9" name="Straight Connector 8">
-            <a:extLst>
-              <a:ext uri="{FF2B5EF4-FFF2-40B4-BE49-F238E27FC236}">
-                <a16:creationId xmlns:a16="http://schemas.microsoft.com/office/drawing/2014/main" id="{D1D94DF8-0C8B-AC43-A1DE-C9D87588A10B}"/>
+          <p:cNvPr id="16" name="Straight Arrow Connector 15">
+            <a:extLst>
+              <a:ext uri="{FF2B5EF4-FFF2-40B4-BE49-F238E27FC236}">
+                <a16:creationId xmlns:a16="http://schemas.microsoft.com/office/drawing/2014/main" id="{8B4BCEB9-0004-4640-9A7C-A67EB496D90A}"/>
+              </a:ext>
+            </a:extLst>
+          </p:cNvPr>
+          <p:cNvCxnSpPr/>
+          <p:nvPr/>
+        </p:nvCxnSpPr>
+        <p:spPr>
+          <a:xfrm>
+            <a:off x="9875520" y="2610394"/>
+            <a:ext cx="1306286" cy="272295"/>
+          </a:xfrm>
+          <a:prstGeom prst="straightConnector1">
+            <a:avLst/>
+          </a:prstGeom>
+          <a:ln w="76200">
+            <a:tailEnd type="triangle"/>
+          </a:ln>
+        </p:spPr>
+        <p:style>
+          <a:lnRef idx="1">
+            <a:schemeClr val="accent1"/>
+          </a:lnRef>
+          <a:fillRef idx="0">
+            <a:schemeClr val="accent1"/>
+          </a:fillRef>
+          <a:effectRef idx="0">
+            <a:schemeClr val="accent1"/>
+          </a:effectRef>
+          <a:fontRef idx="minor">
+            <a:schemeClr val="tx1"/>
+          </a:fontRef>
+        </p:style>
+      </p:cxnSp>
+      <p:sp>
+        <p:nvSpPr>
+          <p:cNvPr id="17" name="Oval 16">
+            <a:extLst>
+              <a:ext uri="{FF2B5EF4-FFF2-40B4-BE49-F238E27FC236}">
+                <a16:creationId xmlns:a16="http://schemas.microsoft.com/office/drawing/2014/main" id="{9CCA9F8C-512B-45CF-9B80-0D138F612EE5}"/>
+              </a:ext>
+            </a:extLst>
+          </p:cNvPr>
+          <p:cNvSpPr/>
+          <p:nvPr/>
+        </p:nvSpPr>
+        <p:spPr>
+          <a:xfrm>
+            <a:off x="9599025" y="4976600"/>
+            <a:ext cx="418503" cy="501092"/>
+          </a:xfrm>
+          <a:prstGeom prst="ellipse">
+            <a:avLst/>
+          </a:prstGeom>
+          <a:noFill/>
+          <a:ln>
+            <a:solidFill>
+              <a:schemeClr val="tx1"/>
+            </a:solidFill>
+          </a:ln>
+        </p:spPr>
+        <p:style>
+          <a:lnRef idx="2">
+            <a:schemeClr val="accent1">
+              <a:shade val="50000"/>
+            </a:schemeClr>
+          </a:lnRef>
+          <a:fillRef idx="1">
+            <a:schemeClr val="accent1"/>
+          </a:fillRef>
+          <a:effectRef idx="0">
+            <a:schemeClr val="accent1"/>
+          </a:effectRef>
+          <a:fontRef idx="minor">
+            <a:schemeClr val="lt1"/>
+          </a:fontRef>
+        </p:style>
+        <p:txBody>
+          <a:bodyPr rtlCol="0" anchor="ctr"/>
+          <a:lstStyle/>
+          <a:p>
+            <a:pPr algn="ctr"/>
+            <a:endParaRPr lang="en-US"/>
+          </a:p>
+        </p:txBody>
+      </p:sp>
+      <p:sp>
+        <p:nvSpPr>
+          <p:cNvPr id="18" name="Oval 17">
+            <a:extLst>
+              <a:ext uri="{FF2B5EF4-FFF2-40B4-BE49-F238E27FC236}">
+                <a16:creationId xmlns:a16="http://schemas.microsoft.com/office/drawing/2014/main" id="{30A255D9-F3EC-46B0-A77E-B842D2C931C5}"/>
+              </a:ext>
+            </a:extLst>
+          </p:cNvPr>
+          <p:cNvSpPr/>
+          <p:nvPr/>
+        </p:nvSpPr>
+        <p:spPr>
+          <a:xfrm>
+            <a:off x="9480371" y="4898876"/>
+            <a:ext cx="616130" cy="670410"/>
+          </a:xfrm>
+          <a:prstGeom prst="ellipse">
+            <a:avLst/>
+          </a:prstGeom>
+          <a:noFill/>
+          <a:ln>
+            <a:solidFill>
+              <a:schemeClr val="tx1"/>
+            </a:solidFill>
+          </a:ln>
+        </p:spPr>
+        <p:style>
+          <a:lnRef idx="2">
+            <a:schemeClr val="accent1">
+              <a:shade val="50000"/>
+            </a:schemeClr>
+          </a:lnRef>
+          <a:fillRef idx="1">
+            <a:schemeClr val="accent1"/>
+          </a:fillRef>
+          <a:effectRef idx="0">
+            <a:schemeClr val="accent1"/>
+          </a:effectRef>
+          <a:fontRef idx="minor">
+            <a:schemeClr val="lt1"/>
+          </a:fontRef>
+        </p:style>
+        <p:txBody>
+          <a:bodyPr rtlCol="0" anchor="ctr"/>
+          <a:lstStyle/>
+          <a:p>
+            <a:pPr algn="ctr"/>
+            <a:endParaRPr lang="en-US"/>
+          </a:p>
+        </p:txBody>
+      </p:sp>
+      <p:cxnSp>
+        <p:nvCxnSpPr>
+          <p:cNvPr id="19" name="Straight Connector 18">
+            <a:extLst>
+              <a:ext uri="{FF2B5EF4-FFF2-40B4-BE49-F238E27FC236}">
+                <a16:creationId xmlns:a16="http://schemas.microsoft.com/office/drawing/2014/main" id="{CDBA8F9F-5217-4232-958E-46E3EFCEE4BB}"/>
+              </a:ext>
+            </a:extLst>
+          </p:cNvPr>
+          <p:cNvCxnSpPr>
+            <a:cxnSpLocks/>
+            <a:stCxn id="18" idx="0"/>
+          </p:cNvCxnSpPr>
+          <p:nvPr/>
+        </p:nvCxnSpPr>
+        <p:spPr>
+          <a:xfrm flipH="1" flipV="1">
+            <a:off x="7961815" y="4452236"/>
+            <a:ext cx="1826621" cy="446640"/>
+          </a:xfrm>
+          <a:prstGeom prst="line">
+            <a:avLst/>
+          </a:prstGeom>
+          <a:ln>
+            <a:solidFill>
+              <a:schemeClr val="tx1"/>
+            </a:solidFill>
+          </a:ln>
+        </p:spPr>
+        <p:style>
+          <a:lnRef idx="1">
+            <a:schemeClr val="accent1"/>
+          </a:lnRef>
+          <a:fillRef idx="0">
+            <a:schemeClr val="accent1"/>
+          </a:fillRef>
+          <a:effectRef idx="0">
+            <a:schemeClr val="accent1"/>
+          </a:effectRef>
+          <a:fontRef idx="minor">
+            <a:schemeClr val="tx1"/>
+          </a:fontRef>
+        </p:style>
+      </p:cxnSp>
+      <p:cxnSp>
+        <p:nvCxnSpPr>
+          <p:cNvPr id="20" name="Straight Connector 19">
+            <a:extLst>
+              <a:ext uri="{FF2B5EF4-FFF2-40B4-BE49-F238E27FC236}">
+                <a16:creationId xmlns:a16="http://schemas.microsoft.com/office/drawing/2014/main" id="{D599C2B7-0000-483F-8A94-166BBE32D30B}"/>
               </a:ext>
             </a:extLst>
           </p:cNvPr>
@@ -4622,8 +8368,1183 @@
         </p:nvCxnSpPr>
         <p:spPr>
           <a:xfrm flipH="1" flipV="1">
-            <a:off x="1852127" y="4900273"/>
-            <a:ext cx="1004596" cy="268886"/>
+            <a:off x="7837173" y="5112082"/>
+            <a:ext cx="1921873" cy="443334"/>
+          </a:xfrm>
+          <a:prstGeom prst="line">
+            <a:avLst/>
+          </a:prstGeom>
+          <a:ln>
+            <a:solidFill>
+              <a:schemeClr val="tx1"/>
+            </a:solidFill>
+          </a:ln>
+        </p:spPr>
+        <p:style>
+          <a:lnRef idx="1">
+            <a:schemeClr val="accent1"/>
+          </a:lnRef>
+          <a:fillRef idx="0">
+            <a:schemeClr val="accent1"/>
+          </a:fillRef>
+          <a:effectRef idx="0">
+            <a:schemeClr val="accent1"/>
+          </a:effectRef>
+          <a:fontRef idx="minor">
+            <a:schemeClr val="tx1"/>
+          </a:fontRef>
+        </p:style>
+      </p:cxnSp>
+      <p:cxnSp>
+        <p:nvCxnSpPr>
+          <p:cNvPr id="24" name="Straight Arrow Connector 23">
+            <a:extLst>
+              <a:ext uri="{FF2B5EF4-FFF2-40B4-BE49-F238E27FC236}">
+                <a16:creationId xmlns:a16="http://schemas.microsoft.com/office/drawing/2014/main" id="{714ACDE2-4102-4FBA-AB89-BD37F16CAF80}"/>
+              </a:ext>
+            </a:extLst>
+          </p:cNvPr>
+          <p:cNvCxnSpPr/>
+          <p:nvPr/>
+        </p:nvCxnSpPr>
+        <p:spPr>
+          <a:xfrm>
+            <a:off x="9816984" y="5251194"/>
+            <a:ext cx="1306286" cy="272295"/>
+          </a:xfrm>
+          <a:prstGeom prst="straightConnector1">
+            <a:avLst/>
+          </a:prstGeom>
+          <a:ln w="76200">
+            <a:tailEnd type="triangle"/>
+          </a:ln>
+        </p:spPr>
+        <p:style>
+          <a:lnRef idx="1">
+            <a:schemeClr val="accent1"/>
+          </a:lnRef>
+          <a:fillRef idx="0">
+            <a:schemeClr val="accent1"/>
+          </a:fillRef>
+          <a:effectRef idx="0">
+            <a:schemeClr val="accent1"/>
+          </a:effectRef>
+          <a:fontRef idx="minor">
+            <a:schemeClr val="tx1"/>
+          </a:fontRef>
+        </p:style>
+      </p:cxnSp>
+      <p:sp>
+        <p:nvSpPr>
+          <p:cNvPr id="25" name="TextBox 24">
+            <a:extLst>
+              <a:ext uri="{FF2B5EF4-FFF2-40B4-BE49-F238E27FC236}">
+                <a16:creationId xmlns:a16="http://schemas.microsoft.com/office/drawing/2014/main" id="{CB9DF602-9EE2-4FCF-A175-368E6068274C}"/>
+              </a:ext>
+            </a:extLst>
+          </p:cNvPr>
+          <p:cNvSpPr txBox="1"/>
+          <p:nvPr/>
+        </p:nvSpPr>
+        <p:spPr>
+          <a:xfrm>
+            <a:off x="10711543" y="1972491"/>
+            <a:ext cx="1024639" cy="646331"/>
+          </a:xfrm>
+          <a:prstGeom prst="rect">
+            <a:avLst/>
+          </a:prstGeom>
+          <a:noFill/>
+        </p:spPr>
+        <p:txBody>
+          <a:bodyPr wrap="none" rtlCol="0">
+            <a:spAutoFit/>
+          </a:bodyPr>
+          <a:lstStyle/>
+          <a:p>
+            <a:r>
+              <a:rPr lang="en-US" sz="3600" dirty="0"/>
+              <a:t>A</a:t>
+            </a:r>
+            <a:r>
+              <a:rPr lang="en-US" sz="3600" baseline="-25000" dirty="0"/>
+              <a:t>1</a:t>
+            </a:r>
+            <a:r>
+              <a:rPr lang="en-US" sz="3600" dirty="0"/>
+              <a:t>V</a:t>
+            </a:r>
+            <a:r>
+              <a:rPr lang="en-US" sz="3600" baseline="-25000" dirty="0"/>
+              <a:t>1</a:t>
+            </a:r>
+            <a:endParaRPr lang="en-US" sz="3600" dirty="0"/>
+          </a:p>
+        </p:txBody>
+      </p:sp>
+      <p:sp>
+        <p:nvSpPr>
+          <p:cNvPr id="26" name="TextBox 25">
+            <a:extLst>
+              <a:ext uri="{FF2B5EF4-FFF2-40B4-BE49-F238E27FC236}">
+                <a16:creationId xmlns:a16="http://schemas.microsoft.com/office/drawing/2014/main" id="{6B272907-DFE0-4D26-AAC0-86DCA1C5B87C}"/>
+              </a:ext>
+            </a:extLst>
+          </p:cNvPr>
+          <p:cNvSpPr txBox="1"/>
+          <p:nvPr/>
+        </p:nvSpPr>
+        <p:spPr>
+          <a:xfrm>
+            <a:off x="10668888" y="4651748"/>
+            <a:ext cx="1024639" cy="646331"/>
+          </a:xfrm>
+          <a:prstGeom prst="rect">
+            <a:avLst/>
+          </a:prstGeom>
+          <a:noFill/>
+        </p:spPr>
+        <p:txBody>
+          <a:bodyPr wrap="none" rtlCol="0">
+            <a:spAutoFit/>
+          </a:bodyPr>
+          <a:lstStyle/>
+          <a:p>
+            <a:r>
+              <a:rPr lang="en-US" sz="3600" dirty="0"/>
+              <a:t>A</a:t>
+            </a:r>
+            <a:r>
+              <a:rPr lang="en-US" sz="3600" baseline="-25000" dirty="0"/>
+              <a:t>2</a:t>
+            </a:r>
+            <a:r>
+              <a:rPr lang="en-US" sz="3600" dirty="0"/>
+              <a:t>V</a:t>
+            </a:r>
+            <a:r>
+              <a:rPr lang="en-US" sz="3600" baseline="-25000" dirty="0"/>
+              <a:t>2</a:t>
+            </a:r>
+            <a:endParaRPr lang="en-US" sz="3600" dirty="0"/>
+          </a:p>
+        </p:txBody>
+      </p:sp>
+      <p:sp>
+        <p:nvSpPr>
+          <p:cNvPr id="27" name="TextBox 26">
+            <a:extLst>
+              <a:ext uri="{FF2B5EF4-FFF2-40B4-BE49-F238E27FC236}">
+                <a16:creationId xmlns:a16="http://schemas.microsoft.com/office/drawing/2014/main" id="{BF335F71-2BFB-4CCF-96F4-5BB0CCF9BCE8}"/>
+              </a:ext>
+            </a:extLst>
+          </p:cNvPr>
+          <p:cNvSpPr txBox="1"/>
+          <p:nvPr/>
+        </p:nvSpPr>
+        <p:spPr>
+          <a:xfrm>
+            <a:off x="9106711" y="3265714"/>
+            <a:ext cx="747320" cy="1446550"/>
+          </a:xfrm>
+          <a:prstGeom prst="rect">
+            <a:avLst/>
+          </a:prstGeom>
+          <a:noFill/>
+        </p:spPr>
+        <p:txBody>
+          <a:bodyPr wrap="none" rtlCol="0">
+            <a:spAutoFit/>
+          </a:bodyPr>
+          <a:lstStyle/>
+          <a:p>
+            <a:r>
+              <a:rPr lang="en-US" sz="8800" dirty="0"/>
+              <a:t>=</a:t>
+            </a:r>
+          </a:p>
+        </p:txBody>
+      </p:sp>
+      <p:sp>
+        <p:nvSpPr>
+          <p:cNvPr id="28" name="TextBox 27">
+            <a:extLst>
+              <a:ext uri="{FF2B5EF4-FFF2-40B4-BE49-F238E27FC236}">
+                <a16:creationId xmlns:a16="http://schemas.microsoft.com/office/drawing/2014/main" id="{42AA6EE1-AC36-4502-A1D6-3435207643D2}"/>
+              </a:ext>
+            </a:extLst>
+          </p:cNvPr>
+          <p:cNvSpPr txBox="1"/>
+          <p:nvPr/>
+        </p:nvSpPr>
+        <p:spPr>
+          <a:xfrm>
+            <a:off x="1593906" y="5852864"/>
+            <a:ext cx="8747523" cy="584775"/>
+          </a:xfrm>
+          <a:prstGeom prst="rect">
+            <a:avLst/>
+          </a:prstGeom>
+          <a:noFill/>
+          <a:ln w="38100">
+            <a:solidFill>
+              <a:srgbClr val="FF0000"/>
+            </a:solidFill>
+          </a:ln>
+        </p:spPr>
+        <p:txBody>
+          <a:bodyPr wrap="none" rtlCol="0">
+            <a:spAutoFit/>
+          </a:bodyPr>
+          <a:lstStyle/>
+          <a:p>
+            <a:r>
+              <a:rPr lang="en-US" sz="3200" dirty="0"/>
+              <a:t>A savings of </a:t>
+            </a:r>
+            <a:r>
+              <a:rPr lang="en-US" sz="3200" b="1" dirty="0">
+                <a:solidFill>
+                  <a:srgbClr val="00B050"/>
+                </a:solidFill>
+              </a:rPr>
+              <a:t>$39,169,568 </a:t>
+            </a:r>
+            <a:r>
+              <a:rPr lang="en-US" sz="3200" dirty="0"/>
+              <a:t>compared to initial design</a:t>
+            </a:r>
+          </a:p>
+        </p:txBody>
+      </p:sp>
+    </p:spTree>
+    <p:extLst>
+      <p:ext uri="{BB962C8B-B14F-4D97-AF65-F5344CB8AC3E}">
+        <p14:creationId xmlns:p14="http://schemas.microsoft.com/office/powerpoint/2010/main" val="2064180662"/>
+      </p:ext>
+    </p:extLst>
+  </p:cSld>
+  <p:clrMapOvr>
+    <a:masterClrMapping/>
+  </p:clrMapOvr>
+  <p:timing>
+    <p:tnLst>
+      <p:par>
+        <p:cTn id="1" dur="indefinite" restart="never" nodeType="tmRoot">
+          <p:childTnLst>
+            <p:seq concurrent="1" nextAc="seek">
+              <p:cTn id="2" dur="indefinite" nodeType="mainSeq">
+                <p:childTnLst>
+                  <p:par>
+                    <p:cTn id="3" fill="hold">
+                      <p:stCondLst>
+                        <p:cond delay="indefinite"/>
+                      </p:stCondLst>
+                      <p:childTnLst>
+                        <p:par>
+                          <p:cTn id="4" fill="hold">
+                            <p:stCondLst>
+                              <p:cond delay="0"/>
+                            </p:stCondLst>
+                            <p:childTnLst>
+                              <p:par>
+                                <p:cTn id="5" presetID="1" presetClass="entr" presetSubtype="0" fill="hold" grpId="0" nodeType="clickEffect">
+                                  <p:stCondLst>
+                                    <p:cond delay="0"/>
+                                  </p:stCondLst>
+                                  <p:childTnLst>
+                                    <p:set>
+                                      <p:cBhvr>
+                                        <p:cTn id="6" dur="1" fill="hold">
+                                          <p:stCondLst>
+                                            <p:cond delay="0"/>
+                                          </p:stCondLst>
+                                        </p:cTn>
+                                        <p:tgtEl>
+                                          <p:spTgt spid="28"/>
+                                        </p:tgtEl>
+                                        <p:attrNameLst>
+                                          <p:attrName>style.visibility</p:attrName>
+                                        </p:attrNameLst>
+                                      </p:cBhvr>
+                                      <p:to>
+                                        <p:strVal val="visible"/>
+                                      </p:to>
+                                    </p:set>
+                                  </p:childTnLst>
+                                </p:cTn>
+                              </p:par>
+                            </p:childTnLst>
+                          </p:cTn>
+                        </p:par>
+                      </p:childTnLst>
+                    </p:cTn>
+                  </p:par>
+                </p:childTnLst>
+              </p:cTn>
+              <p:prevCondLst>
+                <p:cond evt="onPrev" delay="0">
+                  <p:tgtEl>
+                    <p:sldTgt/>
+                  </p:tgtEl>
+                </p:cond>
+              </p:prevCondLst>
+              <p:nextCondLst>
+                <p:cond evt="onNext" delay="0">
+                  <p:tgtEl>
+                    <p:sldTgt/>
+                  </p:tgtEl>
+                </p:cond>
+              </p:nextCondLst>
+            </p:seq>
+          </p:childTnLst>
+        </p:cTn>
+      </p:par>
+    </p:tnLst>
+    <p:bldLst>
+      <p:bldP spid="28" grpId="0" animBg="1"/>
+    </p:bldLst>
+  </p:timing>
+</p:sld>
+</file>
+
+<file path=ppt/slides/slide5.xml><?xml version="1.0" encoding="utf-8"?>
+<p:sld xmlns:a="http://schemas.openxmlformats.org/drawingml/2006/main" xmlns:r="http://schemas.openxmlformats.org/officeDocument/2006/relationships" xmlns:p="http://schemas.openxmlformats.org/presentationml/2006/main">
+  <p:cSld>
+    <p:spTree>
+      <p:nvGrpSpPr>
+        <p:cNvPr id="1" name=""/>
+        <p:cNvGrpSpPr/>
+        <p:nvPr/>
+      </p:nvGrpSpPr>
+      <p:grpSpPr>
+        <a:xfrm>
+          <a:off x="0" y="0"/>
+          <a:ext cx="0" cy="0"/>
+          <a:chOff x="0" y="0"/>
+          <a:chExt cx="0" cy="0"/>
+        </a:xfrm>
+      </p:grpSpPr>
+      <p:pic>
+        <p:nvPicPr>
+          <p:cNvPr id="4" name="Picture 3">
+            <a:extLst>
+              <a:ext uri="{FF2B5EF4-FFF2-40B4-BE49-F238E27FC236}">
+                <a16:creationId xmlns:a16="http://schemas.microsoft.com/office/drawing/2014/main" id="{6DB30E48-36D0-443B-8041-D45CDBD7C38E}"/>
+              </a:ext>
+            </a:extLst>
+          </p:cNvPr>
+          <p:cNvPicPr>
+            <a:picLocks noChangeAspect="1"/>
+          </p:cNvPicPr>
+          <p:nvPr/>
+        </p:nvPicPr>
+        <p:blipFill>
+          <a:blip r:embed="rId2">
+            <a:extLst>
+              <a:ext uri="{28A0092B-C50C-407E-A947-70E740481C1C}">
+                <a14:useLocalDpi xmlns:a14="http://schemas.microsoft.com/office/drawing/2010/main" val="0"/>
+              </a:ext>
+            </a:extLst>
+          </a:blip>
+          <a:stretch>
+            <a:fillRect/>
+          </a:stretch>
+        </p:blipFill>
+        <p:spPr>
+          <a:xfrm>
+            <a:off x="-59941" y="1084217"/>
+            <a:ext cx="12311881" cy="4689566"/>
+          </a:xfrm>
+          <a:prstGeom prst="rect">
+            <a:avLst/>
+          </a:prstGeom>
+        </p:spPr>
+      </p:pic>
+    </p:spTree>
+    <p:extLst>
+      <p:ext uri="{BB962C8B-B14F-4D97-AF65-F5344CB8AC3E}">
+        <p14:creationId xmlns:p14="http://schemas.microsoft.com/office/powerpoint/2010/main" val="1367030958"/>
+      </p:ext>
+    </p:extLst>
+  </p:cSld>
+  <p:clrMapOvr>
+    <a:masterClrMapping/>
+  </p:clrMapOvr>
+</p:sld>
+</file>
+
+<file path=ppt/slides/slide6.xml><?xml version="1.0" encoding="utf-8"?>
+<p:sld xmlns:a="http://schemas.openxmlformats.org/drawingml/2006/main" xmlns:r="http://schemas.openxmlformats.org/officeDocument/2006/relationships" xmlns:p="http://schemas.openxmlformats.org/presentationml/2006/main">
+  <p:cSld>
+    <p:spTree>
+      <p:nvGrpSpPr>
+        <p:cNvPr id="1" name=""/>
+        <p:cNvGrpSpPr/>
+        <p:nvPr/>
+      </p:nvGrpSpPr>
+      <p:grpSpPr>
+        <a:xfrm>
+          <a:off x="0" y="0"/>
+          <a:ext cx="0" cy="0"/>
+          <a:chOff x="0" y="0"/>
+          <a:chExt cx="0" cy="0"/>
+        </a:xfrm>
+      </p:grpSpPr>
+      <p:sp>
+        <p:nvSpPr>
+          <p:cNvPr id="2" name="Title 1">
+            <a:extLst>
+              <a:ext uri="{FF2B5EF4-FFF2-40B4-BE49-F238E27FC236}">
+                <a16:creationId xmlns:a16="http://schemas.microsoft.com/office/drawing/2014/main" id="{B5A84D1F-120D-1F44-8907-5AD5A4F0ED55}"/>
+              </a:ext>
+            </a:extLst>
+          </p:cNvPr>
+          <p:cNvSpPr>
+            <a:spLocks noGrp="1"/>
+          </p:cNvSpPr>
+          <p:nvPr>
+            <p:ph type="title"/>
+          </p:nvPr>
+        </p:nvSpPr>
+        <p:spPr/>
+        <p:txBody>
+          <a:bodyPr/>
+          <a:lstStyle/>
+          <a:p>
+            <a:pPr algn="ctr"/>
+            <a:r>
+              <a:rPr lang="en-US" dirty="0"/>
+              <a:t>Modularization</a:t>
+            </a:r>
+          </a:p>
+        </p:txBody>
+      </p:sp>
+      <p:sp>
+        <p:nvSpPr>
+          <p:cNvPr id="3" name="Content Placeholder 2">
+            <a:extLst>
+              <a:ext uri="{FF2B5EF4-FFF2-40B4-BE49-F238E27FC236}">
+                <a16:creationId xmlns:a16="http://schemas.microsoft.com/office/drawing/2014/main" id="{7CB5C8AD-2517-984B-82E9-785FA47419CF}"/>
+              </a:ext>
+            </a:extLst>
+          </p:cNvPr>
+          <p:cNvSpPr>
+            <a:spLocks noGrp="1"/>
+          </p:cNvSpPr>
+          <p:nvPr>
+            <p:ph idx="1"/>
+          </p:nvPr>
+        </p:nvSpPr>
+        <p:spPr/>
+        <p:txBody>
+          <a:bodyPr/>
+          <a:lstStyle/>
+          <a:p>
+            <a:r>
+              <a:rPr lang="en-US" dirty="0"/>
+              <a:t>Modularization seems to reduce costs at the expense of increased risks</a:t>
+            </a:r>
+          </a:p>
+          <a:p>
+            <a:r>
+              <a:rPr lang="en-US" dirty="0"/>
+              <a:t>Modularized components can be built/repaired more easily in-field</a:t>
+            </a:r>
+          </a:p>
+          <a:p>
+            <a:r>
+              <a:rPr lang="en-US" dirty="0"/>
+              <a:t>This in-field maintenance introduces the risks of foreign object damage in sensitive areas</a:t>
+            </a:r>
+          </a:p>
+          <a:p>
+            <a:pPr lvl="1"/>
+            <a:r>
+              <a:rPr lang="en-US" dirty="0"/>
+              <a:t>This risk is compounded in very sandy areas, such as the project location</a:t>
+            </a:r>
+          </a:p>
+          <a:p>
+            <a:endParaRPr lang="en-US" dirty="0"/>
+          </a:p>
+          <a:p>
+            <a:pPr marL="0" indent="0">
+              <a:buNone/>
+            </a:pPr>
+            <a:r>
+              <a:rPr lang="en-US" b="1" dirty="0"/>
+              <a:t>Key Takeaway: risk/reward must be quantified before making a final decision on the benefits of modularization—not enough info on risk!</a:t>
+            </a:r>
+          </a:p>
+        </p:txBody>
+      </p:sp>
+    </p:spTree>
+    <p:extLst>
+      <p:ext uri="{BB962C8B-B14F-4D97-AF65-F5344CB8AC3E}">
+        <p14:creationId xmlns:p14="http://schemas.microsoft.com/office/powerpoint/2010/main" val="488885204"/>
+      </p:ext>
+    </p:extLst>
+  </p:cSld>
+  <p:clrMapOvr>
+    <a:masterClrMapping/>
+  </p:clrMapOvr>
+</p:sld>
+</file>
+
+<file path=ppt/slides/slide7.xml><?xml version="1.0" encoding="utf-8"?>
+<p:sld xmlns:a="http://schemas.openxmlformats.org/drawingml/2006/main" xmlns:r="http://schemas.openxmlformats.org/officeDocument/2006/relationships" xmlns:p="http://schemas.openxmlformats.org/presentationml/2006/main">
+  <p:cSld>
+    <p:spTree>
+      <p:nvGrpSpPr>
+        <p:cNvPr id="1" name=""/>
+        <p:cNvGrpSpPr/>
+        <p:nvPr/>
+      </p:nvGrpSpPr>
+      <p:grpSpPr>
+        <a:xfrm>
+          <a:off x="0" y="0"/>
+          <a:ext cx="0" cy="0"/>
+          <a:chOff x="0" y="0"/>
+          <a:chExt cx="0" cy="0"/>
+        </a:xfrm>
+      </p:grpSpPr>
+      <p:sp>
+        <p:nvSpPr>
+          <p:cNvPr id="2" name="Title 1">
+            <a:extLst>
+              <a:ext uri="{FF2B5EF4-FFF2-40B4-BE49-F238E27FC236}">
+                <a16:creationId xmlns:a16="http://schemas.microsoft.com/office/drawing/2014/main" id="{4D18C295-152E-9144-850D-C09E6899CB86}"/>
+              </a:ext>
+            </a:extLst>
+          </p:cNvPr>
+          <p:cNvSpPr>
+            <a:spLocks noGrp="1"/>
+          </p:cNvSpPr>
+          <p:nvPr>
+            <p:ph type="title"/>
+          </p:nvPr>
+        </p:nvSpPr>
+        <p:spPr>
+          <a:xfrm>
+            <a:off x="838200" y="365126"/>
+            <a:ext cx="10515600" cy="849480"/>
+          </a:xfrm>
+        </p:spPr>
+        <p:txBody>
+          <a:bodyPr/>
+          <a:lstStyle/>
+          <a:p>
+            <a:pPr algn="ctr"/>
+            <a:r>
+              <a:rPr lang="en-US" dirty="0"/>
+              <a:t>Proposed Innovation Concept</a:t>
+            </a:r>
+          </a:p>
+        </p:txBody>
+      </p:sp>
+      <p:sp>
+        <p:nvSpPr>
+          <p:cNvPr id="3" name="Content Placeholder 2">
+            <a:extLst>
+              <a:ext uri="{FF2B5EF4-FFF2-40B4-BE49-F238E27FC236}">
+                <a16:creationId xmlns:a16="http://schemas.microsoft.com/office/drawing/2014/main" id="{8640F600-B9D9-F246-8924-D74A8E739F38}"/>
+              </a:ext>
+            </a:extLst>
+          </p:cNvPr>
+          <p:cNvSpPr>
+            <a:spLocks noGrp="1"/>
+          </p:cNvSpPr>
+          <p:nvPr>
+            <p:ph idx="1"/>
+          </p:nvPr>
+        </p:nvSpPr>
+        <p:spPr>
+          <a:xfrm>
+            <a:off x="807804" y="1355465"/>
+            <a:ext cx="4279206" cy="1486040"/>
+          </a:xfrm>
+        </p:spPr>
+        <p:txBody>
+          <a:bodyPr>
+            <a:normAutofit fontScale="92500"/>
+          </a:bodyPr>
+          <a:lstStyle/>
+          <a:p>
+            <a:r>
+              <a:rPr lang="en-US" dirty="0"/>
+              <a:t>One large pump creates a large pressure increase</a:t>
+            </a:r>
+          </a:p>
+          <a:p>
+            <a:pPr lvl="1"/>
+            <a:r>
+              <a:rPr lang="en-US" dirty="0"/>
+              <a:t>This corresponds to a requirement for thicker walls</a:t>
+            </a:r>
+          </a:p>
+        </p:txBody>
+      </p:sp>
+      <p:grpSp>
+        <p:nvGrpSpPr>
+          <p:cNvPr id="4" name="Group 3">
+            <a:extLst>
+              <a:ext uri="{FF2B5EF4-FFF2-40B4-BE49-F238E27FC236}">
+                <a16:creationId xmlns:a16="http://schemas.microsoft.com/office/drawing/2014/main" id="{8DCC45D2-3693-4D25-A679-5CA26E38B90F}"/>
+              </a:ext>
+            </a:extLst>
+          </p:cNvPr>
+          <p:cNvGrpSpPr/>
+          <p:nvPr/>
+        </p:nvGrpSpPr>
+        <p:grpSpPr>
+          <a:xfrm>
+            <a:off x="5122107" y="1484851"/>
+            <a:ext cx="6231692" cy="1530512"/>
+            <a:chOff x="1358719" y="2996829"/>
+            <a:chExt cx="8429093" cy="3569303"/>
+          </a:xfrm>
+        </p:grpSpPr>
+        <p:cxnSp>
+          <p:nvCxnSpPr>
+            <p:cNvPr id="5" name="Straight Connector 4">
+              <a:extLst>
+                <a:ext uri="{FF2B5EF4-FFF2-40B4-BE49-F238E27FC236}">
+                  <a16:creationId xmlns:a16="http://schemas.microsoft.com/office/drawing/2014/main" id="{0CCDAD2F-BD99-5749-A7D4-18E863D4806F}"/>
+                </a:ext>
+              </a:extLst>
+            </p:cNvPr>
+            <p:cNvCxnSpPr/>
+            <p:nvPr/>
+          </p:nvCxnSpPr>
+          <p:spPr>
+            <a:xfrm>
+              <a:off x="1847461" y="3097861"/>
+              <a:ext cx="0" cy="3079102"/>
+            </a:xfrm>
+            <a:prstGeom prst="line">
+              <a:avLst/>
+            </a:prstGeom>
+            <a:ln>
+              <a:solidFill>
+                <a:schemeClr val="tx1"/>
+              </a:solidFill>
+            </a:ln>
+          </p:spPr>
+          <p:style>
+            <a:lnRef idx="1">
+              <a:schemeClr val="accent1"/>
+            </a:lnRef>
+            <a:fillRef idx="0">
+              <a:schemeClr val="accent1"/>
+            </a:fillRef>
+            <a:effectRef idx="0">
+              <a:schemeClr val="accent1"/>
+            </a:effectRef>
+            <a:fontRef idx="minor">
+              <a:schemeClr val="tx1"/>
+            </a:fontRef>
+          </p:style>
+        </p:cxnSp>
+        <p:cxnSp>
+          <p:nvCxnSpPr>
+            <p:cNvPr id="6" name="Straight Connector 5">
+              <a:extLst>
+                <a:ext uri="{FF2B5EF4-FFF2-40B4-BE49-F238E27FC236}">
+                  <a16:creationId xmlns:a16="http://schemas.microsoft.com/office/drawing/2014/main" id="{2132654E-E379-E146-A510-BC00E07AB25B}"/>
+                </a:ext>
+              </a:extLst>
+            </p:cNvPr>
+            <p:cNvCxnSpPr>
+              <a:cxnSpLocks/>
+            </p:cNvCxnSpPr>
+            <p:nvPr/>
+          </p:nvCxnSpPr>
+          <p:spPr>
+            <a:xfrm flipH="1">
+              <a:off x="1847461" y="6176963"/>
+              <a:ext cx="7725747" cy="0"/>
+            </a:xfrm>
+            <a:prstGeom prst="line">
+              <a:avLst/>
+            </a:prstGeom>
+            <a:ln>
+              <a:solidFill>
+                <a:schemeClr val="tx1"/>
+              </a:solidFill>
+            </a:ln>
+          </p:spPr>
+          <p:style>
+            <a:lnRef idx="1">
+              <a:schemeClr val="accent1"/>
+            </a:lnRef>
+            <a:fillRef idx="0">
+              <a:schemeClr val="accent1"/>
+            </a:fillRef>
+            <a:effectRef idx="0">
+              <a:schemeClr val="accent1"/>
+            </a:effectRef>
+            <a:fontRef idx="minor">
+              <a:schemeClr val="tx1"/>
+            </a:fontRef>
+          </p:style>
+        </p:cxnSp>
+        <p:cxnSp>
+          <p:nvCxnSpPr>
+            <p:cNvPr id="9" name="Straight Connector 8">
+              <a:extLst>
+                <a:ext uri="{FF2B5EF4-FFF2-40B4-BE49-F238E27FC236}">
+                  <a16:creationId xmlns:a16="http://schemas.microsoft.com/office/drawing/2014/main" id="{D1D94DF8-0C8B-AC43-A1DE-C9D87588A10B}"/>
+                </a:ext>
+              </a:extLst>
+            </p:cNvPr>
+            <p:cNvCxnSpPr>
+              <a:cxnSpLocks/>
+            </p:cNvCxnSpPr>
+            <p:nvPr/>
+          </p:nvCxnSpPr>
+          <p:spPr>
+            <a:xfrm flipH="1" flipV="1">
+              <a:off x="1852127" y="4900273"/>
+              <a:ext cx="1004596" cy="268886"/>
+            </a:xfrm>
+            <a:prstGeom prst="line">
+              <a:avLst/>
+            </a:prstGeom>
+            <a:ln w="38100"/>
+          </p:spPr>
+          <p:style>
+            <a:lnRef idx="1">
+              <a:schemeClr val="dk1"/>
+            </a:lnRef>
+            <a:fillRef idx="0">
+              <a:schemeClr val="dk1"/>
+            </a:fillRef>
+            <a:effectRef idx="0">
+              <a:schemeClr val="dk1"/>
+            </a:effectRef>
+            <a:fontRef idx="minor">
+              <a:schemeClr val="tx1"/>
+            </a:fontRef>
+          </p:style>
+        </p:cxnSp>
+        <p:cxnSp>
+          <p:nvCxnSpPr>
+            <p:cNvPr id="12" name="Straight Connector 11">
+              <a:extLst>
+                <a:ext uri="{FF2B5EF4-FFF2-40B4-BE49-F238E27FC236}">
+                  <a16:creationId xmlns:a16="http://schemas.microsoft.com/office/drawing/2014/main" id="{AC51D2C7-FC24-1E41-AB8B-E868B08535D8}"/>
+                </a:ext>
+              </a:extLst>
+            </p:cNvPr>
+            <p:cNvCxnSpPr>
+              <a:cxnSpLocks/>
+            </p:cNvCxnSpPr>
+            <p:nvPr/>
+          </p:nvCxnSpPr>
+          <p:spPr>
+            <a:xfrm flipV="1">
+              <a:off x="2856723" y="3265714"/>
+              <a:ext cx="0" cy="1903445"/>
+            </a:xfrm>
+            <a:prstGeom prst="line">
+              <a:avLst/>
+            </a:prstGeom>
+            <a:ln w="38100"/>
+          </p:spPr>
+          <p:style>
+            <a:lnRef idx="1">
+              <a:schemeClr val="dk1"/>
+            </a:lnRef>
+            <a:fillRef idx="0">
+              <a:schemeClr val="dk1"/>
+            </a:fillRef>
+            <a:effectRef idx="0">
+              <a:schemeClr val="dk1"/>
+            </a:effectRef>
+            <a:fontRef idx="minor">
+              <a:schemeClr val="tx1"/>
+            </a:fontRef>
+          </p:style>
+        </p:cxnSp>
+        <p:cxnSp>
+          <p:nvCxnSpPr>
+            <p:cNvPr id="15" name="Straight Connector 14">
+              <a:extLst>
+                <a:ext uri="{FF2B5EF4-FFF2-40B4-BE49-F238E27FC236}">
+                  <a16:creationId xmlns:a16="http://schemas.microsoft.com/office/drawing/2014/main" id="{56285797-C98B-9240-BCF5-74D39B5170D2}"/>
+                </a:ext>
+              </a:extLst>
+            </p:cNvPr>
+            <p:cNvCxnSpPr>
+              <a:cxnSpLocks/>
+            </p:cNvCxnSpPr>
+            <p:nvPr/>
+          </p:nvCxnSpPr>
+          <p:spPr>
+            <a:xfrm flipH="1" flipV="1">
+              <a:off x="2856723" y="3268841"/>
+              <a:ext cx="6100665" cy="1765875"/>
+            </a:xfrm>
+            <a:prstGeom prst="line">
+              <a:avLst/>
+            </a:prstGeom>
+            <a:ln w="38100"/>
+          </p:spPr>
+          <p:style>
+            <a:lnRef idx="1">
+              <a:schemeClr val="dk1"/>
+            </a:lnRef>
+            <a:fillRef idx="0">
+              <a:schemeClr val="dk1"/>
+            </a:fillRef>
+            <a:effectRef idx="0">
+              <a:schemeClr val="dk1"/>
+            </a:effectRef>
+            <a:fontRef idx="minor">
+              <a:schemeClr val="tx1"/>
+            </a:fontRef>
+          </p:style>
+        </p:cxnSp>
+        <p:cxnSp>
+          <p:nvCxnSpPr>
+            <p:cNvPr id="18" name="Straight Connector 17">
+              <a:extLst>
+                <a:ext uri="{FF2B5EF4-FFF2-40B4-BE49-F238E27FC236}">
+                  <a16:creationId xmlns:a16="http://schemas.microsoft.com/office/drawing/2014/main" id="{A80D34C9-64DA-E84F-872A-6D1E32F97633}"/>
+                </a:ext>
+              </a:extLst>
+            </p:cNvPr>
+            <p:cNvCxnSpPr>
+              <a:cxnSpLocks/>
+            </p:cNvCxnSpPr>
+            <p:nvPr/>
+          </p:nvCxnSpPr>
+          <p:spPr>
+            <a:xfrm flipV="1">
+              <a:off x="2856723" y="2996829"/>
+              <a:ext cx="0" cy="3180134"/>
+            </a:xfrm>
+            <a:prstGeom prst="line">
+              <a:avLst/>
+            </a:prstGeom>
+            <a:ln w="19050">
+              <a:solidFill>
+                <a:srgbClr val="0070C0"/>
+              </a:solidFill>
+              <a:prstDash val="dash"/>
+            </a:ln>
+          </p:spPr>
+          <p:style>
+            <a:lnRef idx="1">
+              <a:schemeClr val="dk1"/>
+            </a:lnRef>
+            <a:fillRef idx="0">
+              <a:schemeClr val="dk1"/>
+            </a:fillRef>
+            <a:effectRef idx="0">
+              <a:schemeClr val="dk1"/>
+            </a:effectRef>
+            <a:fontRef idx="minor">
+              <a:schemeClr val="tx1"/>
+            </a:fontRef>
+          </p:style>
+        </p:cxnSp>
+        <p:cxnSp>
+          <p:nvCxnSpPr>
+            <p:cNvPr id="20" name="Straight Connector 19">
+              <a:extLst>
+                <a:ext uri="{FF2B5EF4-FFF2-40B4-BE49-F238E27FC236}">
+                  <a16:creationId xmlns:a16="http://schemas.microsoft.com/office/drawing/2014/main" id="{067749D8-AC3F-994C-B5D5-6BE4C222FD2C}"/>
+                </a:ext>
+              </a:extLst>
+            </p:cNvPr>
+            <p:cNvCxnSpPr>
+              <a:cxnSpLocks/>
+            </p:cNvCxnSpPr>
+            <p:nvPr/>
+          </p:nvCxnSpPr>
+          <p:spPr>
+            <a:xfrm>
+              <a:off x="1847461" y="5034716"/>
+              <a:ext cx="7940351" cy="0"/>
+            </a:xfrm>
+            <a:prstGeom prst="line">
+              <a:avLst/>
+            </a:prstGeom>
+            <a:ln w="19050">
+              <a:solidFill>
+                <a:srgbClr val="FF0000"/>
+              </a:solidFill>
+              <a:prstDash val="dash"/>
+            </a:ln>
+          </p:spPr>
+          <p:style>
+            <a:lnRef idx="1">
+              <a:schemeClr val="dk1"/>
+            </a:lnRef>
+            <a:fillRef idx="0">
+              <a:schemeClr val="dk1"/>
+            </a:fillRef>
+            <a:effectRef idx="0">
+              <a:schemeClr val="dk1"/>
+            </a:effectRef>
+            <a:fontRef idx="minor">
+              <a:schemeClr val="tx1"/>
+            </a:fontRef>
+          </p:style>
+        </p:cxnSp>
+        <p:sp>
+          <p:nvSpPr>
+            <p:cNvPr id="24" name="TextBox 23">
+              <a:extLst>
+                <a:ext uri="{FF2B5EF4-FFF2-40B4-BE49-F238E27FC236}">
+                  <a16:creationId xmlns:a16="http://schemas.microsoft.com/office/drawing/2014/main" id="{B9B85174-7840-734A-BEE8-DD70EF076005}"/>
+                </a:ext>
+              </a:extLst>
+            </p:cNvPr>
+            <p:cNvSpPr txBox="1"/>
+            <p:nvPr/>
+          </p:nvSpPr>
+          <p:spPr>
+            <a:xfrm rot="16200000">
+              <a:off x="721654" y="5559735"/>
+              <a:ext cx="1643462" cy="369332"/>
+            </a:xfrm>
+            <a:prstGeom prst="rect">
+              <a:avLst/>
+            </a:prstGeom>
+            <a:noFill/>
+          </p:spPr>
+          <p:txBody>
+            <a:bodyPr wrap="none" rtlCol="0">
+              <a:spAutoFit/>
+            </a:bodyPr>
+            <a:lstStyle/>
+            <a:p>
+              <a:r>
+                <a:rPr lang="en-US" dirty="0"/>
+                <a:t>Gauge Pressure</a:t>
+              </a:r>
+            </a:p>
+          </p:txBody>
+        </p:sp>
+        <p:sp>
+          <p:nvSpPr>
+            <p:cNvPr id="25" name="TextBox 24">
+              <a:extLst>
+                <a:ext uri="{FF2B5EF4-FFF2-40B4-BE49-F238E27FC236}">
+                  <a16:creationId xmlns:a16="http://schemas.microsoft.com/office/drawing/2014/main" id="{6943D52C-C481-E940-9F60-78D5768FFD2C}"/>
+                </a:ext>
+              </a:extLst>
+            </p:cNvPr>
+            <p:cNvSpPr txBox="1"/>
+            <p:nvPr/>
+          </p:nvSpPr>
+          <p:spPr>
+            <a:xfrm>
+              <a:off x="5108806" y="6160678"/>
+              <a:ext cx="987193" cy="369332"/>
+            </a:xfrm>
+            <a:prstGeom prst="rect">
+              <a:avLst/>
+            </a:prstGeom>
+            <a:noFill/>
+          </p:spPr>
+          <p:txBody>
+            <a:bodyPr wrap="none" rtlCol="0">
+              <a:spAutoFit/>
+            </a:bodyPr>
+            <a:lstStyle/>
+            <a:p>
+              <a:r>
+                <a:rPr lang="en-US" dirty="0"/>
+                <a:t>Distance</a:t>
+              </a:r>
+            </a:p>
+          </p:txBody>
+        </p:sp>
+        <p:sp>
+          <p:nvSpPr>
+            <p:cNvPr id="26" name="TextBox 25">
+              <a:extLst>
+                <a:ext uri="{FF2B5EF4-FFF2-40B4-BE49-F238E27FC236}">
+                  <a16:creationId xmlns:a16="http://schemas.microsoft.com/office/drawing/2014/main" id="{3D47ACEB-CCD5-2849-8BE6-A2B2580DC7C7}"/>
+                </a:ext>
+              </a:extLst>
+            </p:cNvPr>
+            <p:cNvSpPr txBox="1"/>
+            <p:nvPr/>
+          </p:nvSpPr>
+          <p:spPr>
+            <a:xfrm>
+              <a:off x="4788456" y="5026573"/>
+              <a:ext cx="3673442" cy="369332"/>
+            </a:xfrm>
+            <a:prstGeom prst="rect">
+              <a:avLst/>
+            </a:prstGeom>
+            <a:noFill/>
+          </p:spPr>
+          <p:txBody>
+            <a:bodyPr wrap="none" rtlCol="0">
+              <a:spAutoFit/>
+            </a:bodyPr>
+            <a:lstStyle/>
+            <a:p>
+              <a:r>
+                <a:rPr lang="en-US" dirty="0">
+                  <a:solidFill>
+                    <a:srgbClr val="FF0000"/>
+                  </a:solidFill>
+                </a:rPr>
+                <a:t>Minimum required pressure at outlet</a:t>
+              </a:r>
+            </a:p>
+          </p:txBody>
+        </p:sp>
+        <p:sp>
+          <p:nvSpPr>
+            <p:cNvPr id="27" name="TextBox 26">
+              <a:extLst>
+                <a:ext uri="{FF2B5EF4-FFF2-40B4-BE49-F238E27FC236}">
+                  <a16:creationId xmlns:a16="http://schemas.microsoft.com/office/drawing/2014/main" id="{3C455EF3-1A89-4E41-819A-6B1CE604C87B}"/>
+                </a:ext>
+              </a:extLst>
+            </p:cNvPr>
+            <p:cNvSpPr txBox="1"/>
+            <p:nvPr/>
+          </p:nvSpPr>
+          <p:spPr>
+            <a:xfrm>
+              <a:off x="2844469" y="5488395"/>
+              <a:ext cx="1581652" cy="369332"/>
+            </a:xfrm>
+            <a:prstGeom prst="rect">
+              <a:avLst/>
+            </a:prstGeom>
+            <a:noFill/>
+          </p:spPr>
+          <p:txBody>
+            <a:bodyPr wrap="none" rtlCol="0">
+              <a:spAutoFit/>
+            </a:bodyPr>
+            <a:lstStyle/>
+            <a:p>
+              <a:r>
+                <a:rPr lang="en-US" dirty="0">
+                  <a:solidFill>
+                    <a:srgbClr val="0070C0"/>
+                  </a:solidFill>
+                </a:rPr>
+                <a:t>Pump Location</a:t>
+              </a:r>
+            </a:p>
+          </p:txBody>
+        </p:sp>
+      </p:grpSp>
+      <p:cxnSp>
+        <p:nvCxnSpPr>
+          <p:cNvPr id="17" name="Straight Connector 16">
+            <a:extLst>
+              <a:ext uri="{FF2B5EF4-FFF2-40B4-BE49-F238E27FC236}">
+                <a16:creationId xmlns:a16="http://schemas.microsoft.com/office/drawing/2014/main" id="{AB5A2FC5-760A-4F3C-8DF6-8C5AAA64172B}"/>
+              </a:ext>
+            </a:extLst>
+          </p:cNvPr>
+          <p:cNvCxnSpPr/>
+          <p:nvPr/>
+        </p:nvCxnSpPr>
+        <p:spPr>
+          <a:xfrm>
+            <a:off x="5483437" y="3226727"/>
+            <a:ext cx="0" cy="1320315"/>
+          </a:xfrm>
+          <a:prstGeom prst="line">
+            <a:avLst/>
+          </a:prstGeom>
+          <a:ln>
+            <a:solidFill>
+              <a:schemeClr val="tx1"/>
+            </a:solidFill>
+          </a:ln>
+        </p:spPr>
+        <p:style>
+          <a:lnRef idx="1">
+            <a:schemeClr val="accent1"/>
+          </a:lnRef>
+          <a:fillRef idx="0">
+            <a:schemeClr val="accent1"/>
+          </a:fillRef>
+          <a:effectRef idx="0">
+            <a:schemeClr val="accent1"/>
+          </a:effectRef>
+          <a:fontRef idx="minor">
+            <a:schemeClr val="tx1"/>
+          </a:fontRef>
+        </p:style>
+      </p:cxnSp>
+      <p:cxnSp>
+        <p:nvCxnSpPr>
+          <p:cNvPr id="19" name="Straight Connector 18">
+            <a:extLst>
+              <a:ext uri="{FF2B5EF4-FFF2-40B4-BE49-F238E27FC236}">
+                <a16:creationId xmlns:a16="http://schemas.microsoft.com/office/drawing/2014/main" id="{448BBCEE-91E0-4585-A1E2-6781B488A166}"/>
+              </a:ext>
+            </a:extLst>
+          </p:cNvPr>
+          <p:cNvCxnSpPr>
+            <a:cxnSpLocks/>
+          </p:cNvCxnSpPr>
+          <p:nvPr/>
+        </p:nvCxnSpPr>
+        <p:spPr>
+          <a:xfrm flipH="1">
+            <a:off x="5483437" y="4547042"/>
+            <a:ext cx="5711703" cy="0"/>
+          </a:xfrm>
+          <a:prstGeom prst="line">
+            <a:avLst/>
+          </a:prstGeom>
+          <a:ln>
+            <a:solidFill>
+              <a:schemeClr val="tx1"/>
+            </a:solidFill>
+          </a:ln>
+        </p:spPr>
+        <p:style>
+          <a:lnRef idx="1">
+            <a:schemeClr val="accent1"/>
+          </a:lnRef>
+          <a:fillRef idx="0">
+            <a:schemeClr val="accent1"/>
+          </a:fillRef>
+          <a:effectRef idx="0">
+            <a:schemeClr val="accent1"/>
+          </a:effectRef>
+          <a:fontRef idx="minor">
+            <a:schemeClr val="tx1"/>
+          </a:fontRef>
+        </p:style>
+      </p:cxnSp>
+      <p:cxnSp>
+        <p:nvCxnSpPr>
+          <p:cNvPr id="21" name="Straight Connector 20">
+            <a:extLst>
+              <a:ext uri="{FF2B5EF4-FFF2-40B4-BE49-F238E27FC236}">
+                <a16:creationId xmlns:a16="http://schemas.microsoft.com/office/drawing/2014/main" id="{1BACF392-3808-4C84-AF30-EAAB6171ED30}"/>
+              </a:ext>
+            </a:extLst>
+          </p:cNvPr>
+          <p:cNvCxnSpPr>
+            <a:cxnSpLocks/>
+          </p:cNvCxnSpPr>
+          <p:nvPr/>
+        </p:nvCxnSpPr>
+        <p:spPr>
+          <a:xfrm flipH="1" flipV="1">
+            <a:off x="5486886" y="3999599"/>
+            <a:ext cx="742705" cy="115298"/>
           </a:xfrm>
           <a:prstGeom prst="line">
             <a:avLst/>
@@ -4647,10 +9568,10 @@
       </p:cxnSp>
       <p:cxnSp>
         <p:nvCxnSpPr>
-          <p:cNvPr id="12" name="Straight Connector 11">
-            <a:extLst>
-              <a:ext uri="{FF2B5EF4-FFF2-40B4-BE49-F238E27FC236}">
-                <a16:creationId xmlns:a16="http://schemas.microsoft.com/office/drawing/2014/main" id="{AC51D2C7-FC24-1E41-AB8B-E868B08535D8}"/>
+          <p:cNvPr id="28" name="Straight Connector 27">
+            <a:extLst>
+              <a:ext uri="{FF2B5EF4-FFF2-40B4-BE49-F238E27FC236}">
+                <a16:creationId xmlns:a16="http://schemas.microsoft.com/office/drawing/2014/main" id="{3CFBE1AD-F8C2-4DB5-9935-56CD1B3AD5D8}"/>
               </a:ext>
             </a:extLst>
           </p:cNvPr>
@@ -4661,86 +9582,8 @@
         </p:nvCxnSpPr>
         <p:spPr>
           <a:xfrm flipV="1">
-            <a:off x="2856723" y="3265714"/>
-            <a:ext cx="0" cy="1903445"/>
-          </a:xfrm>
-          <a:prstGeom prst="line">
-            <a:avLst/>
-          </a:prstGeom>
-          <a:ln w="38100"/>
-        </p:spPr>
-        <p:style>
-          <a:lnRef idx="1">
-            <a:schemeClr val="dk1"/>
-          </a:lnRef>
-          <a:fillRef idx="0">
-            <a:schemeClr val="dk1"/>
-          </a:fillRef>
-          <a:effectRef idx="0">
-            <a:schemeClr val="dk1"/>
-          </a:effectRef>
-          <a:fontRef idx="minor">
-            <a:schemeClr val="tx1"/>
-          </a:fontRef>
-        </p:style>
-      </p:cxnSp>
-      <p:cxnSp>
-        <p:nvCxnSpPr>
-          <p:cNvPr id="15" name="Straight Connector 14">
-            <a:extLst>
-              <a:ext uri="{FF2B5EF4-FFF2-40B4-BE49-F238E27FC236}">
-                <a16:creationId xmlns:a16="http://schemas.microsoft.com/office/drawing/2014/main" id="{56285797-C98B-9240-BCF5-74D39B5170D2}"/>
-              </a:ext>
-            </a:extLst>
-          </p:cNvPr>
-          <p:cNvCxnSpPr>
-            <a:cxnSpLocks/>
-          </p:cNvCxnSpPr>
-          <p:nvPr/>
-        </p:nvCxnSpPr>
-        <p:spPr>
-          <a:xfrm flipH="1" flipV="1">
-            <a:off x="2856723" y="3268841"/>
-            <a:ext cx="6100665" cy="1765875"/>
-          </a:xfrm>
-          <a:prstGeom prst="line">
-            <a:avLst/>
-          </a:prstGeom>
-          <a:ln w="38100"/>
-        </p:spPr>
-        <p:style>
-          <a:lnRef idx="1">
-            <a:schemeClr val="dk1"/>
-          </a:lnRef>
-          <a:fillRef idx="0">
-            <a:schemeClr val="dk1"/>
-          </a:fillRef>
-          <a:effectRef idx="0">
-            <a:schemeClr val="dk1"/>
-          </a:effectRef>
-          <a:fontRef idx="minor">
-            <a:schemeClr val="tx1"/>
-          </a:fontRef>
-        </p:style>
-      </p:cxnSp>
-      <p:cxnSp>
-        <p:nvCxnSpPr>
-          <p:cNvPr id="18" name="Straight Connector 17">
-            <a:extLst>
-              <a:ext uri="{FF2B5EF4-FFF2-40B4-BE49-F238E27FC236}">
-                <a16:creationId xmlns:a16="http://schemas.microsoft.com/office/drawing/2014/main" id="{A80D34C9-64DA-E84F-872A-6D1E32F97633}"/>
-              </a:ext>
-            </a:extLst>
-          </p:cNvPr>
-          <p:cNvCxnSpPr>
-            <a:cxnSpLocks/>
-          </p:cNvCxnSpPr>
-          <p:nvPr/>
-        </p:nvCxnSpPr>
-        <p:spPr>
-          <a:xfrm flipV="1">
-            <a:off x="2856723" y="2996829"/>
-            <a:ext cx="0" cy="3180134"/>
+            <a:off x="6220531" y="3176422"/>
+            <a:ext cx="0" cy="1363637"/>
           </a:xfrm>
           <a:prstGeom prst="line">
             <a:avLst/>
@@ -4769,10 +9612,10 @@
       </p:cxnSp>
       <p:cxnSp>
         <p:nvCxnSpPr>
-          <p:cNvPr id="20" name="Straight Connector 19">
-            <a:extLst>
-              <a:ext uri="{FF2B5EF4-FFF2-40B4-BE49-F238E27FC236}">
-                <a16:creationId xmlns:a16="http://schemas.microsoft.com/office/drawing/2014/main" id="{067749D8-AC3F-994C-B5D5-6BE4C222FD2C}"/>
+          <p:cNvPr id="29" name="Straight Connector 28">
+            <a:extLst>
+              <a:ext uri="{FF2B5EF4-FFF2-40B4-BE49-F238E27FC236}">
+                <a16:creationId xmlns:a16="http://schemas.microsoft.com/office/drawing/2014/main" id="{E41341D8-070C-411B-8ACD-8D0FC25B8D0E}"/>
               </a:ext>
             </a:extLst>
           </p:cNvPr>
@@ -4783,8 +9626,8 @@
         </p:nvCxnSpPr>
         <p:spPr>
           <a:xfrm>
-            <a:off x="1847461" y="5034716"/>
-            <a:ext cx="7940351" cy="0"/>
+            <a:off x="5483438" y="4057871"/>
+            <a:ext cx="5870361" cy="0"/>
           </a:xfrm>
           <a:prstGeom prst="line">
             <a:avLst/>
@@ -4811,151 +9654,941 @@
           </a:fontRef>
         </p:style>
       </p:cxnSp>
-      <p:sp>
-        <p:nvSpPr>
-          <p:cNvPr id="24" name="TextBox 23">
-            <a:extLst>
-              <a:ext uri="{FF2B5EF4-FFF2-40B4-BE49-F238E27FC236}">
-                <a16:creationId xmlns:a16="http://schemas.microsoft.com/office/drawing/2014/main" id="{B9B85174-7840-734A-BEE8-DD70EF076005}"/>
-              </a:ext>
-            </a:extLst>
-          </p:cNvPr>
-          <p:cNvSpPr txBox="1"/>
+      <p:cxnSp>
+        <p:nvCxnSpPr>
+          <p:cNvPr id="34" name="Straight Connector 33">
+            <a:extLst>
+              <a:ext uri="{FF2B5EF4-FFF2-40B4-BE49-F238E27FC236}">
+                <a16:creationId xmlns:a16="http://schemas.microsoft.com/office/drawing/2014/main" id="{6B1C6C4D-7345-44A3-A1F6-8A815DC80808}"/>
+              </a:ext>
+            </a:extLst>
+          </p:cNvPr>
+          <p:cNvCxnSpPr>
+            <a:cxnSpLocks/>
+          </p:cNvCxnSpPr>
           <p:nvPr/>
-        </p:nvSpPr>
+        </p:nvCxnSpPr>
         <p:spPr>
-          <a:xfrm rot="16200000">
-            <a:off x="836400" y="4317265"/>
-            <a:ext cx="1643463" cy="369332"/>
+          <a:xfrm flipH="1" flipV="1">
+            <a:off x="6199235" y="3735076"/>
+            <a:ext cx="1190624" cy="214475"/>
+          </a:xfrm>
+          <a:prstGeom prst="line">
+            <a:avLst/>
+          </a:prstGeom>
+          <a:ln w="38100"/>
+        </p:spPr>
+        <p:style>
+          <a:lnRef idx="1">
+            <a:schemeClr val="dk1"/>
+          </a:lnRef>
+          <a:fillRef idx="0">
+            <a:schemeClr val="dk1"/>
+          </a:fillRef>
+          <a:effectRef idx="0">
+            <a:schemeClr val="dk1"/>
+          </a:effectRef>
+          <a:fontRef idx="minor">
+            <a:schemeClr val="tx1"/>
+          </a:fontRef>
+        </p:style>
+      </p:cxnSp>
+      <p:cxnSp>
+        <p:nvCxnSpPr>
+          <p:cNvPr id="35" name="Straight Connector 34">
+            <a:extLst>
+              <a:ext uri="{FF2B5EF4-FFF2-40B4-BE49-F238E27FC236}">
+                <a16:creationId xmlns:a16="http://schemas.microsoft.com/office/drawing/2014/main" id="{E66C6117-4FE4-46AC-B46C-EF474E5845C7}"/>
+              </a:ext>
+            </a:extLst>
+          </p:cNvPr>
+          <p:cNvCxnSpPr>
+            <a:cxnSpLocks/>
+          </p:cNvCxnSpPr>
+          <p:nvPr/>
+        </p:nvCxnSpPr>
+        <p:spPr>
+          <a:xfrm flipH="1" flipV="1">
+            <a:off x="7364574" y="3679009"/>
+            <a:ext cx="1194210" cy="224257"/>
+          </a:xfrm>
+          <a:prstGeom prst="line">
+            <a:avLst/>
+          </a:prstGeom>
+          <a:ln w="38100"/>
+        </p:spPr>
+        <p:style>
+          <a:lnRef idx="1">
+            <a:schemeClr val="dk1"/>
+          </a:lnRef>
+          <a:fillRef idx="0">
+            <a:schemeClr val="dk1"/>
+          </a:fillRef>
+          <a:effectRef idx="0">
+            <a:schemeClr val="dk1"/>
+          </a:effectRef>
+          <a:fontRef idx="minor">
+            <a:schemeClr val="tx1"/>
+          </a:fontRef>
+        </p:style>
+      </p:cxnSp>
+      <p:cxnSp>
+        <p:nvCxnSpPr>
+          <p:cNvPr id="36" name="Straight Connector 35">
+            <a:extLst>
+              <a:ext uri="{FF2B5EF4-FFF2-40B4-BE49-F238E27FC236}">
+                <a16:creationId xmlns:a16="http://schemas.microsoft.com/office/drawing/2014/main" id="{1EE5119E-A5F0-4930-9E9C-87DCC1CC4F23}"/>
+              </a:ext>
+            </a:extLst>
+          </p:cNvPr>
+          <p:cNvCxnSpPr>
+            <a:cxnSpLocks/>
+          </p:cNvCxnSpPr>
+          <p:nvPr/>
+        </p:nvCxnSpPr>
+        <p:spPr>
+          <a:xfrm flipH="1" flipV="1">
+            <a:off x="8555198" y="3672749"/>
+            <a:ext cx="2246915" cy="381007"/>
+          </a:xfrm>
+          <a:prstGeom prst="line">
+            <a:avLst/>
+          </a:prstGeom>
+          <a:ln w="38100"/>
+        </p:spPr>
+        <p:style>
+          <a:lnRef idx="1">
+            <a:schemeClr val="dk1"/>
+          </a:lnRef>
+          <a:fillRef idx="0">
+            <a:schemeClr val="dk1"/>
+          </a:fillRef>
+          <a:effectRef idx="0">
+            <a:schemeClr val="dk1"/>
+          </a:effectRef>
+          <a:fontRef idx="minor">
+            <a:schemeClr val="tx1"/>
+          </a:fontRef>
+        </p:style>
+      </p:cxnSp>
+      <p:cxnSp>
+        <p:nvCxnSpPr>
+          <p:cNvPr id="37" name="Straight Connector 36">
+            <a:extLst>
+              <a:ext uri="{FF2B5EF4-FFF2-40B4-BE49-F238E27FC236}">
+                <a16:creationId xmlns:a16="http://schemas.microsoft.com/office/drawing/2014/main" id="{92518900-3D23-48CC-9F5A-998CBB906359}"/>
+              </a:ext>
+            </a:extLst>
+          </p:cNvPr>
+          <p:cNvCxnSpPr>
+            <a:cxnSpLocks/>
+          </p:cNvCxnSpPr>
+          <p:nvPr/>
+        </p:nvCxnSpPr>
+        <p:spPr>
+          <a:xfrm flipV="1">
+            <a:off x="6220531" y="3751933"/>
+            <a:ext cx="0" cy="381007"/>
+          </a:xfrm>
+          <a:prstGeom prst="line">
+            <a:avLst/>
+          </a:prstGeom>
+          <a:ln w="38100"/>
+        </p:spPr>
+        <p:style>
+          <a:lnRef idx="1">
+            <a:schemeClr val="dk1"/>
+          </a:lnRef>
+          <a:fillRef idx="0">
+            <a:schemeClr val="dk1"/>
+          </a:fillRef>
+          <a:effectRef idx="0">
+            <a:schemeClr val="dk1"/>
+          </a:effectRef>
+          <a:fontRef idx="minor">
+            <a:schemeClr val="tx1"/>
+          </a:fontRef>
+        </p:style>
+      </p:cxnSp>
+      <p:cxnSp>
+        <p:nvCxnSpPr>
+          <p:cNvPr id="38" name="Straight Connector 37">
+            <a:extLst>
+              <a:ext uri="{FF2B5EF4-FFF2-40B4-BE49-F238E27FC236}">
+                <a16:creationId xmlns:a16="http://schemas.microsoft.com/office/drawing/2014/main" id="{8B2FB5F8-89F6-4804-B026-FD69415D1915}"/>
+              </a:ext>
+            </a:extLst>
+          </p:cNvPr>
+          <p:cNvCxnSpPr>
+            <a:cxnSpLocks/>
+          </p:cNvCxnSpPr>
+          <p:nvPr/>
+        </p:nvCxnSpPr>
+        <p:spPr>
+          <a:xfrm flipV="1">
+            <a:off x="7389859" y="3676770"/>
+            <a:ext cx="0" cy="304871"/>
+          </a:xfrm>
+          <a:prstGeom prst="line">
+            <a:avLst/>
+          </a:prstGeom>
+          <a:ln w="38100"/>
+        </p:spPr>
+        <p:style>
+          <a:lnRef idx="1">
+            <a:schemeClr val="dk1"/>
+          </a:lnRef>
+          <a:fillRef idx="0">
+            <a:schemeClr val="dk1"/>
+          </a:fillRef>
+          <a:effectRef idx="0">
+            <a:schemeClr val="dk1"/>
+          </a:effectRef>
+          <a:fontRef idx="minor">
+            <a:schemeClr val="tx1"/>
+          </a:fontRef>
+        </p:style>
+      </p:cxnSp>
+      <p:cxnSp>
+        <p:nvCxnSpPr>
+          <p:cNvPr id="40" name="Straight Connector 39">
+            <a:extLst>
+              <a:ext uri="{FF2B5EF4-FFF2-40B4-BE49-F238E27FC236}">
+                <a16:creationId xmlns:a16="http://schemas.microsoft.com/office/drawing/2014/main" id="{EC0841DF-ED6E-4D73-A947-2D4A78D25EE4}"/>
+              </a:ext>
+            </a:extLst>
+          </p:cNvPr>
+          <p:cNvCxnSpPr>
+            <a:cxnSpLocks/>
+          </p:cNvCxnSpPr>
+          <p:nvPr/>
+        </p:nvCxnSpPr>
+        <p:spPr>
+          <a:xfrm flipV="1">
+            <a:off x="8555198" y="3672750"/>
+            <a:ext cx="3586" cy="230516"/>
+          </a:xfrm>
+          <a:prstGeom prst="line">
+            <a:avLst/>
+          </a:prstGeom>
+          <a:ln w="38100"/>
+        </p:spPr>
+        <p:style>
+          <a:lnRef idx="1">
+            <a:schemeClr val="dk1"/>
+          </a:lnRef>
+          <a:fillRef idx="0">
+            <a:schemeClr val="dk1"/>
+          </a:fillRef>
+          <a:effectRef idx="0">
+            <a:schemeClr val="dk1"/>
+          </a:effectRef>
+          <a:fontRef idx="minor">
+            <a:schemeClr val="tx1"/>
+          </a:fontRef>
+        </p:style>
+      </p:cxnSp>
+      <p:cxnSp>
+        <p:nvCxnSpPr>
+          <p:cNvPr id="43" name="Straight Connector 42">
+            <a:extLst>
+              <a:ext uri="{FF2B5EF4-FFF2-40B4-BE49-F238E27FC236}">
+                <a16:creationId xmlns:a16="http://schemas.microsoft.com/office/drawing/2014/main" id="{3F638A9F-8CA2-42A6-B11E-23D82AB2B886}"/>
+              </a:ext>
+            </a:extLst>
+          </p:cNvPr>
+          <p:cNvCxnSpPr>
+            <a:cxnSpLocks/>
+          </p:cNvCxnSpPr>
+          <p:nvPr/>
+        </p:nvCxnSpPr>
+        <p:spPr>
+          <a:xfrm flipV="1">
+            <a:off x="7389859" y="3183405"/>
+            <a:ext cx="0" cy="1363637"/>
+          </a:xfrm>
+          <a:prstGeom prst="line">
+            <a:avLst/>
+          </a:prstGeom>
+          <a:ln w="19050">
+            <a:solidFill>
+              <a:srgbClr val="0070C0"/>
+            </a:solidFill>
+            <a:prstDash val="dash"/>
+          </a:ln>
+        </p:spPr>
+        <p:style>
+          <a:lnRef idx="1">
+            <a:schemeClr val="dk1"/>
+          </a:lnRef>
+          <a:fillRef idx="0">
+            <a:schemeClr val="dk1"/>
+          </a:fillRef>
+          <a:effectRef idx="0">
+            <a:schemeClr val="dk1"/>
+          </a:effectRef>
+          <a:fontRef idx="minor">
+            <a:schemeClr val="tx1"/>
+          </a:fontRef>
+        </p:style>
+      </p:cxnSp>
+      <p:cxnSp>
+        <p:nvCxnSpPr>
+          <p:cNvPr id="44" name="Straight Connector 43">
+            <a:extLst>
+              <a:ext uri="{FF2B5EF4-FFF2-40B4-BE49-F238E27FC236}">
+                <a16:creationId xmlns:a16="http://schemas.microsoft.com/office/drawing/2014/main" id="{3B3B7536-8125-4788-8D26-FDFC46D1BF88}"/>
+              </a:ext>
+            </a:extLst>
+          </p:cNvPr>
+          <p:cNvCxnSpPr>
+            <a:cxnSpLocks/>
+          </p:cNvCxnSpPr>
+          <p:nvPr/>
+        </p:nvCxnSpPr>
+        <p:spPr>
+          <a:xfrm flipV="1">
+            <a:off x="8555198" y="3176422"/>
+            <a:ext cx="0" cy="1363637"/>
+          </a:xfrm>
+          <a:prstGeom prst="line">
+            <a:avLst/>
+          </a:prstGeom>
+          <a:ln w="19050">
+            <a:solidFill>
+              <a:srgbClr val="0070C0"/>
+            </a:solidFill>
+            <a:prstDash val="dash"/>
+          </a:ln>
+        </p:spPr>
+        <p:style>
+          <a:lnRef idx="1">
+            <a:schemeClr val="dk1"/>
+          </a:lnRef>
+          <a:fillRef idx="0">
+            <a:schemeClr val="dk1"/>
+          </a:fillRef>
+          <a:effectRef idx="0">
+            <a:schemeClr val="dk1"/>
+          </a:effectRef>
+          <a:fontRef idx="minor">
+            <a:schemeClr val="tx1"/>
+          </a:fontRef>
+        </p:style>
+      </p:cxnSp>
+      <p:sp>
+        <p:nvSpPr>
+          <p:cNvPr id="45" name="Content Placeholder 2">
+            <a:extLst>
+              <a:ext uri="{FF2B5EF4-FFF2-40B4-BE49-F238E27FC236}">
+                <a16:creationId xmlns:a16="http://schemas.microsoft.com/office/drawing/2014/main" id="{DC139722-E49E-4901-8B4D-D42405F7D2A5}"/>
+              </a:ext>
+            </a:extLst>
+          </p:cNvPr>
+          <p:cNvSpPr txBox="1">
+            <a:spLocks/>
+          </p:cNvSpPr>
+          <p:nvPr/>
+        </p:nvSpPr>
+        <p:spPr>
+          <a:xfrm>
+            <a:off x="788989" y="3015364"/>
+            <a:ext cx="4279206" cy="1486040"/>
           </a:xfrm>
           <a:prstGeom prst="rect">
             <a:avLst/>
           </a:prstGeom>
-          <a:noFill/>
         </p:spPr>
         <p:txBody>
-          <a:bodyPr wrap="none" rtlCol="0">
-            <a:spAutoFit/>
+          <a:bodyPr vert="horz" lIns="91440" tIns="45720" rIns="91440" bIns="45720" rtlCol="0">
+            <a:normAutofit/>
           </a:bodyPr>
-          <a:lstStyle/>
-          <a:p>
-            <a:r>
-              <a:rPr lang="en-US" dirty="0"/>
-              <a:t>Gauge Pressure</a:t>
-            </a:r>
-          </a:p>
-        </p:txBody>
-      </p:sp>
-      <p:sp>
-        <p:nvSpPr>
-          <p:cNvPr id="25" name="TextBox 24">
-            <a:extLst>
-              <a:ext uri="{FF2B5EF4-FFF2-40B4-BE49-F238E27FC236}">
-                <a16:creationId xmlns:a16="http://schemas.microsoft.com/office/drawing/2014/main" id="{6943D52C-C481-E940-9F60-78D5768FFD2C}"/>
-              </a:ext>
-            </a:extLst>
-          </p:cNvPr>
-          <p:cNvSpPr txBox="1"/>
+          <a:lstStyle>
+            <a:lvl1pPr marL="228600" indent="-228600" algn="l" defTabSz="914400" rtl="0" eaLnBrk="1" latinLnBrk="0" hangingPunct="1">
+              <a:lnSpc>
+                <a:spcPct val="90000"/>
+              </a:lnSpc>
+              <a:spcBef>
+                <a:spcPts val="1000"/>
+              </a:spcBef>
+              <a:buFont typeface="Arial" panose="020B0604020202020204" pitchFamily="34" charset="0"/>
+              <a:buChar char="•"/>
+              <a:defRPr sz="2800" kern="1200">
+                <a:solidFill>
+                  <a:schemeClr val="tx1"/>
+                </a:solidFill>
+                <a:latin typeface="+mn-lt"/>
+                <a:ea typeface="+mn-ea"/>
+                <a:cs typeface="+mn-cs"/>
+              </a:defRPr>
+            </a:lvl1pPr>
+            <a:lvl2pPr marL="685800" indent="-228600" algn="l" defTabSz="914400" rtl="0" eaLnBrk="1" latinLnBrk="0" hangingPunct="1">
+              <a:lnSpc>
+                <a:spcPct val="90000"/>
+              </a:lnSpc>
+              <a:spcBef>
+                <a:spcPts val="500"/>
+              </a:spcBef>
+              <a:buFont typeface="Arial" panose="020B0604020202020204" pitchFamily="34" charset="0"/>
+              <a:buChar char="•"/>
+              <a:defRPr sz="2400" kern="1200">
+                <a:solidFill>
+                  <a:schemeClr val="tx1"/>
+                </a:solidFill>
+                <a:latin typeface="+mn-lt"/>
+                <a:ea typeface="+mn-ea"/>
+                <a:cs typeface="+mn-cs"/>
+              </a:defRPr>
+            </a:lvl2pPr>
+            <a:lvl3pPr marL="1143000" indent="-228600" algn="l" defTabSz="914400" rtl="0" eaLnBrk="1" latinLnBrk="0" hangingPunct="1">
+              <a:lnSpc>
+                <a:spcPct val="90000"/>
+              </a:lnSpc>
+              <a:spcBef>
+                <a:spcPts val="500"/>
+              </a:spcBef>
+              <a:buFont typeface="Arial" panose="020B0604020202020204" pitchFamily="34" charset="0"/>
+              <a:buChar char="•"/>
+              <a:defRPr sz="2000" kern="1200">
+                <a:solidFill>
+                  <a:schemeClr val="tx1"/>
+                </a:solidFill>
+                <a:latin typeface="+mn-lt"/>
+                <a:ea typeface="+mn-ea"/>
+                <a:cs typeface="+mn-cs"/>
+              </a:defRPr>
+            </a:lvl3pPr>
+            <a:lvl4pPr marL="1600200" indent="-228600" algn="l" defTabSz="914400" rtl="0" eaLnBrk="1" latinLnBrk="0" hangingPunct="1">
+              <a:lnSpc>
+                <a:spcPct val="90000"/>
+              </a:lnSpc>
+              <a:spcBef>
+                <a:spcPts val="500"/>
+              </a:spcBef>
+              <a:buFont typeface="Arial" panose="020B0604020202020204" pitchFamily="34" charset="0"/>
+              <a:buChar char="•"/>
+              <a:defRPr sz="1800" kern="1200">
+                <a:solidFill>
+                  <a:schemeClr val="tx1"/>
+                </a:solidFill>
+                <a:latin typeface="+mn-lt"/>
+                <a:ea typeface="+mn-ea"/>
+                <a:cs typeface="+mn-cs"/>
+              </a:defRPr>
+            </a:lvl4pPr>
+            <a:lvl5pPr marL="2057400" indent="-228600" algn="l" defTabSz="914400" rtl="0" eaLnBrk="1" latinLnBrk="0" hangingPunct="1">
+              <a:lnSpc>
+                <a:spcPct val="90000"/>
+              </a:lnSpc>
+              <a:spcBef>
+                <a:spcPts val="500"/>
+              </a:spcBef>
+              <a:buFont typeface="Arial" panose="020B0604020202020204" pitchFamily="34" charset="0"/>
+              <a:buChar char="•"/>
+              <a:defRPr sz="1800" kern="1200">
+                <a:solidFill>
+                  <a:schemeClr val="tx1"/>
+                </a:solidFill>
+                <a:latin typeface="+mn-lt"/>
+                <a:ea typeface="+mn-ea"/>
+                <a:cs typeface="+mn-cs"/>
+              </a:defRPr>
+            </a:lvl5pPr>
+            <a:lvl6pPr marL="2514600" indent="-228600" algn="l" defTabSz="914400" rtl="0" eaLnBrk="1" latinLnBrk="0" hangingPunct="1">
+              <a:lnSpc>
+                <a:spcPct val="90000"/>
+              </a:lnSpc>
+              <a:spcBef>
+                <a:spcPts val="500"/>
+              </a:spcBef>
+              <a:buFont typeface="Arial" panose="020B0604020202020204" pitchFamily="34" charset="0"/>
+              <a:buChar char="•"/>
+              <a:defRPr sz="1800" kern="1200">
+                <a:solidFill>
+                  <a:schemeClr val="tx1"/>
+                </a:solidFill>
+                <a:latin typeface="+mn-lt"/>
+                <a:ea typeface="+mn-ea"/>
+                <a:cs typeface="+mn-cs"/>
+              </a:defRPr>
+            </a:lvl6pPr>
+            <a:lvl7pPr marL="2971800" indent="-228600" algn="l" defTabSz="914400" rtl="0" eaLnBrk="1" latinLnBrk="0" hangingPunct="1">
+              <a:lnSpc>
+                <a:spcPct val="90000"/>
+              </a:lnSpc>
+              <a:spcBef>
+                <a:spcPts val="500"/>
+              </a:spcBef>
+              <a:buFont typeface="Arial" panose="020B0604020202020204" pitchFamily="34" charset="0"/>
+              <a:buChar char="•"/>
+              <a:defRPr sz="1800" kern="1200">
+                <a:solidFill>
+                  <a:schemeClr val="tx1"/>
+                </a:solidFill>
+                <a:latin typeface="+mn-lt"/>
+                <a:ea typeface="+mn-ea"/>
+                <a:cs typeface="+mn-cs"/>
+              </a:defRPr>
+            </a:lvl7pPr>
+            <a:lvl8pPr marL="3429000" indent="-228600" algn="l" defTabSz="914400" rtl="0" eaLnBrk="1" latinLnBrk="0" hangingPunct="1">
+              <a:lnSpc>
+                <a:spcPct val="90000"/>
+              </a:lnSpc>
+              <a:spcBef>
+                <a:spcPts val="500"/>
+              </a:spcBef>
+              <a:buFont typeface="Arial" panose="020B0604020202020204" pitchFamily="34" charset="0"/>
+              <a:buChar char="•"/>
+              <a:defRPr sz="1800" kern="1200">
+                <a:solidFill>
+                  <a:schemeClr val="tx1"/>
+                </a:solidFill>
+                <a:latin typeface="+mn-lt"/>
+                <a:ea typeface="+mn-ea"/>
+                <a:cs typeface="+mn-cs"/>
+              </a:defRPr>
+            </a:lvl8pPr>
+            <a:lvl9pPr marL="3886200" indent="-228600" algn="l" defTabSz="914400" rtl="0" eaLnBrk="1" latinLnBrk="0" hangingPunct="1">
+              <a:lnSpc>
+                <a:spcPct val="90000"/>
+              </a:lnSpc>
+              <a:spcBef>
+                <a:spcPts val="500"/>
+              </a:spcBef>
+              <a:buFont typeface="Arial" panose="020B0604020202020204" pitchFamily="34" charset="0"/>
+              <a:buChar char="•"/>
+              <a:defRPr sz="1800" kern="1200">
+                <a:solidFill>
+                  <a:schemeClr val="tx1"/>
+                </a:solidFill>
+                <a:latin typeface="+mn-lt"/>
+                <a:ea typeface="+mn-ea"/>
+                <a:cs typeface="+mn-cs"/>
+              </a:defRPr>
+            </a:lvl9pPr>
+          </a:lstStyle>
+          <a:p>
+            <a:r>
+              <a:rPr lang="en-US" sz="2600" dirty="0"/>
+              <a:t>Several pumps reduce these pressure spikes</a:t>
+            </a:r>
+          </a:p>
+          <a:p>
+            <a:pPr lvl="1"/>
+            <a:r>
+              <a:rPr lang="en-US" sz="2200" dirty="0"/>
+              <a:t>Can this be improved? Theoretically, yes</a:t>
+            </a:r>
+          </a:p>
+        </p:txBody>
+      </p:sp>
+      <p:cxnSp>
+        <p:nvCxnSpPr>
+          <p:cNvPr id="46" name="Straight Connector 45">
+            <a:extLst>
+              <a:ext uri="{FF2B5EF4-FFF2-40B4-BE49-F238E27FC236}">
+                <a16:creationId xmlns:a16="http://schemas.microsoft.com/office/drawing/2014/main" id="{E417ECC4-7C31-47E4-B866-54D82BB9B73E}"/>
+              </a:ext>
+            </a:extLst>
+          </p:cNvPr>
+          <p:cNvCxnSpPr/>
           <p:nvPr/>
-        </p:nvSpPr>
+        </p:nvCxnSpPr>
         <p:spPr>
           <a:xfrm>
-            <a:off x="5108806" y="6160678"/>
-            <a:ext cx="987193" cy="369332"/>
+            <a:off x="5483437" y="4896300"/>
+            <a:ext cx="0" cy="1320315"/>
+          </a:xfrm>
+          <a:prstGeom prst="line">
+            <a:avLst/>
+          </a:prstGeom>
+          <a:ln>
+            <a:solidFill>
+              <a:schemeClr val="tx1"/>
+            </a:solidFill>
+          </a:ln>
+        </p:spPr>
+        <p:style>
+          <a:lnRef idx="1">
+            <a:schemeClr val="accent1"/>
+          </a:lnRef>
+          <a:fillRef idx="0">
+            <a:schemeClr val="accent1"/>
+          </a:fillRef>
+          <a:effectRef idx="0">
+            <a:schemeClr val="accent1"/>
+          </a:effectRef>
+          <a:fontRef idx="minor">
+            <a:schemeClr val="tx1"/>
+          </a:fontRef>
+        </p:style>
+      </p:cxnSp>
+      <p:cxnSp>
+        <p:nvCxnSpPr>
+          <p:cNvPr id="47" name="Straight Connector 46">
+            <a:extLst>
+              <a:ext uri="{FF2B5EF4-FFF2-40B4-BE49-F238E27FC236}">
+                <a16:creationId xmlns:a16="http://schemas.microsoft.com/office/drawing/2014/main" id="{B98697C1-4BFA-4FE2-9696-37C93A934B17}"/>
+              </a:ext>
+            </a:extLst>
+          </p:cNvPr>
+          <p:cNvCxnSpPr>
+            <a:cxnSpLocks/>
+          </p:cNvCxnSpPr>
+          <p:nvPr/>
+        </p:nvCxnSpPr>
+        <p:spPr>
+          <a:xfrm flipH="1">
+            <a:off x="5483437" y="6216615"/>
+            <a:ext cx="5711703" cy="0"/>
+          </a:xfrm>
+          <a:prstGeom prst="line">
+            <a:avLst/>
+          </a:prstGeom>
+          <a:ln>
+            <a:solidFill>
+              <a:schemeClr val="tx1"/>
+            </a:solidFill>
+          </a:ln>
+        </p:spPr>
+        <p:style>
+          <a:lnRef idx="1">
+            <a:schemeClr val="accent1"/>
+          </a:lnRef>
+          <a:fillRef idx="0">
+            <a:schemeClr val="accent1"/>
+          </a:fillRef>
+          <a:effectRef idx="0">
+            <a:schemeClr val="accent1"/>
+          </a:effectRef>
+          <a:fontRef idx="minor">
+            <a:schemeClr val="tx1"/>
+          </a:fontRef>
+        </p:style>
+      </p:cxnSp>
+      <p:cxnSp>
+        <p:nvCxnSpPr>
+          <p:cNvPr id="48" name="Straight Connector 47">
+            <a:extLst>
+              <a:ext uri="{FF2B5EF4-FFF2-40B4-BE49-F238E27FC236}">
+                <a16:creationId xmlns:a16="http://schemas.microsoft.com/office/drawing/2014/main" id="{CC4615CA-255E-4DFC-A19D-061220F56454}"/>
+              </a:ext>
+            </a:extLst>
+          </p:cNvPr>
+          <p:cNvCxnSpPr>
+            <a:cxnSpLocks/>
+          </p:cNvCxnSpPr>
+          <p:nvPr/>
+        </p:nvCxnSpPr>
+        <p:spPr>
+          <a:xfrm flipH="1" flipV="1">
+            <a:off x="5486886" y="5669172"/>
+            <a:ext cx="742705" cy="115298"/>
+          </a:xfrm>
+          <a:prstGeom prst="line">
+            <a:avLst/>
+          </a:prstGeom>
+          <a:ln w="38100"/>
+        </p:spPr>
+        <p:style>
+          <a:lnRef idx="1">
+            <a:schemeClr val="dk1"/>
+          </a:lnRef>
+          <a:fillRef idx="0">
+            <a:schemeClr val="dk1"/>
+          </a:fillRef>
+          <a:effectRef idx="0">
+            <a:schemeClr val="dk1"/>
+          </a:effectRef>
+          <a:fontRef idx="minor">
+            <a:schemeClr val="tx1"/>
+          </a:fontRef>
+        </p:style>
+      </p:cxnSp>
+      <p:cxnSp>
+        <p:nvCxnSpPr>
+          <p:cNvPr id="50" name="Straight Connector 49">
+            <a:extLst>
+              <a:ext uri="{FF2B5EF4-FFF2-40B4-BE49-F238E27FC236}">
+                <a16:creationId xmlns:a16="http://schemas.microsoft.com/office/drawing/2014/main" id="{DCB4AFDC-6B88-49CF-B39E-5B1168D941CE}"/>
+              </a:ext>
+            </a:extLst>
+          </p:cNvPr>
+          <p:cNvCxnSpPr>
+            <a:cxnSpLocks/>
+          </p:cNvCxnSpPr>
+          <p:nvPr/>
+        </p:nvCxnSpPr>
+        <p:spPr>
+          <a:xfrm>
+            <a:off x="5483438" y="5727444"/>
+            <a:ext cx="5870361" cy="0"/>
+          </a:xfrm>
+          <a:prstGeom prst="line">
+            <a:avLst/>
+          </a:prstGeom>
+          <a:ln w="19050">
+            <a:solidFill>
+              <a:srgbClr val="FF0000"/>
+            </a:solidFill>
+            <a:prstDash val="dash"/>
+          </a:ln>
+        </p:spPr>
+        <p:style>
+          <a:lnRef idx="1">
+            <a:schemeClr val="dk1"/>
+          </a:lnRef>
+          <a:fillRef idx="0">
+            <a:schemeClr val="dk1"/>
+          </a:fillRef>
+          <a:effectRef idx="0">
+            <a:schemeClr val="dk1"/>
+          </a:effectRef>
+          <a:fontRef idx="minor">
+            <a:schemeClr val="tx1"/>
+          </a:fontRef>
+        </p:style>
+      </p:cxnSp>
+      <p:cxnSp>
+        <p:nvCxnSpPr>
+          <p:cNvPr id="53" name="Straight Connector 52">
+            <a:extLst>
+              <a:ext uri="{FF2B5EF4-FFF2-40B4-BE49-F238E27FC236}">
+                <a16:creationId xmlns:a16="http://schemas.microsoft.com/office/drawing/2014/main" id="{917A18EA-4BB5-4A7A-8252-66ED6EA7D6EF}"/>
+              </a:ext>
+            </a:extLst>
+          </p:cNvPr>
+          <p:cNvCxnSpPr>
+            <a:cxnSpLocks/>
+          </p:cNvCxnSpPr>
+          <p:nvPr/>
+        </p:nvCxnSpPr>
+        <p:spPr>
+          <a:xfrm flipH="1">
+            <a:off x="6229592" y="5726821"/>
+            <a:ext cx="4572521" cy="66726"/>
+          </a:xfrm>
+          <a:prstGeom prst="line">
+            <a:avLst/>
+          </a:prstGeom>
+          <a:ln w="38100">
+            <a:solidFill>
+              <a:srgbClr val="0070C0"/>
+            </a:solidFill>
+          </a:ln>
+        </p:spPr>
+        <p:style>
+          <a:lnRef idx="1">
+            <a:schemeClr val="dk1"/>
+          </a:lnRef>
+          <a:fillRef idx="0">
+            <a:schemeClr val="dk1"/>
+          </a:fillRef>
+          <a:effectRef idx="0">
+            <a:schemeClr val="dk1"/>
+          </a:effectRef>
+          <a:fontRef idx="minor">
+            <a:schemeClr val="tx1"/>
+          </a:fontRef>
+        </p:style>
+      </p:cxnSp>
+      <p:sp>
+        <p:nvSpPr>
+          <p:cNvPr id="60" name="Content Placeholder 2">
+            <a:extLst>
+              <a:ext uri="{FF2B5EF4-FFF2-40B4-BE49-F238E27FC236}">
+                <a16:creationId xmlns:a16="http://schemas.microsoft.com/office/drawing/2014/main" id="{8A2404C5-5E27-43D0-8077-54587D6B4465}"/>
+              </a:ext>
+            </a:extLst>
+          </p:cNvPr>
+          <p:cNvSpPr txBox="1">
+            <a:spLocks/>
+          </p:cNvSpPr>
+          <p:nvPr/>
+        </p:nvSpPr>
+        <p:spPr>
+          <a:xfrm>
+            <a:off x="788989" y="4784793"/>
+            <a:ext cx="4279206" cy="1486040"/>
           </a:xfrm>
           <a:prstGeom prst="rect">
             <a:avLst/>
           </a:prstGeom>
-          <a:noFill/>
         </p:spPr>
         <p:txBody>
-          <a:bodyPr wrap="none" rtlCol="0">
-            <a:spAutoFit/>
+          <a:bodyPr vert="horz" lIns="91440" tIns="45720" rIns="91440" bIns="45720" rtlCol="0">
+            <a:normAutofit fontScale="92500"/>
           </a:bodyPr>
-          <a:lstStyle/>
-          <a:p>
-            <a:r>
-              <a:rPr lang="en-US" dirty="0"/>
-              <a:t>Distance</a:t>
-            </a:r>
-          </a:p>
-        </p:txBody>
-      </p:sp>
-      <p:sp>
-        <p:nvSpPr>
-          <p:cNvPr id="26" name="TextBox 25">
-            <a:extLst>
-              <a:ext uri="{FF2B5EF4-FFF2-40B4-BE49-F238E27FC236}">
-                <a16:creationId xmlns:a16="http://schemas.microsoft.com/office/drawing/2014/main" id="{3D47ACEB-CCD5-2849-8BE6-A2B2580DC7C7}"/>
-              </a:ext>
-            </a:extLst>
-          </p:cNvPr>
-          <p:cNvSpPr txBox="1"/>
-          <p:nvPr/>
-        </p:nvSpPr>
-        <p:spPr>
-          <a:xfrm>
-            <a:off x="4788456" y="5026573"/>
-            <a:ext cx="3673442" cy="369332"/>
-          </a:xfrm>
-          <a:prstGeom prst="rect">
-            <a:avLst/>
-          </a:prstGeom>
-          <a:noFill/>
-        </p:spPr>
-        <p:txBody>
-          <a:bodyPr wrap="none" rtlCol="0">
-            <a:spAutoFit/>
-          </a:bodyPr>
-          <a:lstStyle/>
-          <a:p>
-            <a:r>
-              <a:rPr lang="en-US" dirty="0">
+          <a:lstStyle>
+            <a:lvl1pPr marL="228600" indent="-228600" algn="l" defTabSz="914400" rtl="0" eaLnBrk="1" latinLnBrk="0" hangingPunct="1">
+              <a:lnSpc>
+                <a:spcPct val="90000"/>
+              </a:lnSpc>
+              <a:spcBef>
+                <a:spcPts val="1000"/>
+              </a:spcBef>
+              <a:buFont typeface="Arial" panose="020B0604020202020204" pitchFamily="34" charset="0"/>
+              <a:buChar char="•"/>
+              <a:defRPr sz="2800" kern="1200">
                 <a:solidFill>
-                  <a:srgbClr val="FF0000"/>
+                  <a:schemeClr val="tx1"/>
                 </a:solidFill>
-              </a:rPr>
-              <a:t>Minimum required pressure at outlet</a:t>
-            </a:r>
-          </a:p>
-        </p:txBody>
-      </p:sp>
-      <p:sp>
-        <p:nvSpPr>
-          <p:cNvPr id="27" name="TextBox 26">
-            <a:extLst>
-              <a:ext uri="{FF2B5EF4-FFF2-40B4-BE49-F238E27FC236}">
-                <a16:creationId xmlns:a16="http://schemas.microsoft.com/office/drawing/2014/main" id="{3C455EF3-1A89-4E41-819A-6B1CE604C87B}"/>
-              </a:ext>
-            </a:extLst>
-          </p:cNvPr>
-          <p:cNvSpPr txBox="1"/>
-          <p:nvPr/>
-        </p:nvSpPr>
-        <p:spPr>
-          <a:xfrm>
-            <a:off x="2856723" y="5639251"/>
-            <a:ext cx="1581651" cy="369332"/>
-          </a:xfrm>
-          <a:prstGeom prst="rect">
-            <a:avLst/>
-          </a:prstGeom>
-          <a:noFill/>
-        </p:spPr>
-        <p:txBody>
-          <a:bodyPr wrap="none" rtlCol="0">
-            <a:spAutoFit/>
-          </a:bodyPr>
-          <a:lstStyle/>
-          <a:p>
-            <a:r>
-              <a:rPr lang="en-US" dirty="0">
+                <a:latin typeface="+mn-lt"/>
+                <a:ea typeface="+mn-ea"/>
+                <a:cs typeface="+mn-cs"/>
+              </a:defRPr>
+            </a:lvl1pPr>
+            <a:lvl2pPr marL="685800" indent="-228600" algn="l" defTabSz="914400" rtl="0" eaLnBrk="1" latinLnBrk="0" hangingPunct="1">
+              <a:lnSpc>
+                <a:spcPct val="90000"/>
+              </a:lnSpc>
+              <a:spcBef>
+                <a:spcPts val="500"/>
+              </a:spcBef>
+              <a:buFont typeface="Arial" panose="020B0604020202020204" pitchFamily="34" charset="0"/>
+              <a:buChar char="•"/>
+              <a:defRPr sz="2400" kern="1200">
                 <a:solidFill>
-                  <a:srgbClr val="0070C0"/>
+                  <a:schemeClr val="tx1"/>
                 </a:solidFill>
-              </a:rPr>
-              <a:t>Pump Location</a:t>
-            </a:r>
+                <a:latin typeface="+mn-lt"/>
+                <a:ea typeface="+mn-ea"/>
+                <a:cs typeface="+mn-cs"/>
+              </a:defRPr>
+            </a:lvl2pPr>
+            <a:lvl3pPr marL="1143000" indent="-228600" algn="l" defTabSz="914400" rtl="0" eaLnBrk="1" latinLnBrk="0" hangingPunct="1">
+              <a:lnSpc>
+                <a:spcPct val="90000"/>
+              </a:lnSpc>
+              <a:spcBef>
+                <a:spcPts val="500"/>
+              </a:spcBef>
+              <a:buFont typeface="Arial" panose="020B0604020202020204" pitchFamily="34" charset="0"/>
+              <a:buChar char="•"/>
+              <a:defRPr sz="2000" kern="1200">
+                <a:solidFill>
+                  <a:schemeClr val="tx1"/>
+                </a:solidFill>
+                <a:latin typeface="+mn-lt"/>
+                <a:ea typeface="+mn-ea"/>
+                <a:cs typeface="+mn-cs"/>
+              </a:defRPr>
+            </a:lvl3pPr>
+            <a:lvl4pPr marL="1600200" indent="-228600" algn="l" defTabSz="914400" rtl="0" eaLnBrk="1" latinLnBrk="0" hangingPunct="1">
+              <a:lnSpc>
+                <a:spcPct val="90000"/>
+              </a:lnSpc>
+              <a:spcBef>
+                <a:spcPts val="500"/>
+              </a:spcBef>
+              <a:buFont typeface="Arial" panose="020B0604020202020204" pitchFamily="34" charset="0"/>
+              <a:buChar char="•"/>
+              <a:defRPr sz="1800" kern="1200">
+                <a:solidFill>
+                  <a:schemeClr val="tx1"/>
+                </a:solidFill>
+                <a:latin typeface="+mn-lt"/>
+                <a:ea typeface="+mn-ea"/>
+                <a:cs typeface="+mn-cs"/>
+              </a:defRPr>
+            </a:lvl4pPr>
+            <a:lvl5pPr marL="2057400" indent="-228600" algn="l" defTabSz="914400" rtl="0" eaLnBrk="1" latinLnBrk="0" hangingPunct="1">
+              <a:lnSpc>
+                <a:spcPct val="90000"/>
+              </a:lnSpc>
+              <a:spcBef>
+                <a:spcPts val="500"/>
+              </a:spcBef>
+              <a:buFont typeface="Arial" panose="020B0604020202020204" pitchFamily="34" charset="0"/>
+              <a:buChar char="•"/>
+              <a:defRPr sz="1800" kern="1200">
+                <a:solidFill>
+                  <a:schemeClr val="tx1"/>
+                </a:solidFill>
+                <a:latin typeface="+mn-lt"/>
+                <a:ea typeface="+mn-ea"/>
+                <a:cs typeface="+mn-cs"/>
+              </a:defRPr>
+            </a:lvl5pPr>
+            <a:lvl6pPr marL="2514600" indent="-228600" algn="l" defTabSz="914400" rtl="0" eaLnBrk="1" latinLnBrk="0" hangingPunct="1">
+              <a:lnSpc>
+                <a:spcPct val="90000"/>
+              </a:lnSpc>
+              <a:spcBef>
+                <a:spcPts val="500"/>
+              </a:spcBef>
+              <a:buFont typeface="Arial" panose="020B0604020202020204" pitchFamily="34" charset="0"/>
+              <a:buChar char="•"/>
+              <a:defRPr sz="1800" kern="1200">
+                <a:solidFill>
+                  <a:schemeClr val="tx1"/>
+                </a:solidFill>
+                <a:latin typeface="+mn-lt"/>
+                <a:ea typeface="+mn-ea"/>
+                <a:cs typeface="+mn-cs"/>
+              </a:defRPr>
+            </a:lvl6pPr>
+            <a:lvl7pPr marL="2971800" indent="-228600" algn="l" defTabSz="914400" rtl="0" eaLnBrk="1" latinLnBrk="0" hangingPunct="1">
+              <a:lnSpc>
+                <a:spcPct val="90000"/>
+              </a:lnSpc>
+              <a:spcBef>
+                <a:spcPts val="500"/>
+              </a:spcBef>
+              <a:buFont typeface="Arial" panose="020B0604020202020204" pitchFamily="34" charset="0"/>
+              <a:buChar char="•"/>
+              <a:defRPr sz="1800" kern="1200">
+                <a:solidFill>
+                  <a:schemeClr val="tx1"/>
+                </a:solidFill>
+                <a:latin typeface="+mn-lt"/>
+                <a:ea typeface="+mn-ea"/>
+                <a:cs typeface="+mn-cs"/>
+              </a:defRPr>
+            </a:lvl7pPr>
+            <a:lvl8pPr marL="3429000" indent="-228600" algn="l" defTabSz="914400" rtl="0" eaLnBrk="1" latinLnBrk="0" hangingPunct="1">
+              <a:lnSpc>
+                <a:spcPct val="90000"/>
+              </a:lnSpc>
+              <a:spcBef>
+                <a:spcPts val="500"/>
+              </a:spcBef>
+              <a:buFont typeface="Arial" panose="020B0604020202020204" pitchFamily="34" charset="0"/>
+              <a:buChar char="•"/>
+              <a:defRPr sz="1800" kern="1200">
+                <a:solidFill>
+                  <a:schemeClr val="tx1"/>
+                </a:solidFill>
+                <a:latin typeface="+mn-lt"/>
+                <a:ea typeface="+mn-ea"/>
+                <a:cs typeface="+mn-cs"/>
+              </a:defRPr>
+            </a:lvl8pPr>
+            <a:lvl9pPr marL="3886200" indent="-228600" algn="l" defTabSz="914400" rtl="0" eaLnBrk="1" latinLnBrk="0" hangingPunct="1">
+              <a:lnSpc>
+                <a:spcPct val="90000"/>
+              </a:lnSpc>
+              <a:spcBef>
+                <a:spcPts val="500"/>
+              </a:spcBef>
+              <a:buFont typeface="Arial" panose="020B0604020202020204" pitchFamily="34" charset="0"/>
+              <a:buChar char="•"/>
+              <a:defRPr sz="1800" kern="1200">
+                <a:solidFill>
+                  <a:schemeClr val="tx1"/>
+                </a:solidFill>
+                <a:latin typeface="+mn-lt"/>
+                <a:ea typeface="+mn-ea"/>
+                <a:cs typeface="+mn-cs"/>
+              </a:defRPr>
+            </a:lvl9pPr>
+          </a:lstStyle>
+          <a:p>
+            <a:r>
+              <a:rPr lang="en-US" sz="2600" dirty="0"/>
+              <a:t>A system composed of infinitesimally small pumps would motivate the fluid while avoiding pressure spikes</a:t>
+            </a:r>
+            <a:endParaRPr lang="en-US" sz="2200" dirty="0"/>
           </a:p>
         </p:txBody>
       </p:sp>
@@ -4963,6 +10596,86 @@
     <p:extLst>
       <p:ext uri="{BB962C8B-B14F-4D97-AF65-F5344CB8AC3E}">
         <p14:creationId xmlns:p14="http://schemas.microsoft.com/office/powerpoint/2010/main" val="3482469565"/>
+      </p:ext>
+    </p:extLst>
+  </p:cSld>
+  <p:clrMapOvr>
+    <a:masterClrMapping/>
+  </p:clrMapOvr>
+</p:sld>
+</file>
+
+<file path=ppt/slides/slide8.xml><?xml version="1.0" encoding="utf-8"?>
+<p:sld xmlns:a="http://schemas.openxmlformats.org/drawingml/2006/main" xmlns:r="http://schemas.openxmlformats.org/officeDocument/2006/relationships" xmlns:p="http://schemas.openxmlformats.org/presentationml/2006/main">
+  <p:cSld>
+    <p:spTree>
+      <p:nvGrpSpPr>
+        <p:cNvPr id="1" name=""/>
+        <p:cNvGrpSpPr/>
+        <p:nvPr/>
+      </p:nvGrpSpPr>
+      <p:grpSpPr>
+        <a:xfrm>
+          <a:off x="0" y="0"/>
+          <a:ext cx="0" cy="0"/>
+          <a:chOff x="0" y="0"/>
+          <a:chExt cx="0" cy="0"/>
+        </a:xfrm>
+      </p:grpSpPr>
+      <p:sp>
+        <p:nvSpPr>
+          <p:cNvPr id="2" name="Title 1">
+            <a:extLst>
+              <a:ext uri="{FF2B5EF4-FFF2-40B4-BE49-F238E27FC236}">
+                <a16:creationId xmlns:a16="http://schemas.microsoft.com/office/drawing/2014/main" id="{EAE224F5-7B45-F145-9CC5-F38D9D49C32A}"/>
+              </a:ext>
+            </a:extLst>
+          </p:cNvPr>
+          <p:cNvSpPr>
+            <a:spLocks noGrp="1"/>
+          </p:cNvSpPr>
+          <p:nvPr>
+            <p:ph type="title"/>
+          </p:nvPr>
+        </p:nvSpPr>
+        <p:spPr/>
+        <p:txBody>
+          <a:bodyPr/>
+          <a:lstStyle/>
+          <a:p>
+            <a:endParaRPr lang="en-US"/>
+          </a:p>
+        </p:txBody>
+      </p:sp>
+      <p:sp>
+        <p:nvSpPr>
+          <p:cNvPr id="3" name="Content Placeholder 2">
+            <a:extLst>
+              <a:ext uri="{FF2B5EF4-FFF2-40B4-BE49-F238E27FC236}">
+                <a16:creationId xmlns:a16="http://schemas.microsoft.com/office/drawing/2014/main" id="{BCB64847-6D84-1E41-B7E2-C51F07969D1D}"/>
+              </a:ext>
+            </a:extLst>
+          </p:cNvPr>
+          <p:cNvSpPr>
+            <a:spLocks noGrp="1"/>
+          </p:cNvSpPr>
+          <p:nvPr>
+            <p:ph idx="1"/>
+          </p:nvPr>
+        </p:nvSpPr>
+        <p:spPr/>
+        <p:txBody>
+          <a:bodyPr/>
+          <a:lstStyle/>
+          <a:p>
+            <a:endParaRPr lang="en-US"/>
+          </a:p>
+        </p:txBody>
+      </p:sp>
+    </p:spTree>
+    <p:extLst>
+      <p:ext uri="{BB962C8B-B14F-4D97-AF65-F5344CB8AC3E}">
+        <p14:creationId xmlns:p14="http://schemas.microsoft.com/office/powerpoint/2010/main" val="2848671031"/>
       </p:ext>
     </p:extLst>
   </p:cSld>
@@ -4994,7 +10707,7 @@
           <p:cNvPr id="2" name="Title 1">
             <a:extLst>
               <a:ext uri="{FF2B5EF4-FFF2-40B4-BE49-F238E27FC236}">
-                <a16:creationId xmlns:a16="http://schemas.microsoft.com/office/drawing/2014/main" id="{EAE224F5-7B45-F145-9CC5-F38D9D49C32A}"/>
+                <a16:creationId xmlns:a16="http://schemas.microsoft.com/office/drawing/2014/main" id="{A6A8ED33-335E-F04F-8005-06EB5DEEB604}"/>
               </a:ext>
             </a:extLst>
           </p:cNvPr>
@@ -5010,39 +10723,18 @@
           <a:bodyPr/>
           <a:lstStyle/>
           <a:p>
-            <a:endParaRPr lang="en-US"/>
-          </a:p>
-        </p:txBody>
-      </p:sp>
-      <p:sp>
-        <p:nvSpPr>
-          <p:cNvPr id="3" name="Content Placeholder 2">
-            <a:extLst>
-              <a:ext uri="{FF2B5EF4-FFF2-40B4-BE49-F238E27FC236}">
-                <a16:creationId xmlns:a16="http://schemas.microsoft.com/office/drawing/2014/main" id="{BCB64847-6D84-1E41-B7E2-C51F07969D1D}"/>
-              </a:ext>
-            </a:extLst>
-          </p:cNvPr>
-          <p:cNvSpPr>
-            <a:spLocks noGrp="1"/>
-          </p:cNvSpPr>
-          <p:nvPr>
-            <p:ph idx="1"/>
-          </p:nvPr>
-        </p:nvSpPr>
-        <p:spPr/>
-        <p:txBody>
-          <a:bodyPr/>
-          <a:lstStyle/>
-          <a:p>
-            <a:endParaRPr lang="en-US"/>
+            <a:pPr algn="ctr"/>
+            <a:r>
+              <a:rPr lang="en-US" dirty="0"/>
+              <a:t>Backup Slides</a:t>
+            </a:r>
           </a:p>
         </p:txBody>
       </p:sp>
     </p:spTree>
     <p:extLst>
       <p:ext uri="{BB962C8B-B14F-4D97-AF65-F5344CB8AC3E}">
-        <p14:creationId xmlns:p14="http://schemas.microsoft.com/office/powerpoint/2010/main" val="2848671031"/>
+        <p14:creationId xmlns:p14="http://schemas.microsoft.com/office/powerpoint/2010/main" val="459446304"/>
       </p:ext>
     </p:extLst>
   </p:cSld>
@@ -5345,4 +11037,299 @@
     </a:ext>
   </a:extLst>
 </a:theme>
+</file>
+
+<file path=ppt/theme/theme2.xml><?xml version="1.0" encoding="utf-8"?>
+<a:theme xmlns:a="http://schemas.openxmlformats.org/drawingml/2006/main" name="Office Theme">
+  <a:themeElements>
+    <a:clrScheme name="Office">
+      <a:dk1>
+        <a:sysClr val="windowText" lastClr="000000"/>
+      </a:dk1>
+      <a:lt1>
+        <a:sysClr val="window" lastClr="FFFFFF"/>
+      </a:lt1>
+      <a:dk2>
+        <a:srgbClr val="44546A"/>
+      </a:dk2>
+      <a:lt2>
+        <a:srgbClr val="E7E6E6"/>
+      </a:lt2>
+      <a:accent1>
+        <a:srgbClr val="4472C4"/>
+      </a:accent1>
+      <a:accent2>
+        <a:srgbClr val="ED7D31"/>
+      </a:accent2>
+      <a:accent3>
+        <a:srgbClr val="A5A5A5"/>
+      </a:accent3>
+      <a:accent4>
+        <a:srgbClr val="FFC000"/>
+      </a:accent4>
+      <a:accent5>
+        <a:srgbClr val="5B9BD5"/>
+      </a:accent5>
+      <a:accent6>
+        <a:srgbClr val="70AD47"/>
+      </a:accent6>
+      <a:hlink>
+        <a:srgbClr val="0563C1"/>
+      </a:hlink>
+      <a:folHlink>
+        <a:srgbClr val="954F72"/>
+      </a:folHlink>
+    </a:clrScheme>
+    <a:fontScheme name="Office">
+      <a:majorFont>
+        <a:latin typeface="Calibri Light" panose="020F0302020204030204"/>
+        <a:ea typeface=""/>
+        <a:cs typeface=""/>
+        <a:font script="Jpan" typeface="游ゴシック Light"/>
+        <a:font script="Hang" typeface="맑은 고딕"/>
+        <a:font script="Hans" typeface="等线 Light"/>
+        <a:font script="Hant" typeface="新細明體"/>
+        <a:font script="Arab" typeface="Times New Roman"/>
+        <a:font script="Hebr" typeface="Times New Roman"/>
+        <a:font script="Thai" typeface="Angsana New"/>
+        <a:font script="Ethi" typeface="Nyala"/>
+        <a:font script="Beng" typeface="Vrinda"/>
+        <a:font script="Gujr" typeface="Shruti"/>
+        <a:font script="Khmr" typeface="MoolBoran"/>
+        <a:font script="Knda" typeface="Tunga"/>
+        <a:font script="Guru" typeface="Raavi"/>
+        <a:font script="Cans" typeface="Euphemia"/>
+        <a:font script="Cher" typeface="Plantagenet Cherokee"/>
+        <a:font script="Yiii" typeface="Microsoft Yi Baiti"/>
+        <a:font script="Tibt" typeface="Microsoft Himalaya"/>
+        <a:font script="Thaa" typeface="MV Boli"/>
+        <a:font script="Deva" typeface="Mangal"/>
+        <a:font script="Telu" typeface="Gautami"/>
+        <a:font script="Taml" typeface="Latha"/>
+        <a:font script="Syrc" typeface="Estrangelo Edessa"/>
+        <a:font script="Orya" typeface="Kalinga"/>
+        <a:font script="Mlym" typeface="Kartika"/>
+        <a:font script="Laoo" typeface="DokChampa"/>
+        <a:font script="Sinh" typeface="Iskoola Pota"/>
+        <a:font script="Mong" typeface="Mongolian Baiti"/>
+        <a:font script="Viet" typeface="Times New Roman"/>
+        <a:font script="Uigh" typeface="Microsoft Uighur"/>
+        <a:font script="Geor" typeface="Sylfaen"/>
+        <a:font script="Armn" typeface="Arial"/>
+        <a:font script="Bugi" typeface="Leelawadee UI"/>
+        <a:font script="Bopo" typeface="Microsoft JhengHei"/>
+        <a:font script="Java" typeface="Javanese Text"/>
+        <a:font script="Lisu" typeface="Segoe UI"/>
+        <a:font script="Mymr" typeface="Myanmar Text"/>
+        <a:font script="Nkoo" typeface="Ebrima"/>
+        <a:font script="Olck" typeface="Nirmala UI"/>
+        <a:font script="Osma" typeface="Ebrima"/>
+        <a:font script="Phag" typeface="Phagspa"/>
+        <a:font script="Syrn" typeface="Estrangelo Edessa"/>
+        <a:font script="Syrj" typeface="Estrangelo Edessa"/>
+        <a:font script="Syre" typeface="Estrangelo Edessa"/>
+        <a:font script="Sora" typeface="Nirmala UI"/>
+        <a:font script="Tale" typeface="Microsoft Tai Le"/>
+        <a:font script="Talu" typeface="Microsoft New Tai Lue"/>
+        <a:font script="Tfng" typeface="Ebrima"/>
+      </a:majorFont>
+      <a:minorFont>
+        <a:latin typeface="Calibri" panose="020F0502020204030204"/>
+        <a:ea typeface=""/>
+        <a:cs typeface=""/>
+        <a:font script="Jpan" typeface="游ゴシック"/>
+        <a:font script="Hang" typeface="맑은 고딕"/>
+        <a:font script="Hans" typeface="等线"/>
+        <a:font script="Hant" typeface="新細明體"/>
+        <a:font script="Arab" typeface="Arial"/>
+        <a:font script="Hebr" typeface="Arial"/>
+        <a:font script="Thai" typeface="Cordia New"/>
+        <a:font script="Ethi" typeface="Nyala"/>
+        <a:font script="Beng" typeface="Vrinda"/>
+        <a:font script="Gujr" typeface="Shruti"/>
+        <a:font script="Khmr" typeface="DaunPenh"/>
+        <a:font script="Knda" typeface="Tunga"/>
+        <a:font script="Guru" typeface="Raavi"/>
+        <a:font script="Cans" typeface="Euphemia"/>
+        <a:font script="Cher" typeface="Plantagenet Cherokee"/>
+        <a:font script="Yiii" typeface="Microsoft Yi Baiti"/>
+        <a:font script="Tibt" typeface="Microsoft Himalaya"/>
+        <a:font script="Thaa" typeface="MV Boli"/>
+        <a:font script="Deva" typeface="Mangal"/>
+        <a:font script="Telu" typeface="Gautami"/>
+        <a:font script="Taml" typeface="Latha"/>
+        <a:font script="Syrc" typeface="Estrangelo Edessa"/>
+        <a:font script="Orya" typeface="Kalinga"/>
+        <a:font script="Mlym" typeface="Kartika"/>
+        <a:font script="Laoo" typeface="DokChampa"/>
+        <a:font script="Sinh" typeface="Iskoola Pota"/>
+        <a:font script="Mong" typeface="Mongolian Baiti"/>
+        <a:font script="Viet" typeface="Arial"/>
+        <a:font script="Uigh" typeface="Microsoft Uighur"/>
+        <a:font script="Geor" typeface="Sylfaen"/>
+        <a:font script="Armn" typeface="Arial"/>
+        <a:font script="Bugi" typeface="Leelawadee UI"/>
+        <a:font script="Bopo" typeface="Microsoft JhengHei"/>
+        <a:font script="Java" typeface="Javanese Text"/>
+        <a:font script="Lisu" typeface="Segoe UI"/>
+        <a:font script="Mymr" typeface="Myanmar Text"/>
+        <a:font script="Nkoo" typeface="Ebrima"/>
+        <a:font script="Olck" typeface="Nirmala UI"/>
+        <a:font script="Osma" typeface="Ebrima"/>
+        <a:font script="Phag" typeface="Phagspa"/>
+        <a:font script="Syrn" typeface="Estrangelo Edessa"/>
+        <a:font script="Syrj" typeface="Estrangelo Edessa"/>
+        <a:font script="Syre" typeface="Estrangelo Edessa"/>
+        <a:font script="Sora" typeface="Nirmala UI"/>
+        <a:font script="Tale" typeface="Microsoft Tai Le"/>
+        <a:font script="Talu" typeface="Microsoft New Tai Lue"/>
+        <a:font script="Tfng" typeface="Ebrima"/>
+      </a:minorFont>
+    </a:fontScheme>
+    <a:fmtScheme name="Office">
+      <a:fillStyleLst>
+        <a:solidFill>
+          <a:schemeClr val="phClr"/>
+        </a:solidFill>
+        <a:gradFill rotWithShape="1">
+          <a:gsLst>
+            <a:gs pos="0">
+              <a:schemeClr val="phClr">
+                <a:lumMod val="110000"/>
+                <a:satMod val="105000"/>
+                <a:tint val="67000"/>
+              </a:schemeClr>
+            </a:gs>
+            <a:gs pos="50000">
+              <a:schemeClr val="phClr">
+                <a:lumMod val="105000"/>
+                <a:satMod val="103000"/>
+                <a:tint val="73000"/>
+              </a:schemeClr>
+            </a:gs>
+            <a:gs pos="100000">
+              <a:schemeClr val="phClr">
+                <a:lumMod val="105000"/>
+                <a:satMod val="109000"/>
+                <a:tint val="81000"/>
+              </a:schemeClr>
+            </a:gs>
+          </a:gsLst>
+          <a:lin ang="5400000" scaled="0"/>
+        </a:gradFill>
+        <a:gradFill rotWithShape="1">
+          <a:gsLst>
+            <a:gs pos="0">
+              <a:schemeClr val="phClr">
+                <a:satMod val="103000"/>
+                <a:lumMod val="102000"/>
+                <a:tint val="94000"/>
+              </a:schemeClr>
+            </a:gs>
+            <a:gs pos="50000">
+              <a:schemeClr val="phClr">
+                <a:satMod val="110000"/>
+                <a:lumMod val="100000"/>
+                <a:shade val="100000"/>
+              </a:schemeClr>
+            </a:gs>
+            <a:gs pos="100000">
+              <a:schemeClr val="phClr">
+                <a:lumMod val="99000"/>
+                <a:satMod val="120000"/>
+                <a:shade val="78000"/>
+              </a:schemeClr>
+            </a:gs>
+          </a:gsLst>
+          <a:lin ang="5400000" scaled="0"/>
+        </a:gradFill>
+      </a:fillStyleLst>
+      <a:lnStyleLst>
+        <a:ln w="6350" cap="flat" cmpd="sng" algn="ctr">
+          <a:solidFill>
+            <a:schemeClr val="phClr"/>
+          </a:solidFill>
+          <a:prstDash val="solid"/>
+          <a:miter lim="800000"/>
+        </a:ln>
+        <a:ln w="12700" cap="flat" cmpd="sng" algn="ctr">
+          <a:solidFill>
+            <a:schemeClr val="phClr"/>
+          </a:solidFill>
+          <a:prstDash val="solid"/>
+          <a:miter lim="800000"/>
+        </a:ln>
+        <a:ln w="19050" cap="flat" cmpd="sng" algn="ctr">
+          <a:solidFill>
+            <a:schemeClr val="phClr"/>
+          </a:solidFill>
+          <a:prstDash val="solid"/>
+          <a:miter lim="800000"/>
+        </a:ln>
+      </a:lnStyleLst>
+      <a:effectStyleLst>
+        <a:effectStyle>
+          <a:effectLst/>
+        </a:effectStyle>
+        <a:effectStyle>
+          <a:effectLst/>
+        </a:effectStyle>
+        <a:effectStyle>
+          <a:effectLst>
+            <a:outerShdw blurRad="57150" dist="19050" dir="5400000" algn="ctr" rotWithShape="0">
+              <a:srgbClr val="000000">
+                <a:alpha val="63000"/>
+              </a:srgbClr>
+            </a:outerShdw>
+          </a:effectLst>
+        </a:effectStyle>
+      </a:effectStyleLst>
+      <a:bgFillStyleLst>
+        <a:solidFill>
+          <a:schemeClr val="phClr"/>
+        </a:solidFill>
+        <a:solidFill>
+          <a:schemeClr val="phClr">
+            <a:tint val="95000"/>
+            <a:satMod val="170000"/>
+          </a:schemeClr>
+        </a:solidFill>
+        <a:gradFill rotWithShape="1">
+          <a:gsLst>
+            <a:gs pos="0">
+              <a:schemeClr val="phClr">
+                <a:tint val="93000"/>
+                <a:satMod val="150000"/>
+                <a:shade val="98000"/>
+                <a:lumMod val="102000"/>
+              </a:schemeClr>
+            </a:gs>
+            <a:gs pos="50000">
+              <a:schemeClr val="phClr">
+                <a:tint val="98000"/>
+                <a:satMod val="130000"/>
+                <a:shade val="90000"/>
+                <a:lumMod val="103000"/>
+              </a:schemeClr>
+            </a:gs>
+            <a:gs pos="100000">
+              <a:schemeClr val="phClr">
+                <a:shade val="63000"/>
+                <a:satMod val="120000"/>
+              </a:schemeClr>
+            </a:gs>
+          </a:gsLst>
+          <a:lin ang="5400000" scaled="0"/>
+        </a:gradFill>
+      </a:bgFillStyleLst>
+    </a:fmtScheme>
+  </a:themeElements>
+  <a:objectDefaults/>
+  <a:extraClrSchemeLst/>
+  <a:extLst>
+    <a:ext uri="{05A4C25C-085E-4340-85A3-A5531E510DB2}">
+      <thm15:themeFamily xmlns:thm15="http://schemas.microsoft.com/office/thememl/2012/main" name="Office Theme" id="{62F939B6-93AF-4DB8-9C6B-D6C7DFDC589F}" vid="{4A3C46E8-61CC-4603-A589-7422A47A8E4A}"/>
+    </a:ext>
+  </a:extLst>
+</a:theme>
 </file>
--- a/dev/fluor/The AquaDucks/The AquaDucks Presentation.pptx
+++ b/dev/fluor/The AquaDucks/The AquaDucks Presentation.pptx
@@ -5,7 +5,7 @@
     <p:sldMasterId id="2147483648" r:id="rId1"/>
   </p:sldMasterIdLst>
   <p:notesMasterIdLst>
-    <p:notesMasterId r:id="rId21"/>
+    <p:notesMasterId r:id="rId22"/>
   </p:notesMasterIdLst>
   <p:sldIdLst>
     <p:sldId id="256" r:id="rId2"/>
@@ -14,19 +14,20 @@
     <p:sldId id="263" r:id="rId5"/>
     <p:sldId id="271" r:id="rId6"/>
     <p:sldId id="264" r:id="rId7"/>
-    <p:sldId id="266" r:id="rId8"/>
-    <p:sldId id="267" r:id="rId9"/>
-    <p:sldId id="265" r:id="rId10"/>
-    <p:sldId id="272" r:id="rId11"/>
-    <p:sldId id="273" r:id="rId12"/>
-    <p:sldId id="274" r:id="rId13"/>
-    <p:sldId id="275" r:id="rId14"/>
-    <p:sldId id="258" r:id="rId15"/>
-    <p:sldId id="260" r:id="rId16"/>
-    <p:sldId id="261" r:id="rId17"/>
-    <p:sldId id="270" r:id="rId18"/>
-    <p:sldId id="262" r:id="rId19"/>
-    <p:sldId id="268" r:id="rId20"/>
+    <p:sldId id="267" r:id="rId8"/>
+    <p:sldId id="276" r:id="rId9"/>
+    <p:sldId id="266" r:id="rId10"/>
+    <p:sldId id="265" r:id="rId11"/>
+    <p:sldId id="272" r:id="rId12"/>
+    <p:sldId id="273" r:id="rId13"/>
+    <p:sldId id="274" r:id="rId14"/>
+    <p:sldId id="275" r:id="rId15"/>
+    <p:sldId id="258" r:id="rId16"/>
+    <p:sldId id="260" r:id="rId17"/>
+    <p:sldId id="261" r:id="rId18"/>
+    <p:sldId id="270" r:id="rId19"/>
+    <p:sldId id="262" r:id="rId20"/>
+    <p:sldId id="268" r:id="rId21"/>
   </p:sldIdLst>
   <p:sldSz cx="12192000" cy="6858000"/>
   <p:notesSz cx="6858000" cy="9144000"/>
@@ -215,7 +216,7 @@
           <a:p>
             <a:fld id="{573A1935-CFF3-4744-B5A7-358890B8B075}" type="datetimeFigureOut">
               <a:rPr lang="en-US" smtClean="0"/>
-              <a:t>10/26/2019</a:t>
+              <a:t>10/28/19</a:t>
             </a:fld>
             <a:endParaRPr lang="en-US"/>
           </a:p>
@@ -810,6 +811,107 @@
           <a:bodyPr/>
           <a:lstStyle/>
           <a:p>
+            <a:r>
+              <a:rPr lang="en-US" dirty="0"/>
+              <a:t>The most important risk that has a major tie in on total cost is the combination of pipe thicknesses. Specifically the exact location in which the pipe thicknesses change. If incorrect calculations are used to determine thickness change points, the overall cost of the project can fluctuate by millions of dollars. To mitigate this risk we have implemented an N choose K combinatorial function into our code.</a:t>
+            </a:r>
+          </a:p>
+          <a:p>
+            <a:r>
+              <a:rPr lang="en-US" dirty="0"/>
+              <a:t>Following pipe </a:t>
+            </a:r>
+            <a:r>
+              <a:rPr lang="en-US" dirty="0" err="1"/>
+              <a:t>thickenss</a:t>
+            </a:r>
+            <a:r>
+              <a:rPr lang="en-US" dirty="0"/>
+              <a:t> in level of importance in regards to risk is the selected pump placement</a:t>
+            </a:r>
+          </a:p>
+        </p:txBody>
+      </p:sp>
+      <p:sp>
+        <p:nvSpPr>
+          <p:cNvPr id="4" name="Slide Number Placeholder 3"/>
+          <p:cNvSpPr>
+            <a:spLocks noGrp="1"/>
+          </p:cNvSpPr>
+          <p:nvPr>
+            <p:ph type="sldNum" sz="quarter" idx="5"/>
+          </p:nvPr>
+        </p:nvSpPr>
+        <p:spPr/>
+        <p:txBody>
+          <a:bodyPr/>
+          <a:lstStyle/>
+          <a:p>
+            <a:fld id="{A7B072B7-FC31-4FD7-B929-F7282CCB0C55}" type="slidenum">
+              <a:rPr lang="en-US" smtClean="0"/>
+              <a:t>8</a:t>
+            </a:fld>
+            <a:endParaRPr lang="en-US"/>
+          </a:p>
+        </p:txBody>
+      </p:sp>
+    </p:spTree>
+    <p:extLst>
+      <p:ext uri="{BB962C8B-B14F-4D97-AF65-F5344CB8AC3E}">
+        <p14:creationId xmlns:p14="http://schemas.microsoft.com/office/powerpoint/2010/main" val="1554120257"/>
+      </p:ext>
+    </p:extLst>
+  </p:cSld>
+  <p:clrMapOvr>
+    <a:masterClrMapping/>
+  </p:clrMapOvr>
+</p:notes>
+</file>
+
+<file path=ppt/notesSlides/notesSlide5.xml><?xml version="1.0" encoding="utf-8"?>
+<p:notes xmlns:a="http://schemas.openxmlformats.org/drawingml/2006/main" xmlns:r="http://schemas.openxmlformats.org/officeDocument/2006/relationships" xmlns:p="http://schemas.openxmlformats.org/presentationml/2006/main">
+  <p:cSld>
+    <p:spTree>
+      <p:nvGrpSpPr>
+        <p:cNvPr id="1" name=""/>
+        <p:cNvGrpSpPr/>
+        <p:nvPr/>
+      </p:nvGrpSpPr>
+      <p:grpSpPr>
+        <a:xfrm>
+          <a:off x="0" y="0"/>
+          <a:ext cx="0" cy="0"/>
+          <a:chOff x="0" y="0"/>
+          <a:chExt cx="0" cy="0"/>
+        </a:xfrm>
+      </p:grpSpPr>
+      <p:sp>
+        <p:nvSpPr>
+          <p:cNvPr id="2" name="Slide Image Placeholder 1"/>
+          <p:cNvSpPr>
+            <a:spLocks noGrp="1" noRot="1" noChangeAspect="1"/>
+          </p:cNvSpPr>
+          <p:nvPr>
+            <p:ph type="sldImg"/>
+          </p:nvPr>
+        </p:nvSpPr>
+        <p:spPr/>
+      </p:sp>
+      <p:sp>
+        <p:nvSpPr>
+          <p:cNvPr id="3" name="Notes Placeholder 2"/>
+          <p:cNvSpPr>
+            <a:spLocks noGrp="1"/>
+          </p:cNvSpPr>
+          <p:nvPr>
+            <p:ph type="body" idx="1"/>
+          </p:nvPr>
+        </p:nvSpPr>
+        <p:spPr/>
+        <p:txBody>
+          <a:bodyPr/>
+          <a:lstStyle/>
+          <a:p>
             <a:pPr marL="0" marR="0" lvl="0" indent="0" algn="l" defTabSz="914400" rtl="0" eaLnBrk="1" fontAlgn="auto" latinLnBrk="0" hangingPunct="1">
               <a:lnSpc>
                 <a:spcPct val="100000"/>
@@ -855,7 +957,7 @@
           <a:p>
             <a:fld id="{A7B072B7-FC31-4FD7-B929-F7282CCB0C55}" type="slidenum">
               <a:rPr lang="en-US" smtClean="0"/>
-              <a:t>7</a:t>
+              <a:t>9</a:t>
             </a:fld>
             <a:endParaRPr lang="en-US"/>
           </a:p>
@@ -1021,7 +1123,7 @@
           <a:p>
             <a:fld id="{6A1BF488-617C-45ED-ACF4-41A8189FD430}" type="datetimeFigureOut">
               <a:rPr lang="en-US" smtClean="0"/>
-              <a:t>10/25/2019</a:t>
+              <a:t>10/28/19</a:t>
             </a:fld>
             <a:endParaRPr lang="en-US"/>
           </a:p>
@@ -1219,7 +1321,7 @@
           <a:p>
             <a:fld id="{6A1BF488-617C-45ED-ACF4-41A8189FD430}" type="datetimeFigureOut">
               <a:rPr lang="en-US" smtClean="0"/>
-              <a:t>10/25/2019</a:t>
+              <a:t>10/28/19</a:t>
             </a:fld>
             <a:endParaRPr lang="en-US"/>
           </a:p>
@@ -1427,7 +1529,7 @@
           <a:p>
             <a:fld id="{6A1BF488-617C-45ED-ACF4-41A8189FD430}" type="datetimeFigureOut">
               <a:rPr lang="en-US" smtClean="0"/>
-              <a:t>10/25/2019</a:t>
+              <a:t>10/28/19</a:t>
             </a:fld>
             <a:endParaRPr lang="en-US"/>
           </a:p>
@@ -1625,7 +1727,7 @@
           <a:p>
             <a:fld id="{6A1BF488-617C-45ED-ACF4-41A8189FD430}" type="datetimeFigureOut">
               <a:rPr lang="en-US" smtClean="0"/>
-              <a:t>10/25/2019</a:t>
+              <a:t>10/28/19</a:t>
             </a:fld>
             <a:endParaRPr lang="en-US"/>
           </a:p>
@@ -1900,7 +2002,7 @@
           <a:p>
             <a:fld id="{6A1BF488-617C-45ED-ACF4-41A8189FD430}" type="datetimeFigureOut">
               <a:rPr lang="en-US" smtClean="0"/>
-              <a:t>10/25/2019</a:t>
+              <a:t>10/28/19</a:t>
             </a:fld>
             <a:endParaRPr lang="en-US"/>
           </a:p>
@@ -2165,7 +2267,7 @@
           <a:p>
             <a:fld id="{6A1BF488-617C-45ED-ACF4-41A8189FD430}" type="datetimeFigureOut">
               <a:rPr lang="en-US" smtClean="0"/>
-              <a:t>10/25/2019</a:t>
+              <a:t>10/28/19</a:t>
             </a:fld>
             <a:endParaRPr lang="en-US"/>
           </a:p>
@@ -2577,7 +2679,7 @@
           <a:p>
             <a:fld id="{6A1BF488-617C-45ED-ACF4-41A8189FD430}" type="datetimeFigureOut">
               <a:rPr lang="en-US" smtClean="0"/>
-              <a:t>10/25/2019</a:t>
+              <a:t>10/28/19</a:t>
             </a:fld>
             <a:endParaRPr lang="en-US"/>
           </a:p>
@@ -2718,7 +2820,7 @@
           <a:p>
             <a:fld id="{6A1BF488-617C-45ED-ACF4-41A8189FD430}" type="datetimeFigureOut">
               <a:rPr lang="en-US" smtClean="0"/>
-              <a:t>10/25/2019</a:t>
+              <a:t>10/28/19</a:t>
             </a:fld>
             <a:endParaRPr lang="en-US"/>
           </a:p>
@@ -2831,7 +2933,7 @@
           <a:p>
             <a:fld id="{6A1BF488-617C-45ED-ACF4-41A8189FD430}" type="datetimeFigureOut">
               <a:rPr lang="en-US" smtClean="0"/>
-              <a:t>10/25/2019</a:t>
+              <a:t>10/28/19</a:t>
             </a:fld>
             <a:endParaRPr lang="en-US"/>
           </a:p>
@@ -3142,7 +3244,7 @@
           <a:p>
             <a:fld id="{6A1BF488-617C-45ED-ACF4-41A8189FD430}" type="datetimeFigureOut">
               <a:rPr lang="en-US" smtClean="0"/>
-              <a:t>10/25/2019</a:t>
+              <a:t>10/28/19</a:t>
             </a:fld>
             <a:endParaRPr lang="en-US"/>
           </a:p>
@@ -3430,7 +3532,7 @@
           <a:p>
             <a:fld id="{6A1BF488-617C-45ED-ACF4-41A8189FD430}" type="datetimeFigureOut">
               <a:rPr lang="en-US" smtClean="0"/>
-              <a:t>10/25/2019</a:t>
+              <a:t>10/28/19</a:t>
             </a:fld>
             <a:endParaRPr lang="en-US"/>
           </a:p>
@@ -3671,7 +3773,7 @@
           <a:p>
             <a:fld id="{6A1BF488-617C-45ED-ACF4-41A8189FD430}" type="datetimeFigureOut">
               <a:rPr lang="en-US" smtClean="0"/>
-              <a:t>10/25/2019</a:t>
+              <a:t>10/28/19</a:t>
             </a:fld>
             <a:endParaRPr lang="en-US"/>
           </a:p>
@@ -4361,75 +4463,31 @@
           <a:chExt cx="0" cy="0"/>
         </a:xfrm>
       </p:grpSpPr>
-      <p:pic>
-        <p:nvPicPr>
-          <p:cNvPr id="5" name="Content Placeholder 4">
-            <a:extLst>
-              <a:ext uri="{FF2B5EF4-FFF2-40B4-BE49-F238E27FC236}">
-                <a16:creationId xmlns:a16="http://schemas.microsoft.com/office/drawing/2014/main" id="{DBB28017-099D-4984-8E96-35BE20699C1F}"/>
-              </a:ext>
-            </a:extLst>
-          </p:cNvPr>
-          <p:cNvPicPr>
-            <a:picLocks noGrp="1" noChangeAspect="1"/>
-          </p:cNvPicPr>
+      <p:sp>
+        <p:nvSpPr>
+          <p:cNvPr id="2" name="Title 1">
+            <a:extLst>
+              <a:ext uri="{FF2B5EF4-FFF2-40B4-BE49-F238E27FC236}">
+                <a16:creationId xmlns:a16="http://schemas.microsoft.com/office/drawing/2014/main" id="{A6A8ED33-335E-F04F-8005-06EB5DEEB604}"/>
+              </a:ext>
+            </a:extLst>
+          </p:cNvPr>
+          <p:cNvSpPr>
+            <a:spLocks noGrp="1"/>
+          </p:cNvSpPr>
           <p:nvPr>
-            <p:ph idx="1"/>
+            <p:ph type="title"/>
           </p:nvPr>
-        </p:nvPicPr>
-        <p:blipFill>
-          <a:blip r:embed="rId2">
-            <a:extLst>
-              <a:ext uri="{28A0092B-C50C-407E-A947-70E740481C1C}">
-                <a14:useLocalDpi xmlns:a14="http://schemas.microsoft.com/office/drawing/2010/main" val="0"/>
-              </a:ext>
-            </a:extLst>
-          </a:blip>
-          <a:stretch>
-            <a:fillRect/>
-          </a:stretch>
-        </p:blipFill>
-        <p:spPr>
-          <a:xfrm>
-            <a:off x="491847" y="0"/>
-            <a:ext cx="11208306" cy="6858000"/>
-          </a:xfrm>
-        </p:spPr>
-      </p:pic>
-      <p:sp>
-        <p:nvSpPr>
-          <p:cNvPr id="6" name="TextBox 5">
-            <a:extLst>
-              <a:ext uri="{FF2B5EF4-FFF2-40B4-BE49-F238E27FC236}">
-                <a16:creationId xmlns:a16="http://schemas.microsoft.com/office/drawing/2014/main" id="{C4A9336C-831B-4FEE-B9C9-7D5E2AD70A3E}"/>
-              </a:ext>
-            </a:extLst>
-          </p:cNvPr>
-          <p:cNvSpPr txBox="1"/>
-          <p:nvPr/>
-        </p:nvSpPr>
-        <p:spPr>
-          <a:xfrm>
-            <a:off x="6923314" y="5682343"/>
-            <a:ext cx="4258492" cy="646331"/>
-          </a:xfrm>
-          <a:prstGeom prst="rect">
-            <a:avLst/>
-          </a:prstGeom>
-          <a:solidFill>
-            <a:schemeClr val="bg1"/>
-          </a:solidFill>
-        </p:spPr>
-        <p:txBody>
-          <a:bodyPr wrap="square" rtlCol="0">
-            <a:spAutoFit/>
-          </a:bodyPr>
+        </p:nvSpPr>
+        <p:spPr/>
+        <p:txBody>
+          <a:bodyPr/>
           <a:lstStyle/>
           <a:p>
             <a:pPr algn="ctr"/>
             <a:r>
-              <a:rPr lang="en-US" sz="3600" dirty="0"/>
-              <a:t>Excavation Volumes</a:t>
+              <a:rPr lang="en-US" dirty="0"/>
+              <a:t>Backup Slides</a:t>
             </a:r>
           </a:p>
         </p:txBody>
@@ -4437,7 +4495,7 @@
     </p:spTree>
     <p:extLst>
       <p:ext uri="{BB962C8B-B14F-4D97-AF65-F5344CB8AC3E}">
-        <p14:creationId xmlns:p14="http://schemas.microsoft.com/office/powerpoint/2010/main" val="1400174381"/>
+        <p14:creationId xmlns:p14="http://schemas.microsoft.com/office/powerpoint/2010/main" val="459446304"/>
       </p:ext>
     </p:extLst>
   </p:cSld>
@@ -4469,7 +4527,7 @@
           <p:cNvPr id="5" name="Content Placeholder 4">
             <a:extLst>
               <a:ext uri="{FF2B5EF4-FFF2-40B4-BE49-F238E27FC236}">
-                <a16:creationId xmlns:a16="http://schemas.microsoft.com/office/drawing/2014/main" id="{C52A6993-5B13-4376-8FDB-5BF90FEAE378}"/>
+                <a16:creationId xmlns:a16="http://schemas.microsoft.com/office/drawing/2014/main" id="{DBB28017-099D-4984-8E96-35BE20699C1F}"/>
               </a:ext>
             </a:extLst>
           </p:cNvPr>
@@ -4494,27 +4552,27 @@
         </p:blipFill>
         <p:spPr>
           <a:xfrm>
-            <a:off x="72731" y="0"/>
-            <a:ext cx="12046538" cy="6858000"/>
+            <a:off x="491847" y="0"/>
+            <a:ext cx="11208306" cy="6858000"/>
           </a:xfrm>
         </p:spPr>
       </p:pic>
       <p:sp>
         <p:nvSpPr>
-          <p:cNvPr id="6" name="Rectangle 5">
-            <a:extLst>
-              <a:ext uri="{FF2B5EF4-FFF2-40B4-BE49-F238E27FC236}">
-                <a16:creationId xmlns:a16="http://schemas.microsoft.com/office/drawing/2014/main" id="{4FF2203E-1DDF-4892-A609-0DEB8AEFEE23}"/>
-              </a:ext>
-            </a:extLst>
-          </p:cNvPr>
-          <p:cNvSpPr/>
+          <p:cNvPr id="6" name="TextBox 5">
+            <a:extLst>
+              <a:ext uri="{FF2B5EF4-FFF2-40B4-BE49-F238E27FC236}">
+                <a16:creationId xmlns:a16="http://schemas.microsoft.com/office/drawing/2014/main" id="{C4A9336C-831B-4FEE-B9C9-7D5E2AD70A3E}"/>
+              </a:ext>
+            </a:extLst>
+          </p:cNvPr>
+          <p:cNvSpPr txBox="1"/>
           <p:nvPr/>
         </p:nvSpPr>
         <p:spPr>
           <a:xfrm>
-            <a:off x="5264331" y="731520"/>
-            <a:ext cx="6152606" cy="1031966"/>
+            <a:off x="6923314" y="5682343"/>
+            <a:ext cx="4258492" cy="646331"/>
           </a:xfrm>
           <a:prstGeom prst="rect">
             <a:avLst/>
@@ -4523,34 +4581,16 @@
             <a:schemeClr val="bg1"/>
           </a:solidFill>
         </p:spPr>
-        <p:style>
-          <a:lnRef idx="2">
-            <a:schemeClr val="accent1">
-              <a:shade val="50000"/>
-            </a:schemeClr>
-          </a:lnRef>
-          <a:fillRef idx="1">
-            <a:schemeClr val="accent1"/>
-          </a:fillRef>
-          <a:effectRef idx="0">
-            <a:schemeClr val="accent1"/>
-          </a:effectRef>
-          <a:fontRef idx="minor">
-            <a:schemeClr val="lt1"/>
-          </a:fontRef>
-        </p:style>
-        <p:txBody>
-          <a:bodyPr rtlCol="0" anchor="ctr"/>
+        <p:txBody>
+          <a:bodyPr wrap="square" rtlCol="0">
+            <a:spAutoFit/>
+          </a:bodyPr>
           <a:lstStyle/>
           <a:p>
             <a:pPr algn="ctr"/>
             <a:r>
-              <a:rPr lang="en-US" sz="3600" dirty="0">
-                <a:solidFill>
-                  <a:schemeClr val="tx1"/>
-                </a:solidFill>
-              </a:rPr>
-              <a:t>Equipment Costs</a:t>
+              <a:rPr lang="en-US" sz="3600" dirty="0"/>
+              <a:t>Excavation Volumes</a:t>
             </a:r>
           </a:p>
         </p:txBody>
@@ -4558,7 +4598,7 @@
     </p:spTree>
     <p:extLst>
       <p:ext uri="{BB962C8B-B14F-4D97-AF65-F5344CB8AC3E}">
-        <p14:creationId xmlns:p14="http://schemas.microsoft.com/office/powerpoint/2010/main" val="1937689426"/>
+        <p14:creationId xmlns:p14="http://schemas.microsoft.com/office/powerpoint/2010/main" val="1400174381"/>
       </p:ext>
     </p:extLst>
   </p:cSld>
@@ -4590,7 +4630,7 @@
           <p:cNvPr id="5" name="Content Placeholder 4">
             <a:extLst>
               <a:ext uri="{FF2B5EF4-FFF2-40B4-BE49-F238E27FC236}">
-                <a16:creationId xmlns:a16="http://schemas.microsoft.com/office/drawing/2014/main" id="{BF8C68BF-EE88-434E-B962-9E75DBE30AA6}"/>
+                <a16:creationId xmlns:a16="http://schemas.microsoft.com/office/drawing/2014/main" id="{C52A6993-5B13-4376-8FDB-5BF90FEAE378}"/>
               </a:ext>
             </a:extLst>
           </p:cNvPr>
@@ -4615,209 +4655,71 @@
         </p:blipFill>
         <p:spPr>
           <a:xfrm>
-            <a:off x="6575553" y="4415246"/>
-            <a:ext cx="6050804" cy="1607959"/>
+            <a:off x="72731" y="0"/>
+            <a:ext cx="12046538" cy="6858000"/>
           </a:xfrm>
         </p:spPr>
       </p:pic>
-      <p:pic>
-        <p:nvPicPr>
-          <p:cNvPr id="7" name="Picture 6">
-            <a:extLst>
-              <a:ext uri="{FF2B5EF4-FFF2-40B4-BE49-F238E27FC236}">
-                <a16:creationId xmlns:a16="http://schemas.microsoft.com/office/drawing/2014/main" id="{6FD9204E-0EC5-4AFB-BE85-ADD423E48402}"/>
-              </a:ext>
-            </a:extLst>
-          </p:cNvPr>
-          <p:cNvPicPr>
-            <a:picLocks noChangeAspect="1"/>
-          </p:cNvPicPr>
+      <p:sp>
+        <p:nvSpPr>
+          <p:cNvPr id="6" name="Rectangle 5">
+            <a:extLst>
+              <a:ext uri="{FF2B5EF4-FFF2-40B4-BE49-F238E27FC236}">
+                <a16:creationId xmlns:a16="http://schemas.microsoft.com/office/drawing/2014/main" id="{4FF2203E-1DDF-4892-A609-0DEB8AEFEE23}"/>
+              </a:ext>
+            </a:extLst>
+          </p:cNvPr>
+          <p:cNvSpPr/>
           <p:nvPr/>
-        </p:nvPicPr>
-        <p:blipFill>
-          <a:blip r:embed="rId3">
-            <a:extLst>
-              <a:ext uri="{28A0092B-C50C-407E-A947-70E740481C1C}">
-                <a14:useLocalDpi xmlns:a14="http://schemas.microsoft.com/office/drawing/2010/main" val="0"/>
-              </a:ext>
-            </a:extLst>
-          </a:blip>
-          <a:stretch>
-            <a:fillRect/>
-          </a:stretch>
-        </p:blipFill>
+        </p:nvSpPr>
         <p:spPr>
           <a:xfrm>
-            <a:off x="0" y="0"/>
-            <a:ext cx="6366548" cy="6858000"/>
+            <a:off x="5264331" y="731520"/>
+            <a:ext cx="6152606" cy="1031966"/>
           </a:xfrm>
           <a:prstGeom prst="rect">
             <a:avLst/>
           </a:prstGeom>
-        </p:spPr>
-      </p:pic>
-      <p:sp>
-        <p:nvSpPr>
-          <p:cNvPr id="8" name="TextBox 7">
-            <a:extLst>
-              <a:ext uri="{FF2B5EF4-FFF2-40B4-BE49-F238E27FC236}">
-                <a16:creationId xmlns:a16="http://schemas.microsoft.com/office/drawing/2014/main" id="{1ACDD1F7-FDE5-4422-8699-824D26FD923C}"/>
-              </a:ext>
-            </a:extLst>
-          </p:cNvPr>
-          <p:cNvSpPr txBox="1"/>
-          <p:nvPr/>
-        </p:nvSpPr>
-        <p:spPr>
-          <a:xfrm>
-            <a:off x="7328263" y="653143"/>
-            <a:ext cx="3185103" cy="461665"/>
-          </a:xfrm>
-          <a:prstGeom prst="rect">
-            <a:avLst/>
-          </a:prstGeom>
-          <a:noFill/>
-        </p:spPr>
-        <p:txBody>
-          <a:bodyPr wrap="none" rtlCol="0">
-            <a:spAutoFit/>
-          </a:bodyPr>
-          <a:lstStyle/>
-          <a:p>
-            <a:r>
-              <a:rPr lang="en-US" sz="2400" dirty="0"/>
-              <a:t>Foundation Calculations</a:t>
-            </a:r>
-          </a:p>
-        </p:txBody>
-      </p:sp>
-      <p:cxnSp>
-        <p:nvCxnSpPr>
-          <p:cNvPr id="10" name="Straight Arrow Connector 9">
-            <a:extLst>
-              <a:ext uri="{FF2B5EF4-FFF2-40B4-BE49-F238E27FC236}">
-                <a16:creationId xmlns:a16="http://schemas.microsoft.com/office/drawing/2014/main" id="{9CB1C0CD-3A13-4859-9777-045BEEFEF8CF}"/>
-              </a:ext>
-            </a:extLst>
-          </p:cNvPr>
-          <p:cNvCxnSpPr>
-            <a:cxnSpLocks/>
-          </p:cNvCxnSpPr>
-          <p:nvPr/>
-        </p:nvCxnSpPr>
-        <p:spPr>
-          <a:xfrm flipH="1">
-            <a:off x="6575553" y="883975"/>
-            <a:ext cx="752710" cy="0"/>
-          </a:xfrm>
-          <a:prstGeom prst="straightConnector1">
-            <a:avLst/>
-          </a:prstGeom>
-          <a:ln w="38100">
-            <a:solidFill>
-              <a:srgbClr val="FF0000"/>
-            </a:solidFill>
-            <a:tailEnd type="triangle"/>
-          </a:ln>
+          <a:solidFill>
+            <a:schemeClr val="bg1"/>
+          </a:solidFill>
         </p:spPr>
         <p:style>
-          <a:lnRef idx="1">
-            <a:schemeClr val="accent1"/>
+          <a:lnRef idx="2">
+            <a:schemeClr val="accent1">
+              <a:shade val="50000"/>
+            </a:schemeClr>
           </a:lnRef>
-          <a:fillRef idx="0">
+          <a:fillRef idx="1">
             <a:schemeClr val="accent1"/>
           </a:fillRef>
           <a:effectRef idx="0">
             <a:schemeClr val="accent1"/>
           </a:effectRef>
           <a:fontRef idx="minor">
-            <a:schemeClr val="tx1"/>
+            <a:schemeClr val="lt1"/>
           </a:fontRef>
         </p:style>
-      </p:cxnSp>
-      <p:sp>
-        <p:nvSpPr>
-          <p:cNvPr id="13" name="TextBox 12">
-            <a:extLst>
-              <a:ext uri="{FF2B5EF4-FFF2-40B4-BE49-F238E27FC236}">
-                <a16:creationId xmlns:a16="http://schemas.microsoft.com/office/drawing/2014/main" id="{4BF4E68E-6313-43E9-9863-55EF20F7BF25}"/>
-              </a:ext>
-            </a:extLst>
-          </p:cNvPr>
-          <p:cNvSpPr txBox="1"/>
-          <p:nvPr/>
-        </p:nvSpPr>
-        <p:spPr>
-          <a:xfrm>
-            <a:off x="7889966" y="2403566"/>
-            <a:ext cx="2989601" cy="461665"/>
-          </a:xfrm>
-          <a:prstGeom prst="rect">
-            <a:avLst/>
-          </a:prstGeom>
-          <a:noFill/>
-        </p:spPr>
-        <p:txBody>
-          <a:bodyPr wrap="none" rtlCol="0">
-            <a:spAutoFit/>
-          </a:bodyPr>
+        <p:txBody>
+          <a:bodyPr rtlCol="0" anchor="ctr"/>
           <a:lstStyle/>
           <a:p>
-            <a:r>
-              <a:rPr lang="en-US" sz="2400" dirty="0"/>
-              <a:t>Pump viability checker</a:t>
-            </a:r>
-          </a:p>
-        </p:txBody>
-      </p:sp>
-      <p:cxnSp>
-        <p:nvCxnSpPr>
-          <p:cNvPr id="14" name="Straight Arrow Connector 13">
-            <a:extLst>
-              <a:ext uri="{FF2B5EF4-FFF2-40B4-BE49-F238E27FC236}">
-                <a16:creationId xmlns:a16="http://schemas.microsoft.com/office/drawing/2014/main" id="{6A0BED45-A457-420B-8149-F3974DBAE25E}"/>
-              </a:ext>
-            </a:extLst>
-          </p:cNvPr>
-          <p:cNvCxnSpPr>
-            <a:cxnSpLocks/>
-          </p:cNvCxnSpPr>
-          <p:nvPr/>
-        </p:nvCxnSpPr>
-        <p:spPr>
-          <a:xfrm>
-            <a:off x="9297169" y="2873829"/>
-            <a:ext cx="0" cy="1449977"/>
-          </a:xfrm>
-          <a:prstGeom prst="straightConnector1">
-            <a:avLst/>
-          </a:prstGeom>
-          <a:ln w="38100">
-            <a:solidFill>
-              <a:srgbClr val="FF0000"/>
-            </a:solidFill>
-            <a:tailEnd type="triangle"/>
-          </a:ln>
-        </p:spPr>
-        <p:style>
-          <a:lnRef idx="1">
-            <a:schemeClr val="accent1"/>
-          </a:lnRef>
-          <a:fillRef idx="0">
-            <a:schemeClr val="accent1"/>
-          </a:fillRef>
-          <a:effectRef idx="0">
-            <a:schemeClr val="accent1"/>
-          </a:effectRef>
-          <a:fontRef idx="minor">
-            <a:schemeClr val="tx1"/>
-          </a:fontRef>
-        </p:style>
-      </p:cxnSp>
+            <a:pPr algn="ctr"/>
+            <a:r>
+              <a:rPr lang="en-US" sz="3600" dirty="0">
+                <a:solidFill>
+                  <a:schemeClr val="tx1"/>
+                </a:solidFill>
+              </a:rPr>
+              <a:t>Equipment Costs</a:t>
+            </a:r>
+          </a:p>
+        </p:txBody>
+      </p:sp>
     </p:spTree>
     <p:extLst>
       <p:ext uri="{BB962C8B-B14F-4D97-AF65-F5344CB8AC3E}">
-        <p14:creationId xmlns:p14="http://schemas.microsoft.com/office/powerpoint/2010/main" val="2835180805"/>
+        <p14:creationId xmlns:p14="http://schemas.microsoft.com/office/powerpoint/2010/main" val="1937689426"/>
       </p:ext>
     </p:extLst>
   </p:cSld>
@@ -4849,7 +4751,7 @@
           <p:cNvPr id="5" name="Content Placeholder 4">
             <a:extLst>
               <a:ext uri="{FF2B5EF4-FFF2-40B4-BE49-F238E27FC236}">
-                <a16:creationId xmlns:a16="http://schemas.microsoft.com/office/drawing/2014/main" id="{1D2D5476-BA11-404D-A029-3FEB2ACE80AD}"/>
+                <a16:creationId xmlns:a16="http://schemas.microsoft.com/office/drawing/2014/main" id="{BF8C68BF-EE88-434E-B962-9E75DBE30AA6}"/>
               </a:ext>
             </a:extLst>
           </p:cNvPr>
@@ -4874,8 +4776,8 @@
         </p:blipFill>
         <p:spPr>
           <a:xfrm>
-            <a:off x="106680" y="2602439"/>
-            <a:ext cx="5143946" cy="3292125"/>
+            <a:off x="6575553" y="4415246"/>
+            <a:ext cx="6050804" cy="1607959"/>
           </a:xfrm>
         </p:spPr>
       </p:pic>
@@ -4884,7 +4786,7 @@
           <p:cNvPr id="7" name="Picture 6">
             <a:extLst>
               <a:ext uri="{FF2B5EF4-FFF2-40B4-BE49-F238E27FC236}">
-                <a16:creationId xmlns:a16="http://schemas.microsoft.com/office/drawing/2014/main" id="{1950351E-8AF8-484B-848C-DDCCB09F6009}"/>
+                <a16:creationId xmlns:a16="http://schemas.microsoft.com/office/drawing/2014/main" id="{6FD9204E-0EC5-4AFB-BE85-ADD423E48402}"/>
               </a:ext>
             </a:extLst>
           </p:cNvPr>
@@ -4907,8 +4809,8 @@
         </p:blipFill>
         <p:spPr>
           <a:xfrm>
-            <a:off x="5935446" y="4248502"/>
-            <a:ext cx="5547841" cy="2217612"/>
+            <a:off x="0" y="0"/>
+            <a:ext cx="6366548" cy="6858000"/>
           </a:xfrm>
           <a:prstGeom prst="rect">
             <a:avLst/>
@@ -4920,7 +4822,7 @@
           <p:cNvPr id="8" name="TextBox 7">
             <a:extLst>
               <a:ext uri="{FF2B5EF4-FFF2-40B4-BE49-F238E27FC236}">
-                <a16:creationId xmlns:a16="http://schemas.microsoft.com/office/drawing/2014/main" id="{AFB58606-DFA7-4AA7-A4F7-93075ACF0F75}"/>
+                <a16:creationId xmlns:a16="http://schemas.microsoft.com/office/drawing/2014/main" id="{1ACDD1F7-FDE5-4422-8699-824D26FD923C}"/>
               </a:ext>
             </a:extLst>
           </p:cNvPr>
@@ -4929,8 +4831,8 @@
         </p:nvSpPr>
         <p:spPr>
           <a:xfrm>
-            <a:off x="3569293" y="391886"/>
-            <a:ext cx="5281126" cy="646331"/>
+            <a:off x="7328263" y="653143"/>
+            <a:ext cx="3185103" cy="461665"/>
           </a:xfrm>
           <a:prstGeom prst="rect">
             <a:avLst/>
@@ -4944,52 +4846,139 @@
           <a:lstStyle/>
           <a:p>
             <a:r>
-              <a:rPr lang="en-US" sz="3600" dirty="0"/>
-              <a:t>Pipe Thickness Calculations</a:t>
-            </a:r>
-          </a:p>
-        </p:txBody>
-      </p:sp>
-      <p:pic>
-        <p:nvPicPr>
-          <p:cNvPr id="10" name="Picture 9">
-            <a:extLst>
-              <a:ext uri="{FF2B5EF4-FFF2-40B4-BE49-F238E27FC236}">
-                <a16:creationId xmlns:a16="http://schemas.microsoft.com/office/drawing/2014/main" id="{D49865AA-288F-4843-9B82-6CE1C5CD503E}"/>
-              </a:ext>
-            </a:extLst>
-          </p:cNvPr>
-          <p:cNvPicPr>
-            <a:picLocks noChangeAspect="1"/>
-          </p:cNvPicPr>
+              <a:rPr lang="en-US" sz="2400" dirty="0"/>
+              <a:t>Foundation Calculations</a:t>
+            </a:r>
+          </a:p>
+        </p:txBody>
+      </p:sp>
+      <p:cxnSp>
+        <p:nvCxnSpPr>
+          <p:cNvPr id="10" name="Straight Arrow Connector 9">
+            <a:extLst>
+              <a:ext uri="{FF2B5EF4-FFF2-40B4-BE49-F238E27FC236}">
+                <a16:creationId xmlns:a16="http://schemas.microsoft.com/office/drawing/2014/main" id="{9CB1C0CD-3A13-4859-9777-045BEEFEF8CF}"/>
+              </a:ext>
+            </a:extLst>
+          </p:cNvPr>
+          <p:cNvCxnSpPr>
+            <a:cxnSpLocks/>
+          </p:cNvCxnSpPr>
           <p:nvPr/>
-        </p:nvPicPr>
-        <p:blipFill>
-          <a:blip r:embed="rId4">
-            <a:extLst>
-              <a:ext uri="{28A0092B-C50C-407E-A947-70E740481C1C}">
-                <a14:useLocalDpi xmlns:a14="http://schemas.microsoft.com/office/drawing/2010/main" val="0"/>
-              </a:ext>
-            </a:extLst>
-          </a:blip>
-          <a:stretch>
-            <a:fillRect/>
-          </a:stretch>
-        </p:blipFill>
+        </p:nvCxnSpPr>
+        <p:spPr>
+          <a:xfrm flipH="1">
+            <a:off x="6575553" y="883975"/>
+            <a:ext cx="752710" cy="0"/>
+          </a:xfrm>
+          <a:prstGeom prst="straightConnector1">
+            <a:avLst/>
+          </a:prstGeom>
+          <a:ln w="38100">
+            <a:solidFill>
+              <a:srgbClr val="FF0000"/>
+            </a:solidFill>
+            <a:tailEnd type="triangle"/>
+          </a:ln>
+        </p:spPr>
+        <p:style>
+          <a:lnRef idx="1">
+            <a:schemeClr val="accent1"/>
+          </a:lnRef>
+          <a:fillRef idx="0">
+            <a:schemeClr val="accent1"/>
+          </a:fillRef>
+          <a:effectRef idx="0">
+            <a:schemeClr val="accent1"/>
+          </a:effectRef>
+          <a:fontRef idx="minor">
+            <a:schemeClr val="tx1"/>
+          </a:fontRef>
+        </p:style>
+      </p:cxnSp>
+      <p:sp>
+        <p:nvSpPr>
+          <p:cNvPr id="13" name="TextBox 12">
+            <a:extLst>
+              <a:ext uri="{FF2B5EF4-FFF2-40B4-BE49-F238E27FC236}">
+                <a16:creationId xmlns:a16="http://schemas.microsoft.com/office/drawing/2014/main" id="{4BF4E68E-6313-43E9-9863-55EF20F7BF25}"/>
+              </a:ext>
+            </a:extLst>
+          </p:cNvPr>
+          <p:cNvSpPr txBox="1"/>
+          <p:nvPr/>
+        </p:nvSpPr>
         <p:spPr>
           <a:xfrm>
-            <a:off x="5333415" y="1469291"/>
-            <a:ext cx="6751905" cy="2629128"/>
+            <a:off x="7889966" y="2403566"/>
+            <a:ext cx="2989601" cy="461665"/>
           </a:xfrm>
           <a:prstGeom prst="rect">
             <a:avLst/>
           </a:prstGeom>
-        </p:spPr>
-      </p:pic>
+          <a:noFill/>
+        </p:spPr>
+        <p:txBody>
+          <a:bodyPr wrap="none" rtlCol="0">
+            <a:spAutoFit/>
+          </a:bodyPr>
+          <a:lstStyle/>
+          <a:p>
+            <a:r>
+              <a:rPr lang="en-US" sz="2400" dirty="0"/>
+              <a:t>Pump viability checker</a:t>
+            </a:r>
+          </a:p>
+        </p:txBody>
+      </p:sp>
+      <p:cxnSp>
+        <p:nvCxnSpPr>
+          <p:cNvPr id="14" name="Straight Arrow Connector 13">
+            <a:extLst>
+              <a:ext uri="{FF2B5EF4-FFF2-40B4-BE49-F238E27FC236}">
+                <a16:creationId xmlns:a16="http://schemas.microsoft.com/office/drawing/2014/main" id="{6A0BED45-A457-420B-8149-F3974DBAE25E}"/>
+              </a:ext>
+            </a:extLst>
+          </p:cNvPr>
+          <p:cNvCxnSpPr>
+            <a:cxnSpLocks/>
+          </p:cNvCxnSpPr>
+          <p:nvPr/>
+        </p:nvCxnSpPr>
+        <p:spPr>
+          <a:xfrm>
+            <a:off x="9297169" y="2873829"/>
+            <a:ext cx="0" cy="1449977"/>
+          </a:xfrm>
+          <a:prstGeom prst="straightConnector1">
+            <a:avLst/>
+          </a:prstGeom>
+          <a:ln w="38100">
+            <a:solidFill>
+              <a:srgbClr val="FF0000"/>
+            </a:solidFill>
+            <a:tailEnd type="triangle"/>
+          </a:ln>
+        </p:spPr>
+        <p:style>
+          <a:lnRef idx="1">
+            <a:schemeClr val="accent1"/>
+          </a:lnRef>
+          <a:fillRef idx="0">
+            <a:schemeClr val="accent1"/>
+          </a:fillRef>
+          <a:effectRef idx="0">
+            <a:schemeClr val="accent1"/>
+          </a:effectRef>
+          <a:fontRef idx="minor">
+            <a:schemeClr val="tx1"/>
+          </a:fontRef>
+        </p:style>
+      </p:cxnSp>
     </p:spTree>
     <p:extLst>
       <p:ext uri="{BB962C8B-B14F-4D97-AF65-F5344CB8AC3E}">
-        <p14:creationId xmlns:p14="http://schemas.microsoft.com/office/powerpoint/2010/main" val="66255904"/>
+        <p14:creationId xmlns:p14="http://schemas.microsoft.com/office/powerpoint/2010/main" val="2835180805"/>
       </p:ext>
     </p:extLst>
   </p:cSld>
@@ -5016,6 +5005,178 @@
           <a:chExt cx="0" cy="0"/>
         </a:xfrm>
       </p:grpSpPr>
+      <p:pic>
+        <p:nvPicPr>
+          <p:cNvPr id="5" name="Content Placeholder 4">
+            <a:extLst>
+              <a:ext uri="{FF2B5EF4-FFF2-40B4-BE49-F238E27FC236}">
+                <a16:creationId xmlns:a16="http://schemas.microsoft.com/office/drawing/2014/main" id="{1D2D5476-BA11-404D-A029-3FEB2ACE80AD}"/>
+              </a:ext>
+            </a:extLst>
+          </p:cNvPr>
+          <p:cNvPicPr>
+            <a:picLocks noGrp="1" noChangeAspect="1"/>
+          </p:cNvPicPr>
+          <p:nvPr>
+            <p:ph idx="1"/>
+          </p:nvPr>
+        </p:nvPicPr>
+        <p:blipFill>
+          <a:blip r:embed="rId2">
+            <a:extLst>
+              <a:ext uri="{28A0092B-C50C-407E-A947-70E740481C1C}">
+                <a14:useLocalDpi xmlns:a14="http://schemas.microsoft.com/office/drawing/2010/main" val="0"/>
+              </a:ext>
+            </a:extLst>
+          </a:blip>
+          <a:stretch>
+            <a:fillRect/>
+          </a:stretch>
+        </p:blipFill>
+        <p:spPr>
+          <a:xfrm>
+            <a:off x="106680" y="2602439"/>
+            <a:ext cx="5143946" cy="3292125"/>
+          </a:xfrm>
+        </p:spPr>
+      </p:pic>
+      <p:pic>
+        <p:nvPicPr>
+          <p:cNvPr id="7" name="Picture 6">
+            <a:extLst>
+              <a:ext uri="{FF2B5EF4-FFF2-40B4-BE49-F238E27FC236}">
+                <a16:creationId xmlns:a16="http://schemas.microsoft.com/office/drawing/2014/main" id="{1950351E-8AF8-484B-848C-DDCCB09F6009}"/>
+              </a:ext>
+            </a:extLst>
+          </p:cNvPr>
+          <p:cNvPicPr>
+            <a:picLocks noChangeAspect="1"/>
+          </p:cNvPicPr>
+          <p:nvPr/>
+        </p:nvPicPr>
+        <p:blipFill>
+          <a:blip r:embed="rId3">
+            <a:extLst>
+              <a:ext uri="{28A0092B-C50C-407E-A947-70E740481C1C}">
+                <a14:useLocalDpi xmlns:a14="http://schemas.microsoft.com/office/drawing/2010/main" val="0"/>
+              </a:ext>
+            </a:extLst>
+          </a:blip>
+          <a:stretch>
+            <a:fillRect/>
+          </a:stretch>
+        </p:blipFill>
+        <p:spPr>
+          <a:xfrm>
+            <a:off x="5935446" y="4248502"/>
+            <a:ext cx="5547841" cy="2217612"/>
+          </a:xfrm>
+          <a:prstGeom prst="rect">
+            <a:avLst/>
+          </a:prstGeom>
+        </p:spPr>
+      </p:pic>
+      <p:sp>
+        <p:nvSpPr>
+          <p:cNvPr id="8" name="TextBox 7">
+            <a:extLst>
+              <a:ext uri="{FF2B5EF4-FFF2-40B4-BE49-F238E27FC236}">
+                <a16:creationId xmlns:a16="http://schemas.microsoft.com/office/drawing/2014/main" id="{AFB58606-DFA7-4AA7-A4F7-93075ACF0F75}"/>
+              </a:ext>
+            </a:extLst>
+          </p:cNvPr>
+          <p:cNvSpPr txBox="1"/>
+          <p:nvPr/>
+        </p:nvSpPr>
+        <p:spPr>
+          <a:xfrm>
+            <a:off x="3569293" y="391886"/>
+            <a:ext cx="5281126" cy="646331"/>
+          </a:xfrm>
+          <a:prstGeom prst="rect">
+            <a:avLst/>
+          </a:prstGeom>
+          <a:noFill/>
+        </p:spPr>
+        <p:txBody>
+          <a:bodyPr wrap="none" rtlCol="0">
+            <a:spAutoFit/>
+          </a:bodyPr>
+          <a:lstStyle/>
+          <a:p>
+            <a:r>
+              <a:rPr lang="en-US" sz="3600" dirty="0"/>
+              <a:t>Pipe Thickness Calculations</a:t>
+            </a:r>
+          </a:p>
+        </p:txBody>
+      </p:sp>
+      <p:pic>
+        <p:nvPicPr>
+          <p:cNvPr id="10" name="Picture 9">
+            <a:extLst>
+              <a:ext uri="{FF2B5EF4-FFF2-40B4-BE49-F238E27FC236}">
+                <a16:creationId xmlns:a16="http://schemas.microsoft.com/office/drawing/2014/main" id="{D49865AA-288F-4843-9B82-6CE1C5CD503E}"/>
+              </a:ext>
+            </a:extLst>
+          </p:cNvPr>
+          <p:cNvPicPr>
+            <a:picLocks noChangeAspect="1"/>
+          </p:cNvPicPr>
+          <p:nvPr/>
+        </p:nvPicPr>
+        <p:blipFill>
+          <a:blip r:embed="rId4">
+            <a:extLst>
+              <a:ext uri="{28A0092B-C50C-407E-A947-70E740481C1C}">
+                <a14:useLocalDpi xmlns:a14="http://schemas.microsoft.com/office/drawing/2010/main" val="0"/>
+              </a:ext>
+            </a:extLst>
+          </a:blip>
+          <a:stretch>
+            <a:fillRect/>
+          </a:stretch>
+        </p:blipFill>
+        <p:spPr>
+          <a:xfrm>
+            <a:off x="5333415" y="1469291"/>
+            <a:ext cx="6751905" cy="2629128"/>
+          </a:xfrm>
+          <a:prstGeom prst="rect">
+            <a:avLst/>
+          </a:prstGeom>
+        </p:spPr>
+      </p:pic>
+    </p:spTree>
+    <p:extLst>
+      <p:ext uri="{BB962C8B-B14F-4D97-AF65-F5344CB8AC3E}">
+        <p14:creationId xmlns:p14="http://schemas.microsoft.com/office/powerpoint/2010/main" val="66255904"/>
+      </p:ext>
+    </p:extLst>
+  </p:cSld>
+  <p:clrMapOvr>
+    <a:masterClrMapping/>
+  </p:clrMapOvr>
+</p:sld>
+</file>
+
+<file path=ppt/slides/slide15.xml><?xml version="1.0" encoding="utf-8"?>
+<p:sld xmlns:a="http://schemas.openxmlformats.org/drawingml/2006/main" xmlns:r="http://schemas.openxmlformats.org/officeDocument/2006/relationships" xmlns:p="http://schemas.openxmlformats.org/presentationml/2006/main">
+  <p:cSld>
+    <p:spTree>
+      <p:nvGrpSpPr>
+        <p:cNvPr id="1" name=""/>
+        <p:cNvGrpSpPr/>
+        <p:nvPr/>
+      </p:nvGrpSpPr>
+      <p:grpSpPr>
+        <a:xfrm>
+          <a:off x="0" y="0"/>
+          <a:ext cx="0" cy="0"/>
+          <a:chOff x="0" y="0"/>
+          <a:chExt cx="0" cy="0"/>
+        </a:xfrm>
+      </p:grpSpPr>
       <p:sp>
         <p:nvSpPr>
           <p:cNvPr id="2" name="Title 1">
@@ -5129,7 +5290,7 @@
 </p:sld>
 </file>
 
-<file path=ppt/slides/slide15.xml><?xml version="1.0" encoding="utf-8"?>
+<file path=ppt/slides/slide16.xml><?xml version="1.0" encoding="utf-8"?>
 <p:sld xmlns:a="http://schemas.openxmlformats.org/drawingml/2006/main" xmlns:r="http://schemas.openxmlformats.org/officeDocument/2006/relationships" xmlns:p="http://schemas.openxmlformats.org/presentationml/2006/main">
   <p:cSld>
     <p:spTree>
@@ -5954,209 +6115,6 @@
 </p:sld>
 </file>
 
-<file path=ppt/slides/slide16.xml><?xml version="1.0" encoding="utf-8"?>
-<p:sld xmlns:a="http://schemas.openxmlformats.org/drawingml/2006/main" xmlns:r="http://schemas.openxmlformats.org/officeDocument/2006/relationships" xmlns:p="http://schemas.openxmlformats.org/presentationml/2006/main">
-  <p:cSld>
-    <p:spTree>
-      <p:nvGrpSpPr>
-        <p:cNvPr id="1" name=""/>
-        <p:cNvGrpSpPr/>
-        <p:nvPr/>
-      </p:nvGrpSpPr>
-      <p:grpSpPr>
-        <a:xfrm>
-          <a:off x="0" y="0"/>
-          <a:ext cx="0" cy="0"/>
-          <a:chOff x="0" y="0"/>
-          <a:chExt cx="0" cy="0"/>
-        </a:xfrm>
-      </p:grpSpPr>
-      <p:sp>
-        <p:nvSpPr>
-          <p:cNvPr id="2" name="Title 1">
-            <a:extLst>
-              <a:ext uri="{FF2B5EF4-FFF2-40B4-BE49-F238E27FC236}">
-                <a16:creationId xmlns:a16="http://schemas.microsoft.com/office/drawing/2014/main" id="{564562A0-1726-074A-962A-BCD7FC1A442A}"/>
-              </a:ext>
-            </a:extLst>
-          </p:cNvPr>
-          <p:cNvSpPr>
-            <a:spLocks noGrp="1"/>
-          </p:cNvSpPr>
-          <p:nvPr>
-            <p:ph type="title"/>
-          </p:nvPr>
-        </p:nvSpPr>
-        <p:spPr/>
-        <p:txBody>
-          <a:bodyPr/>
-          <a:lstStyle/>
-          <a:p>
-            <a:pPr algn="ctr"/>
-            <a:r>
-              <a:rPr lang="en-US" dirty="0"/>
-              <a:t>Calculations</a:t>
-            </a:r>
-          </a:p>
-        </p:txBody>
-      </p:sp>
-      <p:pic>
-        <p:nvPicPr>
-          <p:cNvPr id="9" name="Picture 8">
-            <a:extLst>
-              <a:ext uri="{FF2B5EF4-FFF2-40B4-BE49-F238E27FC236}">
-                <a16:creationId xmlns:a16="http://schemas.microsoft.com/office/drawing/2014/main" id="{6AA93FB2-32FA-4B46-AB0F-7B335AA222AF}"/>
-              </a:ext>
-            </a:extLst>
-          </p:cNvPr>
-          <p:cNvPicPr>
-            <a:picLocks noChangeAspect="1"/>
-          </p:cNvPicPr>
-          <p:nvPr/>
-        </p:nvPicPr>
-        <p:blipFill>
-          <a:blip r:embed="rId2">
-            <a:extLst>
-              <a:ext uri="{28A0092B-C50C-407E-A947-70E740481C1C}">
-                <a14:useLocalDpi xmlns:a14="http://schemas.microsoft.com/office/drawing/2010/main" val="0"/>
-              </a:ext>
-            </a:extLst>
-          </a:blip>
-          <a:stretch>
-            <a:fillRect/>
-          </a:stretch>
-        </p:blipFill>
-        <p:spPr>
-          <a:xfrm>
-            <a:off x="5611863" y="1257442"/>
-            <a:ext cx="5941436" cy="2249503"/>
-          </a:xfrm>
-          <a:prstGeom prst="rect">
-            <a:avLst/>
-          </a:prstGeom>
-        </p:spPr>
-      </p:pic>
-      <p:pic>
-        <p:nvPicPr>
-          <p:cNvPr id="13" name="Picture 12">
-            <a:extLst>
-              <a:ext uri="{FF2B5EF4-FFF2-40B4-BE49-F238E27FC236}">
-                <a16:creationId xmlns:a16="http://schemas.microsoft.com/office/drawing/2014/main" id="{B54FA688-BD4A-450E-B405-4222BAF91E58}"/>
-              </a:ext>
-            </a:extLst>
-          </p:cNvPr>
-          <p:cNvPicPr>
-            <a:picLocks noChangeAspect="1"/>
-          </p:cNvPicPr>
-          <p:nvPr/>
-        </p:nvPicPr>
-        <p:blipFill>
-          <a:blip r:embed="rId3">
-            <a:extLst>
-              <a:ext uri="{28A0092B-C50C-407E-A947-70E740481C1C}">
-                <a14:useLocalDpi xmlns:a14="http://schemas.microsoft.com/office/drawing/2010/main" val="0"/>
-              </a:ext>
-            </a:extLst>
-          </a:blip>
-          <a:stretch>
-            <a:fillRect/>
-          </a:stretch>
-        </p:blipFill>
-        <p:spPr>
-          <a:xfrm>
-            <a:off x="352337" y="3907376"/>
-            <a:ext cx="6487705" cy="2324493"/>
-          </a:xfrm>
-          <a:prstGeom prst="rect">
-            <a:avLst/>
-          </a:prstGeom>
-        </p:spPr>
-      </p:pic>
-      <p:pic>
-        <p:nvPicPr>
-          <p:cNvPr id="15" name="Picture 14">
-            <a:extLst>
-              <a:ext uri="{FF2B5EF4-FFF2-40B4-BE49-F238E27FC236}">
-                <a16:creationId xmlns:a16="http://schemas.microsoft.com/office/drawing/2014/main" id="{9F7F8456-59A6-413F-9E8B-9A7EE5AD0FDC}"/>
-              </a:ext>
-            </a:extLst>
-          </p:cNvPr>
-          <p:cNvPicPr>
-            <a:picLocks noChangeAspect="1"/>
-          </p:cNvPicPr>
-          <p:nvPr/>
-        </p:nvPicPr>
-        <p:blipFill>
-          <a:blip r:embed="rId4">
-            <a:extLst>
-              <a:ext uri="{28A0092B-C50C-407E-A947-70E740481C1C}">
-                <a14:useLocalDpi xmlns:a14="http://schemas.microsoft.com/office/drawing/2010/main" val="0"/>
-              </a:ext>
-            </a:extLst>
-          </a:blip>
-          <a:stretch>
-            <a:fillRect/>
-          </a:stretch>
-        </p:blipFill>
-        <p:spPr>
-          <a:xfrm>
-            <a:off x="6840042" y="3747236"/>
-            <a:ext cx="4338247" cy="2484633"/>
-          </a:xfrm>
-          <a:prstGeom prst="rect">
-            <a:avLst/>
-          </a:prstGeom>
-        </p:spPr>
-      </p:pic>
-      <p:pic>
-        <p:nvPicPr>
-          <p:cNvPr id="19" name="Picture 18">
-            <a:extLst>
-              <a:ext uri="{FF2B5EF4-FFF2-40B4-BE49-F238E27FC236}">
-                <a16:creationId xmlns:a16="http://schemas.microsoft.com/office/drawing/2014/main" id="{A3859470-571E-4C64-800B-0140E89CF0CD}"/>
-              </a:ext>
-            </a:extLst>
-          </p:cNvPr>
-          <p:cNvPicPr>
-            <a:picLocks noChangeAspect="1"/>
-          </p:cNvPicPr>
-          <p:nvPr/>
-        </p:nvPicPr>
-        <p:blipFill>
-          <a:blip r:embed="rId5">
-            <a:extLst>
-              <a:ext uri="{28A0092B-C50C-407E-A947-70E740481C1C}">
-                <a14:useLocalDpi xmlns:a14="http://schemas.microsoft.com/office/drawing/2010/main" val="0"/>
-              </a:ext>
-            </a:extLst>
-          </a:blip>
-          <a:stretch>
-            <a:fillRect/>
-          </a:stretch>
-        </p:blipFill>
-        <p:spPr>
-          <a:xfrm>
-            <a:off x="1290286" y="851686"/>
-            <a:ext cx="4122078" cy="2784595"/>
-          </a:xfrm>
-          <a:prstGeom prst="rect">
-            <a:avLst/>
-          </a:prstGeom>
-        </p:spPr>
-      </p:pic>
-    </p:spTree>
-    <p:extLst>
-      <p:ext uri="{BB962C8B-B14F-4D97-AF65-F5344CB8AC3E}">
-        <p14:creationId xmlns:p14="http://schemas.microsoft.com/office/powerpoint/2010/main" val="689369372"/>
-      </p:ext>
-    </p:extLst>
-  </p:cSld>
-  <p:clrMapOvr>
-    <a:masterClrMapping/>
-  </p:clrMapOvr>
-</p:sld>
-</file>
-
 <file path=ppt/slides/slide17.xml><?xml version="1.0" encoding="utf-8"?>
 <p:sld xmlns:a="http://schemas.openxmlformats.org/drawingml/2006/main" xmlns:r="http://schemas.openxmlformats.org/officeDocument/2006/relationships" xmlns:p="http://schemas.openxmlformats.org/presentationml/2006/main">
   <p:cSld>
@@ -6179,7 +6137,7 @@
           <p:cNvPr id="2" name="Title 1">
             <a:extLst>
               <a:ext uri="{FF2B5EF4-FFF2-40B4-BE49-F238E27FC236}">
-                <a16:creationId xmlns:a16="http://schemas.microsoft.com/office/drawing/2014/main" id="{D06A9ED8-DD87-2140-BEC3-643896B25143}"/>
+                <a16:creationId xmlns:a16="http://schemas.microsoft.com/office/drawing/2014/main" id="{564562A0-1726-074A-962A-BCD7FC1A442A}"/>
               </a:ext>
             </a:extLst>
           </p:cNvPr>
@@ -6198,17 +6156,17 @@
             <a:pPr algn="ctr"/>
             <a:r>
               <a:rPr lang="en-US" dirty="0"/>
-              <a:t>Zero-Based Execution</a:t>
+              <a:t>Calculations</a:t>
             </a:r>
           </a:p>
         </p:txBody>
       </p:sp>
       <p:pic>
         <p:nvPicPr>
-          <p:cNvPr id="6" name="Picture 5">
-            <a:extLst>
-              <a:ext uri="{FF2B5EF4-FFF2-40B4-BE49-F238E27FC236}">
-                <a16:creationId xmlns:a16="http://schemas.microsoft.com/office/drawing/2014/main" id="{089BB6C8-7134-4777-BA60-359C97A8BDF1}"/>
+          <p:cNvPr id="9" name="Picture 8">
+            <a:extLst>
+              <a:ext uri="{FF2B5EF4-FFF2-40B4-BE49-F238E27FC236}">
+                <a16:creationId xmlns:a16="http://schemas.microsoft.com/office/drawing/2014/main" id="{6AA93FB2-32FA-4B46-AB0F-7B335AA222AF}"/>
               </a:ext>
             </a:extLst>
           </p:cNvPr>
@@ -6231,8 +6189,8 @@
         </p:blipFill>
         <p:spPr>
           <a:xfrm>
-            <a:off x="6916169" y="3609061"/>
-            <a:ext cx="4180440" cy="2883814"/>
+            <a:off x="5611863" y="1257442"/>
+            <a:ext cx="5941436" cy="2249503"/>
           </a:xfrm>
           <a:prstGeom prst="rect">
             <a:avLst/>
@@ -6241,10 +6199,10 @@
       </p:pic>
       <p:pic>
         <p:nvPicPr>
-          <p:cNvPr id="7" name="Picture 6">
-            <a:extLst>
-              <a:ext uri="{FF2B5EF4-FFF2-40B4-BE49-F238E27FC236}">
-                <a16:creationId xmlns:a16="http://schemas.microsoft.com/office/drawing/2014/main" id="{5B7FDE87-0F94-4F91-AFA4-DAA7709B068B}"/>
+          <p:cNvPr id="13" name="Picture 12">
+            <a:extLst>
+              <a:ext uri="{FF2B5EF4-FFF2-40B4-BE49-F238E27FC236}">
+                <a16:creationId xmlns:a16="http://schemas.microsoft.com/office/drawing/2014/main" id="{B54FA688-BD4A-450E-B405-4222BAF91E58}"/>
               </a:ext>
             </a:extLst>
           </p:cNvPr>
@@ -6267,8 +6225,8 @@
         </p:blipFill>
         <p:spPr>
           <a:xfrm>
-            <a:off x="707650" y="4551130"/>
-            <a:ext cx="4749886" cy="1941745"/>
+            <a:off x="352337" y="3907376"/>
+            <a:ext cx="6487705" cy="2324493"/>
           </a:xfrm>
           <a:prstGeom prst="rect">
             <a:avLst/>
@@ -6277,10 +6235,10 @@
       </p:pic>
       <p:pic>
         <p:nvPicPr>
-          <p:cNvPr id="8" name="Picture 7">
-            <a:extLst>
-              <a:ext uri="{FF2B5EF4-FFF2-40B4-BE49-F238E27FC236}">
-                <a16:creationId xmlns:a16="http://schemas.microsoft.com/office/drawing/2014/main" id="{417E6C1D-EA7C-4714-9657-8E0E0B141F0C}"/>
+          <p:cNvPr id="15" name="Picture 14">
+            <a:extLst>
+              <a:ext uri="{FF2B5EF4-FFF2-40B4-BE49-F238E27FC236}">
+                <a16:creationId xmlns:a16="http://schemas.microsoft.com/office/drawing/2014/main" id="{9F7F8456-59A6-413F-9E8B-9A7EE5AD0FDC}"/>
               </a:ext>
             </a:extLst>
           </p:cNvPr>
@@ -6303,8 +6261,44 @@
         </p:blipFill>
         <p:spPr>
           <a:xfrm>
-            <a:off x="707650" y="1371854"/>
-            <a:ext cx="8114950" cy="3090965"/>
+            <a:off x="6840042" y="3747236"/>
+            <a:ext cx="4338247" cy="2484633"/>
+          </a:xfrm>
+          <a:prstGeom prst="rect">
+            <a:avLst/>
+          </a:prstGeom>
+        </p:spPr>
+      </p:pic>
+      <p:pic>
+        <p:nvPicPr>
+          <p:cNvPr id="19" name="Picture 18">
+            <a:extLst>
+              <a:ext uri="{FF2B5EF4-FFF2-40B4-BE49-F238E27FC236}">
+                <a16:creationId xmlns:a16="http://schemas.microsoft.com/office/drawing/2014/main" id="{A3859470-571E-4C64-800B-0140E89CF0CD}"/>
+              </a:ext>
+            </a:extLst>
+          </p:cNvPr>
+          <p:cNvPicPr>
+            <a:picLocks noChangeAspect="1"/>
+          </p:cNvPicPr>
+          <p:nvPr/>
+        </p:nvPicPr>
+        <p:blipFill>
+          <a:blip r:embed="rId5">
+            <a:extLst>
+              <a:ext uri="{28A0092B-C50C-407E-A947-70E740481C1C}">
+                <a14:useLocalDpi xmlns:a14="http://schemas.microsoft.com/office/drawing/2010/main" val="0"/>
+              </a:ext>
+            </a:extLst>
+          </a:blip>
+          <a:stretch>
+            <a:fillRect/>
+          </a:stretch>
+        </p:blipFill>
+        <p:spPr>
+          <a:xfrm>
+            <a:off x="1290286" y="851686"/>
+            <a:ext cx="4122078" cy="2784595"/>
           </a:xfrm>
           <a:prstGeom prst="rect">
             <a:avLst/>
@@ -6314,7 +6308,7 @@
     </p:spTree>
     <p:extLst>
       <p:ext uri="{BB962C8B-B14F-4D97-AF65-F5344CB8AC3E}">
-        <p14:creationId xmlns:p14="http://schemas.microsoft.com/office/powerpoint/2010/main" val="2246614268"/>
+        <p14:creationId xmlns:p14="http://schemas.microsoft.com/office/powerpoint/2010/main" val="689369372"/>
       </p:ext>
     </p:extLst>
   </p:cSld>
@@ -6346,7 +6340,7 @@
           <p:cNvPr id="2" name="Title 1">
             <a:extLst>
               <a:ext uri="{FF2B5EF4-FFF2-40B4-BE49-F238E27FC236}">
-                <a16:creationId xmlns:a16="http://schemas.microsoft.com/office/drawing/2014/main" id="{681DED21-DF87-624A-9DFC-CF2538DE2303}"/>
+                <a16:creationId xmlns:a16="http://schemas.microsoft.com/office/drawing/2014/main" id="{D06A9ED8-DD87-2140-BEC3-643896B25143}"/>
               </a:ext>
             </a:extLst>
           </p:cNvPr>
@@ -6365,17 +6359,17 @@
             <a:pPr algn="ctr"/>
             <a:r>
               <a:rPr lang="en-US" dirty="0"/>
-              <a:t>Constructability</a:t>
+              <a:t>Zero-Based Execution</a:t>
             </a:r>
           </a:p>
         </p:txBody>
       </p:sp>
       <p:pic>
         <p:nvPicPr>
-          <p:cNvPr id="7" name="Picture 6">
-            <a:extLst>
-              <a:ext uri="{FF2B5EF4-FFF2-40B4-BE49-F238E27FC236}">
-                <a16:creationId xmlns:a16="http://schemas.microsoft.com/office/drawing/2014/main" id="{8B3D23B4-512A-4022-919A-3AD8994A7E52}"/>
+          <p:cNvPr id="6" name="Picture 5">
+            <a:extLst>
+              <a:ext uri="{FF2B5EF4-FFF2-40B4-BE49-F238E27FC236}">
+                <a16:creationId xmlns:a16="http://schemas.microsoft.com/office/drawing/2014/main" id="{089BB6C8-7134-4777-BA60-359C97A8BDF1}"/>
               </a:ext>
             </a:extLst>
           </p:cNvPr>
@@ -6398,8 +6392,80 @@
         </p:blipFill>
         <p:spPr>
           <a:xfrm>
-            <a:off x="1542063" y="1690688"/>
-            <a:ext cx="9107873" cy="4844979"/>
+            <a:off x="6916169" y="3609061"/>
+            <a:ext cx="4180440" cy="2883814"/>
+          </a:xfrm>
+          <a:prstGeom prst="rect">
+            <a:avLst/>
+          </a:prstGeom>
+        </p:spPr>
+      </p:pic>
+      <p:pic>
+        <p:nvPicPr>
+          <p:cNvPr id="7" name="Picture 6">
+            <a:extLst>
+              <a:ext uri="{FF2B5EF4-FFF2-40B4-BE49-F238E27FC236}">
+                <a16:creationId xmlns:a16="http://schemas.microsoft.com/office/drawing/2014/main" id="{5B7FDE87-0F94-4F91-AFA4-DAA7709B068B}"/>
+              </a:ext>
+            </a:extLst>
+          </p:cNvPr>
+          <p:cNvPicPr>
+            <a:picLocks noChangeAspect="1"/>
+          </p:cNvPicPr>
+          <p:nvPr/>
+        </p:nvPicPr>
+        <p:blipFill>
+          <a:blip r:embed="rId3">
+            <a:extLst>
+              <a:ext uri="{28A0092B-C50C-407E-A947-70E740481C1C}">
+                <a14:useLocalDpi xmlns:a14="http://schemas.microsoft.com/office/drawing/2010/main" val="0"/>
+              </a:ext>
+            </a:extLst>
+          </a:blip>
+          <a:stretch>
+            <a:fillRect/>
+          </a:stretch>
+        </p:blipFill>
+        <p:spPr>
+          <a:xfrm>
+            <a:off x="707650" y="4551130"/>
+            <a:ext cx="4749886" cy="1941745"/>
+          </a:xfrm>
+          <a:prstGeom prst="rect">
+            <a:avLst/>
+          </a:prstGeom>
+        </p:spPr>
+      </p:pic>
+      <p:pic>
+        <p:nvPicPr>
+          <p:cNvPr id="8" name="Picture 7">
+            <a:extLst>
+              <a:ext uri="{FF2B5EF4-FFF2-40B4-BE49-F238E27FC236}">
+                <a16:creationId xmlns:a16="http://schemas.microsoft.com/office/drawing/2014/main" id="{417E6C1D-EA7C-4714-9657-8E0E0B141F0C}"/>
+              </a:ext>
+            </a:extLst>
+          </p:cNvPr>
+          <p:cNvPicPr>
+            <a:picLocks noChangeAspect="1"/>
+          </p:cNvPicPr>
+          <p:nvPr/>
+        </p:nvPicPr>
+        <p:blipFill>
+          <a:blip r:embed="rId4">
+            <a:extLst>
+              <a:ext uri="{28A0092B-C50C-407E-A947-70E740481C1C}">
+                <a14:useLocalDpi xmlns:a14="http://schemas.microsoft.com/office/drawing/2010/main" val="0"/>
+              </a:ext>
+            </a:extLst>
+          </a:blip>
+          <a:stretch>
+            <a:fillRect/>
+          </a:stretch>
+        </p:blipFill>
+        <p:spPr>
+          <a:xfrm>
+            <a:off x="707650" y="1371854"/>
+            <a:ext cx="8114950" cy="3090965"/>
           </a:xfrm>
           <a:prstGeom prst="rect">
             <a:avLst/>
@@ -6409,7 +6475,7 @@
     </p:spTree>
     <p:extLst>
       <p:ext uri="{BB962C8B-B14F-4D97-AF65-F5344CB8AC3E}">
-        <p14:creationId xmlns:p14="http://schemas.microsoft.com/office/powerpoint/2010/main" val="1544625445"/>
+        <p14:creationId xmlns:p14="http://schemas.microsoft.com/office/powerpoint/2010/main" val="2246614268"/>
       </p:ext>
     </p:extLst>
   </p:cSld>
@@ -6441,7 +6507,7 @@
           <p:cNvPr id="2" name="Title 1">
             <a:extLst>
               <a:ext uri="{FF2B5EF4-FFF2-40B4-BE49-F238E27FC236}">
-                <a16:creationId xmlns:a16="http://schemas.microsoft.com/office/drawing/2014/main" id="{049EC63C-A197-4252-85E7-993DB794C757}"/>
+                <a16:creationId xmlns:a16="http://schemas.microsoft.com/office/drawing/2014/main" id="{681DED21-DF87-624A-9DFC-CF2538DE2303}"/>
               </a:ext>
             </a:extLst>
           </p:cNvPr>
@@ -6452,12 +6518,7 @@
             <p:ph type="title"/>
           </p:nvPr>
         </p:nvSpPr>
-        <p:spPr>
-          <a:xfrm>
-            <a:off x="838200" y="365125"/>
-            <a:ext cx="10515600" cy="978645"/>
-          </a:xfrm>
-        </p:spPr>
+        <p:spPr/>
         <p:txBody>
           <a:bodyPr/>
           <a:lstStyle/>
@@ -6465,40 +6526,51 @@
             <a:pPr algn="ctr"/>
             <a:r>
               <a:rPr lang="en-US" dirty="0"/>
-              <a:t>Innovation Concept (continued)</a:t>
-            </a:r>
-          </a:p>
-        </p:txBody>
-      </p:sp>
-      <p:sp>
-        <p:nvSpPr>
-          <p:cNvPr id="3" name="Content Placeholder 2">
-            <a:extLst>
-              <a:ext uri="{FF2B5EF4-FFF2-40B4-BE49-F238E27FC236}">
-                <a16:creationId xmlns:a16="http://schemas.microsoft.com/office/drawing/2014/main" id="{7F6AA9CD-BC5B-4207-B49F-254E11F34AA5}"/>
-              </a:ext>
-            </a:extLst>
-          </p:cNvPr>
-          <p:cNvSpPr>
-            <a:spLocks noGrp="1"/>
-          </p:cNvSpPr>
-          <p:nvPr>
-            <p:ph idx="1"/>
-          </p:nvPr>
-        </p:nvSpPr>
-        <p:spPr/>
-        <p:txBody>
-          <a:bodyPr/>
-          <a:lstStyle/>
-          <a:p>
-            <a:endParaRPr lang="en-US"/>
-          </a:p>
-        </p:txBody>
-      </p:sp>
+              <a:t>Constructability</a:t>
+            </a:r>
+          </a:p>
+        </p:txBody>
+      </p:sp>
+      <p:pic>
+        <p:nvPicPr>
+          <p:cNvPr id="7" name="Picture 6">
+            <a:extLst>
+              <a:ext uri="{FF2B5EF4-FFF2-40B4-BE49-F238E27FC236}">
+                <a16:creationId xmlns:a16="http://schemas.microsoft.com/office/drawing/2014/main" id="{8B3D23B4-512A-4022-919A-3AD8994A7E52}"/>
+              </a:ext>
+            </a:extLst>
+          </p:cNvPr>
+          <p:cNvPicPr>
+            <a:picLocks noChangeAspect="1"/>
+          </p:cNvPicPr>
+          <p:nvPr/>
+        </p:nvPicPr>
+        <p:blipFill>
+          <a:blip r:embed="rId2">
+            <a:extLst>
+              <a:ext uri="{28A0092B-C50C-407E-A947-70E740481C1C}">
+                <a14:useLocalDpi xmlns:a14="http://schemas.microsoft.com/office/drawing/2010/main" val="0"/>
+              </a:ext>
+            </a:extLst>
+          </a:blip>
+          <a:stretch>
+            <a:fillRect/>
+          </a:stretch>
+        </p:blipFill>
+        <p:spPr>
+          <a:xfrm>
+            <a:off x="1542063" y="1690688"/>
+            <a:ext cx="9107873" cy="4844979"/>
+          </a:xfrm>
+          <a:prstGeom prst="rect">
+            <a:avLst/>
+          </a:prstGeom>
+        </p:spPr>
+      </p:pic>
     </p:spTree>
     <p:extLst>
       <p:ext uri="{BB962C8B-B14F-4D97-AF65-F5344CB8AC3E}">
-        <p14:creationId xmlns:p14="http://schemas.microsoft.com/office/powerpoint/2010/main" val="3831560297"/>
+        <p14:creationId xmlns:p14="http://schemas.microsoft.com/office/powerpoint/2010/main" val="1544625445"/>
       </p:ext>
     </p:extLst>
   </p:cSld>
@@ -7077,6 +7149,95 @@
 </p:sld>
 </file>
 
+<file path=ppt/slides/slide20.xml><?xml version="1.0" encoding="utf-8"?>
+<p:sld xmlns:a="http://schemas.openxmlformats.org/drawingml/2006/main" xmlns:r="http://schemas.openxmlformats.org/officeDocument/2006/relationships" xmlns:p="http://schemas.openxmlformats.org/presentationml/2006/main">
+  <p:cSld>
+    <p:spTree>
+      <p:nvGrpSpPr>
+        <p:cNvPr id="1" name=""/>
+        <p:cNvGrpSpPr/>
+        <p:nvPr/>
+      </p:nvGrpSpPr>
+      <p:grpSpPr>
+        <a:xfrm>
+          <a:off x="0" y="0"/>
+          <a:ext cx="0" cy="0"/>
+          <a:chOff x="0" y="0"/>
+          <a:chExt cx="0" cy="0"/>
+        </a:xfrm>
+      </p:grpSpPr>
+      <p:sp>
+        <p:nvSpPr>
+          <p:cNvPr id="2" name="Title 1">
+            <a:extLst>
+              <a:ext uri="{FF2B5EF4-FFF2-40B4-BE49-F238E27FC236}">
+                <a16:creationId xmlns:a16="http://schemas.microsoft.com/office/drawing/2014/main" id="{049EC63C-A197-4252-85E7-993DB794C757}"/>
+              </a:ext>
+            </a:extLst>
+          </p:cNvPr>
+          <p:cNvSpPr>
+            <a:spLocks noGrp="1"/>
+          </p:cNvSpPr>
+          <p:nvPr>
+            <p:ph type="title"/>
+          </p:nvPr>
+        </p:nvSpPr>
+        <p:spPr>
+          <a:xfrm>
+            <a:off x="838200" y="365125"/>
+            <a:ext cx="10515600" cy="978645"/>
+          </a:xfrm>
+        </p:spPr>
+        <p:txBody>
+          <a:bodyPr/>
+          <a:lstStyle/>
+          <a:p>
+            <a:pPr algn="ctr"/>
+            <a:r>
+              <a:rPr lang="en-US" dirty="0"/>
+              <a:t>Innovation Concept (continued)</a:t>
+            </a:r>
+          </a:p>
+        </p:txBody>
+      </p:sp>
+      <p:sp>
+        <p:nvSpPr>
+          <p:cNvPr id="3" name="Content Placeholder 2">
+            <a:extLst>
+              <a:ext uri="{FF2B5EF4-FFF2-40B4-BE49-F238E27FC236}">
+                <a16:creationId xmlns:a16="http://schemas.microsoft.com/office/drawing/2014/main" id="{7F6AA9CD-BC5B-4207-B49F-254E11F34AA5}"/>
+              </a:ext>
+            </a:extLst>
+          </p:cNvPr>
+          <p:cNvSpPr>
+            <a:spLocks noGrp="1"/>
+          </p:cNvSpPr>
+          <p:nvPr>
+            <p:ph idx="1"/>
+          </p:nvPr>
+        </p:nvSpPr>
+        <p:spPr/>
+        <p:txBody>
+          <a:bodyPr/>
+          <a:lstStyle/>
+          <a:p>
+            <a:endParaRPr lang="en-US"/>
+          </a:p>
+        </p:txBody>
+      </p:sp>
+    </p:spTree>
+    <p:extLst>
+      <p:ext uri="{BB962C8B-B14F-4D97-AF65-F5344CB8AC3E}">
+        <p14:creationId xmlns:p14="http://schemas.microsoft.com/office/powerpoint/2010/main" val="3831560297"/>
+      </p:ext>
+    </p:extLst>
+  </p:cSld>
+  <p:clrMapOvr>
+    <a:masterClrMapping/>
+  </p:clrMapOvr>
+</p:sld>
+</file>
+
 <file path=ppt/slides/slide3.xml><?xml version="1.0" encoding="utf-8"?>
 <p:sld xmlns:a="http://schemas.openxmlformats.org/drawingml/2006/main" xmlns:r="http://schemas.openxmlformats.org/officeDocument/2006/relationships" xmlns:p="http://schemas.openxmlformats.org/presentationml/2006/main">
   <p:cSld>
@@ -7128,12 +7289,949 @@
           </a:p>
         </p:txBody>
       </p:sp>
+      <p:pic>
+        <p:nvPicPr>
+          <p:cNvPr id="9" name="Picture 8">
+            <a:extLst>
+              <a:ext uri="{FF2B5EF4-FFF2-40B4-BE49-F238E27FC236}">
+                <a16:creationId xmlns:a16="http://schemas.microsoft.com/office/drawing/2014/main" id="{0C14285A-876F-4B62-9270-362186C19EA6}"/>
+              </a:ext>
+            </a:extLst>
+          </p:cNvPr>
+          <p:cNvPicPr>
+            <a:picLocks noChangeAspect="1"/>
+          </p:cNvPicPr>
+          <p:nvPr/>
+        </p:nvPicPr>
+        <p:blipFill rotWithShape="1">
+          <a:blip r:embed="rId3">
+            <a:extLst>
+              <a:ext uri="{28A0092B-C50C-407E-A947-70E740481C1C}">
+                <a14:useLocalDpi xmlns:a14="http://schemas.microsoft.com/office/drawing/2010/main" val="0"/>
+              </a:ext>
+            </a:extLst>
+          </a:blip>
+          <a:srcRect r="6760"/>
+          <a:stretch/>
+        </p:blipFill>
+        <p:spPr>
+          <a:xfrm>
+            <a:off x="6570617" y="1092517"/>
+            <a:ext cx="5621383" cy="2160134"/>
+          </a:xfrm>
+          <a:prstGeom prst="rect">
+            <a:avLst/>
+          </a:prstGeom>
+        </p:spPr>
+      </p:pic>
+      <p:pic>
+        <p:nvPicPr>
+          <p:cNvPr id="10" name="Picture 9">
+            <a:extLst>
+              <a:ext uri="{FF2B5EF4-FFF2-40B4-BE49-F238E27FC236}">
+                <a16:creationId xmlns:a16="http://schemas.microsoft.com/office/drawing/2014/main" id="{0CFBABE7-26EE-4180-B458-E6217CD6EECA}"/>
+              </a:ext>
+            </a:extLst>
+          </p:cNvPr>
+          <p:cNvPicPr>
+            <a:picLocks noChangeAspect="1"/>
+          </p:cNvPicPr>
+          <p:nvPr/>
+        </p:nvPicPr>
+        <p:blipFill>
+          <a:blip r:embed="rId4">
+            <a:extLst>
+              <a:ext uri="{28A0092B-C50C-407E-A947-70E740481C1C}">
+                <a14:useLocalDpi xmlns:a14="http://schemas.microsoft.com/office/drawing/2010/main" val="0"/>
+              </a:ext>
+            </a:extLst>
+          </a:blip>
+          <a:stretch>
+            <a:fillRect/>
+          </a:stretch>
+        </p:blipFill>
+        <p:spPr>
+          <a:xfrm>
+            <a:off x="7153550" y="3605350"/>
+            <a:ext cx="4338247" cy="2484633"/>
+          </a:xfrm>
+          <a:prstGeom prst="rect">
+            <a:avLst/>
+          </a:prstGeom>
+        </p:spPr>
+      </p:pic>
+    </p:spTree>
+    <p:extLst>
+      <p:ext uri="{BB962C8B-B14F-4D97-AF65-F5344CB8AC3E}">
+        <p14:creationId xmlns:p14="http://schemas.microsoft.com/office/powerpoint/2010/main" val="2140881363"/>
+      </p:ext>
+    </p:extLst>
+  </p:cSld>
+  <p:clrMapOvr>
+    <a:masterClrMapping/>
+  </p:clrMapOvr>
+</p:sld>
+</file>
+
+<file path=ppt/slides/slide4.xml><?xml version="1.0" encoding="utf-8"?>
+<p:sld xmlns:a="http://schemas.openxmlformats.org/drawingml/2006/main" xmlns:r="http://schemas.openxmlformats.org/officeDocument/2006/relationships" xmlns:p="http://schemas.openxmlformats.org/presentationml/2006/main">
+  <p:cSld>
+    <p:spTree>
+      <p:nvGrpSpPr>
+        <p:cNvPr id="1" name=""/>
+        <p:cNvGrpSpPr/>
+        <p:nvPr/>
+      </p:nvGrpSpPr>
+      <p:grpSpPr>
+        <a:xfrm>
+          <a:off x="0" y="0"/>
+          <a:ext cx="0" cy="0"/>
+          <a:chOff x="0" y="0"/>
+          <a:chExt cx="0" cy="0"/>
+        </a:xfrm>
+      </p:grpSpPr>
+      <p:sp>
+        <p:nvSpPr>
+          <p:cNvPr id="2" name="Title 1">
+            <a:extLst>
+              <a:ext uri="{FF2B5EF4-FFF2-40B4-BE49-F238E27FC236}">
+                <a16:creationId xmlns:a16="http://schemas.microsoft.com/office/drawing/2014/main" id="{D06A9ED8-DD87-2140-BEC3-643896B25143}"/>
+              </a:ext>
+            </a:extLst>
+          </p:cNvPr>
+          <p:cNvSpPr>
+            <a:spLocks noGrp="1"/>
+          </p:cNvSpPr>
+          <p:nvPr>
+            <p:ph type="title"/>
+          </p:nvPr>
+        </p:nvSpPr>
+        <p:spPr>
+          <a:xfrm>
+            <a:off x="838200" y="299812"/>
+            <a:ext cx="10515600" cy="719092"/>
+          </a:xfrm>
+        </p:spPr>
+        <p:txBody>
+          <a:bodyPr/>
+          <a:lstStyle/>
+          <a:p>
+            <a:pPr algn="ctr"/>
+            <a:r>
+              <a:rPr lang="en-US" dirty="0"/>
+              <a:t>Zero-Based Execution</a:t>
+            </a:r>
+          </a:p>
+        </p:txBody>
+      </p:sp>
+      <p:sp>
+        <p:nvSpPr>
+          <p:cNvPr id="10" name="Oval 9">
+            <a:extLst>
+              <a:ext uri="{FF2B5EF4-FFF2-40B4-BE49-F238E27FC236}">
+                <a16:creationId xmlns:a16="http://schemas.microsoft.com/office/drawing/2014/main" id="{0FA39828-BF15-470C-991C-CF7D74E7631F}"/>
+              </a:ext>
+            </a:extLst>
+          </p:cNvPr>
+          <p:cNvSpPr/>
+          <p:nvPr/>
+        </p:nvSpPr>
+        <p:spPr>
+          <a:xfrm>
+            <a:off x="9562012" y="2142308"/>
+            <a:ext cx="627017" cy="953589"/>
+          </a:xfrm>
+          <a:prstGeom prst="ellipse">
+            <a:avLst/>
+          </a:prstGeom>
+          <a:noFill/>
+          <a:ln>
+            <a:solidFill>
+              <a:schemeClr val="tx1"/>
+            </a:solidFill>
+          </a:ln>
+        </p:spPr>
+        <p:style>
+          <a:lnRef idx="2">
+            <a:schemeClr val="accent1">
+              <a:shade val="50000"/>
+            </a:schemeClr>
+          </a:lnRef>
+          <a:fillRef idx="1">
+            <a:schemeClr val="accent1"/>
+          </a:fillRef>
+          <a:effectRef idx="0">
+            <a:schemeClr val="accent1"/>
+          </a:effectRef>
+          <a:fontRef idx="minor">
+            <a:schemeClr val="lt1"/>
+          </a:fontRef>
+        </p:style>
+        <p:txBody>
+          <a:bodyPr rtlCol="0" anchor="ctr"/>
+          <a:lstStyle/>
+          <a:p>
+            <a:pPr algn="ctr"/>
+            <a:endParaRPr lang="en-US"/>
+          </a:p>
+        </p:txBody>
+      </p:sp>
+      <p:sp>
+        <p:nvSpPr>
+          <p:cNvPr id="11" name="Oval 10">
+            <a:extLst>
+              <a:ext uri="{FF2B5EF4-FFF2-40B4-BE49-F238E27FC236}">
+                <a16:creationId xmlns:a16="http://schemas.microsoft.com/office/drawing/2014/main" id="{55ED2BCF-7CD1-4CDA-A1CA-6392A31D0741}"/>
+              </a:ext>
+            </a:extLst>
+          </p:cNvPr>
+          <p:cNvSpPr/>
+          <p:nvPr/>
+        </p:nvSpPr>
+        <p:spPr>
+          <a:xfrm>
+            <a:off x="9418320" y="1972491"/>
+            <a:ext cx="923109" cy="1275806"/>
+          </a:xfrm>
+          <a:prstGeom prst="ellipse">
+            <a:avLst/>
+          </a:prstGeom>
+          <a:noFill/>
+          <a:ln>
+            <a:solidFill>
+              <a:schemeClr val="tx1"/>
+            </a:solidFill>
+          </a:ln>
+        </p:spPr>
+        <p:style>
+          <a:lnRef idx="2">
+            <a:schemeClr val="accent1">
+              <a:shade val="50000"/>
+            </a:schemeClr>
+          </a:lnRef>
+          <a:fillRef idx="1">
+            <a:schemeClr val="accent1"/>
+          </a:fillRef>
+          <a:effectRef idx="0">
+            <a:schemeClr val="accent1"/>
+          </a:effectRef>
+          <a:fontRef idx="minor">
+            <a:schemeClr val="lt1"/>
+          </a:fontRef>
+        </p:style>
+        <p:txBody>
+          <a:bodyPr rtlCol="0" anchor="ctr"/>
+          <a:lstStyle/>
+          <a:p>
+            <a:pPr algn="ctr"/>
+            <a:endParaRPr lang="en-US"/>
+          </a:p>
+        </p:txBody>
+      </p:sp>
+      <p:cxnSp>
+        <p:nvCxnSpPr>
+          <p:cNvPr id="13" name="Straight Connector 12">
+            <a:extLst>
+              <a:ext uri="{FF2B5EF4-FFF2-40B4-BE49-F238E27FC236}">
+                <a16:creationId xmlns:a16="http://schemas.microsoft.com/office/drawing/2014/main" id="{71B7DB92-0E58-4740-B20B-96DC4505F9D6}"/>
+              </a:ext>
+            </a:extLst>
+          </p:cNvPr>
+          <p:cNvCxnSpPr>
+            <a:stCxn id="11" idx="0"/>
+          </p:cNvCxnSpPr>
+          <p:nvPr/>
+        </p:nvCxnSpPr>
+        <p:spPr>
+          <a:xfrm flipH="1" flipV="1">
+            <a:off x="8112034" y="1606883"/>
+            <a:ext cx="1767841" cy="365608"/>
+          </a:xfrm>
+          <a:prstGeom prst="line">
+            <a:avLst/>
+          </a:prstGeom>
+          <a:ln>
+            <a:solidFill>
+              <a:schemeClr val="tx1"/>
+            </a:solidFill>
+          </a:ln>
+        </p:spPr>
+        <p:style>
+          <a:lnRef idx="1">
+            <a:schemeClr val="accent1"/>
+          </a:lnRef>
+          <a:fillRef idx="0">
+            <a:schemeClr val="accent1"/>
+          </a:fillRef>
+          <a:effectRef idx="0">
+            <a:schemeClr val="accent1"/>
+          </a:effectRef>
+          <a:fontRef idx="minor">
+            <a:schemeClr val="tx1"/>
+          </a:fontRef>
+        </p:style>
+      </p:cxnSp>
+      <p:cxnSp>
+        <p:nvCxnSpPr>
+          <p:cNvPr id="14" name="Straight Connector 13">
+            <a:extLst>
+              <a:ext uri="{FF2B5EF4-FFF2-40B4-BE49-F238E27FC236}">
+                <a16:creationId xmlns:a16="http://schemas.microsoft.com/office/drawing/2014/main" id="{C0E3E0ED-5154-49C5-8844-14518C396B6C}"/>
+              </a:ext>
+            </a:extLst>
+          </p:cNvPr>
+          <p:cNvCxnSpPr/>
+          <p:nvPr/>
+        </p:nvCxnSpPr>
+        <p:spPr>
+          <a:xfrm flipH="1" flipV="1">
+            <a:off x="8020595" y="2882689"/>
+            <a:ext cx="1767841" cy="365608"/>
+          </a:xfrm>
+          <a:prstGeom prst="line">
+            <a:avLst/>
+          </a:prstGeom>
+          <a:ln>
+            <a:solidFill>
+              <a:schemeClr val="tx1"/>
+            </a:solidFill>
+          </a:ln>
+        </p:spPr>
+        <p:style>
+          <a:lnRef idx="1">
+            <a:schemeClr val="accent1"/>
+          </a:lnRef>
+          <a:fillRef idx="0">
+            <a:schemeClr val="accent1"/>
+          </a:fillRef>
+          <a:effectRef idx="0">
+            <a:schemeClr val="accent1"/>
+          </a:effectRef>
+          <a:fontRef idx="minor">
+            <a:schemeClr val="tx1"/>
+          </a:fontRef>
+        </p:style>
+      </p:cxnSp>
+      <p:cxnSp>
+        <p:nvCxnSpPr>
+          <p:cNvPr id="16" name="Straight Arrow Connector 15">
+            <a:extLst>
+              <a:ext uri="{FF2B5EF4-FFF2-40B4-BE49-F238E27FC236}">
+                <a16:creationId xmlns:a16="http://schemas.microsoft.com/office/drawing/2014/main" id="{8B4BCEB9-0004-4640-9A7C-A67EB496D90A}"/>
+              </a:ext>
+            </a:extLst>
+          </p:cNvPr>
+          <p:cNvCxnSpPr/>
+          <p:nvPr/>
+        </p:nvCxnSpPr>
+        <p:spPr>
+          <a:xfrm>
+            <a:off x="9875520" y="2610394"/>
+            <a:ext cx="1306286" cy="272295"/>
+          </a:xfrm>
+          <a:prstGeom prst="straightConnector1">
+            <a:avLst/>
+          </a:prstGeom>
+          <a:ln w="76200">
+            <a:tailEnd type="triangle"/>
+          </a:ln>
+        </p:spPr>
+        <p:style>
+          <a:lnRef idx="1">
+            <a:schemeClr val="accent1"/>
+          </a:lnRef>
+          <a:fillRef idx="0">
+            <a:schemeClr val="accent1"/>
+          </a:fillRef>
+          <a:effectRef idx="0">
+            <a:schemeClr val="accent1"/>
+          </a:effectRef>
+          <a:fontRef idx="minor">
+            <a:schemeClr val="tx1"/>
+          </a:fontRef>
+        </p:style>
+      </p:cxnSp>
+      <p:sp>
+        <p:nvSpPr>
+          <p:cNvPr id="17" name="Oval 16">
+            <a:extLst>
+              <a:ext uri="{FF2B5EF4-FFF2-40B4-BE49-F238E27FC236}">
+                <a16:creationId xmlns:a16="http://schemas.microsoft.com/office/drawing/2014/main" id="{9CCA9F8C-512B-45CF-9B80-0D138F612EE5}"/>
+              </a:ext>
+            </a:extLst>
+          </p:cNvPr>
+          <p:cNvSpPr/>
+          <p:nvPr/>
+        </p:nvSpPr>
+        <p:spPr>
+          <a:xfrm>
+            <a:off x="9599025" y="4976600"/>
+            <a:ext cx="418503" cy="501092"/>
+          </a:xfrm>
+          <a:prstGeom prst="ellipse">
+            <a:avLst/>
+          </a:prstGeom>
+          <a:noFill/>
+          <a:ln>
+            <a:solidFill>
+              <a:schemeClr val="tx1"/>
+            </a:solidFill>
+          </a:ln>
+        </p:spPr>
+        <p:style>
+          <a:lnRef idx="2">
+            <a:schemeClr val="accent1">
+              <a:shade val="50000"/>
+            </a:schemeClr>
+          </a:lnRef>
+          <a:fillRef idx="1">
+            <a:schemeClr val="accent1"/>
+          </a:fillRef>
+          <a:effectRef idx="0">
+            <a:schemeClr val="accent1"/>
+          </a:effectRef>
+          <a:fontRef idx="minor">
+            <a:schemeClr val="lt1"/>
+          </a:fontRef>
+        </p:style>
+        <p:txBody>
+          <a:bodyPr rtlCol="0" anchor="ctr"/>
+          <a:lstStyle/>
+          <a:p>
+            <a:pPr algn="ctr"/>
+            <a:endParaRPr lang="en-US"/>
+          </a:p>
+        </p:txBody>
+      </p:sp>
+      <p:sp>
+        <p:nvSpPr>
+          <p:cNvPr id="18" name="Oval 17">
+            <a:extLst>
+              <a:ext uri="{FF2B5EF4-FFF2-40B4-BE49-F238E27FC236}">
+                <a16:creationId xmlns:a16="http://schemas.microsoft.com/office/drawing/2014/main" id="{30A255D9-F3EC-46B0-A77E-B842D2C931C5}"/>
+              </a:ext>
+            </a:extLst>
+          </p:cNvPr>
+          <p:cNvSpPr/>
+          <p:nvPr/>
+        </p:nvSpPr>
+        <p:spPr>
+          <a:xfrm>
+            <a:off x="9480371" y="4898876"/>
+            <a:ext cx="616130" cy="670410"/>
+          </a:xfrm>
+          <a:prstGeom prst="ellipse">
+            <a:avLst/>
+          </a:prstGeom>
+          <a:noFill/>
+          <a:ln>
+            <a:solidFill>
+              <a:schemeClr val="tx1"/>
+            </a:solidFill>
+          </a:ln>
+        </p:spPr>
+        <p:style>
+          <a:lnRef idx="2">
+            <a:schemeClr val="accent1">
+              <a:shade val="50000"/>
+            </a:schemeClr>
+          </a:lnRef>
+          <a:fillRef idx="1">
+            <a:schemeClr val="accent1"/>
+          </a:fillRef>
+          <a:effectRef idx="0">
+            <a:schemeClr val="accent1"/>
+          </a:effectRef>
+          <a:fontRef idx="minor">
+            <a:schemeClr val="lt1"/>
+          </a:fontRef>
+        </p:style>
+        <p:txBody>
+          <a:bodyPr rtlCol="0" anchor="ctr"/>
+          <a:lstStyle/>
+          <a:p>
+            <a:pPr algn="ctr"/>
+            <a:endParaRPr lang="en-US"/>
+          </a:p>
+        </p:txBody>
+      </p:sp>
+      <p:cxnSp>
+        <p:nvCxnSpPr>
+          <p:cNvPr id="19" name="Straight Connector 18">
+            <a:extLst>
+              <a:ext uri="{FF2B5EF4-FFF2-40B4-BE49-F238E27FC236}">
+                <a16:creationId xmlns:a16="http://schemas.microsoft.com/office/drawing/2014/main" id="{CDBA8F9F-5217-4232-958E-46E3EFCEE4BB}"/>
+              </a:ext>
+            </a:extLst>
+          </p:cNvPr>
+          <p:cNvCxnSpPr>
+            <a:cxnSpLocks/>
+            <a:stCxn id="18" idx="0"/>
+          </p:cNvCxnSpPr>
+          <p:nvPr/>
+        </p:nvCxnSpPr>
+        <p:spPr>
+          <a:xfrm flipH="1" flipV="1">
+            <a:off x="7961815" y="4452236"/>
+            <a:ext cx="1826621" cy="446640"/>
+          </a:xfrm>
+          <a:prstGeom prst="line">
+            <a:avLst/>
+          </a:prstGeom>
+          <a:ln>
+            <a:solidFill>
+              <a:schemeClr val="tx1"/>
+            </a:solidFill>
+          </a:ln>
+        </p:spPr>
+        <p:style>
+          <a:lnRef idx="1">
+            <a:schemeClr val="accent1"/>
+          </a:lnRef>
+          <a:fillRef idx="0">
+            <a:schemeClr val="accent1"/>
+          </a:fillRef>
+          <a:effectRef idx="0">
+            <a:schemeClr val="accent1"/>
+          </a:effectRef>
+          <a:fontRef idx="minor">
+            <a:schemeClr val="tx1"/>
+          </a:fontRef>
+        </p:style>
+      </p:cxnSp>
+      <p:cxnSp>
+        <p:nvCxnSpPr>
+          <p:cNvPr id="20" name="Straight Connector 19">
+            <a:extLst>
+              <a:ext uri="{FF2B5EF4-FFF2-40B4-BE49-F238E27FC236}">
+                <a16:creationId xmlns:a16="http://schemas.microsoft.com/office/drawing/2014/main" id="{D599C2B7-0000-483F-8A94-166BBE32D30B}"/>
+              </a:ext>
+            </a:extLst>
+          </p:cNvPr>
+          <p:cNvCxnSpPr>
+            <a:cxnSpLocks/>
+          </p:cNvCxnSpPr>
+          <p:nvPr/>
+        </p:nvCxnSpPr>
+        <p:spPr>
+          <a:xfrm flipH="1" flipV="1">
+            <a:off x="7837173" y="5112082"/>
+            <a:ext cx="1921873" cy="443334"/>
+          </a:xfrm>
+          <a:prstGeom prst="line">
+            <a:avLst/>
+          </a:prstGeom>
+          <a:ln>
+            <a:solidFill>
+              <a:schemeClr val="tx1"/>
+            </a:solidFill>
+          </a:ln>
+        </p:spPr>
+        <p:style>
+          <a:lnRef idx="1">
+            <a:schemeClr val="accent1"/>
+          </a:lnRef>
+          <a:fillRef idx="0">
+            <a:schemeClr val="accent1"/>
+          </a:fillRef>
+          <a:effectRef idx="0">
+            <a:schemeClr val="accent1"/>
+          </a:effectRef>
+          <a:fontRef idx="minor">
+            <a:schemeClr val="tx1"/>
+          </a:fontRef>
+        </p:style>
+      </p:cxnSp>
+      <p:cxnSp>
+        <p:nvCxnSpPr>
+          <p:cNvPr id="24" name="Straight Arrow Connector 23">
+            <a:extLst>
+              <a:ext uri="{FF2B5EF4-FFF2-40B4-BE49-F238E27FC236}">
+                <a16:creationId xmlns:a16="http://schemas.microsoft.com/office/drawing/2014/main" id="{714ACDE2-4102-4FBA-AB89-BD37F16CAF80}"/>
+              </a:ext>
+            </a:extLst>
+          </p:cNvPr>
+          <p:cNvCxnSpPr/>
+          <p:nvPr/>
+        </p:nvCxnSpPr>
+        <p:spPr>
+          <a:xfrm>
+            <a:off x="9816984" y="5251194"/>
+            <a:ext cx="1306286" cy="272295"/>
+          </a:xfrm>
+          <a:prstGeom prst="straightConnector1">
+            <a:avLst/>
+          </a:prstGeom>
+          <a:ln w="76200">
+            <a:tailEnd type="triangle"/>
+          </a:ln>
+        </p:spPr>
+        <p:style>
+          <a:lnRef idx="1">
+            <a:schemeClr val="accent1"/>
+          </a:lnRef>
+          <a:fillRef idx="0">
+            <a:schemeClr val="accent1"/>
+          </a:fillRef>
+          <a:effectRef idx="0">
+            <a:schemeClr val="accent1"/>
+          </a:effectRef>
+          <a:fontRef idx="minor">
+            <a:schemeClr val="tx1"/>
+          </a:fontRef>
+        </p:style>
+      </p:cxnSp>
+      <p:sp>
+        <p:nvSpPr>
+          <p:cNvPr id="25" name="TextBox 24">
+            <a:extLst>
+              <a:ext uri="{FF2B5EF4-FFF2-40B4-BE49-F238E27FC236}">
+                <a16:creationId xmlns:a16="http://schemas.microsoft.com/office/drawing/2014/main" id="{CB9DF602-9EE2-4FCF-A175-368E6068274C}"/>
+              </a:ext>
+            </a:extLst>
+          </p:cNvPr>
+          <p:cNvSpPr txBox="1"/>
+          <p:nvPr/>
+        </p:nvSpPr>
+        <p:spPr>
+          <a:xfrm>
+            <a:off x="10711543" y="1972491"/>
+            <a:ext cx="1024639" cy="646331"/>
+          </a:xfrm>
+          <a:prstGeom prst="rect">
+            <a:avLst/>
+          </a:prstGeom>
+          <a:noFill/>
+        </p:spPr>
+        <p:txBody>
+          <a:bodyPr wrap="none" rtlCol="0">
+            <a:spAutoFit/>
+          </a:bodyPr>
+          <a:lstStyle/>
+          <a:p>
+            <a:r>
+              <a:rPr lang="en-US" sz="3600" dirty="0"/>
+              <a:t>A</a:t>
+            </a:r>
+            <a:r>
+              <a:rPr lang="en-US" sz="3600" baseline="-25000" dirty="0"/>
+              <a:t>1</a:t>
+            </a:r>
+            <a:r>
+              <a:rPr lang="en-US" sz="3600" dirty="0"/>
+              <a:t>V</a:t>
+            </a:r>
+            <a:r>
+              <a:rPr lang="en-US" sz="3600" baseline="-25000" dirty="0"/>
+              <a:t>1</a:t>
+            </a:r>
+            <a:endParaRPr lang="en-US" sz="3600" dirty="0"/>
+          </a:p>
+        </p:txBody>
+      </p:sp>
+      <p:sp>
+        <p:nvSpPr>
+          <p:cNvPr id="26" name="TextBox 25">
+            <a:extLst>
+              <a:ext uri="{FF2B5EF4-FFF2-40B4-BE49-F238E27FC236}">
+                <a16:creationId xmlns:a16="http://schemas.microsoft.com/office/drawing/2014/main" id="{6B272907-DFE0-4D26-AAC0-86DCA1C5B87C}"/>
+              </a:ext>
+            </a:extLst>
+          </p:cNvPr>
+          <p:cNvSpPr txBox="1"/>
+          <p:nvPr/>
+        </p:nvSpPr>
+        <p:spPr>
+          <a:xfrm>
+            <a:off x="10668888" y="4651748"/>
+            <a:ext cx="1024639" cy="646331"/>
+          </a:xfrm>
+          <a:prstGeom prst="rect">
+            <a:avLst/>
+          </a:prstGeom>
+          <a:noFill/>
+        </p:spPr>
+        <p:txBody>
+          <a:bodyPr wrap="none" rtlCol="0">
+            <a:spAutoFit/>
+          </a:bodyPr>
+          <a:lstStyle/>
+          <a:p>
+            <a:r>
+              <a:rPr lang="en-US" sz="3600" dirty="0"/>
+              <a:t>A</a:t>
+            </a:r>
+            <a:r>
+              <a:rPr lang="en-US" sz="3600" baseline="-25000" dirty="0"/>
+              <a:t>2</a:t>
+            </a:r>
+            <a:r>
+              <a:rPr lang="en-US" sz="3600" dirty="0"/>
+              <a:t>V</a:t>
+            </a:r>
+            <a:r>
+              <a:rPr lang="en-US" sz="3600" baseline="-25000" dirty="0"/>
+              <a:t>2</a:t>
+            </a:r>
+            <a:endParaRPr lang="en-US" sz="3600" dirty="0"/>
+          </a:p>
+        </p:txBody>
+      </p:sp>
+      <p:sp>
+        <p:nvSpPr>
+          <p:cNvPr id="27" name="TextBox 26">
+            <a:extLst>
+              <a:ext uri="{FF2B5EF4-FFF2-40B4-BE49-F238E27FC236}">
+                <a16:creationId xmlns:a16="http://schemas.microsoft.com/office/drawing/2014/main" id="{BF335F71-2BFB-4CCF-96F4-5BB0CCF9BCE8}"/>
+              </a:ext>
+            </a:extLst>
+          </p:cNvPr>
+          <p:cNvSpPr txBox="1"/>
+          <p:nvPr/>
+        </p:nvSpPr>
+        <p:spPr>
+          <a:xfrm>
+            <a:off x="9106711" y="3265714"/>
+            <a:ext cx="747320" cy="1446550"/>
+          </a:xfrm>
+          <a:prstGeom prst="rect">
+            <a:avLst/>
+          </a:prstGeom>
+          <a:noFill/>
+        </p:spPr>
+        <p:txBody>
+          <a:bodyPr wrap="none" rtlCol="0">
+            <a:spAutoFit/>
+          </a:bodyPr>
+          <a:lstStyle/>
+          <a:p>
+            <a:r>
+              <a:rPr lang="en-US" sz="8800" dirty="0"/>
+              <a:t>=</a:t>
+            </a:r>
+          </a:p>
+        </p:txBody>
+      </p:sp>
+    </p:spTree>
+    <p:extLst>
+      <p:ext uri="{BB962C8B-B14F-4D97-AF65-F5344CB8AC3E}">
+        <p14:creationId xmlns:p14="http://schemas.microsoft.com/office/powerpoint/2010/main" val="2064180662"/>
+      </p:ext>
+    </p:extLst>
+  </p:cSld>
+  <p:clrMapOvr>
+    <a:masterClrMapping/>
+  </p:clrMapOvr>
+</p:sld>
+</file>
+
+<file path=ppt/slides/slide5.xml><?xml version="1.0" encoding="utf-8"?>
+<p:sld xmlns:a="http://schemas.openxmlformats.org/drawingml/2006/main" xmlns:r="http://schemas.openxmlformats.org/officeDocument/2006/relationships" xmlns:p="http://schemas.openxmlformats.org/presentationml/2006/main">
+  <p:cSld>
+    <p:spTree>
+      <p:nvGrpSpPr>
+        <p:cNvPr id="1" name=""/>
+        <p:cNvGrpSpPr/>
+        <p:nvPr/>
+      </p:nvGrpSpPr>
+      <p:grpSpPr>
+        <a:xfrm>
+          <a:off x="0" y="0"/>
+          <a:ext cx="0" cy="0"/>
+          <a:chOff x="0" y="0"/>
+          <a:chExt cx="0" cy="0"/>
+        </a:xfrm>
+      </p:grpSpPr>
+      <p:pic>
+        <p:nvPicPr>
+          <p:cNvPr id="4" name="Picture 3">
+            <a:extLst>
+              <a:ext uri="{FF2B5EF4-FFF2-40B4-BE49-F238E27FC236}">
+                <a16:creationId xmlns:a16="http://schemas.microsoft.com/office/drawing/2014/main" id="{6DB30E48-36D0-443B-8041-D45CDBD7C38E}"/>
+              </a:ext>
+            </a:extLst>
+          </p:cNvPr>
+          <p:cNvPicPr>
+            <a:picLocks noChangeAspect="1"/>
+          </p:cNvPicPr>
+          <p:nvPr/>
+        </p:nvPicPr>
+        <p:blipFill>
+          <a:blip r:embed="rId2">
+            <a:extLst>
+              <a:ext uri="{28A0092B-C50C-407E-A947-70E740481C1C}">
+                <a14:useLocalDpi xmlns:a14="http://schemas.microsoft.com/office/drawing/2010/main" val="0"/>
+              </a:ext>
+            </a:extLst>
+          </a:blip>
+          <a:stretch>
+            <a:fillRect/>
+          </a:stretch>
+        </p:blipFill>
+        <p:spPr>
+          <a:xfrm>
+            <a:off x="-59941" y="1084217"/>
+            <a:ext cx="12311881" cy="4689566"/>
+          </a:xfrm>
+          <a:prstGeom prst="rect">
+            <a:avLst/>
+          </a:prstGeom>
+        </p:spPr>
+      </p:pic>
+    </p:spTree>
+    <p:extLst>
+      <p:ext uri="{BB962C8B-B14F-4D97-AF65-F5344CB8AC3E}">
+        <p14:creationId xmlns:p14="http://schemas.microsoft.com/office/powerpoint/2010/main" val="1367030958"/>
+      </p:ext>
+    </p:extLst>
+  </p:cSld>
+  <p:clrMapOvr>
+    <a:masterClrMapping/>
+  </p:clrMapOvr>
+</p:sld>
+</file>
+
+<file path=ppt/slides/slide6.xml><?xml version="1.0" encoding="utf-8"?>
+<p:sld xmlns:a="http://schemas.openxmlformats.org/drawingml/2006/main" xmlns:r="http://schemas.openxmlformats.org/officeDocument/2006/relationships" xmlns:p="http://schemas.openxmlformats.org/presentationml/2006/main">
+  <p:cSld>
+    <p:spTree>
+      <p:nvGrpSpPr>
+        <p:cNvPr id="1" name=""/>
+        <p:cNvGrpSpPr/>
+        <p:nvPr/>
+      </p:nvGrpSpPr>
+      <p:grpSpPr>
+        <a:xfrm>
+          <a:off x="0" y="0"/>
+          <a:ext cx="0" cy="0"/>
+          <a:chOff x="0" y="0"/>
+          <a:chExt cx="0" cy="0"/>
+        </a:xfrm>
+      </p:grpSpPr>
+      <p:sp>
+        <p:nvSpPr>
+          <p:cNvPr id="2" name="Title 1">
+            <a:extLst>
+              <a:ext uri="{FF2B5EF4-FFF2-40B4-BE49-F238E27FC236}">
+                <a16:creationId xmlns:a16="http://schemas.microsoft.com/office/drawing/2014/main" id="{B5A84D1F-120D-1F44-8907-5AD5A4F0ED55}"/>
+              </a:ext>
+            </a:extLst>
+          </p:cNvPr>
+          <p:cNvSpPr>
+            <a:spLocks noGrp="1"/>
+          </p:cNvSpPr>
+          <p:nvPr>
+            <p:ph type="title"/>
+          </p:nvPr>
+        </p:nvSpPr>
+        <p:spPr/>
+        <p:txBody>
+          <a:bodyPr/>
+          <a:lstStyle/>
+          <a:p>
+            <a:pPr algn="ctr"/>
+            <a:r>
+              <a:rPr lang="en-US" dirty="0"/>
+              <a:t>Modularization</a:t>
+            </a:r>
+          </a:p>
+        </p:txBody>
+      </p:sp>
+      <p:sp>
+        <p:nvSpPr>
+          <p:cNvPr id="3" name="Content Placeholder 2">
+            <a:extLst>
+              <a:ext uri="{FF2B5EF4-FFF2-40B4-BE49-F238E27FC236}">
+                <a16:creationId xmlns:a16="http://schemas.microsoft.com/office/drawing/2014/main" id="{7CB5C8AD-2517-984B-82E9-785FA47419CF}"/>
+              </a:ext>
+            </a:extLst>
+          </p:cNvPr>
+          <p:cNvSpPr>
+            <a:spLocks noGrp="1"/>
+          </p:cNvSpPr>
+          <p:nvPr>
+            <p:ph idx="1"/>
+          </p:nvPr>
+        </p:nvSpPr>
+        <p:spPr/>
+        <p:txBody>
+          <a:bodyPr/>
+          <a:lstStyle/>
+          <a:p>
+            <a:r>
+              <a:rPr lang="en-US" dirty="0"/>
+              <a:t>Modularization seems to reduce costs at the expense of increased risks</a:t>
+            </a:r>
+          </a:p>
+          <a:p>
+            <a:r>
+              <a:rPr lang="en-US" dirty="0"/>
+              <a:t>Modularized components can be built/repaired more easily in-field</a:t>
+            </a:r>
+          </a:p>
+          <a:p>
+            <a:r>
+              <a:rPr lang="en-US" dirty="0"/>
+              <a:t>This in-field maintenance introduces the risks of foreign object damage in sensitive areas</a:t>
+            </a:r>
+          </a:p>
+          <a:p>
+            <a:pPr lvl="1"/>
+            <a:r>
+              <a:rPr lang="en-US" dirty="0"/>
+              <a:t>This risk is compounded in very sandy areas, such as the project location</a:t>
+            </a:r>
+          </a:p>
+          <a:p>
+            <a:endParaRPr lang="en-US" dirty="0"/>
+          </a:p>
+          <a:p>
+            <a:pPr marL="0" indent="0">
+              <a:buNone/>
+            </a:pPr>
+            <a:r>
+              <a:rPr lang="en-US" b="1" dirty="0"/>
+              <a:t>Key Takeaway: risk/reward must be quantified before making a final decision on the benefits of modularization—not enough info on risk!</a:t>
+            </a:r>
+          </a:p>
+        </p:txBody>
+      </p:sp>
+    </p:spTree>
+    <p:extLst>
+      <p:ext uri="{BB962C8B-B14F-4D97-AF65-F5344CB8AC3E}">
+        <p14:creationId xmlns:p14="http://schemas.microsoft.com/office/powerpoint/2010/main" val="488885204"/>
+      </p:ext>
+    </p:extLst>
+  </p:cSld>
+  <p:clrMapOvr>
+    <a:masterClrMapping/>
+  </p:clrMapOvr>
+</p:sld>
+</file>
+
+<file path=ppt/slides/slide7.xml><?xml version="1.0" encoding="utf-8"?>
+<p:sld xmlns:a="http://schemas.openxmlformats.org/drawingml/2006/main" xmlns:r="http://schemas.openxmlformats.org/officeDocument/2006/relationships" xmlns:p="http://schemas.openxmlformats.org/presentationml/2006/main">
+  <p:cSld>
+    <p:spTree>
+      <p:nvGrpSpPr>
+        <p:cNvPr id="1" name=""/>
+        <p:cNvGrpSpPr/>
+        <p:nvPr/>
+      </p:nvGrpSpPr>
+      <p:grpSpPr>
+        <a:xfrm>
+          <a:off x="0" y="0"/>
+          <a:ext cx="0" cy="0"/>
+          <a:chOff x="0" y="0"/>
+          <a:chExt cx="0" cy="0"/>
+        </a:xfrm>
+      </p:grpSpPr>
       <p:graphicFrame>
         <p:nvGraphicFramePr>
-          <p:cNvPr id="7" name="Table 7">
-            <a:extLst>
-              <a:ext uri="{FF2B5EF4-FFF2-40B4-BE49-F238E27FC236}">
-                <a16:creationId xmlns:a16="http://schemas.microsoft.com/office/drawing/2014/main" id="{A6FA5922-AC87-43D2-894A-C148653352FE}"/>
+          <p:cNvPr id="5" name="Table 7">
+            <a:extLst>
+              <a:ext uri="{FF2B5EF4-FFF2-40B4-BE49-F238E27FC236}">
+                <a16:creationId xmlns:a16="http://schemas.microsoft.com/office/drawing/2014/main" id="{4CB1A464-81AD-8D4D-BCE6-BF0CCCD0B397}"/>
               </a:ext>
             </a:extLst>
           </p:cNvPr>
@@ -7143,13 +8241,424 @@
           <p:nvPr>
             <p:extLst>
               <p:ext uri="{D42A27DB-BD31-4B8C-83A1-F6EECF244321}">
-                <p14:modId xmlns:p14="http://schemas.microsoft.com/office/powerpoint/2010/main" val="1826306665"/>
+                <p14:modId xmlns:p14="http://schemas.microsoft.com/office/powerpoint/2010/main" val="540475464"/>
               </p:ext>
             </p:extLst>
           </p:nvPr>
         </p:nvGraphicFramePr>
         <p:xfrm>
-          <a:off x="168366" y="1627505"/>
+          <a:off x="5627188" y="3213766"/>
+          <a:ext cx="6564812" cy="3644234"/>
+        </p:xfrm>
+        <a:graphic>
+          <a:graphicData uri="http://schemas.openxmlformats.org/drawingml/2006/table">
+            <a:tbl>
+              <a:tblPr firstRow="1" bandRow="1">
+                <a:tableStyleId>{5C22544A-7EE6-4342-B048-85BDC9FD1C3A}</a:tableStyleId>
+              </a:tblPr>
+              <a:tblGrid>
+                <a:gridCol w="1307303">
+                  <a:extLst>
+                    <a:ext uri="{9D8B030D-6E8A-4147-A177-3AD203B41FA5}">
+                      <a16:colId xmlns:a16="http://schemas.microsoft.com/office/drawing/2014/main" val="1944432691"/>
+                    </a:ext>
+                  </a:extLst>
+                </a:gridCol>
+                <a:gridCol w="3716092">
+                  <a:extLst>
+                    <a:ext uri="{9D8B030D-6E8A-4147-A177-3AD203B41FA5}">
+                      <a16:colId xmlns:a16="http://schemas.microsoft.com/office/drawing/2014/main" val="1661844142"/>
+                    </a:ext>
+                  </a:extLst>
+                </a:gridCol>
+                <a:gridCol w="1541417">
+                  <a:extLst>
+                    <a:ext uri="{9D8B030D-6E8A-4147-A177-3AD203B41FA5}">
+                      <a16:colId xmlns:a16="http://schemas.microsoft.com/office/drawing/2014/main" val="1607563751"/>
+                    </a:ext>
+                  </a:extLst>
+                </a:gridCol>
+              </a:tblGrid>
+              <a:tr h="353945">
+                <a:tc>
+                  <a:txBody>
+                    <a:bodyPr/>
+                    <a:lstStyle/>
+                    <a:p>
+                      <a:endParaRPr lang="en-US" dirty="0"/>
+                    </a:p>
+                  </a:txBody>
+                  <a:tcPr/>
+                </a:tc>
+                <a:tc>
+                  <a:txBody>
+                    <a:bodyPr/>
+                    <a:lstStyle/>
+                    <a:p>
+                      <a:pPr algn="ctr">
+                        <a:lnSpc>
+                          <a:spcPct val="150000"/>
+                        </a:lnSpc>
+                      </a:pPr>
+                      <a:r>
+                        <a:rPr lang="en-US" dirty="0"/>
+                        <a:t>Solution</a:t>
+                      </a:r>
+                    </a:p>
+                  </a:txBody>
+                  <a:tcPr/>
+                </a:tc>
+                <a:tc>
+                  <a:txBody>
+                    <a:bodyPr/>
+                    <a:lstStyle/>
+                    <a:p>
+                      <a:pPr algn="r">
+                        <a:lnSpc>
+                          <a:spcPct val="150000"/>
+                        </a:lnSpc>
+                      </a:pPr>
+                      <a:r>
+                        <a:rPr lang="en-US" dirty="0"/>
+                        <a:t>Cost</a:t>
+                      </a:r>
+                    </a:p>
+                  </a:txBody>
+                  <a:tcPr/>
+                </a:tc>
+                <a:extLst>
+                  <a:ext uri="{0D108BD9-81ED-4DB2-BD59-A6C34878D82A}">
+                    <a16:rowId xmlns:a16="http://schemas.microsoft.com/office/drawing/2014/main" val="2769426632"/>
+                  </a:ext>
+                </a:extLst>
+              </a:tr>
+              <a:tr h="986652">
+                <a:tc>
+                  <a:txBody>
+                    <a:bodyPr/>
+                    <a:lstStyle/>
+                    <a:p>
+                      <a:pPr>
+                        <a:lnSpc>
+                          <a:spcPct val="150000"/>
+                        </a:lnSpc>
+                      </a:pPr>
+                      <a:r>
+                        <a:rPr lang="en-US" b="1" dirty="0"/>
+                        <a:t>Hydraulics &amp; Civil Design</a:t>
+                      </a:r>
+                    </a:p>
+                  </a:txBody>
+                  <a:tcPr/>
+                </a:tc>
+                <a:tc>
+                  <a:txBody>
+                    <a:bodyPr/>
+                    <a:lstStyle/>
+                    <a:p>
+                      <a:pPr marL="285750" indent="-285750">
+                        <a:lnSpc>
+                          <a:spcPct val="150000"/>
+                        </a:lnSpc>
+                        <a:buFont typeface="Arial" panose="020B0604020202020204" pitchFamily="34" charset="0"/>
+                        <a:buChar char="•"/>
+                      </a:pPr>
+                      <a:r>
+                        <a:rPr lang="en-US" dirty="0"/>
+                        <a:t>.25”, .375”, and .5” schedules</a:t>
+                      </a:r>
+                    </a:p>
+                    <a:p>
+                      <a:pPr marL="285750" indent="-285750">
+                        <a:lnSpc>
+                          <a:spcPct val="150000"/>
+                        </a:lnSpc>
+                        <a:buFont typeface="Arial" panose="020B0604020202020204" pitchFamily="34" charset="0"/>
+                        <a:buChar char="•"/>
+                      </a:pPr>
+                      <a:r>
+                        <a:rPr lang="en-US" dirty="0"/>
+                        <a:t>Pump F x 2</a:t>
+                      </a:r>
+                    </a:p>
+                    <a:p>
+                      <a:pPr marL="285750" indent="-285750">
+                        <a:lnSpc>
+                          <a:spcPct val="150000"/>
+                        </a:lnSpc>
+                        <a:buFont typeface="Arial" panose="020B0604020202020204" pitchFamily="34" charset="0"/>
+                        <a:buChar char="•"/>
+                      </a:pPr>
+                      <a:r>
+                        <a:rPr lang="en-US" dirty="0"/>
+                        <a:t>Junctions 9 and 11 pump locations</a:t>
+                      </a:r>
+                    </a:p>
+                  </a:txBody>
+                  <a:tcPr/>
+                </a:tc>
+                <a:tc>
+                  <a:txBody>
+                    <a:bodyPr/>
+                    <a:lstStyle/>
+                    <a:p>
+                      <a:pPr algn="r">
+                        <a:lnSpc>
+                          <a:spcPct val="200000"/>
+                        </a:lnSpc>
+                      </a:pPr>
+                      <a:endParaRPr lang="en-US" b="1" dirty="0"/>
+                    </a:p>
+                    <a:p>
+                      <a:pPr algn="r">
+                        <a:lnSpc>
+                          <a:spcPct val="250000"/>
+                        </a:lnSpc>
+                      </a:pPr>
+                      <a:r>
+                        <a:rPr lang="en-US" b="1" dirty="0"/>
+                        <a:t>$33,166,245</a:t>
+                      </a:r>
+                    </a:p>
+                  </a:txBody>
+                  <a:tcPr/>
+                </a:tc>
+                <a:extLst>
+                  <a:ext uri="{0D108BD9-81ED-4DB2-BD59-A6C34878D82A}">
+                    <a16:rowId xmlns:a16="http://schemas.microsoft.com/office/drawing/2014/main" val="1276461503"/>
+                  </a:ext>
+                </a:extLst>
+              </a:tr>
+              <a:tr h="913910">
+                <a:tc>
+                  <a:txBody>
+                    <a:bodyPr/>
+                    <a:lstStyle/>
+                    <a:p>
+                      <a:pPr>
+                        <a:lnSpc>
+                          <a:spcPct val="150000"/>
+                        </a:lnSpc>
+                      </a:pPr>
+                      <a:r>
+                        <a:rPr lang="en-US" b="1" dirty="0"/>
+                        <a:t>Equipment</a:t>
+                      </a:r>
+                    </a:p>
+                  </a:txBody>
+                  <a:tcPr/>
+                </a:tc>
+                <a:tc>
+                  <a:txBody>
+                    <a:bodyPr/>
+                    <a:lstStyle/>
+                    <a:p>
+                      <a:pPr marL="285750" indent="-285750">
+                        <a:buFont typeface="Arial" panose="020B0604020202020204" pitchFamily="34" charset="0"/>
+                        <a:buChar char="•"/>
+                      </a:pPr>
+                      <a:r>
+                        <a:rPr lang="en-US" dirty="0"/>
+                        <a:t>12 track-hoe-days</a:t>
+                      </a:r>
+                    </a:p>
+                    <a:p>
+                      <a:pPr marL="285750" indent="-285750">
+                        <a:buFont typeface="Arial" panose="020B0604020202020204" pitchFamily="34" charset="0"/>
+                        <a:buChar char="•"/>
+                      </a:pPr>
+                      <a:r>
+                        <a:rPr lang="en-US" dirty="0"/>
+                        <a:t>6 dump-truck-days</a:t>
+                      </a:r>
+                    </a:p>
+                    <a:p>
+                      <a:pPr marL="285750" indent="-285750">
+                        <a:buFont typeface="Arial" panose="020B0604020202020204" pitchFamily="34" charset="0"/>
+                        <a:buChar char="•"/>
+                      </a:pPr>
+                      <a:r>
+                        <a:rPr lang="en-US" dirty="0"/>
+                        <a:t>1 crane-day</a:t>
+                      </a:r>
+                    </a:p>
+                    <a:p>
+                      <a:pPr marL="285750" indent="-285750">
+                        <a:buFont typeface="Arial" panose="020B0604020202020204" pitchFamily="34" charset="0"/>
+                        <a:buChar char="•"/>
+                      </a:pPr>
+                      <a:r>
+                        <a:rPr lang="en-US" dirty="0"/>
+                        <a:t>4 concrete-truck-days</a:t>
+                      </a:r>
+                    </a:p>
+                  </a:txBody>
+                  <a:tcPr/>
+                </a:tc>
+                <a:tc>
+                  <a:txBody>
+                    <a:bodyPr/>
+                    <a:lstStyle/>
+                    <a:p>
+                      <a:pPr algn="r"/>
+                      <a:endParaRPr lang="en-US" dirty="0"/>
+                    </a:p>
+                    <a:p>
+                      <a:pPr algn="r"/>
+                      <a:endParaRPr lang="en-US" dirty="0"/>
+                    </a:p>
+                    <a:p>
+                      <a:pPr algn="r"/>
+                      <a:endParaRPr lang="en-US" dirty="0"/>
+                    </a:p>
+                    <a:p>
+                      <a:pPr algn="r"/>
+                      <a:r>
+                        <a:rPr lang="en-US" b="1" dirty="0"/>
+                        <a:t>$176,000</a:t>
+                      </a:r>
+                    </a:p>
+                  </a:txBody>
+                  <a:tcPr/>
+                </a:tc>
+                <a:extLst>
+                  <a:ext uri="{0D108BD9-81ED-4DB2-BD59-A6C34878D82A}">
+                    <a16:rowId xmlns:a16="http://schemas.microsoft.com/office/drawing/2014/main" val="348258760"/>
+                  </a:ext>
+                </a:extLst>
+              </a:tr>
+              <a:tr h="711804">
+                <a:tc>
+                  <a:txBody>
+                    <a:bodyPr/>
+                    <a:lstStyle/>
+                    <a:p>
+                      <a:pPr>
+                        <a:lnSpc>
+                          <a:spcPct val="150000"/>
+                        </a:lnSpc>
+                      </a:pPr>
+                      <a:r>
+                        <a:rPr lang="en-US" b="1" dirty="0"/>
+                        <a:t>Total</a:t>
+                      </a:r>
+                    </a:p>
+                  </a:txBody>
+                  <a:tcPr/>
+                </a:tc>
+                <a:tc>
+                  <a:txBody>
+                    <a:bodyPr/>
+                    <a:lstStyle/>
+                    <a:p>
+                      <a:endParaRPr lang="en-US" dirty="0"/>
+                    </a:p>
+                  </a:txBody>
+                  <a:tcPr/>
+                </a:tc>
+                <a:tc>
+                  <a:txBody>
+                    <a:bodyPr/>
+                    <a:lstStyle/>
+                    <a:p>
+                      <a:endParaRPr lang="en-US" dirty="0"/>
+                    </a:p>
+                    <a:p>
+                      <a:pPr algn="r"/>
+                      <a:r>
+                        <a:rPr lang="en-US" sz="2000" b="1" u="sng" dirty="0"/>
+                        <a:t>$33,342,244</a:t>
+                      </a:r>
+                    </a:p>
+                  </a:txBody>
+                  <a:tcPr/>
+                </a:tc>
+                <a:extLst>
+                  <a:ext uri="{0D108BD9-81ED-4DB2-BD59-A6C34878D82A}">
+                    <a16:rowId xmlns:a16="http://schemas.microsoft.com/office/drawing/2014/main" val="333270449"/>
+                  </a:ext>
+                </a:extLst>
+              </a:tr>
+            </a:tbl>
+          </a:graphicData>
+        </a:graphic>
+      </p:graphicFrame>
+      <p:sp>
+        <p:nvSpPr>
+          <p:cNvPr id="6" name="Rectangle 5">
+            <a:extLst>
+              <a:ext uri="{FF2B5EF4-FFF2-40B4-BE49-F238E27FC236}">
+                <a16:creationId xmlns:a16="http://schemas.microsoft.com/office/drawing/2014/main" id="{FD2BF659-BE24-CB43-8880-7B2C7261F92A}"/>
+              </a:ext>
+            </a:extLst>
+          </p:cNvPr>
+          <p:cNvSpPr/>
+          <p:nvPr/>
+        </p:nvSpPr>
+        <p:spPr>
+          <a:xfrm>
+            <a:off x="5399902" y="3151477"/>
+            <a:ext cx="1569308" cy="555045"/>
+          </a:xfrm>
+          <a:prstGeom prst="rect">
+            <a:avLst/>
+          </a:prstGeom>
+          <a:solidFill>
+            <a:schemeClr val="bg1"/>
+          </a:solidFill>
+          <a:ln>
+            <a:solidFill>
+              <a:schemeClr val="bg1"/>
+            </a:solidFill>
+          </a:ln>
+        </p:spPr>
+        <p:style>
+          <a:lnRef idx="2">
+            <a:schemeClr val="accent1">
+              <a:shade val="50000"/>
+            </a:schemeClr>
+          </a:lnRef>
+          <a:fillRef idx="1">
+            <a:schemeClr val="accent1"/>
+          </a:fillRef>
+          <a:effectRef idx="0">
+            <a:schemeClr val="accent1"/>
+          </a:effectRef>
+          <a:fontRef idx="minor">
+            <a:schemeClr val="lt1"/>
+          </a:fontRef>
+        </p:style>
+        <p:txBody>
+          <a:bodyPr rtlCol="0" anchor="ctr"/>
+          <a:lstStyle/>
+          <a:p>
+            <a:pPr algn="ctr"/>
+            <a:endParaRPr lang="en-US"/>
+          </a:p>
+        </p:txBody>
+      </p:sp>
+      <p:graphicFrame>
+        <p:nvGraphicFramePr>
+          <p:cNvPr id="4" name="Table 7">
+            <a:extLst>
+              <a:ext uri="{FF2B5EF4-FFF2-40B4-BE49-F238E27FC236}">
+                <a16:creationId xmlns:a16="http://schemas.microsoft.com/office/drawing/2014/main" id="{9D5EF90D-4233-434B-AEA5-0898007169B2}"/>
+              </a:ext>
+            </a:extLst>
+          </p:cNvPr>
+          <p:cNvGraphicFramePr>
+            <a:graphicFrameLocks noGrp="1"/>
+          </p:cNvGraphicFramePr>
+          <p:nvPr>
+            <p:extLst>
+              <p:ext uri="{D42A27DB-BD31-4B8C-83A1-F6EECF244321}">
+                <p14:modId xmlns:p14="http://schemas.microsoft.com/office/powerpoint/2010/main" val="1317755553"/>
+              </p:ext>
+            </p:extLst>
+          </p:nvPr>
+        </p:nvGraphicFramePr>
+        <p:xfrm>
+          <a:off x="0" y="0"/>
           <a:ext cx="6402251" cy="3602990"/>
         </p:xfrm>
         <a:graphic>
@@ -7485,628 +8994,78 @@
           </a:graphicData>
         </a:graphic>
       </p:graphicFrame>
-      <p:pic>
-        <p:nvPicPr>
-          <p:cNvPr id="9" name="Picture 8">
-            <a:extLst>
-              <a:ext uri="{FF2B5EF4-FFF2-40B4-BE49-F238E27FC236}">
-                <a16:creationId xmlns:a16="http://schemas.microsoft.com/office/drawing/2014/main" id="{0C14285A-876F-4B62-9270-362186C19EA6}"/>
-              </a:ext>
-            </a:extLst>
-          </p:cNvPr>
-          <p:cNvPicPr>
-            <a:picLocks noChangeAspect="1"/>
-          </p:cNvPicPr>
+      <p:sp>
+        <p:nvSpPr>
+          <p:cNvPr id="8" name="TextBox 7">
+            <a:extLst>
+              <a:ext uri="{FF2B5EF4-FFF2-40B4-BE49-F238E27FC236}">
+                <a16:creationId xmlns:a16="http://schemas.microsoft.com/office/drawing/2014/main" id="{C2EF3BE0-9BFE-5F40-9AD3-22C52F5DE990}"/>
+              </a:ext>
+            </a:extLst>
+          </p:cNvPr>
+          <p:cNvSpPr txBox="1"/>
           <p:nvPr/>
-        </p:nvPicPr>
-        <p:blipFill rotWithShape="1">
-          <a:blip r:embed="rId3">
-            <a:extLst>
-              <a:ext uri="{28A0092B-C50C-407E-A947-70E740481C1C}">
-                <a14:useLocalDpi xmlns:a14="http://schemas.microsoft.com/office/drawing/2010/main" val="0"/>
-              </a:ext>
-            </a:extLst>
-          </a:blip>
-          <a:srcRect r="6760"/>
-          <a:stretch/>
-        </p:blipFill>
+        </p:nvSpPr>
         <p:spPr>
           <a:xfrm>
-            <a:off x="6570617" y="1092517"/>
-            <a:ext cx="5621383" cy="2160134"/>
+            <a:off x="1149880" y="4324864"/>
+            <a:ext cx="2693071" cy="584775"/>
           </a:xfrm>
           <a:prstGeom prst="rect">
-            <a:avLst/>
-          </a:prstGeom>
-        </p:spPr>
-      </p:pic>
-      <p:pic>
-        <p:nvPicPr>
-          <p:cNvPr id="10" name="Picture 9">
-            <a:extLst>
-              <a:ext uri="{FF2B5EF4-FFF2-40B4-BE49-F238E27FC236}">
-                <a16:creationId xmlns:a16="http://schemas.microsoft.com/office/drawing/2014/main" id="{0CFBABE7-26EE-4180-B458-E6217CD6EECA}"/>
-              </a:ext>
-            </a:extLst>
-          </p:cNvPr>
-          <p:cNvPicPr>
-            <a:picLocks noChangeAspect="1"/>
-          </p:cNvPicPr>
-          <p:nvPr/>
-        </p:nvPicPr>
-        <p:blipFill>
-          <a:blip r:embed="rId4">
-            <a:extLst>
-              <a:ext uri="{28A0092B-C50C-407E-A947-70E740481C1C}">
-                <a14:useLocalDpi xmlns:a14="http://schemas.microsoft.com/office/drawing/2010/main" val="0"/>
-              </a:ext>
-            </a:extLst>
-          </a:blip>
-          <a:stretch>
-            <a:fillRect/>
-          </a:stretch>
-        </p:blipFill>
-        <p:spPr>
-          <a:xfrm>
-            <a:off x="7153550" y="3605350"/>
-            <a:ext cx="4338247" cy="2484633"/>
-          </a:xfrm>
-          <a:prstGeom prst="rect">
-            <a:avLst/>
-          </a:prstGeom>
-        </p:spPr>
-      </p:pic>
-    </p:spTree>
-    <p:extLst>
-      <p:ext uri="{BB962C8B-B14F-4D97-AF65-F5344CB8AC3E}">
-        <p14:creationId xmlns:p14="http://schemas.microsoft.com/office/powerpoint/2010/main" val="2140881363"/>
-      </p:ext>
-    </p:extLst>
-  </p:cSld>
-  <p:clrMapOvr>
-    <a:masterClrMapping/>
-  </p:clrMapOvr>
-</p:sld>
-</file>
-
-<file path=ppt/slides/slide4.xml><?xml version="1.0" encoding="utf-8"?>
-<p:sld xmlns:a="http://schemas.openxmlformats.org/drawingml/2006/main" xmlns:r="http://schemas.openxmlformats.org/officeDocument/2006/relationships" xmlns:p="http://schemas.openxmlformats.org/presentationml/2006/main">
-  <p:cSld>
-    <p:spTree>
-      <p:nvGrpSpPr>
-        <p:cNvPr id="1" name=""/>
-        <p:cNvGrpSpPr/>
-        <p:nvPr/>
-      </p:nvGrpSpPr>
-      <p:grpSpPr>
-        <a:xfrm>
-          <a:off x="0" y="0"/>
-          <a:ext cx="0" cy="0"/>
-          <a:chOff x="0" y="0"/>
-          <a:chExt cx="0" cy="0"/>
-        </a:xfrm>
-      </p:grpSpPr>
-      <p:sp>
-        <p:nvSpPr>
-          <p:cNvPr id="2" name="Title 1">
-            <a:extLst>
-              <a:ext uri="{FF2B5EF4-FFF2-40B4-BE49-F238E27FC236}">
-                <a16:creationId xmlns:a16="http://schemas.microsoft.com/office/drawing/2014/main" id="{D06A9ED8-DD87-2140-BEC3-643896B25143}"/>
-              </a:ext>
-            </a:extLst>
-          </p:cNvPr>
-          <p:cNvSpPr>
-            <a:spLocks noGrp="1"/>
-          </p:cNvSpPr>
-          <p:nvPr>
-            <p:ph type="title"/>
-          </p:nvPr>
-        </p:nvSpPr>
-        <p:spPr>
-          <a:xfrm>
-            <a:off x="838200" y="299812"/>
-            <a:ext cx="10515600" cy="719092"/>
-          </a:xfrm>
-        </p:spPr>
-        <p:txBody>
-          <a:bodyPr/>
-          <a:lstStyle/>
-          <a:p>
-            <a:pPr algn="ctr"/>
-            <a:r>
-              <a:rPr lang="en-US" dirty="0"/>
-              <a:t>Zero-Based Execution</a:t>
-            </a:r>
-          </a:p>
-        </p:txBody>
-      </p:sp>
-      <p:graphicFrame>
-        <p:nvGraphicFramePr>
-          <p:cNvPr id="9" name="Table 7">
-            <a:extLst>
-              <a:ext uri="{FF2B5EF4-FFF2-40B4-BE49-F238E27FC236}">
-                <a16:creationId xmlns:a16="http://schemas.microsoft.com/office/drawing/2014/main" id="{24196320-75C8-4576-88BB-D3CDD69A793D}"/>
-              </a:ext>
-            </a:extLst>
-          </p:cNvPr>
-          <p:cNvGraphicFramePr>
-            <a:graphicFrameLocks noGrp="1"/>
-          </p:cNvGraphicFramePr>
-          <p:nvPr>
-            <p:extLst>
-              <p:ext uri="{D42A27DB-BD31-4B8C-83A1-F6EECF244321}">
-                <p14:modId xmlns:p14="http://schemas.microsoft.com/office/powerpoint/2010/main" val="3664197031"/>
-              </p:ext>
-            </p:extLst>
-          </p:nvPr>
-        </p:nvGraphicFramePr>
-        <p:xfrm>
-          <a:off x="149497" y="1606883"/>
-          <a:ext cx="6564812" cy="3644234"/>
-        </p:xfrm>
-        <a:graphic>
-          <a:graphicData uri="http://schemas.openxmlformats.org/drawingml/2006/table">
-            <a:tbl>
-              <a:tblPr firstRow="1" bandRow="1">
-                <a:tableStyleId>{5C22544A-7EE6-4342-B048-85BDC9FD1C3A}</a:tableStyleId>
-              </a:tblPr>
-              <a:tblGrid>
-                <a:gridCol w="1307303">
-                  <a:extLst>
-                    <a:ext uri="{9D8B030D-6E8A-4147-A177-3AD203B41FA5}">
-                      <a16:colId xmlns:a16="http://schemas.microsoft.com/office/drawing/2014/main" val="1944432691"/>
-                    </a:ext>
-                  </a:extLst>
-                </a:gridCol>
-                <a:gridCol w="3716092">
-                  <a:extLst>
-                    <a:ext uri="{9D8B030D-6E8A-4147-A177-3AD203B41FA5}">
-                      <a16:colId xmlns:a16="http://schemas.microsoft.com/office/drawing/2014/main" val="1661844142"/>
-                    </a:ext>
-                  </a:extLst>
-                </a:gridCol>
-                <a:gridCol w="1541417">
-                  <a:extLst>
-                    <a:ext uri="{9D8B030D-6E8A-4147-A177-3AD203B41FA5}">
-                      <a16:colId xmlns:a16="http://schemas.microsoft.com/office/drawing/2014/main" val="1607563751"/>
-                    </a:ext>
-                  </a:extLst>
-                </a:gridCol>
-              </a:tblGrid>
-              <a:tr h="353945">
-                <a:tc>
-                  <a:txBody>
-                    <a:bodyPr/>
-                    <a:lstStyle/>
-                    <a:p>
-                      <a:endParaRPr lang="en-US" dirty="0"/>
-                    </a:p>
-                  </a:txBody>
-                  <a:tcPr/>
-                </a:tc>
-                <a:tc>
-                  <a:txBody>
-                    <a:bodyPr/>
-                    <a:lstStyle/>
-                    <a:p>
-                      <a:pPr algn="ctr">
-                        <a:lnSpc>
-                          <a:spcPct val="150000"/>
-                        </a:lnSpc>
-                      </a:pPr>
-                      <a:r>
-                        <a:rPr lang="en-US" dirty="0"/>
-                        <a:t>Solution</a:t>
-                      </a:r>
-                    </a:p>
-                  </a:txBody>
-                  <a:tcPr/>
-                </a:tc>
-                <a:tc>
-                  <a:txBody>
-                    <a:bodyPr/>
-                    <a:lstStyle/>
-                    <a:p>
-                      <a:pPr algn="r">
-                        <a:lnSpc>
-                          <a:spcPct val="150000"/>
-                        </a:lnSpc>
-                      </a:pPr>
-                      <a:r>
-                        <a:rPr lang="en-US" dirty="0"/>
-                        <a:t>Cost</a:t>
-                      </a:r>
-                    </a:p>
-                  </a:txBody>
-                  <a:tcPr/>
-                </a:tc>
-                <a:extLst>
-                  <a:ext uri="{0D108BD9-81ED-4DB2-BD59-A6C34878D82A}">
-                    <a16:rowId xmlns:a16="http://schemas.microsoft.com/office/drawing/2014/main" val="2769426632"/>
-                  </a:ext>
-                </a:extLst>
-              </a:tr>
-              <a:tr h="986652">
-                <a:tc>
-                  <a:txBody>
-                    <a:bodyPr/>
-                    <a:lstStyle/>
-                    <a:p>
-                      <a:pPr>
-                        <a:lnSpc>
-                          <a:spcPct val="150000"/>
-                        </a:lnSpc>
-                      </a:pPr>
-                      <a:r>
-                        <a:rPr lang="en-US" b="1" dirty="0"/>
-                        <a:t>Hydraulics &amp; Civil Design</a:t>
-                      </a:r>
-                    </a:p>
-                  </a:txBody>
-                  <a:tcPr/>
-                </a:tc>
-                <a:tc>
-                  <a:txBody>
-                    <a:bodyPr/>
-                    <a:lstStyle/>
-                    <a:p>
-                      <a:pPr marL="285750" indent="-285750">
-                        <a:lnSpc>
-                          <a:spcPct val="150000"/>
-                        </a:lnSpc>
-                        <a:buFont typeface="Arial" panose="020B0604020202020204" pitchFamily="34" charset="0"/>
-                        <a:buChar char="•"/>
-                      </a:pPr>
-                      <a:r>
-                        <a:rPr lang="en-US" dirty="0"/>
-                        <a:t>.25”, .375”, and .5” schedules</a:t>
-                      </a:r>
-                    </a:p>
-                    <a:p>
-                      <a:pPr marL="285750" indent="-285750">
-                        <a:lnSpc>
-                          <a:spcPct val="150000"/>
-                        </a:lnSpc>
-                        <a:buFont typeface="Arial" panose="020B0604020202020204" pitchFamily="34" charset="0"/>
-                        <a:buChar char="•"/>
-                      </a:pPr>
-                      <a:r>
-                        <a:rPr lang="en-US" dirty="0"/>
-                        <a:t>Pump F x 2</a:t>
-                      </a:r>
-                    </a:p>
-                    <a:p>
-                      <a:pPr marL="285750" indent="-285750">
-                        <a:lnSpc>
-                          <a:spcPct val="150000"/>
-                        </a:lnSpc>
-                        <a:buFont typeface="Arial" panose="020B0604020202020204" pitchFamily="34" charset="0"/>
-                        <a:buChar char="•"/>
-                      </a:pPr>
-                      <a:r>
-                        <a:rPr lang="en-US" dirty="0"/>
-                        <a:t>Junctions 9 and 11 pump locations</a:t>
-                      </a:r>
-                    </a:p>
-                  </a:txBody>
-                  <a:tcPr/>
-                </a:tc>
-                <a:tc>
-                  <a:txBody>
-                    <a:bodyPr/>
-                    <a:lstStyle/>
-                    <a:p>
-                      <a:pPr algn="r">
-                        <a:lnSpc>
-                          <a:spcPct val="200000"/>
-                        </a:lnSpc>
-                      </a:pPr>
-                      <a:endParaRPr lang="en-US" b="1" dirty="0"/>
-                    </a:p>
-                    <a:p>
-                      <a:pPr algn="r">
-                        <a:lnSpc>
-                          <a:spcPct val="250000"/>
-                        </a:lnSpc>
-                      </a:pPr>
-                      <a:r>
-                        <a:rPr lang="en-US" b="1" dirty="0"/>
-                        <a:t>$33,166,245</a:t>
-                      </a:r>
-                    </a:p>
-                  </a:txBody>
-                  <a:tcPr/>
-                </a:tc>
-                <a:extLst>
-                  <a:ext uri="{0D108BD9-81ED-4DB2-BD59-A6C34878D82A}">
-                    <a16:rowId xmlns:a16="http://schemas.microsoft.com/office/drawing/2014/main" val="1276461503"/>
-                  </a:ext>
-                </a:extLst>
-              </a:tr>
-              <a:tr h="913910">
-                <a:tc>
-                  <a:txBody>
-                    <a:bodyPr/>
-                    <a:lstStyle/>
-                    <a:p>
-                      <a:pPr>
-                        <a:lnSpc>
-                          <a:spcPct val="150000"/>
-                        </a:lnSpc>
-                      </a:pPr>
-                      <a:r>
-                        <a:rPr lang="en-US" b="1" dirty="0"/>
-                        <a:t>Equipment</a:t>
-                      </a:r>
-                    </a:p>
-                  </a:txBody>
-                  <a:tcPr/>
-                </a:tc>
-                <a:tc>
-                  <a:txBody>
-                    <a:bodyPr/>
-                    <a:lstStyle/>
-                    <a:p>
-                      <a:pPr marL="285750" indent="-285750">
-                        <a:buFont typeface="Arial" panose="020B0604020202020204" pitchFamily="34" charset="0"/>
-                        <a:buChar char="•"/>
-                      </a:pPr>
-                      <a:r>
-                        <a:rPr lang="en-US" dirty="0"/>
-                        <a:t>12 track-hoe-days</a:t>
-                      </a:r>
-                    </a:p>
-                    <a:p>
-                      <a:pPr marL="285750" indent="-285750">
-                        <a:buFont typeface="Arial" panose="020B0604020202020204" pitchFamily="34" charset="0"/>
-                        <a:buChar char="•"/>
-                      </a:pPr>
-                      <a:r>
-                        <a:rPr lang="en-US" dirty="0"/>
-                        <a:t>6 dump-truck-days</a:t>
-                      </a:r>
-                    </a:p>
-                    <a:p>
-                      <a:pPr marL="285750" indent="-285750">
-                        <a:buFont typeface="Arial" panose="020B0604020202020204" pitchFamily="34" charset="0"/>
-                        <a:buChar char="•"/>
-                      </a:pPr>
-                      <a:r>
-                        <a:rPr lang="en-US" dirty="0"/>
-                        <a:t>1 crane-day</a:t>
-                      </a:r>
-                    </a:p>
-                    <a:p>
-                      <a:pPr marL="285750" indent="-285750">
-                        <a:buFont typeface="Arial" panose="020B0604020202020204" pitchFamily="34" charset="0"/>
-                        <a:buChar char="•"/>
-                      </a:pPr>
-                      <a:r>
-                        <a:rPr lang="en-US" dirty="0"/>
-                        <a:t>4 concrete-truck-days</a:t>
-                      </a:r>
-                    </a:p>
-                  </a:txBody>
-                  <a:tcPr/>
-                </a:tc>
-                <a:tc>
-                  <a:txBody>
-                    <a:bodyPr/>
-                    <a:lstStyle/>
-                    <a:p>
-                      <a:pPr algn="r"/>
-                      <a:endParaRPr lang="en-US" dirty="0"/>
-                    </a:p>
-                    <a:p>
-                      <a:pPr algn="r"/>
-                      <a:endParaRPr lang="en-US" dirty="0"/>
-                    </a:p>
-                    <a:p>
-                      <a:pPr algn="r"/>
-                      <a:endParaRPr lang="en-US" dirty="0"/>
-                    </a:p>
-                    <a:p>
-                      <a:pPr algn="r"/>
-                      <a:r>
-                        <a:rPr lang="en-US" b="1" dirty="0"/>
-                        <a:t>$176,000</a:t>
-                      </a:r>
-                    </a:p>
-                  </a:txBody>
-                  <a:tcPr/>
-                </a:tc>
-                <a:extLst>
-                  <a:ext uri="{0D108BD9-81ED-4DB2-BD59-A6C34878D82A}">
-                    <a16:rowId xmlns:a16="http://schemas.microsoft.com/office/drawing/2014/main" val="348258760"/>
-                  </a:ext>
-                </a:extLst>
-              </a:tr>
-              <a:tr h="711804">
-                <a:tc>
-                  <a:txBody>
-                    <a:bodyPr/>
-                    <a:lstStyle/>
-                    <a:p>
-                      <a:pPr>
-                        <a:lnSpc>
-                          <a:spcPct val="150000"/>
-                        </a:lnSpc>
-                      </a:pPr>
-                      <a:r>
-                        <a:rPr lang="en-US" b="1" dirty="0"/>
-                        <a:t>Total</a:t>
-                      </a:r>
-                    </a:p>
-                  </a:txBody>
-                  <a:tcPr/>
-                </a:tc>
-                <a:tc>
-                  <a:txBody>
-                    <a:bodyPr/>
-                    <a:lstStyle/>
-                    <a:p>
-                      <a:endParaRPr lang="en-US" dirty="0"/>
-                    </a:p>
-                  </a:txBody>
-                  <a:tcPr/>
-                </a:tc>
-                <a:tc>
-                  <a:txBody>
-                    <a:bodyPr/>
-                    <a:lstStyle/>
-                    <a:p>
-                      <a:endParaRPr lang="en-US" dirty="0"/>
-                    </a:p>
-                    <a:p>
-                      <a:pPr algn="r"/>
-                      <a:r>
-                        <a:rPr lang="en-US" sz="2000" b="1" u="sng" dirty="0"/>
-                        <a:t>$33,342,244</a:t>
-                      </a:r>
-                    </a:p>
-                  </a:txBody>
-                  <a:tcPr/>
-                </a:tc>
-                <a:extLst>
-                  <a:ext uri="{0D108BD9-81ED-4DB2-BD59-A6C34878D82A}">
-                    <a16:rowId xmlns:a16="http://schemas.microsoft.com/office/drawing/2014/main" val="333270449"/>
-                  </a:ext>
-                </a:extLst>
-              </a:tr>
-            </a:tbl>
-          </a:graphicData>
-        </a:graphic>
-      </p:graphicFrame>
-      <p:sp>
-        <p:nvSpPr>
-          <p:cNvPr id="10" name="Oval 9">
-            <a:extLst>
-              <a:ext uri="{FF2B5EF4-FFF2-40B4-BE49-F238E27FC236}">
-                <a16:creationId xmlns:a16="http://schemas.microsoft.com/office/drawing/2014/main" id="{0FA39828-BF15-470C-991C-CF7D74E7631F}"/>
-              </a:ext>
-            </a:extLst>
-          </p:cNvPr>
-          <p:cNvSpPr/>
-          <p:nvPr/>
-        </p:nvSpPr>
-        <p:spPr>
-          <a:xfrm>
-            <a:off x="9562012" y="2142308"/>
-            <a:ext cx="627017" cy="953589"/>
-          </a:xfrm>
-          <a:prstGeom prst="ellipse">
             <a:avLst/>
           </a:prstGeom>
           <a:noFill/>
           <a:ln>
             <a:solidFill>
-              <a:schemeClr val="tx1"/>
+              <a:srgbClr val="FF0000"/>
             </a:solidFill>
           </a:ln>
         </p:spPr>
-        <p:style>
-          <a:lnRef idx="2">
-            <a:schemeClr val="accent1">
-              <a:shade val="50000"/>
-            </a:schemeClr>
-          </a:lnRef>
-          <a:fillRef idx="1">
-            <a:schemeClr val="accent1"/>
-          </a:fillRef>
-          <a:effectRef idx="0">
-            <a:schemeClr val="accent1"/>
-          </a:effectRef>
-          <a:fontRef idx="minor">
-            <a:schemeClr val="lt1"/>
-          </a:fontRef>
-        </p:style>
-        <p:txBody>
-          <a:bodyPr rtlCol="0" anchor="ctr"/>
+        <p:txBody>
+          <a:bodyPr wrap="square" rtlCol="0">
+            <a:spAutoFit/>
+          </a:bodyPr>
           <a:lstStyle/>
           <a:p>
-            <a:pPr algn="ctr"/>
-            <a:endParaRPr lang="en-US"/>
-          </a:p>
-        </p:txBody>
-      </p:sp>
-      <p:sp>
-        <p:nvSpPr>
-          <p:cNvPr id="11" name="Oval 10">
-            <a:extLst>
-              <a:ext uri="{FF2B5EF4-FFF2-40B4-BE49-F238E27FC236}">
-                <a16:creationId xmlns:a16="http://schemas.microsoft.com/office/drawing/2014/main" id="{55ED2BCF-7CD1-4CDA-A1CA-6392A31D0741}"/>
-              </a:ext>
-            </a:extLst>
-          </p:cNvPr>
-          <p:cNvSpPr/>
-          <p:nvPr/>
-        </p:nvSpPr>
-        <p:spPr>
-          <a:xfrm>
-            <a:off x="9418320" y="1972491"/>
-            <a:ext cx="923109" cy="1275806"/>
-          </a:xfrm>
-          <a:prstGeom prst="ellipse">
-            <a:avLst/>
-          </a:prstGeom>
-          <a:noFill/>
-          <a:ln>
-            <a:solidFill>
-              <a:schemeClr val="tx1"/>
-            </a:solidFill>
-          </a:ln>
-        </p:spPr>
-        <p:style>
-          <a:lnRef idx="2">
-            <a:schemeClr val="accent1">
-              <a:shade val="50000"/>
-            </a:schemeClr>
-          </a:lnRef>
-          <a:fillRef idx="1">
-            <a:schemeClr val="accent1"/>
-          </a:fillRef>
-          <a:effectRef idx="0">
-            <a:schemeClr val="accent1"/>
-          </a:effectRef>
-          <a:fontRef idx="minor">
-            <a:schemeClr val="lt1"/>
-          </a:fontRef>
-        </p:style>
-        <p:txBody>
-          <a:bodyPr rtlCol="0" anchor="ctr"/>
-          <a:lstStyle/>
-          <a:p>
-            <a:pPr algn="ctr"/>
-            <a:endParaRPr lang="en-US"/>
+            <a:r>
+              <a:rPr lang="en-US" sz="3200" b="1" dirty="0">
+                <a:solidFill>
+                  <a:srgbClr val="FF0000"/>
+                </a:solidFill>
+              </a:rPr>
+              <a:t>Initial Solution</a:t>
+            </a:r>
           </a:p>
         </p:txBody>
       </p:sp>
       <p:cxnSp>
         <p:nvCxnSpPr>
-          <p:cNvPr id="13" name="Straight Connector 12">
-            <a:extLst>
-              <a:ext uri="{FF2B5EF4-FFF2-40B4-BE49-F238E27FC236}">
-                <a16:creationId xmlns:a16="http://schemas.microsoft.com/office/drawing/2014/main" id="{71B7DB92-0E58-4740-B20B-96DC4505F9D6}"/>
+          <p:cNvPr id="10" name="Straight Arrow Connector 9">
+            <a:extLst>
+              <a:ext uri="{FF2B5EF4-FFF2-40B4-BE49-F238E27FC236}">
+                <a16:creationId xmlns:a16="http://schemas.microsoft.com/office/drawing/2014/main" id="{63F7030F-EC63-E242-94DA-03CDF43AC2C7}"/>
               </a:ext>
             </a:extLst>
           </p:cNvPr>
           <p:cNvCxnSpPr>
-            <a:stCxn id="11" idx="0"/>
+            <a:cxnSpLocks/>
+            <a:stCxn id="8" idx="0"/>
           </p:cNvCxnSpPr>
           <p:nvPr/>
         </p:nvCxnSpPr>
         <p:spPr>
           <a:xfrm flipH="1" flipV="1">
-            <a:off x="8112034" y="1606883"/>
-            <a:ext cx="1767841" cy="365608"/>
-          </a:xfrm>
-          <a:prstGeom prst="line">
+            <a:off x="2496415" y="3602990"/>
+            <a:ext cx="1" cy="721874"/>
+          </a:xfrm>
+          <a:prstGeom prst="straightConnector1">
             <a:avLst/>
           </a:prstGeom>
-          <a:ln>
+          <a:ln w="76200">
             <a:solidFill>
-              <a:schemeClr val="tx1"/>
+              <a:srgbClr val="FF0000"/>
             </a:solidFill>
+            <a:tailEnd type="triangle"/>
           </a:ln>
         </p:spPr>
         <p:style>
@@ -8124,30 +9083,79 @@
           </a:fontRef>
         </p:style>
       </p:cxnSp>
+      <p:sp>
+        <p:nvSpPr>
+          <p:cNvPr id="11" name="TextBox 10">
+            <a:extLst>
+              <a:ext uri="{FF2B5EF4-FFF2-40B4-BE49-F238E27FC236}">
+                <a16:creationId xmlns:a16="http://schemas.microsoft.com/office/drawing/2014/main" id="{1DB60264-D809-A443-AC43-7C8FAB07A15F}"/>
+              </a:ext>
+            </a:extLst>
+          </p:cNvPr>
+          <p:cNvSpPr txBox="1"/>
+          <p:nvPr/>
+        </p:nvSpPr>
+        <p:spPr>
+          <a:xfrm>
+            <a:off x="2529601" y="5827775"/>
+            <a:ext cx="938411" cy="584775"/>
+          </a:xfrm>
+          <a:prstGeom prst="rect">
+            <a:avLst/>
+          </a:prstGeom>
+          <a:noFill/>
+          <a:ln>
+            <a:solidFill>
+              <a:srgbClr val="FF0000"/>
+            </a:solidFill>
+          </a:ln>
+        </p:spPr>
+        <p:txBody>
+          <a:bodyPr wrap="square" rtlCol="0">
+            <a:spAutoFit/>
+          </a:bodyPr>
+          <a:lstStyle/>
+          <a:p>
+            <a:pPr algn="ctr"/>
+            <a:r>
+              <a:rPr lang="en-US" sz="3200" b="1" dirty="0">
+                <a:solidFill>
+                  <a:srgbClr val="FF0000"/>
+                </a:solidFill>
+              </a:rPr>
+              <a:t>ZBE</a:t>
+            </a:r>
+          </a:p>
+        </p:txBody>
+      </p:sp>
       <p:cxnSp>
         <p:nvCxnSpPr>
-          <p:cNvPr id="14" name="Straight Connector 13">
-            <a:extLst>
-              <a:ext uri="{FF2B5EF4-FFF2-40B4-BE49-F238E27FC236}">
-                <a16:creationId xmlns:a16="http://schemas.microsoft.com/office/drawing/2014/main" id="{C0E3E0ED-5154-49C5-8844-14518C396B6C}"/>
-              </a:ext>
-            </a:extLst>
-          </p:cNvPr>
-          <p:cNvCxnSpPr/>
+          <p:cNvPr id="12" name="Straight Arrow Connector 11">
+            <a:extLst>
+              <a:ext uri="{FF2B5EF4-FFF2-40B4-BE49-F238E27FC236}">
+                <a16:creationId xmlns:a16="http://schemas.microsoft.com/office/drawing/2014/main" id="{6B74E267-A04E-6841-A61D-2AF67186C1AD}"/>
+              </a:ext>
+            </a:extLst>
+          </p:cNvPr>
+          <p:cNvCxnSpPr>
+            <a:cxnSpLocks/>
+            <a:stCxn id="11" idx="3"/>
+          </p:cNvCxnSpPr>
           <p:nvPr/>
         </p:nvCxnSpPr>
         <p:spPr>
-          <a:xfrm flipH="1" flipV="1">
-            <a:off x="8020595" y="2882689"/>
-            <a:ext cx="1767841" cy="365608"/>
-          </a:xfrm>
-          <a:prstGeom prst="line">
+          <a:xfrm>
+            <a:off x="3468012" y="6120163"/>
+            <a:ext cx="1931890" cy="0"/>
+          </a:xfrm>
+          <a:prstGeom prst="straightConnector1">
             <a:avLst/>
           </a:prstGeom>
-          <a:ln>
+          <a:ln w="76200">
             <a:solidFill>
-              <a:schemeClr val="tx1"/>
+              <a:srgbClr val="FF0000"/>
             </a:solidFill>
+            <a:tailEnd type="triangle"/>
           </a:ln>
         </p:spPr>
         <p:style>
@@ -8165,281 +9173,12 @@
           </a:fontRef>
         </p:style>
       </p:cxnSp>
-      <p:cxnSp>
-        <p:nvCxnSpPr>
-          <p:cNvPr id="16" name="Straight Arrow Connector 15">
-            <a:extLst>
-              <a:ext uri="{FF2B5EF4-FFF2-40B4-BE49-F238E27FC236}">
-                <a16:creationId xmlns:a16="http://schemas.microsoft.com/office/drawing/2014/main" id="{8B4BCEB9-0004-4640-9A7C-A67EB496D90A}"/>
-              </a:ext>
-            </a:extLst>
-          </p:cNvPr>
-          <p:cNvCxnSpPr/>
-          <p:nvPr/>
-        </p:nvCxnSpPr>
-        <p:spPr>
-          <a:xfrm>
-            <a:off x="9875520" y="2610394"/>
-            <a:ext cx="1306286" cy="272295"/>
-          </a:xfrm>
-          <a:prstGeom prst="straightConnector1">
-            <a:avLst/>
-          </a:prstGeom>
-          <a:ln w="76200">
-            <a:tailEnd type="triangle"/>
-          </a:ln>
-        </p:spPr>
-        <p:style>
-          <a:lnRef idx="1">
-            <a:schemeClr val="accent1"/>
-          </a:lnRef>
-          <a:fillRef idx="0">
-            <a:schemeClr val="accent1"/>
-          </a:fillRef>
-          <a:effectRef idx="0">
-            <a:schemeClr val="accent1"/>
-          </a:effectRef>
-          <a:fontRef idx="minor">
-            <a:schemeClr val="tx1"/>
-          </a:fontRef>
-        </p:style>
-      </p:cxnSp>
-      <p:sp>
-        <p:nvSpPr>
-          <p:cNvPr id="17" name="Oval 16">
-            <a:extLst>
-              <a:ext uri="{FF2B5EF4-FFF2-40B4-BE49-F238E27FC236}">
-                <a16:creationId xmlns:a16="http://schemas.microsoft.com/office/drawing/2014/main" id="{9CCA9F8C-512B-45CF-9B80-0D138F612EE5}"/>
-              </a:ext>
-            </a:extLst>
-          </p:cNvPr>
-          <p:cNvSpPr/>
-          <p:nvPr/>
-        </p:nvSpPr>
-        <p:spPr>
-          <a:xfrm>
-            <a:off x="9599025" y="4976600"/>
-            <a:ext cx="418503" cy="501092"/>
-          </a:xfrm>
-          <a:prstGeom prst="ellipse">
-            <a:avLst/>
-          </a:prstGeom>
-          <a:noFill/>
-          <a:ln>
-            <a:solidFill>
-              <a:schemeClr val="tx1"/>
-            </a:solidFill>
-          </a:ln>
-        </p:spPr>
-        <p:style>
-          <a:lnRef idx="2">
-            <a:schemeClr val="accent1">
-              <a:shade val="50000"/>
-            </a:schemeClr>
-          </a:lnRef>
-          <a:fillRef idx="1">
-            <a:schemeClr val="accent1"/>
-          </a:fillRef>
-          <a:effectRef idx="0">
-            <a:schemeClr val="accent1"/>
-          </a:effectRef>
-          <a:fontRef idx="minor">
-            <a:schemeClr val="lt1"/>
-          </a:fontRef>
-        </p:style>
-        <p:txBody>
-          <a:bodyPr rtlCol="0" anchor="ctr"/>
-          <a:lstStyle/>
-          <a:p>
-            <a:pPr algn="ctr"/>
-            <a:endParaRPr lang="en-US"/>
-          </a:p>
-        </p:txBody>
-      </p:sp>
-      <p:sp>
-        <p:nvSpPr>
-          <p:cNvPr id="18" name="Oval 17">
-            <a:extLst>
-              <a:ext uri="{FF2B5EF4-FFF2-40B4-BE49-F238E27FC236}">
-                <a16:creationId xmlns:a16="http://schemas.microsoft.com/office/drawing/2014/main" id="{30A255D9-F3EC-46B0-A77E-B842D2C931C5}"/>
-              </a:ext>
-            </a:extLst>
-          </p:cNvPr>
-          <p:cNvSpPr/>
-          <p:nvPr/>
-        </p:nvSpPr>
-        <p:spPr>
-          <a:xfrm>
-            <a:off x="9480371" y="4898876"/>
-            <a:ext cx="616130" cy="670410"/>
-          </a:xfrm>
-          <a:prstGeom prst="ellipse">
-            <a:avLst/>
-          </a:prstGeom>
-          <a:noFill/>
-          <a:ln>
-            <a:solidFill>
-              <a:schemeClr val="tx1"/>
-            </a:solidFill>
-          </a:ln>
-        </p:spPr>
-        <p:style>
-          <a:lnRef idx="2">
-            <a:schemeClr val="accent1">
-              <a:shade val="50000"/>
-            </a:schemeClr>
-          </a:lnRef>
-          <a:fillRef idx="1">
-            <a:schemeClr val="accent1"/>
-          </a:fillRef>
-          <a:effectRef idx="0">
-            <a:schemeClr val="accent1"/>
-          </a:effectRef>
-          <a:fontRef idx="minor">
-            <a:schemeClr val="lt1"/>
-          </a:fontRef>
-        </p:style>
-        <p:txBody>
-          <a:bodyPr rtlCol="0" anchor="ctr"/>
-          <a:lstStyle/>
-          <a:p>
-            <a:pPr algn="ctr"/>
-            <a:endParaRPr lang="en-US"/>
-          </a:p>
-        </p:txBody>
-      </p:sp>
-      <p:cxnSp>
-        <p:nvCxnSpPr>
-          <p:cNvPr id="19" name="Straight Connector 18">
-            <a:extLst>
-              <a:ext uri="{FF2B5EF4-FFF2-40B4-BE49-F238E27FC236}">
-                <a16:creationId xmlns:a16="http://schemas.microsoft.com/office/drawing/2014/main" id="{CDBA8F9F-5217-4232-958E-46E3EFCEE4BB}"/>
-              </a:ext>
-            </a:extLst>
-          </p:cNvPr>
-          <p:cNvCxnSpPr>
-            <a:cxnSpLocks/>
-            <a:stCxn id="18" idx="0"/>
-          </p:cNvCxnSpPr>
-          <p:nvPr/>
-        </p:nvCxnSpPr>
-        <p:spPr>
-          <a:xfrm flipH="1" flipV="1">
-            <a:off x="7961815" y="4452236"/>
-            <a:ext cx="1826621" cy="446640"/>
-          </a:xfrm>
-          <a:prstGeom prst="line">
-            <a:avLst/>
-          </a:prstGeom>
-          <a:ln>
-            <a:solidFill>
-              <a:schemeClr val="tx1"/>
-            </a:solidFill>
-          </a:ln>
-        </p:spPr>
-        <p:style>
-          <a:lnRef idx="1">
-            <a:schemeClr val="accent1"/>
-          </a:lnRef>
-          <a:fillRef idx="0">
-            <a:schemeClr val="accent1"/>
-          </a:fillRef>
-          <a:effectRef idx="0">
-            <a:schemeClr val="accent1"/>
-          </a:effectRef>
-          <a:fontRef idx="minor">
-            <a:schemeClr val="tx1"/>
-          </a:fontRef>
-        </p:style>
-      </p:cxnSp>
-      <p:cxnSp>
-        <p:nvCxnSpPr>
-          <p:cNvPr id="20" name="Straight Connector 19">
-            <a:extLst>
-              <a:ext uri="{FF2B5EF4-FFF2-40B4-BE49-F238E27FC236}">
-                <a16:creationId xmlns:a16="http://schemas.microsoft.com/office/drawing/2014/main" id="{D599C2B7-0000-483F-8A94-166BBE32D30B}"/>
-              </a:ext>
-            </a:extLst>
-          </p:cNvPr>
-          <p:cNvCxnSpPr>
-            <a:cxnSpLocks/>
-          </p:cNvCxnSpPr>
-          <p:nvPr/>
-        </p:nvCxnSpPr>
-        <p:spPr>
-          <a:xfrm flipH="1" flipV="1">
-            <a:off x="7837173" y="5112082"/>
-            <a:ext cx="1921873" cy="443334"/>
-          </a:xfrm>
-          <a:prstGeom prst="line">
-            <a:avLst/>
-          </a:prstGeom>
-          <a:ln>
-            <a:solidFill>
-              <a:schemeClr val="tx1"/>
-            </a:solidFill>
-          </a:ln>
-        </p:spPr>
-        <p:style>
-          <a:lnRef idx="1">
-            <a:schemeClr val="accent1"/>
-          </a:lnRef>
-          <a:fillRef idx="0">
-            <a:schemeClr val="accent1"/>
-          </a:fillRef>
-          <a:effectRef idx="0">
-            <a:schemeClr val="accent1"/>
-          </a:effectRef>
-          <a:fontRef idx="minor">
-            <a:schemeClr val="tx1"/>
-          </a:fontRef>
-        </p:style>
-      </p:cxnSp>
-      <p:cxnSp>
-        <p:nvCxnSpPr>
-          <p:cNvPr id="24" name="Straight Arrow Connector 23">
-            <a:extLst>
-              <a:ext uri="{FF2B5EF4-FFF2-40B4-BE49-F238E27FC236}">
-                <a16:creationId xmlns:a16="http://schemas.microsoft.com/office/drawing/2014/main" id="{714ACDE2-4102-4FBA-AB89-BD37F16CAF80}"/>
-              </a:ext>
-            </a:extLst>
-          </p:cNvPr>
-          <p:cNvCxnSpPr/>
-          <p:nvPr/>
-        </p:nvCxnSpPr>
-        <p:spPr>
-          <a:xfrm>
-            <a:off x="9816984" y="5251194"/>
-            <a:ext cx="1306286" cy="272295"/>
-          </a:xfrm>
-          <a:prstGeom prst="straightConnector1">
-            <a:avLst/>
-          </a:prstGeom>
-          <a:ln w="76200">
-            <a:tailEnd type="triangle"/>
-          </a:ln>
-        </p:spPr>
-        <p:style>
-          <a:lnRef idx="1">
-            <a:schemeClr val="accent1"/>
-          </a:lnRef>
-          <a:fillRef idx="0">
-            <a:schemeClr val="accent1"/>
-          </a:fillRef>
-          <a:effectRef idx="0">
-            <a:schemeClr val="accent1"/>
-          </a:effectRef>
-          <a:fontRef idx="minor">
-            <a:schemeClr val="tx1"/>
-          </a:fontRef>
-        </p:style>
-      </p:cxnSp>
-      <p:sp>
-        <p:nvSpPr>
-          <p:cNvPr id="25" name="TextBox 24">
-            <a:extLst>
-              <a:ext uri="{FF2B5EF4-FFF2-40B4-BE49-F238E27FC236}">
-                <a16:creationId xmlns:a16="http://schemas.microsoft.com/office/drawing/2014/main" id="{CB9DF602-9EE2-4FCF-A175-368E6068274C}"/>
+      <p:sp>
+        <p:nvSpPr>
+          <p:cNvPr id="18" name="TextBox 17">
+            <a:extLst>
+              <a:ext uri="{FF2B5EF4-FFF2-40B4-BE49-F238E27FC236}">
+                <a16:creationId xmlns:a16="http://schemas.microsoft.com/office/drawing/2014/main" id="{39780F8A-FB0B-A84F-8F06-73536595043C}"/>
               </a:ext>
             </a:extLst>
           </p:cNvPr>
@@ -8448,8 +9187,8 @@
         </p:nvSpPr>
         <p:spPr>
           <a:xfrm>
-            <a:off x="10711543" y="1972491"/>
-            <a:ext cx="1024639" cy="646331"/>
+            <a:off x="7068065" y="481914"/>
+            <a:ext cx="3257302" cy="707886"/>
           </a:xfrm>
           <a:prstGeom prst="rect">
             <a:avLst/>
@@ -8463,31 +9202,18 @@
           <a:lstStyle/>
           <a:p>
             <a:r>
-              <a:rPr lang="en-US" sz="3600" dirty="0"/>
-              <a:t>A</a:t>
-            </a:r>
-            <a:r>
-              <a:rPr lang="en-US" sz="3600" baseline="-25000" dirty="0"/>
-              <a:t>1</a:t>
-            </a:r>
-            <a:r>
-              <a:rPr lang="en-US" sz="3600" dirty="0"/>
-              <a:t>V</a:t>
-            </a:r>
-            <a:r>
-              <a:rPr lang="en-US" sz="3600" baseline="-25000" dirty="0"/>
-              <a:t>1</a:t>
-            </a:r>
-            <a:endParaRPr lang="en-US" sz="3600" dirty="0"/>
-          </a:p>
-        </p:txBody>
-      </p:sp>
-      <p:sp>
-        <p:nvSpPr>
-          <p:cNvPr id="26" name="TextBox 25">
-            <a:extLst>
-              <a:ext uri="{FF2B5EF4-FFF2-40B4-BE49-F238E27FC236}">
-                <a16:creationId xmlns:a16="http://schemas.microsoft.com/office/drawing/2014/main" id="{6B272907-DFE0-4D26-AAC0-86DCA1C5B87C}"/>
+              <a:rPr lang="en-US" sz="4000" b="1" dirty="0"/>
+              <a:t>Cost Summary</a:t>
+            </a:r>
+          </a:p>
+        </p:txBody>
+      </p:sp>
+      <p:sp>
+        <p:nvSpPr>
+          <p:cNvPr id="20" name="TextBox 19">
+            <a:extLst>
+              <a:ext uri="{FF2B5EF4-FFF2-40B4-BE49-F238E27FC236}">
+                <a16:creationId xmlns:a16="http://schemas.microsoft.com/office/drawing/2014/main" id="{B36012CD-C7CD-2B49-9C8D-C32EBBE77908}"/>
               </a:ext>
             </a:extLst>
           </p:cNvPr>
@@ -8496,91 +9222,8 @@
         </p:nvSpPr>
         <p:spPr>
           <a:xfrm>
-            <a:off x="10668888" y="4651748"/>
-            <a:ext cx="1024639" cy="646331"/>
-          </a:xfrm>
-          <a:prstGeom prst="rect">
-            <a:avLst/>
-          </a:prstGeom>
-          <a:noFill/>
-        </p:spPr>
-        <p:txBody>
-          <a:bodyPr wrap="none" rtlCol="0">
-            <a:spAutoFit/>
-          </a:bodyPr>
-          <a:lstStyle/>
-          <a:p>
-            <a:r>
-              <a:rPr lang="en-US" sz="3600" dirty="0"/>
-              <a:t>A</a:t>
-            </a:r>
-            <a:r>
-              <a:rPr lang="en-US" sz="3600" baseline="-25000" dirty="0"/>
-              <a:t>2</a:t>
-            </a:r>
-            <a:r>
-              <a:rPr lang="en-US" sz="3600" dirty="0"/>
-              <a:t>V</a:t>
-            </a:r>
-            <a:r>
-              <a:rPr lang="en-US" sz="3600" baseline="-25000" dirty="0"/>
-              <a:t>2</a:t>
-            </a:r>
-            <a:endParaRPr lang="en-US" sz="3600" dirty="0"/>
-          </a:p>
-        </p:txBody>
-      </p:sp>
-      <p:sp>
-        <p:nvSpPr>
-          <p:cNvPr id="27" name="TextBox 26">
-            <a:extLst>
-              <a:ext uri="{FF2B5EF4-FFF2-40B4-BE49-F238E27FC236}">
-                <a16:creationId xmlns:a16="http://schemas.microsoft.com/office/drawing/2014/main" id="{BF335F71-2BFB-4CCF-96F4-5BB0CCF9BCE8}"/>
-              </a:ext>
-            </a:extLst>
-          </p:cNvPr>
-          <p:cNvSpPr txBox="1"/>
-          <p:nvPr/>
-        </p:nvSpPr>
-        <p:spPr>
-          <a:xfrm>
-            <a:off x="9106711" y="3265714"/>
-            <a:ext cx="747320" cy="1446550"/>
-          </a:xfrm>
-          <a:prstGeom prst="rect">
-            <a:avLst/>
-          </a:prstGeom>
-          <a:noFill/>
-        </p:spPr>
-        <p:txBody>
-          <a:bodyPr wrap="none" rtlCol="0">
-            <a:spAutoFit/>
-          </a:bodyPr>
-          <a:lstStyle/>
-          <a:p>
-            <a:r>
-              <a:rPr lang="en-US" sz="8800" dirty="0"/>
-              <a:t>=</a:t>
-            </a:r>
-          </a:p>
-        </p:txBody>
-      </p:sp>
-      <p:sp>
-        <p:nvSpPr>
-          <p:cNvPr id="28" name="TextBox 27">
-            <a:extLst>
-              <a:ext uri="{FF2B5EF4-FFF2-40B4-BE49-F238E27FC236}">
-                <a16:creationId xmlns:a16="http://schemas.microsoft.com/office/drawing/2014/main" id="{42AA6EE1-AC36-4502-A1D6-3435207643D2}"/>
-              </a:ext>
-            </a:extLst>
-          </p:cNvPr>
-          <p:cNvSpPr txBox="1"/>
-          <p:nvPr/>
-        </p:nvSpPr>
-        <p:spPr>
-          <a:xfrm>
-            <a:off x="1593906" y="5852864"/>
-            <a:ext cx="8747523" cy="584775"/>
+            <a:off x="7261540" y="1663174"/>
+            <a:ext cx="4477379" cy="1077218"/>
           </a:xfrm>
           <a:prstGeom prst="rect">
             <a:avLst/>
@@ -8593,7 +9236,7 @@
           </a:ln>
         </p:spPr>
         <p:txBody>
-          <a:bodyPr wrap="none" rtlCol="0">
+          <a:bodyPr wrap="square" rtlCol="0">
             <a:spAutoFit/>
           </a:bodyPr>
           <a:lstStyle/>
@@ -8620,7 +9263,7 @@
     </p:spTree>
     <p:extLst>
       <p:ext uri="{BB962C8B-B14F-4D97-AF65-F5344CB8AC3E}">
-        <p14:creationId xmlns:p14="http://schemas.microsoft.com/office/powerpoint/2010/main" val="2064180662"/>
+        <p14:creationId xmlns:p14="http://schemas.microsoft.com/office/powerpoint/2010/main" val="2848671031"/>
       </p:ext>
     </p:extLst>
   </p:cSld>
@@ -8661,7 +9304,7 @@
                                           </p:stCondLst>
                                         </p:cTn>
                                         <p:tgtEl>
-                                          <p:spTgt spid="28"/>
+                                          <p:spTgt spid="20"/>
                                         </p:tgtEl>
                                         <p:attrNameLst>
                                           <p:attrName>style.visibility</p:attrName>
@@ -8702,13 +9345,13 @@
       </p:par>
     </p:tnLst>
     <p:bldLst>
-      <p:bldP spid="28" grpId="0" animBg="1"/>
+      <p:bldP spid="20" grpId="0" animBg="1"/>
     </p:bldLst>
   </p:timing>
 </p:sld>
 </file>
 
-<file path=ppt/slides/slide5.xml><?xml version="1.0" encoding="utf-8"?>
+<file path=ppt/slides/slide8.xml><?xml version="1.0" encoding="utf-8"?>
 <p:sld xmlns:a="http://schemas.openxmlformats.org/drawingml/2006/main" xmlns:r="http://schemas.openxmlformats.org/officeDocument/2006/relationships" xmlns:p="http://schemas.openxmlformats.org/presentationml/2006/main">
   <p:cSld>
     <p:spTree>
@@ -8725,46 +9368,113 @@
           <a:chExt cx="0" cy="0"/>
         </a:xfrm>
       </p:grpSpPr>
-      <p:pic>
-        <p:nvPicPr>
-          <p:cNvPr id="4" name="Picture 3">
-            <a:extLst>
-              <a:ext uri="{FF2B5EF4-FFF2-40B4-BE49-F238E27FC236}">
-                <a16:creationId xmlns:a16="http://schemas.microsoft.com/office/drawing/2014/main" id="{6DB30E48-36D0-443B-8041-D45CDBD7C38E}"/>
-              </a:ext>
-            </a:extLst>
-          </p:cNvPr>
-          <p:cNvPicPr>
-            <a:picLocks noChangeAspect="1"/>
-          </p:cNvPicPr>
-          <p:nvPr/>
-        </p:nvPicPr>
-        <p:blipFill>
-          <a:blip r:embed="rId2">
-            <a:extLst>
-              <a:ext uri="{28A0092B-C50C-407E-A947-70E740481C1C}">
-                <a14:useLocalDpi xmlns:a14="http://schemas.microsoft.com/office/drawing/2010/main" val="0"/>
-              </a:ext>
-            </a:extLst>
-          </a:blip>
-          <a:stretch>
-            <a:fillRect/>
-          </a:stretch>
-        </p:blipFill>
+      <p:sp>
+        <p:nvSpPr>
+          <p:cNvPr id="2" name="Title 1">
+            <a:extLst>
+              <a:ext uri="{FF2B5EF4-FFF2-40B4-BE49-F238E27FC236}">
+                <a16:creationId xmlns:a16="http://schemas.microsoft.com/office/drawing/2014/main" id="{492325B8-8001-FE4E-B13C-B76521F9165A}"/>
+              </a:ext>
+            </a:extLst>
+          </p:cNvPr>
+          <p:cNvSpPr>
+            <a:spLocks noGrp="1"/>
+          </p:cNvSpPr>
+          <p:nvPr>
+            <p:ph type="title"/>
+          </p:nvPr>
+        </p:nvSpPr>
+        <p:spPr/>
+        <p:txBody>
+          <a:bodyPr/>
+          <a:lstStyle/>
+          <a:p>
+            <a:pPr algn="ctr"/>
+            <a:r>
+              <a:rPr lang="en-US" dirty="0"/>
+              <a:t>Risk Assessment </a:t>
+            </a:r>
+          </a:p>
+        </p:txBody>
+      </p:sp>
+      <p:sp>
+        <p:nvSpPr>
+          <p:cNvPr id="3" name="Content Placeholder 2">
+            <a:extLst>
+              <a:ext uri="{FF2B5EF4-FFF2-40B4-BE49-F238E27FC236}">
+                <a16:creationId xmlns:a16="http://schemas.microsoft.com/office/drawing/2014/main" id="{531E0832-104D-9C42-83DB-45DD65208156}"/>
+              </a:ext>
+            </a:extLst>
+          </p:cNvPr>
+          <p:cNvSpPr>
+            <a:spLocks noGrp="1"/>
+          </p:cNvSpPr>
+          <p:nvPr>
+            <p:ph idx="1"/>
+          </p:nvPr>
+        </p:nvSpPr>
         <p:spPr>
           <a:xfrm>
-            <a:off x="-59941" y="1084217"/>
-            <a:ext cx="12311881" cy="4689566"/>
-          </a:xfrm>
-          <a:prstGeom prst="rect">
-            <a:avLst/>
-          </a:prstGeom>
-        </p:spPr>
-      </p:pic>
+            <a:off x="2901778" y="1973197"/>
+            <a:ext cx="6388444" cy="2911605"/>
+          </a:xfrm>
+        </p:spPr>
+        <p:txBody>
+          <a:bodyPr>
+            <a:normAutofit/>
+          </a:bodyPr>
+          <a:lstStyle/>
+          <a:p>
+            <a:pPr marL="571500" indent="-571500">
+              <a:buAutoNum type="romanUcPeriod"/>
+            </a:pPr>
+            <a:r>
+              <a:rPr lang="en-US" sz="3200" dirty="0"/>
+              <a:t>Combination of pipe thickness</a:t>
+            </a:r>
+          </a:p>
+          <a:p>
+            <a:pPr marL="571500" indent="-571500">
+              <a:buAutoNum type="romanUcPeriod"/>
+            </a:pPr>
+            <a:r>
+              <a:rPr lang="en-US" sz="3200" dirty="0"/>
+              <a:t>Pump placement </a:t>
+            </a:r>
+          </a:p>
+          <a:p>
+            <a:pPr marL="571500" indent="-571500">
+              <a:buAutoNum type="romanUcPeriod"/>
+            </a:pPr>
+            <a:r>
+              <a:rPr lang="en-US" sz="3200" dirty="0"/>
+              <a:t>Pump site leveling </a:t>
+            </a:r>
+          </a:p>
+          <a:p>
+            <a:pPr marL="571500" indent="-571500">
+              <a:buAutoNum type="romanUcPeriod"/>
+            </a:pPr>
+            <a:r>
+              <a:rPr lang="en-US" sz="3200" dirty="0"/>
+              <a:t>Time</a:t>
+            </a:r>
+          </a:p>
+          <a:p>
+            <a:pPr marL="571500" indent="-571500">
+              <a:buAutoNum type="romanUcPeriod"/>
+            </a:pPr>
+            <a:r>
+              <a:rPr lang="en-US" sz="3200" dirty="0"/>
+              <a:t>Calculation of work truck quantity </a:t>
+            </a:r>
+          </a:p>
+        </p:txBody>
+      </p:sp>
     </p:spTree>
     <p:extLst>
       <p:ext uri="{BB962C8B-B14F-4D97-AF65-F5344CB8AC3E}">
-        <p14:creationId xmlns:p14="http://schemas.microsoft.com/office/powerpoint/2010/main" val="1367030958"/>
+        <p14:creationId xmlns:p14="http://schemas.microsoft.com/office/powerpoint/2010/main" val="660917957"/>
       </p:ext>
     </p:extLst>
   </p:cSld>
@@ -8774,7 +9484,7 @@
 </p:sld>
 </file>
 
-<file path=ppt/slides/slide6.xml><?xml version="1.0" encoding="utf-8"?>
+<file path=ppt/slides/slide9.xml><?xml version="1.0" encoding="utf-8"?>
 <p:sld xmlns:a="http://schemas.openxmlformats.org/drawingml/2006/main" xmlns:r="http://schemas.openxmlformats.org/officeDocument/2006/relationships" xmlns:p="http://schemas.openxmlformats.org/presentationml/2006/main">
   <p:cSld>
     <p:spTree>
@@ -8796,7 +9506,7 @@
           <p:cNvPr id="2" name="Title 1">
             <a:extLst>
               <a:ext uri="{FF2B5EF4-FFF2-40B4-BE49-F238E27FC236}">
-                <a16:creationId xmlns:a16="http://schemas.microsoft.com/office/drawing/2014/main" id="{B5A84D1F-120D-1F44-8907-5AD5A4F0ED55}"/>
+                <a16:creationId xmlns:a16="http://schemas.microsoft.com/office/drawing/2014/main" id="{4D18C295-152E-9144-850D-C09E6899CB86}"/>
               </a:ext>
             </a:extLst>
           </p:cNvPr>
@@ -8807,124 +9517,6 @@
             <p:ph type="title"/>
           </p:nvPr>
         </p:nvSpPr>
-        <p:spPr/>
-        <p:txBody>
-          <a:bodyPr/>
-          <a:lstStyle/>
-          <a:p>
-            <a:pPr algn="ctr"/>
-            <a:r>
-              <a:rPr lang="en-US" dirty="0"/>
-              <a:t>Modularization</a:t>
-            </a:r>
-          </a:p>
-        </p:txBody>
-      </p:sp>
-      <p:sp>
-        <p:nvSpPr>
-          <p:cNvPr id="3" name="Content Placeholder 2">
-            <a:extLst>
-              <a:ext uri="{FF2B5EF4-FFF2-40B4-BE49-F238E27FC236}">
-                <a16:creationId xmlns:a16="http://schemas.microsoft.com/office/drawing/2014/main" id="{7CB5C8AD-2517-984B-82E9-785FA47419CF}"/>
-              </a:ext>
-            </a:extLst>
-          </p:cNvPr>
-          <p:cNvSpPr>
-            <a:spLocks noGrp="1"/>
-          </p:cNvSpPr>
-          <p:nvPr>
-            <p:ph idx="1"/>
-          </p:nvPr>
-        </p:nvSpPr>
-        <p:spPr/>
-        <p:txBody>
-          <a:bodyPr/>
-          <a:lstStyle/>
-          <a:p>
-            <a:r>
-              <a:rPr lang="en-US" dirty="0"/>
-              <a:t>Modularization seems to reduce costs at the expense of increased risks</a:t>
-            </a:r>
-          </a:p>
-          <a:p>
-            <a:r>
-              <a:rPr lang="en-US" dirty="0"/>
-              <a:t>Modularized components can be built/repaired more easily in-field</a:t>
-            </a:r>
-          </a:p>
-          <a:p>
-            <a:r>
-              <a:rPr lang="en-US" dirty="0"/>
-              <a:t>This in-field maintenance introduces the risks of foreign object damage in sensitive areas</a:t>
-            </a:r>
-          </a:p>
-          <a:p>
-            <a:pPr lvl="1"/>
-            <a:r>
-              <a:rPr lang="en-US" dirty="0"/>
-              <a:t>This risk is compounded in very sandy areas, such as the project location</a:t>
-            </a:r>
-          </a:p>
-          <a:p>
-            <a:endParaRPr lang="en-US" dirty="0"/>
-          </a:p>
-          <a:p>
-            <a:pPr marL="0" indent="0">
-              <a:buNone/>
-            </a:pPr>
-            <a:r>
-              <a:rPr lang="en-US" b="1" dirty="0"/>
-              <a:t>Key Takeaway: risk/reward must be quantified before making a final decision on the benefits of modularization—not enough info on risk!</a:t>
-            </a:r>
-          </a:p>
-        </p:txBody>
-      </p:sp>
-    </p:spTree>
-    <p:extLst>
-      <p:ext uri="{BB962C8B-B14F-4D97-AF65-F5344CB8AC3E}">
-        <p14:creationId xmlns:p14="http://schemas.microsoft.com/office/powerpoint/2010/main" val="488885204"/>
-      </p:ext>
-    </p:extLst>
-  </p:cSld>
-  <p:clrMapOvr>
-    <a:masterClrMapping/>
-  </p:clrMapOvr>
-</p:sld>
-</file>
-
-<file path=ppt/slides/slide7.xml><?xml version="1.0" encoding="utf-8"?>
-<p:sld xmlns:a="http://schemas.openxmlformats.org/drawingml/2006/main" xmlns:r="http://schemas.openxmlformats.org/officeDocument/2006/relationships" xmlns:p="http://schemas.openxmlformats.org/presentationml/2006/main">
-  <p:cSld>
-    <p:spTree>
-      <p:nvGrpSpPr>
-        <p:cNvPr id="1" name=""/>
-        <p:cNvGrpSpPr/>
-        <p:nvPr/>
-      </p:nvGrpSpPr>
-      <p:grpSpPr>
-        <a:xfrm>
-          <a:off x="0" y="0"/>
-          <a:ext cx="0" cy="0"/>
-          <a:chOff x="0" y="0"/>
-          <a:chExt cx="0" cy="0"/>
-        </a:xfrm>
-      </p:grpSpPr>
-      <p:sp>
-        <p:nvSpPr>
-          <p:cNvPr id="2" name="Title 1">
-            <a:extLst>
-              <a:ext uri="{FF2B5EF4-FFF2-40B4-BE49-F238E27FC236}">
-                <a16:creationId xmlns:a16="http://schemas.microsoft.com/office/drawing/2014/main" id="{4D18C295-152E-9144-850D-C09E6899CB86}"/>
-              </a:ext>
-            </a:extLst>
-          </p:cNvPr>
-          <p:cNvSpPr>
-            <a:spLocks noGrp="1"/>
-          </p:cNvSpPr>
-          <p:nvPr>
-            <p:ph type="title"/>
-          </p:nvPr>
-        </p:nvSpPr>
         <p:spPr>
           <a:xfrm>
             <a:off x="838200" y="365126"/>
@@ -8937,7 +9529,7 @@
           <a:p>
             <a:pPr algn="ctr"/>
             <a:r>
-              <a:rPr lang="en-US" dirty="0"/>
+              <a:rPr lang="en-US" b="1" dirty="0"/>
               <a:t>Proposed Innovation Concept</a:t>
             </a:r>
           </a:p>
@@ -10596,145 +11188,6 @@
     <p:extLst>
       <p:ext uri="{BB962C8B-B14F-4D97-AF65-F5344CB8AC3E}">
         <p14:creationId xmlns:p14="http://schemas.microsoft.com/office/powerpoint/2010/main" val="3482469565"/>
-      </p:ext>
-    </p:extLst>
-  </p:cSld>
-  <p:clrMapOvr>
-    <a:masterClrMapping/>
-  </p:clrMapOvr>
-</p:sld>
-</file>
-
-<file path=ppt/slides/slide8.xml><?xml version="1.0" encoding="utf-8"?>
-<p:sld xmlns:a="http://schemas.openxmlformats.org/drawingml/2006/main" xmlns:r="http://schemas.openxmlformats.org/officeDocument/2006/relationships" xmlns:p="http://schemas.openxmlformats.org/presentationml/2006/main">
-  <p:cSld>
-    <p:spTree>
-      <p:nvGrpSpPr>
-        <p:cNvPr id="1" name=""/>
-        <p:cNvGrpSpPr/>
-        <p:nvPr/>
-      </p:nvGrpSpPr>
-      <p:grpSpPr>
-        <a:xfrm>
-          <a:off x="0" y="0"/>
-          <a:ext cx="0" cy="0"/>
-          <a:chOff x="0" y="0"/>
-          <a:chExt cx="0" cy="0"/>
-        </a:xfrm>
-      </p:grpSpPr>
-      <p:sp>
-        <p:nvSpPr>
-          <p:cNvPr id="2" name="Title 1">
-            <a:extLst>
-              <a:ext uri="{FF2B5EF4-FFF2-40B4-BE49-F238E27FC236}">
-                <a16:creationId xmlns:a16="http://schemas.microsoft.com/office/drawing/2014/main" id="{EAE224F5-7B45-F145-9CC5-F38D9D49C32A}"/>
-              </a:ext>
-            </a:extLst>
-          </p:cNvPr>
-          <p:cNvSpPr>
-            <a:spLocks noGrp="1"/>
-          </p:cNvSpPr>
-          <p:nvPr>
-            <p:ph type="title"/>
-          </p:nvPr>
-        </p:nvSpPr>
-        <p:spPr/>
-        <p:txBody>
-          <a:bodyPr/>
-          <a:lstStyle/>
-          <a:p>
-            <a:endParaRPr lang="en-US"/>
-          </a:p>
-        </p:txBody>
-      </p:sp>
-      <p:sp>
-        <p:nvSpPr>
-          <p:cNvPr id="3" name="Content Placeholder 2">
-            <a:extLst>
-              <a:ext uri="{FF2B5EF4-FFF2-40B4-BE49-F238E27FC236}">
-                <a16:creationId xmlns:a16="http://schemas.microsoft.com/office/drawing/2014/main" id="{BCB64847-6D84-1E41-B7E2-C51F07969D1D}"/>
-              </a:ext>
-            </a:extLst>
-          </p:cNvPr>
-          <p:cNvSpPr>
-            <a:spLocks noGrp="1"/>
-          </p:cNvSpPr>
-          <p:nvPr>
-            <p:ph idx="1"/>
-          </p:nvPr>
-        </p:nvSpPr>
-        <p:spPr/>
-        <p:txBody>
-          <a:bodyPr/>
-          <a:lstStyle/>
-          <a:p>
-            <a:endParaRPr lang="en-US"/>
-          </a:p>
-        </p:txBody>
-      </p:sp>
-    </p:spTree>
-    <p:extLst>
-      <p:ext uri="{BB962C8B-B14F-4D97-AF65-F5344CB8AC3E}">
-        <p14:creationId xmlns:p14="http://schemas.microsoft.com/office/powerpoint/2010/main" val="2848671031"/>
-      </p:ext>
-    </p:extLst>
-  </p:cSld>
-  <p:clrMapOvr>
-    <a:masterClrMapping/>
-  </p:clrMapOvr>
-</p:sld>
-</file>
-
-<file path=ppt/slides/slide9.xml><?xml version="1.0" encoding="utf-8"?>
-<p:sld xmlns:a="http://schemas.openxmlformats.org/drawingml/2006/main" xmlns:r="http://schemas.openxmlformats.org/officeDocument/2006/relationships" xmlns:p="http://schemas.openxmlformats.org/presentationml/2006/main">
-  <p:cSld>
-    <p:spTree>
-      <p:nvGrpSpPr>
-        <p:cNvPr id="1" name=""/>
-        <p:cNvGrpSpPr/>
-        <p:nvPr/>
-      </p:nvGrpSpPr>
-      <p:grpSpPr>
-        <a:xfrm>
-          <a:off x="0" y="0"/>
-          <a:ext cx="0" cy="0"/>
-          <a:chOff x="0" y="0"/>
-          <a:chExt cx="0" cy="0"/>
-        </a:xfrm>
-      </p:grpSpPr>
-      <p:sp>
-        <p:nvSpPr>
-          <p:cNvPr id="2" name="Title 1">
-            <a:extLst>
-              <a:ext uri="{FF2B5EF4-FFF2-40B4-BE49-F238E27FC236}">
-                <a16:creationId xmlns:a16="http://schemas.microsoft.com/office/drawing/2014/main" id="{A6A8ED33-335E-F04F-8005-06EB5DEEB604}"/>
-              </a:ext>
-            </a:extLst>
-          </p:cNvPr>
-          <p:cNvSpPr>
-            <a:spLocks noGrp="1"/>
-          </p:cNvSpPr>
-          <p:nvPr>
-            <p:ph type="title"/>
-          </p:nvPr>
-        </p:nvSpPr>
-        <p:spPr/>
-        <p:txBody>
-          <a:bodyPr/>
-          <a:lstStyle/>
-          <a:p>
-            <a:pPr algn="ctr"/>
-            <a:r>
-              <a:rPr lang="en-US" dirty="0"/>
-              <a:t>Backup Slides</a:t>
-            </a:r>
-          </a:p>
-        </p:txBody>
-      </p:sp>
-    </p:spTree>
-    <p:extLst>
-      <p:ext uri="{BB962C8B-B14F-4D97-AF65-F5344CB8AC3E}">
-        <p14:creationId xmlns:p14="http://schemas.microsoft.com/office/powerpoint/2010/main" val="459446304"/>
       </p:ext>
     </p:extLst>
   </p:cSld>

--- a/dev/fluor/The AquaDucks/The AquaDucks Presentation.pptx
+++ b/dev/fluor/The AquaDucks/The AquaDucks Presentation.pptx
@@ -5,29 +5,28 @@
     <p:sldMasterId id="2147483648" r:id="rId1"/>
   </p:sldMasterIdLst>
   <p:notesMasterIdLst>
-    <p:notesMasterId r:id="rId22"/>
+    <p:notesMasterId r:id="rId21"/>
   </p:notesMasterIdLst>
   <p:sldIdLst>
     <p:sldId id="256" r:id="rId2"/>
     <p:sldId id="257" r:id="rId3"/>
     <p:sldId id="269" r:id="rId4"/>
     <p:sldId id="263" r:id="rId5"/>
-    <p:sldId id="271" r:id="rId6"/>
-    <p:sldId id="264" r:id="rId7"/>
-    <p:sldId id="267" r:id="rId8"/>
-    <p:sldId id="276" r:id="rId9"/>
-    <p:sldId id="266" r:id="rId10"/>
-    <p:sldId id="265" r:id="rId11"/>
-    <p:sldId id="272" r:id="rId12"/>
-    <p:sldId id="273" r:id="rId13"/>
-    <p:sldId id="274" r:id="rId14"/>
-    <p:sldId id="275" r:id="rId15"/>
-    <p:sldId id="258" r:id="rId16"/>
-    <p:sldId id="260" r:id="rId17"/>
-    <p:sldId id="261" r:id="rId18"/>
-    <p:sldId id="270" r:id="rId19"/>
-    <p:sldId id="262" r:id="rId20"/>
-    <p:sldId id="268" r:id="rId21"/>
+    <p:sldId id="264" r:id="rId6"/>
+    <p:sldId id="267" r:id="rId7"/>
+    <p:sldId id="276" r:id="rId8"/>
+    <p:sldId id="266" r:id="rId9"/>
+    <p:sldId id="265" r:id="rId10"/>
+    <p:sldId id="272" r:id="rId11"/>
+    <p:sldId id="273" r:id="rId12"/>
+    <p:sldId id="274" r:id="rId13"/>
+    <p:sldId id="275" r:id="rId14"/>
+    <p:sldId id="277" r:id="rId15"/>
+    <p:sldId id="260" r:id="rId16"/>
+    <p:sldId id="261" r:id="rId17"/>
+    <p:sldId id="270" r:id="rId18"/>
+    <p:sldId id="262" r:id="rId19"/>
+    <p:sldId id="258" r:id="rId20"/>
   </p:sldIdLst>
   <p:sldSz cx="12192000" cy="6858000"/>
   <p:notesSz cx="6858000" cy="9144000"/>
@@ -216,7 +215,7 @@
           <a:p>
             <a:fld id="{573A1935-CFF3-4744-B5A7-358890B8B075}" type="datetimeFigureOut">
               <a:rPr lang="en-US" smtClean="0"/>
-              <a:t>10/28/19</a:t>
+              <a:t>10/28/2019</a:t>
             </a:fld>
             <a:endParaRPr lang="en-US"/>
           </a:p>
@@ -849,7 +848,7 @@
           <a:p>
             <a:fld id="{A7B072B7-FC31-4FD7-B929-F7282CCB0C55}" type="slidenum">
               <a:rPr lang="en-US" smtClean="0"/>
-              <a:t>8</a:t>
+              <a:t>7</a:t>
             </a:fld>
             <a:endParaRPr lang="en-US"/>
           </a:p>
@@ -957,7 +956,7 @@
           <a:p>
             <a:fld id="{A7B072B7-FC31-4FD7-B929-F7282CCB0C55}" type="slidenum">
               <a:rPr lang="en-US" smtClean="0"/>
-              <a:t>9</a:t>
+              <a:t>8</a:t>
             </a:fld>
             <a:endParaRPr lang="en-US"/>
           </a:p>
@@ -1123,7 +1122,7 @@
           <a:p>
             <a:fld id="{6A1BF488-617C-45ED-ACF4-41A8189FD430}" type="datetimeFigureOut">
               <a:rPr lang="en-US" smtClean="0"/>
-              <a:t>10/28/19</a:t>
+              <a:t>10/28/2019</a:t>
             </a:fld>
             <a:endParaRPr lang="en-US"/>
           </a:p>
@@ -1321,7 +1320,7 @@
           <a:p>
             <a:fld id="{6A1BF488-617C-45ED-ACF4-41A8189FD430}" type="datetimeFigureOut">
               <a:rPr lang="en-US" smtClean="0"/>
-              <a:t>10/28/19</a:t>
+              <a:t>10/28/2019</a:t>
             </a:fld>
             <a:endParaRPr lang="en-US"/>
           </a:p>
@@ -1529,7 +1528,7 @@
           <a:p>
             <a:fld id="{6A1BF488-617C-45ED-ACF4-41A8189FD430}" type="datetimeFigureOut">
               <a:rPr lang="en-US" smtClean="0"/>
-              <a:t>10/28/19</a:t>
+              <a:t>10/28/2019</a:t>
             </a:fld>
             <a:endParaRPr lang="en-US"/>
           </a:p>
@@ -1727,7 +1726,7 @@
           <a:p>
             <a:fld id="{6A1BF488-617C-45ED-ACF4-41A8189FD430}" type="datetimeFigureOut">
               <a:rPr lang="en-US" smtClean="0"/>
-              <a:t>10/28/19</a:t>
+              <a:t>10/28/2019</a:t>
             </a:fld>
             <a:endParaRPr lang="en-US"/>
           </a:p>
@@ -2002,7 +2001,7 @@
           <a:p>
             <a:fld id="{6A1BF488-617C-45ED-ACF4-41A8189FD430}" type="datetimeFigureOut">
               <a:rPr lang="en-US" smtClean="0"/>
-              <a:t>10/28/19</a:t>
+              <a:t>10/28/2019</a:t>
             </a:fld>
             <a:endParaRPr lang="en-US"/>
           </a:p>
@@ -2267,7 +2266,7 @@
           <a:p>
             <a:fld id="{6A1BF488-617C-45ED-ACF4-41A8189FD430}" type="datetimeFigureOut">
               <a:rPr lang="en-US" smtClean="0"/>
-              <a:t>10/28/19</a:t>
+              <a:t>10/28/2019</a:t>
             </a:fld>
             <a:endParaRPr lang="en-US"/>
           </a:p>
@@ -2679,7 +2678,7 @@
           <a:p>
             <a:fld id="{6A1BF488-617C-45ED-ACF4-41A8189FD430}" type="datetimeFigureOut">
               <a:rPr lang="en-US" smtClean="0"/>
-              <a:t>10/28/19</a:t>
+              <a:t>10/28/2019</a:t>
             </a:fld>
             <a:endParaRPr lang="en-US"/>
           </a:p>
@@ -2820,7 +2819,7 @@
           <a:p>
             <a:fld id="{6A1BF488-617C-45ED-ACF4-41A8189FD430}" type="datetimeFigureOut">
               <a:rPr lang="en-US" smtClean="0"/>
-              <a:t>10/28/19</a:t>
+              <a:t>10/28/2019</a:t>
             </a:fld>
             <a:endParaRPr lang="en-US"/>
           </a:p>
@@ -2933,7 +2932,7 @@
           <a:p>
             <a:fld id="{6A1BF488-617C-45ED-ACF4-41A8189FD430}" type="datetimeFigureOut">
               <a:rPr lang="en-US" smtClean="0"/>
-              <a:t>10/28/19</a:t>
+              <a:t>10/28/2019</a:t>
             </a:fld>
             <a:endParaRPr lang="en-US"/>
           </a:p>
@@ -3244,7 +3243,7 @@
           <a:p>
             <a:fld id="{6A1BF488-617C-45ED-ACF4-41A8189FD430}" type="datetimeFigureOut">
               <a:rPr lang="en-US" smtClean="0"/>
-              <a:t>10/28/19</a:t>
+              <a:t>10/28/2019</a:t>
             </a:fld>
             <a:endParaRPr lang="en-US"/>
           </a:p>
@@ -3532,7 +3531,7 @@
           <a:p>
             <a:fld id="{6A1BF488-617C-45ED-ACF4-41A8189FD430}" type="datetimeFigureOut">
               <a:rPr lang="en-US" smtClean="0"/>
-              <a:t>10/28/19</a:t>
+              <a:t>10/28/2019</a:t>
             </a:fld>
             <a:endParaRPr lang="en-US"/>
           </a:p>
@@ -3773,7 +3772,7 @@
           <a:p>
             <a:fld id="{6A1BF488-617C-45ED-ACF4-41A8189FD430}" type="datetimeFigureOut">
               <a:rPr lang="en-US" smtClean="0"/>
-              <a:t>10/28/19</a:t>
+              <a:t>10/28/2019</a:t>
             </a:fld>
             <a:endParaRPr lang="en-US"/>
           </a:p>
@@ -4463,65 +4462,6 @@
           <a:chExt cx="0" cy="0"/>
         </a:xfrm>
       </p:grpSpPr>
-      <p:sp>
-        <p:nvSpPr>
-          <p:cNvPr id="2" name="Title 1">
-            <a:extLst>
-              <a:ext uri="{FF2B5EF4-FFF2-40B4-BE49-F238E27FC236}">
-                <a16:creationId xmlns:a16="http://schemas.microsoft.com/office/drawing/2014/main" id="{A6A8ED33-335E-F04F-8005-06EB5DEEB604}"/>
-              </a:ext>
-            </a:extLst>
-          </p:cNvPr>
-          <p:cNvSpPr>
-            <a:spLocks noGrp="1"/>
-          </p:cNvSpPr>
-          <p:nvPr>
-            <p:ph type="title"/>
-          </p:nvPr>
-        </p:nvSpPr>
-        <p:spPr/>
-        <p:txBody>
-          <a:bodyPr/>
-          <a:lstStyle/>
-          <a:p>
-            <a:pPr algn="ctr"/>
-            <a:r>
-              <a:rPr lang="en-US" dirty="0"/>
-              <a:t>Backup Slides</a:t>
-            </a:r>
-          </a:p>
-        </p:txBody>
-      </p:sp>
-    </p:spTree>
-    <p:extLst>
-      <p:ext uri="{BB962C8B-B14F-4D97-AF65-F5344CB8AC3E}">
-        <p14:creationId xmlns:p14="http://schemas.microsoft.com/office/powerpoint/2010/main" val="459446304"/>
-      </p:ext>
-    </p:extLst>
-  </p:cSld>
-  <p:clrMapOvr>
-    <a:masterClrMapping/>
-  </p:clrMapOvr>
-</p:sld>
-</file>
-
-<file path=ppt/slides/slide11.xml><?xml version="1.0" encoding="utf-8"?>
-<p:sld xmlns:a="http://schemas.openxmlformats.org/drawingml/2006/main" xmlns:r="http://schemas.openxmlformats.org/officeDocument/2006/relationships" xmlns:p="http://schemas.openxmlformats.org/presentationml/2006/main">
-  <p:cSld>
-    <p:spTree>
-      <p:nvGrpSpPr>
-        <p:cNvPr id="1" name=""/>
-        <p:cNvGrpSpPr/>
-        <p:nvPr/>
-      </p:nvGrpSpPr>
-      <p:grpSpPr>
-        <a:xfrm>
-          <a:off x="0" y="0"/>
-          <a:ext cx="0" cy="0"/>
-          <a:chOff x="0" y="0"/>
-          <a:chExt cx="0" cy="0"/>
-        </a:xfrm>
-      </p:grpSpPr>
       <p:pic>
         <p:nvPicPr>
           <p:cNvPr id="5" name="Content Placeholder 4">
@@ -4608,7 +4548,7 @@
 </p:sld>
 </file>
 
-<file path=ppt/slides/slide12.xml><?xml version="1.0" encoding="utf-8"?>
+<file path=ppt/slides/slide11.xml><?xml version="1.0" encoding="utf-8"?>
 <p:sld xmlns:a="http://schemas.openxmlformats.org/drawingml/2006/main" xmlns:r="http://schemas.openxmlformats.org/officeDocument/2006/relationships" xmlns:p="http://schemas.openxmlformats.org/presentationml/2006/main">
   <p:cSld>
     <p:spTree>
@@ -4729,7 +4669,7 @@
 </p:sld>
 </file>
 
-<file path=ppt/slides/slide13.xml><?xml version="1.0" encoding="utf-8"?>
+<file path=ppt/slides/slide12.xml><?xml version="1.0" encoding="utf-8"?>
 <p:sld xmlns:a="http://schemas.openxmlformats.org/drawingml/2006/main" xmlns:r="http://schemas.openxmlformats.org/officeDocument/2006/relationships" xmlns:p="http://schemas.openxmlformats.org/presentationml/2006/main">
   <p:cSld>
     <p:spTree>
@@ -4988,7 +4928,7 @@
 </p:sld>
 </file>
 
-<file path=ppt/slides/slide14.xml><?xml version="1.0" encoding="utf-8"?>
+<file path=ppt/slides/slide13.xml><?xml version="1.0" encoding="utf-8"?>
 <p:sld xmlns:a="http://schemas.openxmlformats.org/drawingml/2006/main" xmlns:r="http://schemas.openxmlformats.org/officeDocument/2006/relationships" xmlns:p="http://schemas.openxmlformats.org/presentationml/2006/main">
   <p:cSld>
     <p:spTree>
@@ -5160,7 +5100,7 @@
 </p:sld>
 </file>
 
-<file path=ppt/slides/slide15.xml><?xml version="1.0" encoding="utf-8"?>
+<file path=ppt/slides/slide14.xml><?xml version="1.0" encoding="utf-8"?>
 <p:sld xmlns:a="http://schemas.openxmlformats.org/drawingml/2006/main" xmlns:r="http://schemas.openxmlformats.org/officeDocument/2006/relationships" xmlns:p="http://schemas.openxmlformats.org/presentationml/2006/main">
   <p:cSld>
     <p:spTree>
@@ -5177,120 +5117,1182 @@
           <a:chExt cx="0" cy="0"/>
         </a:xfrm>
       </p:grpSpPr>
-      <p:sp>
-        <p:nvSpPr>
-          <p:cNvPr id="2" name="Title 1">
-            <a:extLst>
-              <a:ext uri="{FF2B5EF4-FFF2-40B4-BE49-F238E27FC236}">
-                <a16:creationId xmlns:a16="http://schemas.microsoft.com/office/drawing/2014/main" id="{C0C2F9D2-FA0B-41FD-B348-22B3076934FE}"/>
-              </a:ext>
-            </a:extLst>
-          </p:cNvPr>
-          <p:cNvSpPr>
-            <a:spLocks noGrp="1"/>
-          </p:cNvSpPr>
-          <p:nvPr>
-            <p:ph type="title"/>
-          </p:nvPr>
-        </p:nvSpPr>
-        <p:spPr/>
+      <p:cxnSp>
+        <p:nvCxnSpPr>
+          <p:cNvPr id="37" name="Straight Connector 36">
+            <a:extLst>
+              <a:ext uri="{FF2B5EF4-FFF2-40B4-BE49-F238E27FC236}">
+                <a16:creationId xmlns:a16="http://schemas.microsoft.com/office/drawing/2014/main" id="{CFE18FB5-BB4C-4225-9129-97E96C1366A9}"/>
+              </a:ext>
+            </a:extLst>
+          </p:cNvPr>
+          <p:cNvCxnSpPr>
+            <a:cxnSpLocks/>
+          </p:cNvCxnSpPr>
+          <p:nvPr/>
+        </p:nvCxnSpPr>
+        <p:spPr>
+          <a:xfrm flipV="1">
+            <a:off x="3610855" y="5147754"/>
+            <a:ext cx="5253244" cy="698629"/>
+          </a:xfrm>
+          <a:prstGeom prst="line">
+            <a:avLst/>
+          </a:prstGeom>
+          <a:ln w="28575">
+            <a:solidFill>
+              <a:srgbClr val="FF0000"/>
+            </a:solidFill>
+            <a:prstDash val="lgDash"/>
+          </a:ln>
+        </p:spPr>
+        <p:style>
+          <a:lnRef idx="1">
+            <a:schemeClr val="accent1"/>
+          </a:lnRef>
+          <a:fillRef idx="0">
+            <a:schemeClr val="accent1"/>
+          </a:fillRef>
+          <a:effectRef idx="0">
+            <a:schemeClr val="accent1"/>
+          </a:effectRef>
+          <a:fontRef idx="minor">
+            <a:schemeClr val="tx1"/>
+          </a:fontRef>
+        </p:style>
+      </p:cxnSp>
+      <p:sp>
+        <p:nvSpPr>
+          <p:cNvPr id="42" name="Freeform: Shape 41">
+            <a:extLst>
+              <a:ext uri="{FF2B5EF4-FFF2-40B4-BE49-F238E27FC236}">
+                <a16:creationId xmlns:a16="http://schemas.microsoft.com/office/drawing/2014/main" id="{58BF5F98-F79E-4960-AFD4-3027D96A3B30}"/>
+              </a:ext>
+            </a:extLst>
+          </p:cNvPr>
+          <p:cNvSpPr/>
+          <p:nvPr/>
+        </p:nvSpPr>
+        <p:spPr>
+          <a:xfrm>
+            <a:off x="3852704" y="2318687"/>
+            <a:ext cx="5863904" cy="2930430"/>
+          </a:xfrm>
+          <a:custGeom>
+            <a:avLst/>
+            <a:gdLst>
+              <a:gd name="connsiteX0" fmla="*/ 0 w 5863904"/>
+              <a:gd name="connsiteY0" fmla="*/ 0 h 2930430"/>
+              <a:gd name="connsiteX1" fmla="*/ 1275126 w 5863904"/>
+              <a:gd name="connsiteY1" fmla="*/ 2038525 h 2930430"/>
+              <a:gd name="connsiteX2" fmla="*/ 3271706 w 5863904"/>
+              <a:gd name="connsiteY2" fmla="*/ 2910980 h 2930430"/>
+              <a:gd name="connsiteX3" fmla="*/ 5863904 w 5863904"/>
+              <a:gd name="connsiteY3" fmla="*/ 2650921 h 2930430"/>
+            </a:gdLst>
+            <a:ahLst/>
+            <a:cxnLst>
+              <a:cxn ang="0">
+                <a:pos x="connsiteX0" y="connsiteY0"/>
+              </a:cxn>
+              <a:cxn ang="0">
+                <a:pos x="connsiteX1" y="connsiteY1"/>
+              </a:cxn>
+              <a:cxn ang="0">
+                <a:pos x="connsiteX2" y="connsiteY2"/>
+              </a:cxn>
+              <a:cxn ang="0">
+                <a:pos x="connsiteX3" y="connsiteY3"/>
+              </a:cxn>
+            </a:cxnLst>
+            <a:rect l="l" t="t" r="r" b="b"/>
+            <a:pathLst>
+              <a:path w="5863904" h="2930430">
+                <a:moveTo>
+                  <a:pt x="0" y="0"/>
+                </a:moveTo>
+                <a:cubicBezTo>
+                  <a:pt x="364921" y="776681"/>
+                  <a:pt x="729842" y="1553362"/>
+                  <a:pt x="1275126" y="2038525"/>
+                </a:cubicBezTo>
+                <a:cubicBezTo>
+                  <a:pt x="1820410" y="2523688"/>
+                  <a:pt x="2506910" y="2808914"/>
+                  <a:pt x="3271706" y="2910980"/>
+                </a:cubicBezTo>
+                <a:cubicBezTo>
+                  <a:pt x="4036502" y="3013046"/>
+                  <a:pt x="5444455" y="2681681"/>
+                  <a:pt x="5863904" y="2650921"/>
+                </a:cubicBezTo>
+              </a:path>
+            </a:pathLst>
+          </a:custGeom>
+          <a:noFill/>
+          <a:ln w="28575">
+            <a:solidFill>
+              <a:srgbClr val="7030A0"/>
+            </a:solidFill>
+            <a:prstDash val="lgDash"/>
+          </a:ln>
+        </p:spPr>
+        <p:style>
+          <a:lnRef idx="2">
+            <a:schemeClr val="accent1">
+              <a:shade val="50000"/>
+            </a:schemeClr>
+          </a:lnRef>
+          <a:fillRef idx="1">
+            <a:schemeClr val="accent1"/>
+          </a:fillRef>
+          <a:effectRef idx="0">
+            <a:schemeClr val="accent1"/>
+          </a:effectRef>
+          <a:fontRef idx="minor">
+            <a:schemeClr val="lt1"/>
+          </a:fontRef>
+        </p:style>
         <p:txBody>
-          <a:bodyPr/>
+          <a:bodyPr rtlCol="0" anchor="ctr"/>
           <a:lstStyle/>
           <a:p>
             <a:pPr algn="ctr"/>
-            <a:r>
-              <a:rPr lang="en-US" dirty="0"/>
-              <a:t>Our overall approach</a:t>
-            </a:r>
+            <a:endParaRPr lang="en-US"/>
           </a:p>
         </p:txBody>
       </p:sp>
       <p:sp>
         <p:nvSpPr>
-          <p:cNvPr id="3" name="Content Placeholder 2">
-            <a:extLst>
-              <a:ext uri="{FF2B5EF4-FFF2-40B4-BE49-F238E27FC236}">
-                <a16:creationId xmlns:a16="http://schemas.microsoft.com/office/drawing/2014/main" id="{46CEFD87-813E-49BC-AD6A-918D394F9FC2}"/>
-              </a:ext>
-            </a:extLst>
-          </p:cNvPr>
-          <p:cNvSpPr>
-            <a:spLocks noGrp="1"/>
-          </p:cNvSpPr>
-          <p:nvPr>
-            <p:ph idx="1"/>
-          </p:nvPr>
-        </p:nvSpPr>
-        <p:spPr/>
+          <p:cNvPr id="43" name="Rectangle 42">
+            <a:extLst>
+              <a:ext uri="{FF2B5EF4-FFF2-40B4-BE49-F238E27FC236}">
+                <a16:creationId xmlns:a16="http://schemas.microsoft.com/office/drawing/2014/main" id="{C3E063FC-F0E7-4CDA-81A8-99D14AF54446}"/>
+              </a:ext>
+            </a:extLst>
+          </p:cNvPr>
+          <p:cNvSpPr/>
+          <p:nvPr/>
+        </p:nvSpPr>
+        <p:spPr>
+          <a:xfrm>
+            <a:off x="8864099" y="4072855"/>
+            <a:ext cx="914240" cy="1431482"/>
+          </a:xfrm>
+          <a:prstGeom prst="rect">
+            <a:avLst/>
+          </a:prstGeom>
+          <a:solidFill>
+            <a:schemeClr val="bg1"/>
+          </a:solidFill>
+          <a:ln>
+            <a:noFill/>
+          </a:ln>
+        </p:spPr>
+        <p:style>
+          <a:lnRef idx="2">
+            <a:schemeClr val="accent1">
+              <a:shade val="50000"/>
+            </a:schemeClr>
+          </a:lnRef>
+          <a:fillRef idx="1">
+            <a:schemeClr val="accent1"/>
+          </a:fillRef>
+          <a:effectRef idx="0">
+            <a:schemeClr val="accent1"/>
+          </a:effectRef>
+          <a:fontRef idx="minor">
+            <a:schemeClr val="lt1"/>
+          </a:fontRef>
+        </p:style>
         <p:txBody>
-          <a:bodyPr/>
+          <a:bodyPr rtlCol="0" anchor="ctr"/>
           <a:lstStyle/>
           <a:p>
-            <a:r>
-              <a:rPr lang="en-US" dirty="0"/>
-              <a:t>Since none of us knew anything about pipelines prior to this project, we knew we would need some type of iterative method to test solutions</a:t>
-            </a:r>
-          </a:p>
-          <a:p>
-            <a:r>
-              <a:rPr lang="en-US" dirty="0"/>
-              <a:t>Iteration requires subgroups – created groups in order of priority:</a:t>
-            </a:r>
-          </a:p>
-          <a:p>
-            <a:pPr marL="914400" lvl="1" indent="-457200">
-              <a:buFont typeface="+mj-lt"/>
-              <a:buAutoNum type="arabicPeriod"/>
-            </a:pPr>
-            <a:r>
-              <a:rPr lang="en-US" dirty="0"/>
-              <a:t>Constancy – what things will not change between designs?</a:t>
-            </a:r>
-          </a:p>
-          <a:p>
-            <a:pPr marL="914400" lvl="1" indent="-457200">
-              <a:buFont typeface="+mj-lt"/>
-              <a:buAutoNum type="arabicPeriod"/>
-            </a:pPr>
-            <a:r>
-              <a:rPr lang="en-US" dirty="0"/>
-              <a:t>Group Size – which groups are smallest? Start with those.</a:t>
-            </a:r>
-          </a:p>
-          <a:p>
-            <a:pPr marL="914400" lvl="1" indent="-457200">
-              <a:buFont typeface="+mj-lt"/>
-              <a:buAutoNum type="arabicPeriod"/>
-            </a:pPr>
-            <a:r>
-              <a:rPr lang="en-US" dirty="0"/>
-              <a:t>Ease of solution – by completing the easiest pieces first, we can minimize the number of places at which to evaluate the difficult components</a:t>
-            </a:r>
-          </a:p>
-          <a:p>
-            <a:pPr marL="914400" lvl="1" indent="-457200">
-              <a:buFont typeface="+mj-lt"/>
-              <a:buAutoNum type="arabicPeriod"/>
-            </a:pPr>
-            <a:endParaRPr lang="en-US" dirty="0"/>
+            <a:pPr algn="ctr"/>
+            <a:endParaRPr lang="en-US"/>
           </a:p>
         </p:txBody>
       </p:sp>
+      <p:grpSp>
+        <p:nvGrpSpPr>
+          <p:cNvPr id="36" name="Group 35">
+            <a:extLst>
+              <a:ext uri="{FF2B5EF4-FFF2-40B4-BE49-F238E27FC236}">
+                <a16:creationId xmlns:a16="http://schemas.microsoft.com/office/drawing/2014/main" id="{94D5C4E3-1433-4F29-9306-BA6BD53D1981}"/>
+              </a:ext>
+            </a:extLst>
+          </p:cNvPr>
+          <p:cNvGrpSpPr/>
+          <p:nvPr/>
+        </p:nvGrpSpPr>
+        <p:grpSpPr>
+          <a:xfrm>
+            <a:off x="2312693" y="-1154084"/>
+            <a:ext cx="11681173" cy="7952611"/>
+            <a:chOff x="1949602" y="-1133111"/>
+            <a:chExt cx="7168247" cy="5030774"/>
+          </a:xfrm>
+        </p:grpSpPr>
+        <p:sp>
+          <p:nvSpPr>
+            <p:cNvPr id="33" name="Freeform: Shape 32">
+              <a:extLst>
+                <a:ext uri="{FF2B5EF4-FFF2-40B4-BE49-F238E27FC236}">
+                  <a16:creationId xmlns:a16="http://schemas.microsoft.com/office/drawing/2014/main" id="{8F916D7E-BB77-4D7C-AB0A-5071D84DC795}"/>
+                </a:ext>
+              </a:extLst>
+            </p:cNvPr>
+            <p:cNvSpPr/>
+            <p:nvPr/>
+          </p:nvSpPr>
+          <p:spPr>
+            <a:xfrm>
+              <a:off x="2784118" y="745009"/>
+              <a:ext cx="3185809" cy="1779856"/>
+            </a:xfrm>
+            <a:custGeom>
+              <a:avLst/>
+              <a:gdLst>
+                <a:gd name="connsiteX0" fmla="*/ 0 w 3640822"/>
+                <a:gd name="connsiteY0" fmla="*/ 0 h 1939005"/>
+                <a:gd name="connsiteX1" fmla="*/ 1518407 w 3640822"/>
+                <a:gd name="connsiteY1" fmla="*/ 1879134 h 1939005"/>
+                <a:gd name="connsiteX2" fmla="*/ 3640822 w 3640822"/>
+                <a:gd name="connsiteY2" fmla="*/ 1451296 h 1939005"/>
+              </a:gdLst>
+              <a:ahLst/>
+              <a:cxnLst>
+                <a:cxn ang="0">
+                  <a:pos x="connsiteX0" y="connsiteY0"/>
+                </a:cxn>
+                <a:cxn ang="0">
+                  <a:pos x="connsiteX1" y="connsiteY1"/>
+                </a:cxn>
+                <a:cxn ang="0">
+                  <a:pos x="connsiteX2" y="connsiteY2"/>
+                </a:cxn>
+              </a:cxnLst>
+              <a:rect l="l" t="t" r="r" b="b"/>
+              <a:pathLst>
+                <a:path w="3640822" h="1939005">
+                  <a:moveTo>
+                    <a:pt x="0" y="0"/>
+                  </a:moveTo>
+                  <a:cubicBezTo>
+                    <a:pt x="455801" y="818625"/>
+                    <a:pt x="911603" y="1637251"/>
+                    <a:pt x="1518407" y="1879134"/>
+                  </a:cubicBezTo>
+                  <a:cubicBezTo>
+                    <a:pt x="2125211" y="2121017"/>
+                    <a:pt x="3289883" y="1558955"/>
+                    <a:pt x="3640822" y="1451296"/>
+                  </a:cubicBezTo>
+                </a:path>
+              </a:pathLst>
+            </a:custGeom>
+            <a:noFill/>
+            <a:ln w="28575">
+              <a:solidFill>
+                <a:srgbClr val="7030A0"/>
+              </a:solidFill>
+            </a:ln>
+          </p:spPr>
+          <p:style>
+            <a:lnRef idx="2">
+              <a:schemeClr val="accent1">
+                <a:shade val="50000"/>
+              </a:schemeClr>
+            </a:lnRef>
+            <a:fillRef idx="1">
+              <a:schemeClr val="accent1"/>
+            </a:fillRef>
+            <a:effectRef idx="0">
+              <a:schemeClr val="accent1"/>
+            </a:effectRef>
+            <a:fontRef idx="minor">
+              <a:schemeClr val="lt1"/>
+            </a:fontRef>
+          </p:style>
+          <p:txBody>
+            <a:bodyPr rtlCol="0" anchor="ctr"/>
+            <a:lstStyle/>
+            <a:p>
+              <a:pPr algn="ctr"/>
+              <a:endParaRPr lang="en-US"/>
+            </a:p>
+          </p:txBody>
+        </p:sp>
+        <p:grpSp>
+          <p:nvGrpSpPr>
+            <p:cNvPr id="35" name="Group 34">
+              <a:extLst>
+                <a:ext uri="{FF2B5EF4-FFF2-40B4-BE49-F238E27FC236}">
+                  <a16:creationId xmlns:a16="http://schemas.microsoft.com/office/drawing/2014/main" id="{D40BCF79-6366-4D98-8260-EBE24EF10E10}"/>
+                </a:ext>
+              </a:extLst>
+            </p:cNvPr>
+            <p:cNvGrpSpPr/>
+            <p:nvPr/>
+          </p:nvGrpSpPr>
+          <p:grpSpPr>
+            <a:xfrm>
+              <a:off x="1949602" y="-1133111"/>
+              <a:ext cx="7168247" cy="5030774"/>
+              <a:chOff x="1949602" y="-1133111"/>
+              <a:chExt cx="7168247" cy="5030774"/>
+            </a:xfrm>
+          </p:grpSpPr>
+          <p:grpSp>
+            <p:nvGrpSpPr>
+              <p:cNvPr id="18" name="Group 17">
+                <a:extLst>
+                  <a:ext uri="{FF2B5EF4-FFF2-40B4-BE49-F238E27FC236}">
+                    <a16:creationId xmlns:a16="http://schemas.microsoft.com/office/drawing/2014/main" id="{F57A2183-EE36-4695-B5E8-7FD37F138102}"/>
+                  </a:ext>
+                </a:extLst>
+              </p:cNvPr>
+              <p:cNvGrpSpPr/>
+              <p:nvPr/>
+            </p:nvGrpSpPr>
+            <p:grpSpPr>
+              <a:xfrm>
+                <a:off x="1949602" y="-1133111"/>
+                <a:ext cx="7168247" cy="5030774"/>
+                <a:chOff x="3719681" y="-1137779"/>
+                <a:chExt cx="7168247" cy="5030774"/>
+              </a:xfrm>
+            </p:grpSpPr>
+            <p:grpSp>
+              <p:nvGrpSpPr>
+                <p:cNvPr id="14" name="Group 13">
+                  <a:extLst>
+                    <a:ext uri="{FF2B5EF4-FFF2-40B4-BE49-F238E27FC236}">
+                      <a16:creationId xmlns:a16="http://schemas.microsoft.com/office/drawing/2014/main" id="{717FA820-6C58-4803-AB24-2E0EAE0CD523}"/>
+                    </a:ext>
+                  </a:extLst>
+                </p:cNvPr>
+                <p:cNvGrpSpPr/>
+                <p:nvPr/>
+              </p:nvGrpSpPr>
+              <p:grpSpPr>
+                <a:xfrm>
+                  <a:off x="3993159" y="-1137779"/>
+                  <a:ext cx="6894769" cy="4669544"/>
+                  <a:chOff x="3993159" y="-1137779"/>
+                  <a:chExt cx="6894769" cy="4669544"/>
+                </a:xfrm>
+              </p:grpSpPr>
+              <p:sp>
+                <p:nvSpPr>
+                  <p:cNvPr id="4" name="Arc 3">
+                    <a:extLst>
+                      <a:ext uri="{FF2B5EF4-FFF2-40B4-BE49-F238E27FC236}">
+                        <a16:creationId xmlns:a16="http://schemas.microsoft.com/office/drawing/2014/main" id="{31C54786-8885-442C-B6D8-228A6BB52BF3}"/>
+                      </a:ext>
+                    </a:extLst>
+                  </p:cNvPr>
+                  <p:cNvSpPr/>
+                  <p:nvPr/>
+                </p:nvSpPr>
+                <p:spPr>
+                  <a:xfrm rot="10800000">
+                    <a:off x="4516311" y="-1137779"/>
+                    <a:ext cx="6371617" cy="4212076"/>
+                  </a:xfrm>
+                  <a:prstGeom prst="arc">
+                    <a:avLst/>
+                  </a:prstGeom>
+                  <a:ln w="28575"/>
+                </p:spPr>
+                <p:style>
+                  <a:lnRef idx="1">
+                    <a:schemeClr val="accent1"/>
+                  </a:lnRef>
+                  <a:fillRef idx="0">
+                    <a:schemeClr val="accent1"/>
+                  </a:fillRef>
+                  <a:effectRef idx="0">
+                    <a:schemeClr val="accent1"/>
+                  </a:effectRef>
+                  <a:fontRef idx="minor">
+                    <a:schemeClr val="tx1"/>
+                  </a:fontRef>
+                </p:style>
+                <p:txBody>
+                  <a:bodyPr rtlCol="0" anchor="ctr"/>
+                  <a:lstStyle/>
+                  <a:p>
+                    <a:pPr algn="ctr"/>
+                    <a:endParaRPr lang="en-US"/>
+                  </a:p>
+                </p:txBody>
+              </p:sp>
+              <p:cxnSp>
+                <p:nvCxnSpPr>
+                  <p:cNvPr id="6" name="Straight Connector 5">
+                    <a:extLst>
+                      <a:ext uri="{FF2B5EF4-FFF2-40B4-BE49-F238E27FC236}">
+                        <a16:creationId xmlns:a16="http://schemas.microsoft.com/office/drawing/2014/main" id="{D18E2C87-3229-4236-9368-8EBC50F8F279}"/>
+                      </a:ext>
+                    </a:extLst>
+                  </p:cNvPr>
+                  <p:cNvCxnSpPr>
+                    <a:cxnSpLocks/>
+                  </p:cNvCxnSpPr>
+                  <p:nvPr/>
+                </p:nvCxnSpPr>
+                <p:spPr>
+                  <a:xfrm flipV="1">
+                    <a:off x="4516311" y="2214694"/>
+                    <a:ext cx="3185808" cy="1073790"/>
+                  </a:xfrm>
+                  <a:prstGeom prst="line">
+                    <a:avLst/>
+                  </a:prstGeom>
+                  <a:ln w="28575">
+                    <a:solidFill>
+                      <a:srgbClr val="FF0000"/>
+                    </a:solidFill>
+                  </a:ln>
+                </p:spPr>
+                <p:style>
+                  <a:lnRef idx="1">
+                    <a:schemeClr val="accent1"/>
+                  </a:lnRef>
+                  <a:fillRef idx="0">
+                    <a:schemeClr val="accent1"/>
+                  </a:fillRef>
+                  <a:effectRef idx="0">
+                    <a:schemeClr val="accent1"/>
+                  </a:effectRef>
+                  <a:fontRef idx="minor">
+                    <a:schemeClr val="tx1"/>
+                  </a:fontRef>
+                </p:style>
+              </p:cxnSp>
+              <p:cxnSp>
+                <p:nvCxnSpPr>
+                  <p:cNvPr id="9" name="Straight Connector 8">
+                    <a:extLst>
+                      <a:ext uri="{FF2B5EF4-FFF2-40B4-BE49-F238E27FC236}">
+                        <a16:creationId xmlns:a16="http://schemas.microsoft.com/office/drawing/2014/main" id="{B156C398-F0A0-488F-A911-01C38AA75E02}"/>
+                      </a:ext>
+                    </a:extLst>
+                  </p:cNvPr>
+                  <p:cNvCxnSpPr/>
+                  <p:nvPr/>
+                </p:nvCxnSpPr>
+                <p:spPr>
+                  <a:xfrm>
+                    <a:off x="3993159" y="553673"/>
+                    <a:ext cx="0" cy="2978092"/>
+                  </a:xfrm>
+                  <a:prstGeom prst="line">
+                    <a:avLst/>
+                  </a:prstGeom>
+                  <a:ln w="19050">
+                    <a:solidFill>
+                      <a:srgbClr val="FF0000"/>
+                    </a:solidFill>
+                  </a:ln>
+                </p:spPr>
+                <p:style>
+                  <a:lnRef idx="1">
+                    <a:schemeClr val="accent1"/>
+                  </a:lnRef>
+                  <a:fillRef idx="0">
+                    <a:schemeClr val="accent1"/>
+                  </a:fillRef>
+                  <a:effectRef idx="0">
+                    <a:schemeClr val="accent1"/>
+                  </a:effectRef>
+                  <a:fontRef idx="minor">
+                    <a:schemeClr val="tx1"/>
+                  </a:fontRef>
+                </p:style>
+              </p:cxnSp>
+              <p:cxnSp>
+                <p:nvCxnSpPr>
+                  <p:cNvPr id="10" name="Straight Connector 9">
+                    <a:extLst>
+                      <a:ext uri="{FF2B5EF4-FFF2-40B4-BE49-F238E27FC236}">
+                        <a16:creationId xmlns:a16="http://schemas.microsoft.com/office/drawing/2014/main" id="{B771D13C-B5F9-457C-B8A4-135B56A26C82}"/>
+                      </a:ext>
+                    </a:extLst>
+                  </p:cNvPr>
+                  <p:cNvCxnSpPr>
+                    <a:cxnSpLocks/>
+                  </p:cNvCxnSpPr>
+                  <p:nvPr/>
+                </p:nvCxnSpPr>
+                <p:spPr>
+                  <a:xfrm flipH="1">
+                    <a:off x="3993159" y="3531765"/>
+                    <a:ext cx="4269997" cy="0"/>
+                  </a:xfrm>
+                  <a:prstGeom prst="line">
+                    <a:avLst/>
+                  </a:prstGeom>
+                  <a:ln w="19050">
+                    <a:solidFill>
+                      <a:schemeClr val="tx1"/>
+                    </a:solidFill>
+                  </a:ln>
+                </p:spPr>
+                <p:style>
+                  <a:lnRef idx="1">
+                    <a:schemeClr val="accent1"/>
+                  </a:lnRef>
+                  <a:fillRef idx="0">
+                    <a:schemeClr val="accent1"/>
+                  </a:fillRef>
+                  <a:effectRef idx="0">
+                    <a:schemeClr val="accent1"/>
+                  </a:effectRef>
+                  <a:fontRef idx="minor">
+                    <a:schemeClr val="tx1"/>
+                  </a:fontRef>
+                </p:style>
+              </p:cxnSp>
+              <p:cxnSp>
+                <p:nvCxnSpPr>
+                  <p:cNvPr id="13" name="Straight Connector 12">
+                    <a:extLst>
+                      <a:ext uri="{FF2B5EF4-FFF2-40B4-BE49-F238E27FC236}">
+                        <a16:creationId xmlns:a16="http://schemas.microsoft.com/office/drawing/2014/main" id="{C90628A5-75D8-4816-9C1F-F6725EA902DA}"/>
+                      </a:ext>
+                    </a:extLst>
+                  </p:cNvPr>
+                  <p:cNvCxnSpPr/>
+                  <p:nvPr/>
+                </p:nvCxnSpPr>
+                <p:spPr>
+                  <a:xfrm>
+                    <a:off x="8263156" y="553673"/>
+                    <a:ext cx="0" cy="2978092"/>
+                  </a:xfrm>
+                  <a:prstGeom prst="line">
+                    <a:avLst/>
+                  </a:prstGeom>
+                  <a:ln w="19050">
+                    <a:solidFill>
+                      <a:schemeClr val="accent1"/>
+                    </a:solidFill>
+                  </a:ln>
+                </p:spPr>
+                <p:style>
+                  <a:lnRef idx="1">
+                    <a:schemeClr val="accent1"/>
+                  </a:lnRef>
+                  <a:fillRef idx="0">
+                    <a:schemeClr val="accent1"/>
+                  </a:fillRef>
+                  <a:effectRef idx="0">
+                    <a:schemeClr val="accent1"/>
+                  </a:effectRef>
+                  <a:fontRef idx="minor">
+                    <a:schemeClr val="tx1"/>
+                  </a:fontRef>
+                </p:style>
+              </p:cxnSp>
+            </p:grpSp>
+            <p:sp>
+              <p:nvSpPr>
+                <p:cNvPr id="15" name="TextBox 14">
+                  <a:extLst>
+                    <a:ext uri="{FF2B5EF4-FFF2-40B4-BE49-F238E27FC236}">
+                      <a16:creationId xmlns:a16="http://schemas.microsoft.com/office/drawing/2014/main" id="{0C93B6E0-7A62-4D2F-AE66-0D9DBF18ACE6}"/>
+                    </a:ext>
+                  </a:extLst>
+                </p:cNvPr>
+                <p:cNvSpPr txBox="1"/>
+                <p:nvPr/>
+              </p:nvSpPr>
+              <p:spPr>
+                <a:xfrm rot="16200000">
+                  <a:off x="7953732" y="2492072"/>
+                  <a:ext cx="879790" cy="226644"/>
+                </a:xfrm>
+                <a:prstGeom prst="rect">
+                  <a:avLst/>
+                </a:prstGeom>
+                <a:noFill/>
+              </p:spPr>
+              <p:txBody>
+                <a:bodyPr wrap="none" rtlCol="0">
+                  <a:spAutoFit/>
+                </a:bodyPr>
+                <a:lstStyle/>
+                <a:p>
+                  <a:r>
+                    <a:rPr lang="en-US" dirty="0">
+                      <a:solidFill>
+                        <a:srgbClr val="0070C0"/>
+                      </a:solidFill>
+                    </a:rPr>
+                    <a:t>Cost of Pipes</a:t>
+                  </a:r>
+                </a:p>
+              </p:txBody>
+            </p:sp>
+            <p:sp>
+              <p:nvSpPr>
+                <p:cNvPr id="16" name="TextBox 15">
+                  <a:extLst>
+                    <a:ext uri="{FF2B5EF4-FFF2-40B4-BE49-F238E27FC236}">
+                      <a16:creationId xmlns:a16="http://schemas.microsoft.com/office/drawing/2014/main" id="{C7316363-98E8-47B9-8D10-37A81625269E}"/>
+                    </a:ext>
+                  </a:extLst>
+                </p:cNvPr>
+                <p:cNvSpPr txBox="1"/>
+                <p:nvPr/>
+              </p:nvSpPr>
+              <p:spPr>
+                <a:xfrm rot="16200000">
+                  <a:off x="3140612" y="2096889"/>
+                  <a:ext cx="1527469" cy="369332"/>
+                </a:xfrm>
+                <a:prstGeom prst="rect">
+                  <a:avLst/>
+                </a:prstGeom>
+                <a:noFill/>
+              </p:spPr>
+              <p:txBody>
+                <a:bodyPr wrap="none" rtlCol="0">
+                  <a:spAutoFit/>
+                </a:bodyPr>
+                <a:lstStyle/>
+                <a:p>
+                  <a:r>
+                    <a:rPr lang="en-US" dirty="0">
+                      <a:solidFill>
+                        <a:srgbClr val="FF0000"/>
+                      </a:solidFill>
+                    </a:rPr>
+                    <a:t>Cost of Pumps</a:t>
+                  </a:r>
+                </a:p>
+              </p:txBody>
+            </p:sp>
+            <p:sp>
+              <p:nvSpPr>
+                <p:cNvPr id="17" name="TextBox 16">
+                  <a:extLst>
+                    <a:ext uri="{FF2B5EF4-FFF2-40B4-BE49-F238E27FC236}">
+                      <a16:creationId xmlns:a16="http://schemas.microsoft.com/office/drawing/2014/main" id="{423B0F39-B126-4F33-B43E-516EC1E859B0}"/>
+                    </a:ext>
+                  </a:extLst>
+                </p:cNvPr>
+                <p:cNvSpPr txBox="1"/>
+                <p:nvPr/>
+              </p:nvSpPr>
+              <p:spPr>
+                <a:xfrm>
+                  <a:off x="5518582" y="3523663"/>
+                  <a:ext cx="1890710" cy="369332"/>
+                </a:xfrm>
+                <a:prstGeom prst="rect">
+                  <a:avLst/>
+                </a:prstGeom>
+                <a:noFill/>
+              </p:spPr>
+              <p:txBody>
+                <a:bodyPr wrap="none" rtlCol="0">
+                  <a:spAutoFit/>
+                </a:bodyPr>
+                <a:lstStyle/>
+                <a:p>
+                  <a:r>
+                    <a:rPr lang="en-US" dirty="0"/>
+                    <a:t>Number of Pumps</a:t>
+                  </a:r>
+                </a:p>
+              </p:txBody>
+            </p:sp>
+          </p:grpSp>
+          <p:sp>
+            <p:nvSpPr>
+              <p:cNvPr id="34" name="TextBox 33">
+                <a:extLst>
+                  <a:ext uri="{FF2B5EF4-FFF2-40B4-BE49-F238E27FC236}">
+                    <a16:creationId xmlns:a16="http://schemas.microsoft.com/office/drawing/2014/main" id="{A405420D-775C-4CCC-93BE-F19871CC797D}"/>
+                  </a:ext>
+                </a:extLst>
+              </p:cNvPr>
+              <p:cNvSpPr txBox="1"/>
+              <p:nvPr/>
+            </p:nvSpPr>
+            <p:spPr>
+              <a:xfrm>
+                <a:off x="3497993" y="1455625"/>
+                <a:ext cx="1451778" cy="330986"/>
+              </a:xfrm>
+              <a:prstGeom prst="rect">
+                <a:avLst/>
+              </a:prstGeom>
+              <a:noFill/>
+            </p:spPr>
+            <p:txBody>
+              <a:bodyPr wrap="none" rtlCol="0">
+                <a:spAutoFit/>
+              </a:bodyPr>
+              <a:lstStyle/>
+              <a:p>
+                <a:r>
+                  <a:rPr lang="en-US" sz="2800" b="1" dirty="0">
+                    <a:solidFill>
+                      <a:srgbClr val="7030A0"/>
+                    </a:solidFill>
+                  </a:rPr>
+                  <a:t>Cost of System</a:t>
+                </a:r>
+              </a:p>
+            </p:txBody>
+          </p:sp>
+        </p:grpSp>
+      </p:grpSp>
+      <p:grpSp>
+        <p:nvGrpSpPr>
+          <p:cNvPr id="48" name="Group 47">
+            <a:extLst>
+              <a:ext uri="{FF2B5EF4-FFF2-40B4-BE49-F238E27FC236}">
+                <a16:creationId xmlns:a16="http://schemas.microsoft.com/office/drawing/2014/main" id="{9AB23E0A-6B85-4A77-AA87-1AB06203FAB0}"/>
+              </a:ext>
+            </a:extLst>
+          </p:cNvPr>
+          <p:cNvGrpSpPr/>
+          <p:nvPr/>
+        </p:nvGrpSpPr>
+        <p:grpSpPr>
+          <a:xfrm>
+            <a:off x="1321530" y="620255"/>
+            <a:ext cx="9788705" cy="464358"/>
+            <a:chOff x="1321530" y="620255"/>
+            <a:chExt cx="9788705" cy="464358"/>
+          </a:xfrm>
+        </p:grpSpPr>
+        <p:pic>
+          <p:nvPicPr>
+            <p:cNvPr id="1026" name="Picture 2" descr="Image result for symbol for proportional">
+              <a:hlinkClick r:id="rId2"/>
+              <a:extLst>
+                <a:ext uri="{FF2B5EF4-FFF2-40B4-BE49-F238E27FC236}">
+                  <a16:creationId xmlns:a16="http://schemas.microsoft.com/office/drawing/2014/main" id="{AF600655-BD38-4C61-9F74-89118BA35AC1}"/>
+                </a:ext>
+              </a:extLst>
+            </p:cNvPr>
+            <p:cNvPicPr>
+              <a:picLocks noChangeAspect="1" noChangeArrowheads="1"/>
+            </p:cNvPicPr>
+            <p:nvPr/>
+          </p:nvPicPr>
+          <p:blipFill rotWithShape="1">
+            <a:blip r:embed="rId3">
+              <a:extLst>
+                <a:ext uri="{28A0092B-C50C-407E-A947-70E740481C1C}">
+                  <a14:useLocalDpi xmlns:a14="http://schemas.microsoft.com/office/drawing/2010/main" val="0"/>
+                </a:ext>
+              </a:extLst>
+            </a:blip>
+            <a:srcRect l="26876" t="31656" r="25229" b="32316"/>
+            <a:stretch/>
+          </p:blipFill>
+          <p:spPr bwMode="auto">
+            <a:xfrm>
+              <a:off x="3933738" y="686384"/>
+              <a:ext cx="437895" cy="329405"/>
+            </a:xfrm>
+            <a:prstGeom prst="rect">
+              <a:avLst/>
+            </a:prstGeom>
+            <a:noFill/>
+            <a:extLst>
+              <a:ext uri="{909E8E84-426E-40DD-AFC4-6F175D3DCCD1}">
+                <a14:hiddenFill xmlns:a14="http://schemas.microsoft.com/office/drawing/2010/main">
+                  <a:solidFill>
+                    <a:srgbClr val="FFFFFF"/>
+                  </a:solidFill>
+                </a14:hiddenFill>
+              </a:ext>
+            </a:extLst>
+          </p:spPr>
+        </p:pic>
+        <p:sp>
+          <p:nvSpPr>
+            <p:cNvPr id="47" name="TextBox 46">
+              <a:extLst>
+                <a:ext uri="{FF2B5EF4-FFF2-40B4-BE49-F238E27FC236}">
+                  <a16:creationId xmlns:a16="http://schemas.microsoft.com/office/drawing/2014/main" id="{A0C9488D-3570-46F5-970D-15D738847D14}"/>
+                </a:ext>
+              </a:extLst>
+            </p:cNvPr>
+            <p:cNvSpPr txBox="1"/>
+            <p:nvPr/>
+          </p:nvSpPr>
+          <p:spPr>
+            <a:xfrm>
+              <a:off x="1321530" y="620255"/>
+              <a:ext cx="2592633" cy="461665"/>
+            </a:xfrm>
+            <a:prstGeom prst="rect">
+              <a:avLst/>
+            </a:prstGeom>
+            <a:noFill/>
+          </p:spPr>
+          <p:txBody>
+            <a:bodyPr wrap="none" rtlCol="0">
+              <a:spAutoFit/>
+            </a:bodyPr>
+            <a:lstStyle/>
+            <a:p>
+              <a:r>
+                <a:rPr lang="en-US" sz="2400" dirty="0"/>
+                <a:t>Maximum Pressure</a:t>
+              </a:r>
+            </a:p>
+          </p:txBody>
+        </p:sp>
+        <p:sp>
+          <p:nvSpPr>
+            <p:cNvPr id="49" name="TextBox 48">
+              <a:extLst>
+                <a:ext uri="{FF2B5EF4-FFF2-40B4-BE49-F238E27FC236}">
+                  <a16:creationId xmlns:a16="http://schemas.microsoft.com/office/drawing/2014/main" id="{E9B2B1B1-33DF-4450-BF86-A2FB6F84853C}"/>
+                </a:ext>
+              </a:extLst>
+            </p:cNvPr>
+            <p:cNvSpPr txBox="1"/>
+            <p:nvPr/>
+          </p:nvSpPr>
+          <p:spPr>
+            <a:xfrm>
+              <a:off x="4393298" y="620255"/>
+              <a:ext cx="1966179" cy="461665"/>
+            </a:xfrm>
+            <a:prstGeom prst="rect">
+              <a:avLst/>
+            </a:prstGeom>
+            <a:noFill/>
+          </p:spPr>
+          <p:txBody>
+            <a:bodyPr wrap="none" rtlCol="0">
+              <a:spAutoFit/>
+            </a:bodyPr>
+            <a:lstStyle/>
+            <a:p>
+              <a:r>
+                <a:rPr lang="en-US" sz="2400" dirty="0"/>
+                <a:t>Wall thickness</a:t>
+              </a:r>
+            </a:p>
+          </p:txBody>
+        </p:sp>
+        <p:sp>
+          <p:nvSpPr>
+            <p:cNvPr id="50" name="TextBox 49">
+              <a:extLst>
+                <a:ext uri="{FF2B5EF4-FFF2-40B4-BE49-F238E27FC236}">
+                  <a16:creationId xmlns:a16="http://schemas.microsoft.com/office/drawing/2014/main" id="{DCB53731-9952-49BD-A174-BA5243DF87FC}"/>
+                </a:ext>
+              </a:extLst>
+            </p:cNvPr>
+            <p:cNvSpPr txBox="1"/>
+            <p:nvPr/>
+          </p:nvSpPr>
+          <p:spPr>
+            <a:xfrm>
+              <a:off x="6707634" y="620255"/>
+              <a:ext cx="2265428" cy="461665"/>
+            </a:xfrm>
+            <a:prstGeom prst="rect">
+              <a:avLst/>
+            </a:prstGeom>
+            <a:noFill/>
+          </p:spPr>
+          <p:txBody>
+            <a:bodyPr wrap="none" rtlCol="0">
+              <a:spAutoFit/>
+            </a:bodyPr>
+            <a:lstStyle/>
+            <a:p>
+              <a:r>
+                <a:rPr lang="en-US" sz="2400" dirty="0"/>
+                <a:t>Material Volume</a:t>
+              </a:r>
+            </a:p>
+          </p:txBody>
+        </p:sp>
+        <p:sp>
+          <p:nvSpPr>
+            <p:cNvPr id="51" name="TextBox 50">
+              <a:extLst>
+                <a:ext uri="{FF2B5EF4-FFF2-40B4-BE49-F238E27FC236}">
+                  <a16:creationId xmlns:a16="http://schemas.microsoft.com/office/drawing/2014/main" id="{CDC48B31-B3E4-4EDA-9B75-80C3E8D41A31}"/>
+                </a:ext>
+              </a:extLst>
+            </p:cNvPr>
+            <p:cNvSpPr txBox="1"/>
+            <p:nvPr/>
+          </p:nvSpPr>
+          <p:spPr>
+            <a:xfrm>
+              <a:off x="9321219" y="622948"/>
+              <a:ext cx="1789016" cy="461665"/>
+            </a:xfrm>
+            <a:prstGeom prst="rect">
+              <a:avLst/>
+            </a:prstGeom>
+            <a:noFill/>
+          </p:spPr>
+          <p:txBody>
+            <a:bodyPr wrap="none" rtlCol="0">
+              <a:spAutoFit/>
+            </a:bodyPr>
+            <a:lstStyle/>
+            <a:p>
+              <a:r>
+                <a:rPr lang="en-US" sz="2400" dirty="0">
+                  <a:solidFill>
+                    <a:srgbClr val="0070C0"/>
+                  </a:solidFill>
+                </a:rPr>
+                <a:t>Cost of Pipes</a:t>
+              </a:r>
+            </a:p>
+          </p:txBody>
+        </p:sp>
+        <p:pic>
+          <p:nvPicPr>
+            <p:cNvPr id="52" name="Picture 2" descr="Image result for symbol for proportional">
+              <a:hlinkClick r:id="rId2"/>
+              <a:extLst>
+                <a:ext uri="{FF2B5EF4-FFF2-40B4-BE49-F238E27FC236}">
+                  <a16:creationId xmlns:a16="http://schemas.microsoft.com/office/drawing/2014/main" id="{C67CE72A-13B8-4865-A02B-5841D5E61483}"/>
+                </a:ext>
+              </a:extLst>
+            </p:cNvPr>
+            <p:cNvPicPr>
+              <a:picLocks noChangeAspect="1" noChangeArrowheads="1"/>
+            </p:cNvPicPr>
+            <p:nvPr/>
+          </p:nvPicPr>
+          <p:blipFill rotWithShape="1">
+            <a:blip r:embed="rId3">
+              <a:extLst>
+                <a:ext uri="{28A0092B-C50C-407E-A947-70E740481C1C}">
+                  <a14:useLocalDpi xmlns:a14="http://schemas.microsoft.com/office/drawing/2010/main" val="0"/>
+                </a:ext>
+              </a:extLst>
+            </a:blip>
+            <a:srcRect l="26876" t="31656" r="25229" b="32316"/>
+            <a:stretch/>
+          </p:blipFill>
+          <p:spPr bwMode="auto">
+            <a:xfrm>
+              <a:off x="6314608" y="686384"/>
+              <a:ext cx="437895" cy="329405"/>
+            </a:xfrm>
+            <a:prstGeom prst="rect">
+              <a:avLst/>
+            </a:prstGeom>
+            <a:noFill/>
+            <a:extLst>
+              <a:ext uri="{909E8E84-426E-40DD-AFC4-6F175D3DCCD1}">
+                <a14:hiddenFill xmlns:a14="http://schemas.microsoft.com/office/drawing/2010/main">
+                  <a:solidFill>
+                    <a:srgbClr val="FFFFFF"/>
+                  </a:solidFill>
+                </a14:hiddenFill>
+              </a:ext>
+            </a:extLst>
+          </p:spPr>
+        </p:pic>
+        <p:pic>
+          <p:nvPicPr>
+            <p:cNvPr id="53" name="Picture 2" descr="Image result for symbol for proportional">
+              <a:hlinkClick r:id="rId2"/>
+              <a:extLst>
+                <a:ext uri="{FF2B5EF4-FFF2-40B4-BE49-F238E27FC236}">
+                  <a16:creationId xmlns:a16="http://schemas.microsoft.com/office/drawing/2014/main" id="{86FFCD4B-C0D0-415E-B689-2D8481A49E61}"/>
+                </a:ext>
+              </a:extLst>
+            </p:cNvPr>
+            <p:cNvPicPr>
+              <a:picLocks noChangeAspect="1" noChangeArrowheads="1"/>
+            </p:cNvPicPr>
+            <p:nvPr/>
+          </p:nvPicPr>
+          <p:blipFill rotWithShape="1">
+            <a:blip r:embed="rId3">
+              <a:extLst>
+                <a:ext uri="{28A0092B-C50C-407E-A947-70E740481C1C}">
+                  <a14:useLocalDpi xmlns:a14="http://schemas.microsoft.com/office/drawing/2010/main" val="0"/>
+                </a:ext>
+              </a:extLst>
+            </a:blip>
+            <a:srcRect l="26876" t="31656" r="25229" b="32316"/>
+            <a:stretch/>
+          </p:blipFill>
+          <p:spPr bwMode="auto">
+            <a:xfrm>
+              <a:off x="8937981" y="686384"/>
+              <a:ext cx="437895" cy="329405"/>
+            </a:xfrm>
+            <a:prstGeom prst="rect">
+              <a:avLst/>
+            </a:prstGeom>
+            <a:noFill/>
+            <a:extLst>
+              <a:ext uri="{909E8E84-426E-40DD-AFC4-6F175D3DCCD1}">
+                <a14:hiddenFill xmlns:a14="http://schemas.microsoft.com/office/drawing/2010/main">
+                  <a:solidFill>
+                    <a:srgbClr val="FFFFFF"/>
+                  </a:solidFill>
+                </a14:hiddenFill>
+              </a:ext>
+            </a:extLst>
+          </p:spPr>
+        </p:pic>
+      </p:grpSp>
     </p:spTree>
     <p:extLst>
       <p:ext uri="{BB962C8B-B14F-4D97-AF65-F5344CB8AC3E}">
-        <p14:creationId xmlns:p14="http://schemas.microsoft.com/office/powerpoint/2010/main" val="3797191583"/>
+        <p14:creationId xmlns:p14="http://schemas.microsoft.com/office/powerpoint/2010/main" val="1152014921"/>
       </p:ext>
     </p:extLst>
   </p:cSld>
   <p:clrMapOvr>
     <a:masterClrMapping/>
   </p:clrMapOvr>
+  <p:timing>
+    <p:tnLst>
+      <p:par>
+        <p:cTn id="1" dur="indefinite" restart="never" nodeType="tmRoot">
+          <p:childTnLst>
+            <p:seq concurrent="1" nextAc="seek">
+              <p:cTn id="2" dur="indefinite" nodeType="mainSeq">
+                <p:childTnLst>
+                  <p:par>
+                    <p:cTn id="3" fill="hold">
+                      <p:stCondLst>
+                        <p:cond delay="indefinite"/>
+                      </p:stCondLst>
+                      <p:childTnLst>
+                        <p:par>
+                          <p:cTn id="4" fill="hold">
+                            <p:stCondLst>
+                              <p:cond delay="0"/>
+                            </p:stCondLst>
+                            <p:childTnLst>
+                              <p:par>
+                                <p:cTn id="5" presetID="1" presetClass="entr" presetSubtype="0" fill="hold" nodeType="clickEffect">
+                                  <p:stCondLst>
+                                    <p:cond delay="0"/>
+                                  </p:stCondLst>
+                                  <p:childTnLst>
+                                    <p:set>
+                                      <p:cBhvr>
+                                        <p:cTn id="6" dur="1" fill="hold">
+                                          <p:stCondLst>
+                                            <p:cond delay="0"/>
+                                          </p:stCondLst>
+                                        </p:cTn>
+                                        <p:tgtEl>
+                                          <p:spTgt spid="37"/>
+                                        </p:tgtEl>
+                                        <p:attrNameLst>
+                                          <p:attrName>style.visibility</p:attrName>
+                                        </p:attrNameLst>
+                                      </p:cBhvr>
+                                      <p:to>
+                                        <p:strVal val="visible"/>
+                                      </p:to>
+                                    </p:set>
+                                  </p:childTnLst>
+                                </p:cTn>
+                              </p:par>
+                            </p:childTnLst>
+                          </p:cTn>
+                        </p:par>
+                      </p:childTnLst>
+                    </p:cTn>
+                  </p:par>
+                  <p:par>
+                    <p:cTn id="7" fill="hold">
+                      <p:stCondLst>
+                        <p:cond delay="indefinite"/>
+                      </p:stCondLst>
+                      <p:childTnLst>
+                        <p:par>
+                          <p:cTn id="8" fill="hold">
+                            <p:stCondLst>
+                              <p:cond delay="0"/>
+                            </p:stCondLst>
+                            <p:childTnLst>
+                              <p:par>
+                                <p:cTn id="9" presetID="1" presetClass="entr" presetSubtype="0" fill="hold" grpId="0" nodeType="clickEffect">
+                                  <p:stCondLst>
+                                    <p:cond delay="0"/>
+                                  </p:stCondLst>
+                                  <p:childTnLst>
+                                    <p:set>
+                                      <p:cBhvr>
+                                        <p:cTn id="10" dur="1" fill="hold">
+                                          <p:stCondLst>
+                                            <p:cond delay="0"/>
+                                          </p:stCondLst>
+                                        </p:cTn>
+                                        <p:tgtEl>
+                                          <p:spTgt spid="42"/>
+                                        </p:tgtEl>
+                                        <p:attrNameLst>
+                                          <p:attrName>style.visibility</p:attrName>
+                                        </p:attrNameLst>
+                                      </p:cBhvr>
+                                      <p:to>
+                                        <p:strVal val="visible"/>
+                                      </p:to>
+                                    </p:set>
+                                  </p:childTnLst>
+                                </p:cTn>
+                              </p:par>
+                            </p:childTnLst>
+                          </p:cTn>
+                        </p:par>
+                      </p:childTnLst>
+                    </p:cTn>
+                  </p:par>
+                </p:childTnLst>
+              </p:cTn>
+              <p:prevCondLst>
+                <p:cond evt="onPrev" delay="0">
+                  <p:tgtEl>
+                    <p:sldTgt/>
+                  </p:tgtEl>
+                </p:cond>
+              </p:prevCondLst>
+              <p:nextCondLst>
+                <p:cond evt="onNext" delay="0">
+                  <p:tgtEl>
+                    <p:sldTgt/>
+                  </p:tgtEl>
+                </p:cond>
+              </p:nextCondLst>
+            </p:seq>
+          </p:childTnLst>
+        </p:cTn>
+      </p:par>
+    </p:tnLst>
+    <p:bldLst>
+      <p:bldP spid="42" grpId="0" animBg="1"/>
+    </p:bldLst>
+  </p:timing>
 </p:sld>
 </file>
 
-<file path=ppt/slides/slide16.xml><?xml version="1.0" encoding="utf-8"?>
+<file path=ppt/slides/slide15.xml><?xml version="1.0" encoding="utf-8"?>
 <p:sld xmlns:a="http://schemas.openxmlformats.org/drawingml/2006/main" xmlns:r="http://schemas.openxmlformats.org/officeDocument/2006/relationships" xmlns:p="http://schemas.openxmlformats.org/presentationml/2006/main">
   <p:cSld>
     <p:spTree>
@@ -6115,7 +7117,7 @@
 </p:sld>
 </file>
 
-<file path=ppt/slides/slide17.xml><?xml version="1.0" encoding="utf-8"?>
+<file path=ppt/slides/slide16.xml><?xml version="1.0" encoding="utf-8"?>
 <p:sld xmlns:a="http://schemas.openxmlformats.org/drawingml/2006/main" xmlns:r="http://schemas.openxmlformats.org/officeDocument/2006/relationships" xmlns:p="http://schemas.openxmlformats.org/presentationml/2006/main">
   <p:cSld>
     <p:spTree>
@@ -6163,10 +7165,10 @@
       </p:sp>
       <p:pic>
         <p:nvPicPr>
-          <p:cNvPr id="9" name="Picture 8">
-            <a:extLst>
-              <a:ext uri="{FF2B5EF4-FFF2-40B4-BE49-F238E27FC236}">
-                <a16:creationId xmlns:a16="http://schemas.microsoft.com/office/drawing/2014/main" id="{6AA93FB2-32FA-4B46-AB0F-7B335AA222AF}"/>
+          <p:cNvPr id="13" name="Picture 12">
+            <a:extLst>
+              <a:ext uri="{FF2B5EF4-FFF2-40B4-BE49-F238E27FC236}">
+                <a16:creationId xmlns:a16="http://schemas.microsoft.com/office/drawing/2014/main" id="{B54FA688-BD4A-450E-B405-4222BAF91E58}"/>
               </a:ext>
             </a:extLst>
           </p:cNvPr>
@@ -6177,42 +7179,6 @@
         </p:nvPicPr>
         <p:blipFill>
           <a:blip r:embed="rId2">
-            <a:extLst>
-              <a:ext uri="{28A0092B-C50C-407E-A947-70E740481C1C}">
-                <a14:useLocalDpi xmlns:a14="http://schemas.microsoft.com/office/drawing/2010/main" val="0"/>
-              </a:ext>
-            </a:extLst>
-          </a:blip>
-          <a:stretch>
-            <a:fillRect/>
-          </a:stretch>
-        </p:blipFill>
-        <p:spPr>
-          <a:xfrm>
-            <a:off x="5611863" y="1257442"/>
-            <a:ext cx="5941436" cy="2249503"/>
-          </a:xfrm>
-          <a:prstGeom prst="rect">
-            <a:avLst/>
-          </a:prstGeom>
-        </p:spPr>
-      </p:pic>
-      <p:pic>
-        <p:nvPicPr>
-          <p:cNvPr id="13" name="Picture 12">
-            <a:extLst>
-              <a:ext uri="{FF2B5EF4-FFF2-40B4-BE49-F238E27FC236}">
-                <a16:creationId xmlns:a16="http://schemas.microsoft.com/office/drawing/2014/main" id="{B54FA688-BD4A-450E-B405-4222BAF91E58}"/>
-              </a:ext>
-            </a:extLst>
-          </p:cNvPr>
-          <p:cNvPicPr>
-            <a:picLocks noChangeAspect="1"/>
-          </p:cNvPicPr>
-          <p:nvPr/>
-        </p:nvPicPr>
-        <p:blipFill>
-          <a:blip r:embed="rId3">
             <a:extLst>
               <a:ext uri="{28A0092B-C50C-407E-A947-70E740481C1C}">
                 <a14:useLocalDpi xmlns:a14="http://schemas.microsoft.com/office/drawing/2010/main" val="0"/>
@@ -6248,7 +7214,7 @@
           <p:nvPr/>
         </p:nvPicPr>
         <p:blipFill>
-          <a:blip r:embed="rId4">
+          <a:blip r:embed="rId3">
             <a:extLst>
               <a:ext uri="{28A0092B-C50C-407E-A947-70E740481C1C}">
                 <a14:useLocalDpi xmlns:a14="http://schemas.microsoft.com/office/drawing/2010/main" val="0"/>
@@ -6284,7 +7250,7 @@
           <p:nvPr/>
         </p:nvPicPr>
         <p:blipFill>
-          <a:blip r:embed="rId5">
+          <a:blip r:embed="rId4">
             <a:extLst>
               <a:ext uri="{28A0092B-C50C-407E-A947-70E740481C1C}">
                 <a14:useLocalDpi xmlns:a14="http://schemas.microsoft.com/office/drawing/2010/main" val="0"/>
@@ -6318,7 +7284,7 @@
 </p:sld>
 </file>
 
-<file path=ppt/slides/slide18.xml><?xml version="1.0" encoding="utf-8"?>
+<file path=ppt/slides/slide17.xml><?xml version="1.0" encoding="utf-8"?>
 <p:sld xmlns:a="http://schemas.openxmlformats.org/drawingml/2006/main" xmlns:r="http://schemas.openxmlformats.org/officeDocument/2006/relationships" xmlns:p="http://schemas.openxmlformats.org/presentationml/2006/main">
   <p:cSld>
     <p:spTree>
@@ -6485,7 +7451,7 @@
 </p:sld>
 </file>
 
-<file path=ppt/slides/slide19.xml><?xml version="1.0" encoding="utf-8"?>
+<file path=ppt/slides/slide18.xml><?xml version="1.0" encoding="utf-8"?>
 <p:sld xmlns:a="http://schemas.openxmlformats.org/drawingml/2006/main" xmlns:r="http://schemas.openxmlformats.org/officeDocument/2006/relationships" xmlns:p="http://schemas.openxmlformats.org/presentationml/2006/main">
   <p:cSld>
     <p:spTree>
@@ -6571,6 +7537,107 @@
     <p:extLst>
       <p:ext uri="{BB962C8B-B14F-4D97-AF65-F5344CB8AC3E}">
         <p14:creationId xmlns:p14="http://schemas.microsoft.com/office/powerpoint/2010/main" val="1544625445"/>
+      </p:ext>
+    </p:extLst>
+  </p:cSld>
+  <p:clrMapOvr>
+    <a:masterClrMapping/>
+  </p:clrMapOvr>
+</p:sld>
+</file>
+
+<file path=ppt/slides/slide19.xml><?xml version="1.0" encoding="utf-8"?>
+<p:sld xmlns:a="http://schemas.openxmlformats.org/drawingml/2006/main" xmlns:r="http://schemas.openxmlformats.org/officeDocument/2006/relationships" xmlns:p="http://schemas.openxmlformats.org/presentationml/2006/main">
+  <p:cSld>
+    <p:spTree>
+      <p:nvGrpSpPr>
+        <p:cNvPr id="1" name=""/>
+        <p:cNvGrpSpPr/>
+        <p:nvPr/>
+      </p:nvGrpSpPr>
+      <p:grpSpPr>
+        <a:xfrm>
+          <a:off x="0" y="0"/>
+          <a:ext cx="0" cy="0"/>
+          <a:chOff x="0" y="0"/>
+          <a:chExt cx="0" cy="0"/>
+        </a:xfrm>
+      </p:grpSpPr>
+      <p:sp>
+        <p:nvSpPr>
+          <p:cNvPr id="3" name="Content Placeholder 2">
+            <a:extLst>
+              <a:ext uri="{FF2B5EF4-FFF2-40B4-BE49-F238E27FC236}">
+                <a16:creationId xmlns:a16="http://schemas.microsoft.com/office/drawing/2014/main" id="{46CEFD87-813E-49BC-AD6A-918D394F9FC2}"/>
+              </a:ext>
+            </a:extLst>
+          </p:cNvPr>
+          <p:cNvSpPr>
+            <a:spLocks noGrp="1"/>
+          </p:cNvSpPr>
+          <p:nvPr>
+            <p:ph idx="1"/>
+          </p:nvPr>
+        </p:nvSpPr>
+        <p:spPr/>
+        <p:txBody>
+          <a:bodyPr/>
+          <a:lstStyle/>
+          <a:p>
+            <a:r>
+              <a:rPr lang="en-US" dirty="0"/>
+              <a:t>Since none of us knew anything about pipelines prior to this project, we knew we would need some type of iterative method to test solutions</a:t>
+            </a:r>
+          </a:p>
+          <a:p>
+            <a:r>
+              <a:rPr lang="en-US" dirty="0"/>
+              <a:t>Iteration requires subgroups – created groups in order of priority:</a:t>
+            </a:r>
+          </a:p>
+          <a:p>
+            <a:pPr marL="914400" lvl="1" indent="-457200">
+              <a:buFont typeface="+mj-lt"/>
+              <a:buAutoNum type="arabicPeriod"/>
+            </a:pPr>
+            <a:r>
+              <a:rPr lang="en-US" dirty="0"/>
+              <a:t>Constancy – what things will not change between designs?</a:t>
+            </a:r>
+          </a:p>
+          <a:p>
+            <a:pPr marL="914400" lvl="1" indent="-457200">
+              <a:buFont typeface="+mj-lt"/>
+              <a:buAutoNum type="arabicPeriod"/>
+            </a:pPr>
+            <a:r>
+              <a:rPr lang="en-US" dirty="0"/>
+              <a:t>Group Size – which groups are smallest? Start with those.</a:t>
+            </a:r>
+          </a:p>
+          <a:p>
+            <a:pPr marL="914400" lvl="1" indent="-457200">
+              <a:buFont typeface="+mj-lt"/>
+              <a:buAutoNum type="arabicPeriod"/>
+            </a:pPr>
+            <a:r>
+              <a:rPr lang="en-US" dirty="0"/>
+              <a:t>Ease of solution – by completing the easiest pieces first, we can minimize the number of places at which to evaluate the difficult components</a:t>
+            </a:r>
+          </a:p>
+          <a:p>
+            <a:pPr marL="914400" lvl="1" indent="-457200">
+              <a:buFont typeface="+mj-lt"/>
+              <a:buAutoNum type="arabicPeriod"/>
+            </a:pPr>
+            <a:endParaRPr lang="en-US" dirty="0"/>
+          </a:p>
+        </p:txBody>
+      </p:sp>
+    </p:spTree>
+    <p:extLst>
+      <p:ext uri="{BB962C8B-B14F-4D97-AF65-F5344CB8AC3E}">
+        <p14:creationId xmlns:p14="http://schemas.microsoft.com/office/powerpoint/2010/main" val="3797191583"/>
       </p:ext>
     </p:extLst>
   </p:cSld>
@@ -7149,95 +8216,6 @@
 </p:sld>
 </file>
 
-<file path=ppt/slides/slide20.xml><?xml version="1.0" encoding="utf-8"?>
-<p:sld xmlns:a="http://schemas.openxmlformats.org/drawingml/2006/main" xmlns:r="http://schemas.openxmlformats.org/officeDocument/2006/relationships" xmlns:p="http://schemas.openxmlformats.org/presentationml/2006/main">
-  <p:cSld>
-    <p:spTree>
-      <p:nvGrpSpPr>
-        <p:cNvPr id="1" name=""/>
-        <p:cNvGrpSpPr/>
-        <p:nvPr/>
-      </p:nvGrpSpPr>
-      <p:grpSpPr>
-        <a:xfrm>
-          <a:off x="0" y="0"/>
-          <a:ext cx="0" cy="0"/>
-          <a:chOff x="0" y="0"/>
-          <a:chExt cx="0" cy="0"/>
-        </a:xfrm>
-      </p:grpSpPr>
-      <p:sp>
-        <p:nvSpPr>
-          <p:cNvPr id="2" name="Title 1">
-            <a:extLst>
-              <a:ext uri="{FF2B5EF4-FFF2-40B4-BE49-F238E27FC236}">
-                <a16:creationId xmlns:a16="http://schemas.microsoft.com/office/drawing/2014/main" id="{049EC63C-A197-4252-85E7-993DB794C757}"/>
-              </a:ext>
-            </a:extLst>
-          </p:cNvPr>
-          <p:cNvSpPr>
-            <a:spLocks noGrp="1"/>
-          </p:cNvSpPr>
-          <p:nvPr>
-            <p:ph type="title"/>
-          </p:nvPr>
-        </p:nvSpPr>
-        <p:spPr>
-          <a:xfrm>
-            <a:off x="838200" y="365125"/>
-            <a:ext cx="10515600" cy="978645"/>
-          </a:xfrm>
-        </p:spPr>
-        <p:txBody>
-          <a:bodyPr/>
-          <a:lstStyle/>
-          <a:p>
-            <a:pPr algn="ctr"/>
-            <a:r>
-              <a:rPr lang="en-US" dirty="0"/>
-              <a:t>Innovation Concept (continued)</a:t>
-            </a:r>
-          </a:p>
-        </p:txBody>
-      </p:sp>
-      <p:sp>
-        <p:nvSpPr>
-          <p:cNvPr id="3" name="Content Placeholder 2">
-            <a:extLst>
-              <a:ext uri="{FF2B5EF4-FFF2-40B4-BE49-F238E27FC236}">
-                <a16:creationId xmlns:a16="http://schemas.microsoft.com/office/drawing/2014/main" id="{7F6AA9CD-BC5B-4207-B49F-254E11F34AA5}"/>
-              </a:ext>
-            </a:extLst>
-          </p:cNvPr>
-          <p:cNvSpPr>
-            <a:spLocks noGrp="1"/>
-          </p:cNvSpPr>
-          <p:nvPr>
-            <p:ph idx="1"/>
-          </p:nvPr>
-        </p:nvSpPr>
-        <p:spPr/>
-        <p:txBody>
-          <a:bodyPr/>
-          <a:lstStyle/>
-          <a:p>
-            <a:endParaRPr lang="en-US"/>
-          </a:p>
-        </p:txBody>
-      </p:sp>
-    </p:spTree>
-    <p:extLst>
-      <p:ext uri="{BB962C8B-B14F-4D97-AF65-F5344CB8AC3E}">
-        <p14:creationId xmlns:p14="http://schemas.microsoft.com/office/powerpoint/2010/main" val="3831560297"/>
-      </p:ext>
-    </p:extLst>
-  </p:cSld>
-  <p:clrMapOvr>
-    <a:masterClrMapping/>
-  </p:clrMapOvr>
-</p:sld>
-</file>
-
 <file path=ppt/slides/slide3.xml><?xml version="1.0" encoding="utf-8"?>
 <p:sld xmlns:a="http://schemas.openxmlformats.org/drawingml/2006/main" xmlns:r="http://schemas.openxmlformats.org/officeDocument/2006/relationships" xmlns:p="http://schemas.openxmlformats.org/presentationml/2006/main">
   <p:cSld>
@@ -7352,8 +8330,80 @@
         </p:blipFill>
         <p:spPr>
           <a:xfrm>
-            <a:off x="7153550" y="3605350"/>
-            <a:ext cx="4338247" cy="2484633"/>
+            <a:off x="6943030" y="3605350"/>
+            <a:ext cx="4990512" cy="2858203"/>
+          </a:xfrm>
+          <a:prstGeom prst="rect">
+            <a:avLst/>
+          </a:prstGeom>
+        </p:spPr>
+      </p:pic>
+      <p:pic>
+        <p:nvPicPr>
+          <p:cNvPr id="5" name="Picture 4">
+            <a:extLst>
+              <a:ext uri="{FF2B5EF4-FFF2-40B4-BE49-F238E27FC236}">
+                <a16:creationId xmlns:a16="http://schemas.microsoft.com/office/drawing/2014/main" id="{F51E9C50-7ED3-413C-9E5E-81BF7E769C18}"/>
+              </a:ext>
+            </a:extLst>
+          </p:cNvPr>
+          <p:cNvPicPr>
+            <a:picLocks noChangeAspect="1"/>
+          </p:cNvPicPr>
+          <p:nvPr/>
+        </p:nvPicPr>
+        <p:blipFill>
+          <a:blip r:embed="rId5">
+            <a:extLst>
+              <a:ext uri="{28A0092B-C50C-407E-A947-70E740481C1C}">
+                <a14:useLocalDpi xmlns:a14="http://schemas.microsoft.com/office/drawing/2010/main" val="0"/>
+              </a:ext>
+            </a:extLst>
+          </a:blip>
+          <a:stretch>
+            <a:fillRect/>
+          </a:stretch>
+        </p:blipFill>
+        <p:spPr>
+          <a:xfrm>
+            <a:off x="629181" y="1092517"/>
+            <a:ext cx="5941436" cy="2249503"/>
+          </a:xfrm>
+          <a:prstGeom prst="rect">
+            <a:avLst/>
+          </a:prstGeom>
+        </p:spPr>
+      </p:pic>
+      <p:pic>
+        <p:nvPicPr>
+          <p:cNvPr id="6" name="Picture 5">
+            <a:extLst>
+              <a:ext uri="{FF2B5EF4-FFF2-40B4-BE49-F238E27FC236}">
+                <a16:creationId xmlns:a16="http://schemas.microsoft.com/office/drawing/2014/main" id="{F46C33E4-36E2-4360-9664-0D245900ABA7}"/>
+              </a:ext>
+            </a:extLst>
+          </p:cNvPr>
+          <p:cNvPicPr>
+            <a:picLocks noChangeAspect="1"/>
+          </p:cNvPicPr>
+          <p:nvPr/>
+        </p:nvPicPr>
+        <p:blipFill>
+          <a:blip r:embed="rId6">
+            <a:extLst>
+              <a:ext uri="{28A0092B-C50C-407E-A947-70E740481C1C}">
+                <a14:useLocalDpi xmlns:a14="http://schemas.microsoft.com/office/drawing/2010/main" val="0"/>
+              </a:ext>
+            </a:extLst>
+          </a:blip>
+          <a:stretch>
+            <a:fillRect/>
+          </a:stretch>
+        </p:blipFill>
+        <p:spPr>
+          <a:xfrm>
+            <a:off x="547484" y="3429000"/>
+            <a:ext cx="6104830" cy="3247495"/>
           </a:xfrm>
           <a:prstGeom prst="rect">
             <a:avLst/>
@@ -8012,6 +9062,78 @@
           </a:p>
         </p:txBody>
       </p:sp>
+      <p:pic>
+        <p:nvPicPr>
+          <p:cNvPr id="21" name="Picture 20">
+            <a:extLst>
+              <a:ext uri="{FF2B5EF4-FFF2-40B4-BE49-F238E27FC236}">
+                <a16:creationId xmlns:a16="http://schemas.microsoft.com/office/drawing/2014/main" id="{16BFDFED-2A69-4C22-8294-76D5E83F6B03}"/>
+              </a:ext>
+            </a:extLst>
+          </p:cNvPr>
+          <p:cNvPicPr>
+            <a:picLocks noChangeAspect="1"/>
+          </p:cNvPicPr>
+          <p:nvPr/>
+        </p:nvPicPr>
+        <p:blipFill>
+          <a:blip r:embed="rId3">
+            <a:extLst>
+              <a:ext uri="{28A0092B-C50C-407E-A947-70E740481C1C}">
+                <a14:useLocalDpi xmlns:a14="http://schemas.microsoft.com/office/drawing/2010/main" val="0"/>
+              </a:ext>
+            </a:extLst>
+          </a:blip>
+          <a:stretch>
+            <a:fillRect/>
+          </a:stretch>
+        </p:blipFill>
+        <p:spPr>
+          <a:xfrm>
+            <a:off x="232216" y="892400"/>
+            <a:ext cx="7788379" cy="2966575"/>
+          </a:xfrm>
+          <a:prstGeom prst="rect">
+            <a:avLst/>
+          </a:prstGeom>
+        </p:spPr>
+      </p:pic>
+      <p:pic>
+        <p:nvPicPr>
+          <p:cNvPr id="22" name="Picture 21">
+            <a:extLst>
+              <a:ext uri="{FF2B5EF4-FFF2-40B4-BE49-F238E27FC236}">
+                <a16:creationId xmlns:a16="http://schemas.microsoft.com/office/drawing/2014/main" id="{020BB164-0968-423C-BCCD-16DFB7D3031A}"/>
+              </a:ext>
+            </a:extLst>
+          </p:cNvPr>
+          <p:cNvPicPr>
+            <a:picLocks noChangeAspect="1"/>
+          </p:cNvPicPr>
+          <p:nvPr/>
+        </p:nvPicPr>
+        <p:blipFill>
+          <a:blip r:embed="rId4">
+            <a:extLst>
+              <a:ext uri="{28A0092B-C50C-407E-A947-70E740481C1C}">
+                <a14:useLocalDpi xmlns:a14="http://schemas.microsoft.com/office/drawing/2010/main" val="0"/>
+              </a:ext>
+            </a:extLst>
+          </a:blip>
+          <a:stretch>
+            <a:fillRect/>
+          </a:stretch>
+        </p:blipFill>
+        <p:spPr>
+          <a:xfrm>
+            <a:off x="1757331" y="3809287"/>
+            <a:ext cx="4180440" cy="2883814"/>
+          </a:xfrm>
+          <a:prstGeom prst="rect">
+            <a:avLst/>
+          </a:prstGeom>
+        </p:spPr>
+      </p:pic>
     </p:spTree>
     <p:extLst>
       <p:ext uri="{BB962C8B-B14F-4D97-AF65-F5344CB8AC3E}">
@@ -8042,72 +9164,6 @@
           <a:chExt cx="0" cy="0"/>
         </a:xfrm>
       </p:grpSpPr>
-      <p:pic>
-        <p:nvPicPr>
-          <p:cNvPr id="4" name="Picture 3">
-            <a:extLst>
-              <a:ext uri="{FF2B5EF4-FFF2-40B4-BE49-F238E27FC236}">
-                <a16:creationId xmlns:a16="http://schemas.microsoft.com/office/drawing/2014/main" id="{6DB30E48-36D0-443B-8041-D45CDBD7C38E}"/>
-              </a:ext>
-            </a:extLst>
-          </p:cNvPr>
-          <p:cNvPicPr>
-            <a:picLocks noChangeAspect="1"/>
-          </p:cNvPicPr>
-          <p:nvPr/>
-        </p:nvPicPr>
-        <p:blipFill>
-          <a:blip r:embed="rId2">
-            <a:extLst>
-              <a:ext uri="{28A0092B-C50C-407E-A947-70E740481C1C}">
-                <a14:useLocalDpi xmlns:a14="http://schemas.microsoft.com/office/drawing/2010/main" val="0"/>
-              </a:ext>
-            </a:extLst>
-          </a:blip>
-          <a:stretch>
-            <a:fillRect/>
-          </a:stretch>
-        </p:blipFill>
-        <p:spPr>
-          <a:xfrm>
-            <a:off x="-59941" y="1084217"/>
-            <a:ext cx="12311881" cy="4689566"/>
-          </a:xfrm>
-          <a:prstGeom prst="rect">
-            <a:avLst/>
-          </a:prstGeom>
-        </p:spPr>
-      </p:pic>
-    </p:spTree>
-    <p:extLst>
-      <p:ext uri="{BB962C8B-B14F-4D97-AF65-F5344CB8AC3E}">
-        <p14:creationId xmlns:p14="http://schemas.microsoft.com/office/powerpoint/2010/main" val="1367030958"/>
-      </p:ext>
-    </p:extLst>
-  </p:cSld>
-  <p:clrMapOvr>
-    <a:masterClrMapping/>
-  </p:clrMapOvr>
-</p:sld>
-</file>
-
-<file path=ppt/slides/slide6.xml><?xml version="1.0" encoding="utf-8"?>
-<p:sld xmlns:a="http://schemas.openxmlformats.org/drawingml/2006/main" xmlns:r="http://schemas.openxmlformats.org/officeDocument/2006/relationships" xmlns:p="http://schemas.openxmlformats.org/presentationml/2006/main">
-  <p:cSld>
-    <p:spTree>
-      <p:nvGrpSpPr>
-        <p:cNvPr id="1" name=""/>
-        <p:cNvGrpSpPr/>
-        <p:nvPr/>
-      </p:nvGrpSpPr>
-      <p:grpSpPr>
-        <a:xfrm>
-          <a:off x="0" y="0"/>
-          <a:ext cx="0" cy="0"/>
-          <a:chOff x="0" y="0"/>
-          <a:chExt cx="0" cy="0"/>
-        </a:xfrm>
-      </p:grpSpPr>
       <p:sp>
         <p:nvSpPr>
           <p:cNvPr id="2" name="Title 1">
@@ -8209,7 +9265,7 @@
 </p:sld>
 </file>
 
-<file path=ppt/slides/slide7.xml><?xml version="1.0" encoding="utf-8"?>
+<file path=ppt/slides/slide6.xml><?xml version="1.0" encoding="utf-8"?>
 <p:sld xmlns:a="http://schemas.openxmlformats.org/drawingml/2006/main" xmlns:r="http://schemas.openxmlformats.org/officeDocument/2006/relationships" xmlns:p="http://schemas.openxmlformats.org/presentationml/2006/main">
   <p:cSld>
     <p:spTree>
@@ -9351,7 +10407,7 @@
 </p:sld>
 </file>
 
-<file path=ppt/slides/slide8.xml><?xml version="1.0" encoding="utf-8"?>
+<file path=ppt/slides/slide7.xml><?xml version="1.0" encoding="utf-8"?>
 <p:sld xmlns:a="http://schemas.openxmlformats.org/drawingml/2006/main" xmlns:r="http://schemas.openxmlformats.org/officeDocument/2006/relationships" xmlns:p="http://schemas.openxmlformats.org/presentationml/2006/main">
   <p:cSld>
     <p:spTree>
@@ -9484,7 +10540,7 @@
 </p:sld>
 </file>
 
-<file path=ppt/slides/slide9.xml><?xml version="1.0" encoding="utf-8"?>
+<file path=ppt/slides/slide8.xml><?xml version="1.0" encoding="utf-8"?>
 <p:sld xmlns:a="http://schemas.openxmlformats.org/drawingml/2006/main" xmlns:r="http://schemas.openxmlformats.org/officeDocument/2006/relationships" xmlns:p="http://schemas.openxmlformats.org/presentationml/2006/main">
   <p:cSld>
     <p:spTree>
@@ -11188,6 +12244,65 @@
     <p:extLst>
       <p:ext uri="{BB962C8B-B14F-4D97-AF65-F5344CB8AC3E}">
         <p14:creationId xmlns:p14="http://schemas.microsoft.com/office/powerpoint/2010/main" val="3482469565"/>
+      </p:ext>
+    </p:extLst>
+  </p:cSld>
+  <p:clrMapOvr>
+    <a:masterClrMapping/>
+  </p:clrMapOvr>
+</p:sld>
+</file>
+
+<file path=ppt/slides/slide9.xml><?xml version="1.0" encoding="utf-8"?>
+<p:sld xmlns:a="http://schemas.openxmlformats.org/drawingml/2006/main" xmlns:r="http://schemas.openxmlformats.org/officeDocument/2006/relationships" xmlns:p="http://schemas.openxmlformats.org/presentationml/2006/main">
+  <p:cSld>
+    <p:spTree>
+      <p:nvGrpSpPr>
+        <p:cNvPr id="1" name=""/>
+        <p:cNvGrpSpPr/>
+        <p:nvPr/>
+      </p:nvGrpSpPr>
+      <p:grpSpPr>
+        <a:xfrm>
+          <a:off x="0" y="0"/>
+          <a:ext cx="0" cy="0"/>
+          <a:chOff x="0" y="0"/>
+          <a:chExt cx="0" cy="0"/>
+        </a:xfrm>
+      </p:grpSpPr>
+      <p:sp>
+        <p:nvSpPr>
+          <p:cNvPr id="2" name="Title 1">
+            <a:extLst>
+              <a:ext uri="{FF2B5EF4-FFF2-40B4-BE49-F238E27FC236}">
+                <a16:creationId xmlns:a16="http://schemas.microsoft.com/office/drawing/2014/main" id="{A6A8ED33-335E-F04F-8005-06EB5DEEB604}"/>
+              </a:ext>
+            </a:extLst>
+          </p:cNvPr>
+          <p:cNvSpPr>
+            <a:spLocks noGrp="1"/>
+          </p:cNvSpPr>
+          <p:nvPr>
+            <p:ph type="title"/>
+          </p:nvPr>
+        </p:nvSpPr>
+        <p:spPr/>
+        <p:txBody>
+          <a:bodyPr/>
+          <a:lstStyle/>
+          <a:p>
+            <a:pPr algn="ctr"/>
+            <a:r>
+              <a:rPr lang="en-US" dirty="0"/>
+              <a:t>Backup Slides</a:t>
+            </a:r>
+          </a:p>
+        </p:txBody>
+      </p:sp>
+    </p:spTree>
+    <p:extLst>
+      <p:ext uri="{BB962C8B-B14F-4D97-AF65-F5344CB8AC3E}">
+        <p14:creationId xmlns:p14="http://schemas.microsoft.com/office/powerpoint/2010/main" val="459446304"/>
       </p:ext>
     </p:extLst>
   </p:cSld>

--- a/dev/fluor/The AquaDucks/The AquaDucks Presentation.pptx
+++ b/dev/fluor/The AquaDucks/The AquaDucks Presentation.pptx
@@ -215,7 +215,7 @@
           <a:p>
             <a:fld id="{573A1935-CFF3-4744-B5A7-358890B8B075}" type="datetimeFigureOut">
               <a:rPr lang="en-US" smtClean="0"/>
-              <a:t>10/28/2019</a:t>
+              <a:t>10/30/19</a:t>
             </a:fld>
             <a:endParaRPr lang="en-US"/>
           </a:p>
@@ -975,6 +975,93 @@
 </p:notes>
 </file>
 
+<file path=ppt/notesSlides/notesSlide6.xml><?xml version="1.0" encoding="utf-8"?>
+<p:notes xmlns:a="http://schemas.openxmlformats.org/drawingml/2006/main" xmlns:r="http://schemas.openxmlformats.org/officeDocument/2006/relationships" xmlns:p="http://schemas.openxmlformats.org/presentationml/2006/main">
+  <p:cSld>
+    <p:spTree>
+      <p:nvGrpSpPr>
+        <p:cNvPr id="1" name=""/>
+        <p:cNvGrpSpPr/>
+        <p:nvPr/>
+      </p:nvGrpSpPr>
+      <p:grpSpPr>
+        <a:xfrm>
+          <a:off x="0" y="0"/>
+          <a:ext cx="0" cy="0"/>
+          <a:chOff x="0" y="0"/>
+          <a:chExt cx="0" cy="0"/>
+        </a:xfrm>
+      </p:grpSpPr>
+      <p:sp>
+        <p:nvSpPr>
+          <p:cNvPr id="2" name="Slide Image Placeholder 1"/>
+          <p:cNvSpPr>
+            <a:spLocks noGrp="1" noRot="1" noChangeAspect="1"/>
+          </p:cNvSpPr>
+          <p:nvPr>
+            <p:ph type="sldImg"/>
+          </p:nvPr>
+        </p:nvSpPr>
+        <p:spPr/>
+      </p:sp>
+      <p:sp>
+        <p:nvSpPr>
+          <p:cNvPr id="3" name="Notes Placeholder 2"/>
+          <p:cNvSpPr>
+            <a:spLocks noGrp="1"/>
+          </p:cNvSpPr>
+          <p:nvPr>
+            <p:ph type="body" idx="1"/>
+          </p:nvPr>
+        </p:nvSpPr>
+        <p:spPr/>
+        <p:txBody>
+          <a:bodyPr/>
+          <a:lstStyle/>
+          <a:p>
+            <a:r>
+              <a:rPr lang="en-US" dirty="0"/>
+              <a:t>This gives a more favorable tradeoff leading to a cheaper total cost</a:t>
+            </a:r>
+          </a:p>
+        </p:txBody>
+      </p:sp>
+      <p:sp>
+        <p:nvSpPr>
+          <p:cNvPr id="4" name="Slide Number Placeholder 3"/>
+          <p:cNvSpPr>
+            <a:spLocks noGrp="1"/>
+          </p:cNvSpPr>
+          <p:nvPr>
+            <p:ph type="sldNum" sz="quarter" idx="5"/>
+          </p:nvPr>
+        </p:nvSpPr>
+        <p:spPr/>
+        <p:txBody>
+          <a:bodyPr/>
+          <a:lstStyle/>
+          <a:p>
+            <a:fld id="{A7B072B7-FC31-4FD7-B929-F7282CCB0C55}" type="slidenum">
+              <a:rPr lang="en-US" smtClean="0"/>
+              <a:t>14</a:t>
+            </a:fld>
+            <a:endParaRPr lang="en-US"/>
+          </a:p>
+        </p:txBody>
+      </p:sp>
+    </p:spTree>
+    <p:extLst>
+      <p:ext uri="{BB962C8B-B14F-4D97-AF65-F5344CB8AC3E}">
+        <p14:creationId xmlns:p14="http://schemas.microsoft.com/office/powerpoint/2010/main" val="2415866470"/>
+      </p:ext>
+    </p:extLst>
+  </p:cSld>
+  <p:clrMapOvr>
+    <a:masterClrMapping/>
+  </p:clrMapOvr>
+</p:notes>
+</file>
+
 <file path=ppt/slideLayouts/slideLayout1.xml><?xml version="1.0" encoding="utf-8"?>
 <p:sldLayout xmlns:a="http://schemas.openxmlformats.org/drawingml/2006/main" xmlns:r="http://schemas.openxmlformats.org/officeDocument/2006/relationships" xmlns:p="http://schemas.openxmlformats.org/presentationml/2006/main" type="title" preserve="1">
   <p:cSld name="Title Slide">
@@ -1122,7 +1209,7 @@
           <a:p>
             <a:fld id="{6A1BF488-617C-45ED-ACF4-41A8189FD430}" type="datetimeFigureOut">
               <a:rPr lang="en-US" smtClean="0"/>
-              <a:t>10/28/2019</a:t>
+              <a:t>10/30/19</a:t>
             </a:fld>
             <a:endParaRPr lang="en-US"/>
           </a:p>
@@ -1320,7 +1407,7 @@
           <a:p>
             <a:fld id="{6A1BF488-617C-45ED-ACF4-41A8189FD430}" type="datetimeFigureOut">
               <a:rPr lang="en-US" smtClean="0"/>
-              <a:t>10/28/2019</a:t>
+              <a:t>10/30/19</a:t>
             </a:fld>
             <a:endParaRPr lang="en-US"/>
           </a:p>
@@ -1528,7 +1615,7 @@
           <a:p>
             <a:fld id="{6A1BF488-617C-45ED-ACF4-41A8189FD430}" type="datetimeFigureOut">
               <a:rPr lang="en-US" smtClean="0"/>
-              <a:t>10/28/2019</a:t>
+              <a:t>10/30/19</a:t>
             </a:fld>
             <a:endParaRPr lang="en-US"/>
           </a:p>
@@ -1726,7 +1813,7 @@
           <a:p>
             <a:fld id="{6A1BF488-617C-45ED-ACF4-41A8189FD430}" type="datetimeFigureOut">
               <a:rPr lang="en-US" smtClean="0"/>
-              <a:t>10/28/2019</a:t>
+              <a:t>10/30/19</a:t>
             </a:fld>
             <a:endParaRPr lang="en-US"/>
           </a:p>
@@ -2001,7 +2088,7 @@
           <a:p>
             <a:fld id="{6A1BF488-617C-45ED-ACF4-41A8189FD430}" type="datetimeFigureOut">
               <a:rPr lang="en-US" smtClean="0"/>
-              <a:t>10/28/2019</a:t>
+              <a:t>10/30/19</a:t>
             </a:fld>
             <a:endParaRPr lang="en-US"/>
           </a:p>
@@ -2266,7 +2353,7 @@
           <a:p>
             <a:fld id="{6A1BF488-617C-45ED-ACF4-41A8189FD430}" type="datetimeFigureOut">
               <a:rPr lang="en-US" smtClean="0"/>
-              <a:t>10/28/2019</a:t>
+              <a:t>10/30/19</a:t>
             </a:fld>
             <a:endParaRPr lang="en-US"/>
           </a:p>
@@ -2678,7 +2765,7 @@
           <a:p>
             <a:fld id="{6A1BF488-617C-45ED-ACF4-41A8189FD430}" type="datetimeFigureOut">
               <a:rPr lang="en-US" smtClean="0"/>
-              <a:t>10/28/2019</a:t>
+              <a:t>10/30/19</a:t>
             </a:fld>
             <a:endParaRPr lang="en-US"/>
           </a:p>
@@ -2819,7 +2906,7 @@
           <a:p>
             <a:fld id="{6A1BF488-617C-45ED-ACF4-41A8189FD430}" type="datetimeFigureOut">
               <a:rPr lang="en-US" smtClean="0"/>
-              <a:t>10/28/2019</a:t>
+              <a:t>10/30/19</a:t>
             </a:fld>
             <a:endParaRPr lang="en-US"/>
           </a:p>
@@ -2932,7 +3019,7 @@
           <a:p>
             <a:fld id="{6A1BF488-617C-45ED-ACF4-41A8189FD430}" type="datetimeFigureOut">
               <a:rPr lang="en-US" smtClean="0"/>
-              <a:t>10/28/2019</a:t>
+              <a:t>10/30/19</a:t>
             </a:fld>
             <a:endParaRPr lang="en-US"/>
           </a:p>
@@ -3243,7 +3330,7 @@
           <a:p>
             <a:fld id="{6A1BF488-617C-45ED-ACF4-41A8189FD430}" type="datetimeFigureOut">
               <a:rPr lang="en-US" smtClean="0"/>
-              <a:t>10/28/2019</a:t>
+              <a:t>10/30/19</a:t>
             </a:fld>
             <a:endParaRPr lang="en-US"/>
           </a:p>
@@ -3531,7 +3618,7 @@
           <a:p>
             <a:fld id="{6A1BF488-617C-45ED-ACF4-41A8189FD430}" type="datetimeFigureOut">
               <a:rPr lang="en-US" smtClean="0"/>
-              <a:t>10/28/2019</a:t>
+              <a:t>10/30/19</a:t>
             </a:fld>
             <a:endParaRPr lang="en-US"/>
           </a:p>
@@ -3772,7 +3859,7 @@
           <a:p>
             <a:fld id="{6A1BF488-617C-45ED-ACF4-41A8189FD430}" type="datetimeFigureOut">
               <a:rPr lang="en-US" smtClean="0"/>
-              <a:t>10/28/2019</a:t>
+              <a:t>10/30/19</a:t>
             </a:fld>
             <a:endParaRPr lang="en-US"/>
           </a:p>
@@ -5133,7 +5220,7 @@
         </p:nvCxnSpPr>
         <p:spPr>
           <a:xfrm flipV="1">
-            <a:off x="3610855" y="5147754"/>
+            <a:off x="2560531" y="5085970"/>
             <a:ext cx="5253244" cy="698629"/>
           </a:xfrm>
           <a:prstGeom prst="line">
@@ -5175,7 +5262,7 @@
         </p:nvSpPr>
         <p:spPr>
           <a:xfrm>
-            <a:off x="3852704" y="2318687"/>
+            <a:off x="2802380" y="2256903"/>
             <a:ext cx="5863904" cy="2930430"/>
           </a:xfrm>
           <a:custGeom>
@@ -5232,7 +5319,7 @@
           <a:noFill/>
           <a:ln w="28575">
             <a:solidFill>
-              <a:srgbClr val="7030A0"/>
+              <a:srgbClr val="FFC000"/>
             </a:solidFill>
             <a:prstDash val="lgDash"/>
           </a:ln>
@@ -5276,7 +5363,7 @@
         </p:nvSpPr>
         <p:spPr>
           <a:xfrm>
-            <a:off x="8864099" y="4072855"/>
+            <a:off x="7813775" y="4011071"/>
             <a:ext cx="914240" cy="1431482"/>
           </a:xfrm>
           <a:prstGeom prst="rect">
@@ -5328,10 +5415,10 @@
         </p:nvGrpSpPr>
         <p:grpSpPr>
           <a:xfrm>
-            <a:off x="2312693" y="-1154084"/>
-            <a:ext cx="11681173" cy="7952611"/>
-            <a:chOff x="1949602" y="-1133111"/>
-            <a:chExt cx="7168247" cy="5030774"/>
+            <a:off x="1378629" y="-1215868"/>
+            <a:ext cx="11564913" cy="7952611"/>
+            <a:chOff x="2020946" y="-1133111"/>
+            <a:chExt cx="7096903" cy="5030774"/>
           </a:xfrm>
         </p:grpSpPr>
         <p:sp>
@@ -5395,7 +5482,7 @@
             <a:noFill/>
             <a:ln w="28575">
               <a:solidFill>
-                <a:srgbClr val="7030A0"/>
+                <a:srgbClr val="FFC000"/>
               </a:solidFill>
             </a:ln>
           </p:spPr>
@@ -5426,10 +5513,10 @@
         </p:sp>
         <p:grpSp>
           <p:nvGrpSpPr>
-            <p:cNvPr id="35" name="Group 34">
+            <p:cNvPr id="18" name="Group 17">
               <a:extLst>
                 <a:ext uri="{FF2B5EF4-FFF2-40B4-BE49-F238E27FC236}">
-                  <a16:creationId xmlns:a16="http://schemas.microsoft.com/office/drawing/2014/main" id="{D40BCF79-6366-4D98-8260-EBE24EF10E10}"/>
+                  <a16:creationId xmlns:a16="http://schemas.microsoft.com/office/drawing/2014/main" id="{F57A2183-EE36-4695-B5E8-7FD37F138102}"/>
                 </a:ext>
               </a:extLst>
             </p:cNvPr>
@@ -5438,18 +5525,18 @@
           </p:nvGrpSpPr>
           <p:grpSpPr>
             <a:xfrm>
-              <a:off x="1949602" y="-1133111"/>
-              <a:ext cx="7168247" cy="5030774"/>
-              <a:chOff x="1949602" y="-1133111"/>
-              <a:chExt cx="7168247" cy="5030774"/>
+              <a:off x="2020946" y="-1133111"/>
+              <a:ext cx="7096903" cy="5030774"/>
+              <a:chOff x="3791025" y="-1137779"/>
+              <a:chExt cx="7096903" cy="5030774"/>
             </a:xfrm>
           </p:grpSpPr>
           <p:grpSp>
             <p:nvGrpSpPr>
-              <p:cNvPr id="18" name="Group 17">
+              <p:cNvPr id="14" name="Group 13">
                 <a:extLst>
                   <a:ext uri="{FF2B5EF4-FFF2-40B4-BE49-F238E27FC236}">
-                    <a16:creationId xmlns:a16="http://schemas.microsoft.com/office/drawing/2014/main" id="{F57A2183-EE36-4695-B5E8-7FD37F138102}"/>
+                    <a16:creationId xmlns:a16="http://schemas.microsoft.com/office/drawing/2014/main" id="{717FA820-6C58-4803-AB24-2E0EAE0CD523}"/>
                   </a:ext>
                 </a:extLst>
               </p:cNvPr>
@@ -5458,366 +5545,191 @@
             </p:nvGrpSpPr>
             <p:grpSpPr>
               <a:xfrm>
-                <a:off x="1949602" y="-1133111"/>
-                <a:ext cx="7168247" cy="5030774"/>
-                <a:chOff x="3719681" y="-1137779"/>
-                <a:chExt cx="7168247" cy="5030774"/>
+                <a:off x="3993159" y="-1137779"/>
+                <a:ext cx="6894769" cy="4669544"/>
+                <a:chOff x="3993159" y="-1137779"/>
+                <a:chExt cx="6894769" cy="4669544"/>
               </a:xfrm>
             </p:grpSpPr>
-            <p:grpSp>
-              <p:nvGrpSpPr>
-                <p:cNvPr id="14" name="Group 13">
+            <p:sp>
+              <p:nvSpPr>
+                <p:cNvPr id="4" name="Arc 3">
                   <a:extLst>
                     <a:ext uri="{FF2B5EF4-FFF2-40B4-BE49-F238E27FC236}">
-                      <a16:creationId xmlns:a16="http://schemas.microsoft.com/office/drawing/2014/main" id="{717FA820-6C58-4803-AB24-2E0EAE0CD523}"/>
+                      <a16:creationId xmlns:a16="http://schemas.microsoft.com/office/drawing/2014/main" id="{31C54786-8885-442C-B6D8-228A6BB52BF3}"/>
                     </a:ext>
                   </a:extLst>
                 </p:cNvPr>
-                <p:cNvGrpSpPr/>
+                <p:cNvSpPr/>
                 <p:nvPr/>
-              </p:nvGrpSpPr>
-              <p:grpSpPr>
-                <a:xfrm>
-                  <a:off x="3993159" y="-1137779"/>
-                  <a:ext cx="6894769" cy="4669544"/>
-                  <a:chOff x="3993159" y="-1137779"/>
-                  <a:chExt cx="6894769" cy="4669544"/>
+              </p:nvSpPr>
+              <p:spPr>
+                <a:xfrm rot="10800000">
+                  <a:off x="4516311" y="-1137779"/>
+                  <a:ext cx="6371617" cy="4212076"/>
                 </a:xfrm>
-              </p:grpSpPr>
-              <p:sp>
-                <p:nvSpPr>
-                  <p:cNvPr id="4" name="Arc 3">
-                    <a:extLst>
-                      <a:ext uri="{FF2B5EF4-FFF2-40B4-BE49-F238E27FC236}">
-                        <a16:creationId xmlns:a16="http://schemas.microsoft.com/office/drawing/2014/main" id="{31C54786-8885-442C-B6D8-228A6BB52BF3}"/>
-                      </a:ext>
-                    </a:extLst>
-                  </p:cNvPr>
-                  <p:cNvSpPr/>
-                  <p:nvPr/>
-                </p:nvSpPr>
-                <p:spPr>
-                  <a:xfrm rot="10800000">
-                    <a:off x="4516311" y="-1137779"/>
-                    <a:ext cx="6371617" cy="4212076"/>
-                  </a:xfrm>
-                  <a:prstGeom prst="arc">
-                    <a:avLst/>
-                  </a:prstGeom>
-                  <a:ln w="28575"/>
-                </p:spPr>
-                <p:style>
-                  <a:lnRef idx="1">
-                    <a:schemeClr val="accent1"/>
-                  </a:lnRef>
-                  <a:fillRef idx="0">
-                    <a:schemeClr val="accent1"/>
-                  </a:fillRef>
-                  <a:effectRef idx="0">
-                    <a:schemeClr val="accent1"/>
-                  </a:effectRef>
-                  <a:fontRef idx="minor">
-                    <a:schemeClr val="tx1"/>
-                  </a:fontRef>
-                </p:style>
-                <p:txBody>
-                  <a:bodyPr rtlCol="0" anchor="ctr"/>
-                  <a:lstStyle/>
-                  <a:p>
-                    <a:pPr algn="ctr"/>
-                    <a:endParaRPr lang="en-US"/>
-                  </a:p>
-                </p:txBody>
-              </p:sp>
-              <p:cxnSp>
-                <p:nvCxnSpPr>
-                  <p:cNvPr id="6" name="Straight Connector 5">
-                    <a:extLst>
-                      <a:ext uri="{FF2B5EF4-FFF2-40B4-BE49-F238E27FC236}">
-                        <a16:creationId xmlns:a16="http://schemas.microsoft.com/office/drawing/2014/main" id="{D18E2C87-3229-4236-9368-8EBC50F8F279}"/>
-                      </a:ext>
-                    </a:extLst>
-                  </p:cNvPr>
-                  <p:cNvCxnSpPr>
-                    <a:cxnSpLocks/>
-                  </p:cNvCxnSpPr>
-                  <p:nvPr/>
-                </p:nvCxnSpPr>
-                <p:spPr>
-                  <a:xfrm flipV="1">
-                    <a:off x="4516311" y="2214694"/>
-                    <a:ext cx="3185808" cy="1073790"/>
-                  </a:xfrm>
-                  <a:prstGeom prst="line">
-                    <a:avLst/>
-                  </a:prstGeom>
-                  <a:ln w="28575">
-                    <a:solidFill>
-                      <a:srgbClr val="FF0000"/>
-                    </a:solidFill>
-                  </a:ln>
-                </p:spPr>
-                <p:style>
-                  <a:lnRef idx="1">
-                    <a:schemeClr val="accent1"/>
-                  </a:lnRef>
-                  <a:fillRef idx="0">
-                    <a:schemeClr val="accent1"/>
-                  </a:fillRef>
-                  <a:effectRef idx="0">
-                    <a:schemeClr val="accent1"/>
-                  </a:effectRef>
-                  <a:fontRef idx="minor">
-                    <a:schemeClr val="tx1"/>
-                  </a:fontRef>
-                </p:style>
-              </p:cxnSp>
-              <p:cxnSp>
-                <p:nvCxnSpPr>
-                  <p:cNvPr id="9" name="Straight Connector 8">
-                    <a:extLst>
-                      <a:ext uri="{FF2B5EF4-FFF2-40B4-BE49-F238E27FC236}">
-                        <a16:creationId xmlns:a16="http://schemas.microsoft.com/office/drawing/2014/main" id="{B156C398-F0A0-488F-A911-01C38AA75E02}"/>
-                      </a:ext>
-                    </a:extLst>
-                  </p:cNvPr>
-                  <p:cNvCxnSpPr/>
-                  <p:nvPr/>
-                </p:nvCxnSpPr>
-                <p:spPr>
-                  <a:xfrm>
-                    <a:off x="3993159" y="553673"/>
-                    <a:ext cx="0" cy="2978092"/>
-                  </a:xfrm>
-                  <a:prstGeom prst="line">
-                    <a:avLst/>
-                  </a:prstGeom>
-                  <a:ln w="19050">
-                    <a:solidFill>
-                      <a:srgbClr val="FF0000"/>
-                    </a:solidFill>
-                  </a:ln>
-                </p:spPr>
-                <p:style>
-                  <a:lnRef idx="1">
-                    <a:schemeClr val="accent1"/>
-                  </a:lnRef>
-                  <a:fillRef idx="0">
-                    <a:schemeClr val="accent1"/>
-                  </a:fillRef>
-                  <a:effectRef idx="0">
-                    <a:schemeClr val="accent1"/>
-                  </a:effectRef>
-                  <a:fontRef idx="minor">
-                    <a:schemeClr val="tx1"/>
-                  </a:fontRef>
-                </p:style>
-              </p:cxnSp>
-              <p:cxnSp>
-                <p:nvCxnSpPr>
-                  <p:cNvPr id="10" name="Straight Connector 9">
-                    <a:extLst>
-                      <a:ext uri="{FF2B5EF4-FFF2-40B4-BE49-F238E27FC236}">
-                        <a16:creationId xmlns:a16="http://schemas.microsoft.com/office/drawing/2014/main" id="{B771D13C-B5F9-457C-B8A4-135B56A26C82}"/>
-                      </a:ext>
-                    </a:extLst>
-                  </p:cNvPr>
-                  <p:cNvCxnSpPr>
-                    <a:cxnSpLocks/>
-                  </p:cNvCxnSpPr>
-                  <p:nvPr/>
-                </p:nvCxnSpPr>
-                <p:spPr>
-                  <a:xfrm flipH="1">
-                    <a:off x="3993159" y="3531765"/>
-                    <a:ext cx="4269997" cy="0"/>
-                  </a:xfrm>
-                  <a:prstGeom prst="line">
-                    <a:avLst/>
-                  </a:prstGeom>
-                  <a:ln w="19050">
-                    <a:solidFill>
-                      <a:schemeClr val="tx1"/>
-                    </a:solidFill>
-                  </a:ln>
-                </p:spPr>
-                <p:style>
-                  <a:lnRef idx="1">
-                    <a:schemeClr val="accent1"/>
-                  </a:lnRef>
-                  <a:fillRef idx="0">
-                    <a:schemeClr val="accent1"/>
-                  </a:fillRef>
-                  <a:effectRef idx="0">
-                    <a:schemeClr val="accent1"/>
-                  </a:effectRef>
-                  <a:fontRef idx="minor">
-                    <a:schemeClr val="tx1"/>
-                  </a:fontRef>
-                </p:style>
-              </p:cxnSp>
-              <p:cxnSp>
-                <p:nvCxnSpPr>
-                  <p:cNvPr id="13" name="Straight Connector 12">
-                    <a:extLst>
-                      <a:ext uri="{FF2B5EF4-FFF2-40B4-BE49-F238E27FC236}">
-                        <a16:creationId xmlns:a16="http://schemas.microsoft.com/office/drawing/2014/main" id="{C90628A5-75D8-4816-9C1F-F6725EA902DA}"/>
-                      </a:ext>
-                    </a:extLst>
-                  </p:cNvPr>
-                  <p:cNvCxnSpPr/>
-                  <p:nvPr/>
-                </p:nvCxnSpPr>
-                <p:spPr>
-                  <a:xfrm>
-                    <a:off x="8263156" y="553673"/>
-                    <a:ext cx="0" cy="2978092"/>
-                  </a:xfrm>
-                  <a:prstGeom prst="line">
-                    <a:avLst/>
-                  </a:prstGeom>
-                  <a:ln w="19050">
-                    <a:solidFill>
-                      <a:schemeClr val="accent1"/>
-                    </a:solidFill>
-                  </a:ln>
-                </p:spPr>
-                <p:style>
-                  <a:lnRef idx="1">
-                    <a:schemeClr val="accent1"/>
-                  </a:lnRef>
-                  <a:fillRef idx="0">
-                    <a:schemeClr val="accent1"/>
-                  </a:fillRef>
-                  <a:effectRef idx="0">
-                    <a:schemeClr val="accent1"/>
-                  </a:effectRef>
-                  <a:fontRef idx="minor">
-                    <a:schemeClr val="tx1"/>
-                  </a:fontRef>
-                </p:style>
-              </p:cxnSp>
-            </p:grpSp>
-            <p:sp>
-              <p:nvSpPr>
-                <p:cNvPr id="15" name="TextBox 14">
+                <a:prstGeom prst="arc">
+                  <a:avLst/>
+                </a:prstGeom>
+                <a:ln w="28575"/>
+              </p:spPr>
+              <p:style>
+                <a:lnRef idx="1">
+                  <a:schemeClr val="accent1"/>
+                </a:lnRef>
+                <a:fillRef idx="0">
+                  <a:schemeClr val="accent1"/>
+                </a:fillRef>
+                <a:effectRef idx="0">
+                  <a:schemeClr val="accent1"/>
+                </a:effectRef>
+                <a:fontRef idx="minor">
+                  <a:schemeClr val="tx1"/>
+                </a:fontRef>
+              </p:style>
+              <p:txBody>
+                <a:bodyPr rtlCol="0" anchor="ctr"/>
+                <a:lstStyle/>
+                <a:p>
+                  <a:pPr algn="ctr"/>
+                  <a:endParaRPr lang="en-US"/>
+                </a:p>
+              </p:txBody>
+            </p:sp>
+            <p:cxnSp>
+              <p:nvCxnSpPr>
+                <p:cNvPr id="6" name="Straight Connector 5">
                   <a:extLst>
                     <a:ext uri="{FF2B5EF4-FFF2-40B4-BE49-F238E27FC236}">
-                      <a16:creationId xmlns:a16="http://schemas.microsoft.com/office/drawing/2014/main" id="{0C93B6E0-7A62-4D2F-AE66-0D9DBF18ACE6}"/>
+                      <a16:creationId xmlns:a16="http://schemas.microsoft.com/office/drawing/2014/main" id="{D18E2C87-3229-4236-9368-8EBC50F8F279}"/>
                     </a:ext>
                   </a:extLst>
                 </p:cNvPr>
-                <p:cNvSpPr txBox="1"/>
+                <p:cNvCxnSpPr>
+                  <a:cxnSpLocks/>
+                </p:cNvCxnSpPr>
                 <p:nvPr/>
-              </p:nvSpPr>
+              </p:nvCxnSpPr>
               <p:spPr>
-                <a:xfrm rot="16200000">
-                  <a:off x="7953732" y="2492072"/>
-                  <a:ext cx="879790" cy="226644"/>
+                <a:xfrm flipV="1">
+                  <a:off x="4516311" y="2214694"/>
+                  <a:ext cx="3185808" cy="1073790"/>
                 </a:xfrm>
-                <a:prstGeom prst="rect">
+                <a:prstGeom prst="line">
                   <a:avLst/>
                 </a:prstGeom>
-                <a:noFill/>
+                <a:ln w="28575">
+                  <a:solidFill>
+                    <a:srgbClr val="FF0000"/>
+                  </a:solidFill>
+                </a:ln>
               </p:spPr>
-              <p:txBody>
-                <a:bodyPr wrap="none" rtlCol="0">
-                  <a:spAutoFit/>
-                </a:bodyPr>
-                <a:lstStyle/>
-                <a:p>
-                  <a:r>
-                    <a:rPr lang="en-US" dirty="0">
-                      <a:solidFill>
-                        <a:srgbClr val="0070C0"/>
-                      </a:solidFill>
-                    </a:rPr>
-                    <a:t>Cost of Pipes</a:t>
-                  </a:r>
-                </a:p>
-              </p:txBody>
-            </p:sp>
-            <p:sp>
-              <p:nvSpPr>
-                <p:cNvPr id="16" name="TextBox 15">
+              <p:style>
+                <a:lnRef idx="1">
+                  <a:schemeClr val="accent1"/>
+                </a:lnRef>
+                <a:fillRef idx="0">
+                  <a:schemeClr val="accent1"/>
+                </a:fillRef>
+                <a:effectRef idx="0">
+                  <a:schemeClr val="accent1"/>
+                </a:effectRef>
+                <a:fontRef idx="minor">
+                  <a:schemeClr val="tx1"/>
+                </a:fontRef>
+              </p:style>
+            </p:cxnSp>
+            <p:cxnSp>
+              <p:nvCxnSpPr>
+                <p:cNvPr id="9" name="Straight Connector 8">
                   <a:extLst>
                     <a:ext uri="{FF2B5EF4-FFF2-40B4-BE49-F238E27FC236}">
-                      <a16:creationId xmlns:a16="http://schemas.microsoft.com/office/drawing/2014/main" id="{C7316363-98E8-47B9-8D10-37A81625269E}"/>
+                      <a16:creationId xmlns:a16="http://schemas.microsoft.com/office/drawing/2014/main" id="{B156C398-F0A0-488F-A911-01C38AA75E02}"/>
                     </a:ext>
                   </a:extLst>
                 </p:cNvPr>
-                <p:cNvSpPr txBox="1"/>
+                <p:cNvCxnSpPr/>
                 <p:nvPr/>
-              </p:nvSpPr>
+              </p:nvCxnSpPr>
               <p:spPr>
-                <a:xfrm rot="16200000">
-                  <a:off x="3140612" y="2096889"/>
-                  <a:ext cx="1527469" cy="369332"/>
+                <a:xfrm>
+                  <a:off x="3993159" y="553673"/>
+                  <a:ext cx="0" cy="2978092"/>
                 </a:xfrm>
-                <a:prstGeom prst="rect">
+                <a:prstGeom prst="line">
                   <a:avLst/>
                 </a:prstGeom>
-                <a:noFill/>
+                <a:ln w="19050">
+                  <a:solidFill>
+                    <a:schemeClr val="tx1"/>
+                  </a:solidFill>
+                </a:ln>
               </p:spPr>
-              <p:txBody>
-                <a:bodyPr wrap="none" rtlCol="0">
-                  <a:spAutoFit/>
-                </a:bodyPr>
-                <a:lstStyle/>
-                <a:p>
-                  <a:r>
-                    <a:rPr lang="en-US" dirty="0">
-                      <a:solidFill>
-                        <a:srgbClr val="FF0000"/>
-                      </a:solidFill>
-                    </a:rPr>
-                    <a:t>Cost of Pumps</a:t>
-                  </a:r>
-                </a:p>
-              </p:txBody>
-            </p:sp>
-            <p:sp>
-              <p:nvSpPr>
-                <p:cNvPr id="17" name="TextBox 16">
+              <p:style>
+                <a:lnRef idx="1">
+                  <a:schemeClr val="accent1"/>
+                </a:lnRef>
+                <a:fillRef idx="0">
+                  <a:schemeClr val="accent1"/>
+                </a:fillRef>
+                <a:effectRef idx="0">
+                  <a:schemeClr val="accent1"/>
+                </a:effectRef>
+                <a:fontRef idx="minor">
+                  <a:schemeClr val="tx1"/>
+                </a:fontRef>
+              </p:style>
+            </p:cxnSp>
+            <p:cxnSp>
+              <p:nvCxnSpPr>
+                <p:cNvPr id="10" name="Straight Connector 9">
                   <a:extLst>
                     <a:ext uri="{FF2B5EF4-FFF2-40B4-BE49-F238E27FC236}">
-                      <a16:creationId xmlns:a16="http://schemas.microsoft.com/office/drawing/2014/main" id="{423B0F39-B126-4F33-B43E-516EC1E859B0}"/>
+                      <a16:creationId xmlns:a16="http://schemas.microsoft.com/office/drawing/2014/main" id="{B771D13C-B5F9-457C-B8A4-135B56A26C82}"/>
                     </a:ext>
                   </a:extLst>
                 </p:cNvPr>
-                <p:cNvSpPr txBox="1"/>
+                <p:cNvCxnSpPr>
+                  <a:cxnSpLocks/>
+                </p:cNvCxnSpPr>
                 <p:nvPr/>
-              </p:nvSpPr>
+              </p:nvCxnSpPr>
               <p:spPr>
-                <a:xfrm>
-                  <a:off x="5518582" y="3523663"/>
-                  <a:ext cx="1890710" cy="369332"/>
+                <a:xfrm flipH="1">
+                  <a:off x="3993159" y="3531765"/>
+                  <a:ext cx="4269997" cy="0"/>
                 </a:xfrm>
-                <a:prstGeom prst="rect">
+                <a:prstGeom prst="line">
                   <a:avLst/>
                 </a:prstGeom>
-                <a:noFill/>
+                <a:ln w="19050">
+                  <a:solidFill>
+                    <a:schemeClr val="tx1"/>
+                  </a:solidFill>
+                </a:ln>
               </p:spPr>
-              <p:txBody>
-                <a:bodyPr wrap="none" rtlCol="0">
-                  <a:spAutoFit/>
-                </a:bodyPr>
-                <a:lstStyle/>
-                <a:p>
-                  <a:r>
-                    <a:rPr lang="en-US" dirty="0"/>
-                    <a:t>Number of Pumps</a:t>
-                  </a:r>
-                </a:p>
-              </p:txBody>
-            </p:sp>
+              <p:style>
+                <a:lnRef idx="1">
+                  <a:schemeClr val="accent1"/>
+                </a:lnRef>
+                <a:fillRef idx="0">
+                  <a:schemeClr val="accent1"/>
+                </a:fillRef>
+                <a:effectRef idx="0">
+                  <a:schemeClr val="accent1"/>
+                </a:effectRef>
+                <a:fontRef idx="minor">
+                  <a:schemeClr val="tx1"/>
+                </a:fontRef>
+              </p:style>
+            </p:cxnSp>
           </p:grpSp>
           <p:sp>
             <p:nvSpPr>
-              <p:cNvPr id="34" name="TextBox 33">
+              <p:cNvPr id="16" name="TextBox 15">
                 <a:extLst>
                   <a:ext uri="{FF2B5EF4-FFF2-40B4-BE49-F238E27FC236}">
-                    <a16:creationId xmlns:a16="http://schemas.microsoft.com/office/drawing/2014/main" id="{A405420D-775C-4CCC-93BE-F19871CC797D}"/>
+                    <a16:creationId xmlns:a16="http://schemas.microsoft.com/office/drawing/2014/main" id="{C7316363-98E8-47B9-8D10-37A81625269E}"/>
                   </a:ext>
                 </a:extLst>
               </p:cNvPr>
@@ -5825,9 +5737,9 @@
               <p:nvPr/>
             </p:nvSpPr>
             <p:spPr>
-              <a:xfrm>
-                <a:off x="3497993" y="1455625"/>
-                <a:ext cx="1451778" cy="330986"/>
+              <a:xfrm rot="16200000">
+                <a:off x="3618080" y="2168233"/>
+                <a:ext cx="572533" cy="226644"/>
               </a:xfrm>
               <a:prstGeom prst="rect">
                 <a:avLst/>
@@ -5841,12 +5753,43 @@
               <a:lstStyle/>
               <a:p>
                 <a:r>
-                  <a:rPr lang="en-US" sz="2800" b="1" dirty="0">
-                    <a:solidFill>
-                      <a:srgbClr val="7030A0"/>
-                    </a:solidFill>
-                  </a:rPr>
-                  <a:t>Cost of System</a:t>
+                  <a:rPr lang="en-US" dirty="0"/>
+                  <a:t>Cost [$]</a:t>
+                </a:r>
+              </a:p>
+            </p:txBody>
+          </p:sp>
+          <p:sp>
+            <p:nvSpPr>
+              <p:cNvPr id="17" name="TextBox 16">
+                <a:extLst>
+                  <a:ext uri="{FF2B5EF4-FFF2-40B4-BE49-F238E27FC236}">
+                    <a16:creationId xmlns:a16="http://schemas.microsoft.com/office/drawing/2014/main" id="{423B0F39-B126-4F33-B43E-516EC1E859B0}"/>
+                  </a:ext>
+                </a:extLst>
+              </p:cNvPr>
+              <p:cNvSpPr txBox="1"/>
+              <p:nvPr/>
+            </p:nvSpPr>
+            <p:spPr>
+              <a:xfrm>
+                <a:off x="5518582" y="3523663"/>
+                <a:ext cx="1890710" cy="369332"/>
+              </a:xfrm>
+              <a:prstGeom prst="rect">
+                <a:avLst/>
+              </a:prstGeom>
+              <a:noFill/>
+            </p:spPr>
+            <p:txBody>
+              <a:bodyPr wrap="none" rtlCol="0">
+                <a:spAutoFit/>
+              </a:bodyPr>
+              <a:lstStyle/>
+              <a:p>
+                <a:r>
+                  <a:rPr lang="en-US" dirty="0"/>
+                  <a:t>Number of Pumps</a:t>
                 </a:r>
               </a:p>
             </p:txBody>
@@ -5867,7 +5810,7 @@
         </p:nvGrpSpPr>
         <p:grpSpPr>
           <a:xfrm>
-            <a:off x="1321530" y="620255"/>
+            <a:off x="1111466" y="536143"/>
             <a:ext cx="9788705" cy="464358"/>
             <a:chOff x="1321530" y="620255"/>
             <a:chExt cx="9788705" cy="464358"/>
@@ -5876,7 +5819,7 @@
         <p:pic>
           <p:nvPicPr>
             <p:cNvPr id="1026" name="Picture 2" descr="Image result for symbol for proportional">
-              <a:hlinkClick r:id="rId2"/>
+              <a:hlinkClick r:id="rId3"/>
               <a:extLst>
                 <a:ext uri="{FF2B5EF4-FFF2-40B4-BE49-F238E27FC236}">
                   <a16:creationId xmlns:a16="http://schemas.microsoft.com/office/drawing/2014/main" id="{AF600655-BD38-4C61-9F74-89118BA35AC1}"/>
@@ -5889,7 +5832,7 @@
             <p:nvPr/>
           </p:nvPicPr>
           <p:blipFill rotWithShape="1">
-            <a:blip r:embed="rId3">
+            <a:blip r:embed="rId4">
               <a:extLst>
                 <a:ext uri="{28A0092B-C50C-407E-A947-70E740481C1C}">
                   <a14:useLocalDpi xmlns:a14="http://schemas.microsoft.com/office/drawing/2010/main" val="0"/>
@@ -6066,7 +6009,7 @@
         <p:pic>
           <p:nvPicPr>
             <p:cNvPr id="52" name="Picture 2" descr="Image result for symbol for proportional">
-              <a:hlinkClick r:id="rId2"/>
+              <a:hlinkClick r:id="rId3"/>
               <a:extLst>
                 <a:ext uri="{FF2B5EF4-FFF2-40B4-BE49-F238E27FC236}">
                   <a16:creationId xmlns:a16="http://schemas.microsoft.com/office/drawing/2014/main" id="{C67CE72A-13B8-4865-A02B-5841D5E61483}"/>
@@ -6079,7 +6022,7 @@
             <p:nvPr/>
           </p:nvPicPr>
           <p:blipFill rotWithShape="1">
-            <a:blip r:embed="rId3">
+            <a:blip r:embed="rId4">
               <a:extLst>
                 <a:ext uri="{28A0092B-C50C-407E-A947-70E740481C1C}">
                   <a14:useLocalDpi xmlns:a14="http://schemas.microsoft.com/office/drawing/2010/main" val="0"/>
@@ -6112,7 +6055,7 @@
         <p:pic>
           <p:nvPicPr>
             <p:cNvPr id="53" name="Picture 2" descr="Image result for symbol for proportional">
-              <a:hlinkClick r:id="rId2"/>
+              <a:hlinkClick r:id="rId3"/>
               <a:extLst>
                 <a:ext uri="{FF2B5EF4-FFF2-40B4-BE49-F238E27FC236}">
                   <a16:creationId xmlns:a16="http://schemas.microsoft.com/office/drawing/2014/main" id="{86FFCD4B-C0D0-415E-B689-2D8481A49E61}"/>
@@ -6125,7 +6068,7 @@
             <p:nvPr/>
           </p:nvPicPr>
           <p:blipFill rotWithShape="1">
-            <a:blip r:embed="rId3">
+            <a:blip r:embed="rId4">
               <a:extLst>
                 <a:ext uri="{28A0092B-C50C-407E-A947-70E740481C1C}">
                   <a14:useLocalDpi xmlns:a14="http://schemas.microsoft.com/office/drawing/2010/main" val="0"/>
@@ -6156,6 +6099,267 @@
           </p:spPr>
         </p:pic>
       </p:grpSp>
+      <p:sp>
+        <p:nvSpPr>
+          <p:cNvPr id="2" name="Rectangle 1">
+            <a:extLst>
+              <a:ext uri="{FF2B5EF4-FFF2-40B4-BE49-F238E27FC236}">
+                <a16:creationId xmlns:a16="http://schemas.microsoft.com/office/drawing/2014/main" id="{5E0C07AF-B422-7949-A799-9B0A04541EB8}"/>
+              </a:ext>
+            </a:extLst>
+          </p:cNvPr>
+          <p:cNvSpPr/>
+          <p:nvPr/>
+        </p:nvSpPr>
+        <p:spPr>
+          <a:xfrm>
+            <a:off x="8930029" y="1505915"/>
+            <a:ext cx="247135" cy="247135"/>
+          </a:xfrm>
+          <a:prstGeom prst="rect">
+            <a:avLst/>
+          </a:prstGeom>
+          <a:solidFill>
+            <a:srgbClr val="C00000"/>
+          </a:solidFill>
+          <a:ln>
+            <a:noFill/>
+          </a:ln>
+        </p:spPr>
+        <p:style>
+          <a:lnRef idx="2">
+            <a:schemeClr val="accent1">
+              <a:shade val="50000"/>
+            </a:schemeClr>
+          </a:lnRef>
+          <a:fillRef idx="1">
+            <a:schemeClr val="accent1"/>
+          </a:fillRef>
+          <a:effectRef idx="0">
+            <a:schemeClr val="accent1"/>
+          </a:effectRef>
+          <a:fontRef idx="minor">
+            <a:schemeClr val="lt1"/>
+          </a:fontRef>
+        </p:style>
+        <p:txBody>
+          <a:bodyPr rtlCol="0" anchor="ctr"/>
+          <a:lstStyle/>
+          <a:p>
+            <a:pPr algn="ctr"/>
+            <a:endParaRPr lang="en-US"/>
+          </a:p>
+        </p:txBody>
+      </p:sp>
+      <p:sp>
+        <p:nvSpPr>
+          <p:cNvPr id="28" name="Rectangle 27">
+            <a:extLst>
+              <a:ext uri="{FF2B5EF4-FFF2-40B4-BE49-F238E27FC236}">
+                <a16:creationId xmlns:a16="http://schemas.microsoft.com/office/drawing/2014/main" id="{0CBE20C1-48C0-F640-9924-34C0E427F845}"/>
+              </a:ext>
+            </a:extLst>
+          </p:cNvPr>
+          <p:cNvSpPr/>
+          <p:nvPr/>
+        </p:nvSpPr>
+        <p:spPr>
+          <a:xfrm>
+            <a:off x="8930029" y="1886152"/>
+            <a:ext cx="247135" cy="247135"/>
+          </a:xfrm>
+          <a:prstGeom prst="rect">
+            <a:avLst/>
+          </a:prstGeom>
+          <a:solidFill>
+            <a:srgbClr val="0070C0"/>
+          </a:solidFill>
+          <a:ln>
+            <a:noFill/>
+          </a:ln>
+        </p:spPr>
+        <p:style>
+          <a:lnRef idx="2">
+            <a:schemeClr val="accent1">
+              <a:shade val="50000"/>
+            </a:schemeClr>
+          </a:lnRef>
+          <a:fillRef idx="1">
+            <a:schemeClr val="accent1"/>
+          </a:fillRef>
+          <a:effectRef idx="0">
+            <a:schemeClr val="accent1"/>
+          </a:effectRef>
+          <a:fontRef idx="minor">
+            <a:schemeClr val="lt1"/>
+          </a:fontRef>
+        </p:style>
+        <p:txBody>
+          <a:bodyPr rtlCol="0" anchor="ctr"/>
+          <a:lstStyle/>
+          <a:p>
+            <a:pPr algn="ctr"/>
+            <a:endParaRPr lang="en-US"/>
+          </a:p>
+        </p:txBody>
+      </p:sp>
+      <p:sp>
+        <p:nvSpPr>
+          <p:cNvPr id="29" name="Rectangle 28">
+            <a:extLst>
+              <a:ext uri="{FF2B5EF4-FFF2-40B4-BE49-F238E27FC236}">
+                <a16:creationId xmlns:a16="http://schemas.microsoft.com/office/drawing/2014/main" id="{E5BEEA73-4AFE-C444-9464-BD4B36CCB83B}"/>
+              </a:ext>
+            </a:extLst>
+          </p:cNvPr>
+          <p:cNvSpPr/>
+          <p:nvPr/>
+        </p:nvSpPr>
+        <p:spPr>
+          <a:xfrm>
+            <a:off x="8930029" y="2266389"/>
+            <a:ext cx="247135" cy="247135"/>
+          </a:xfrm>
+          <a:prstGeom prst="rect">
+            <a:avLst/>
+          </a:prstGeom>
+          <a:solidFill>
+            <a:srgbClr val="FFC000"/>
+          </a:solidFill>
+          <a:ln>
+            <a:noFill/>
+          </a:ln>
+        </p:spPr>
+        <p:style>
+          <a:lnRef idx="2">
+            <a:schemeClr val="accent1">
+              <a:shade val="50000"/>
+            </a:schemeClr>
+          </a:lnRef>
+          <a:fillRef idx="1">
+            <a:schemeClr val="accent1"/>
+          </a:fillRef>
+          <a:effectRef idx="0">
+            <a:schemeClr val="accent1"/>
+          </a:effectRef>
+          <a:fontRef idx="minor">
+            <a:schemeClr val="lt1"/>
+          </a:fontRef>
+        </p:style>
+        <p:txBody>
+          <a:bodyPr rtlCol="0" anchor="ctr"/>
+          <a:lstStyle/>
+          <a:p>
+            <a:pPr algn="ctr"/>
+            <a:endParaRPr lang="en-US"/>
+          </a:p>
+        </p:txBody>
+      </p:sp>
+      <p:sp>
+        <p:nvSpPr>
+          <p:cNvPr id="3" name="TextBox 2">
+            <a:extLst>
+              <a:ext uri="{FF2B5EF4-FFF2-40B4-BE49-F238E27FC236}">
+                <a16:creationId xmlns:a16="http://schemas.microsoft.com/office/drawing/2014/main" id="{1C280EAE-DEBF-634E-B7D2-456247750E42}"/>
+              </a:ext>
+            </a:extLst>
+          </p:cNvPr>
+          <p:cNvSpPr txBox="1"/>
+          <p:nvPr/>
+        </p:nvSpPr>
+        <p:spPr>
+          <a:xfrm>
+            <a:off x="9287015" y="1415448"/>
+            <a:ext cx="819904" cy="369332"/>
+          </a:xfrm>
+          <a:prstGeom prst="rect">
+            <a:avLst/>
+          </a:prstGeom>
+          <a:noFill/>
+        </p:spPr>
+        <p:txBody>
+          <a:bodyPr wrap="none" rtlCol="0">
+            <a:spAutoFit/>
+          </a:bodyPr>
+          <a:lstStyle/>
+          <a:p>
+            <a:r>
+              <a:rPr lang="en-US" dirty="0"/>
+              <a:t>Pumps</a:t>
+            </a:r>
+          </a:p>
+        </p:txBody>
+      </p:sp>
+      <p:sp>
+        <p:nvSpPr>
+          <p:cNvPr id="31" name="TextBox 30">
+            <a:extLst>
+              <a:ext uri="{FF2B5EF4-FFF2-40B4-BE49-F238E27FC236}">
+                <a16:creationId xmlns:a16="http://schemas.microsoft.com/office/drawing/2014/main" id="{C282E4F8-9893-814E-ADC7-0AA2A8D72DA2}"/>
+              </a:ext>
+            </a:extLst>
+          </p:cNvPr>
+          <p:cNvSpPr txBox="1"/>
+          <p:nvPr/>
+        </p:nvSpPr>
+        <p:spPr>
+          <a:xfrm>
+            <a:off x="9287015" y="1807118"/>
+            <a:ext cx="683200" cy="369332"/>
+          </a:xfrm>
+          <a:prstGeom prst="rect">
+            <a:avLst/>
+          </a:prstGeom>
+          <a:noFill/>
+        </p:spPr>
+        <p:txBody>
+          <a:bodyPr wrap="none" rtlCol="0">
+            <a:spAutoFit/>
+          </a:bodyPr>
+          <a:lstStyle/>
+          <a:p>
+            <a:r>
+              <a:rPr lang="en-US" dirty="0"/>
+              <a:t>Pipes</a:t>
+            </a:r>
+          </a:p>
+        </p:txBody>
+      </p:sp>
+      <p:sp>
+        <p:nvSpPr>
+          <p:cNvPr id="32" name="TextBox 31">
+            <a:extLst>
+              <a:ext uri="{FF2B5EF4-FFF2-40B4-BE49-F238E27FC236}">
+                <a16:creationId xmlns:a16="http://schemas.microsoft.com/office/drawing/2014/main" id="{B0FF3AEB-A9CE-014C-A2F6-9BE8C990FDD9}"/>
+              </a:ext>
+            </a:extLst>
+          </p:cNvPr>
+          <p:cNvSpPr txBox="1"/>
+          <p:nvPr/>
+        </p:nvSpPr>
+        <p:spPr>
+          <a:xfrm>
+            <a:off x="9295449" y="2205290"/>
+            <a:ext cx="1355179" cy="369332"/>
+          </a:xfrm>
+          <a:prstGeom prst="rect">
+            <a:avLst/>
+          </a:prstGeom>
+          <a:noFill/>
+        </p:spPr>
+        <p:txBody>
+          <a:bodyPr wrap="none" rtlCol="0">
+            <a:spAutoFit/>
+          </a:bodyPr>
+          <a:lstStyle/>
+          <a:p>
+            <a:r>
+              <a:rPr lang="en-US" dirty="0"/>
+              <a:t>Total System</a:t>
+            </a:r>
+          </a:p>
+        </p:txBody>
+      </p:sp>
     </p:spTree>
     <p:extLst>
       <p:ext uri="{BB962C8B-B14F-4D97-AF65-F5344CB8AC3E}">
